--- a/Hands On.pptx
+++ b/Hands On.pptx
@@ -7,23 +7,26 @@
   <p:sldIdLst>
     <p:sldId id="256" r:id="rId2"/>
     <p:sldId id="257" r:id="rId3"/>
-    <p:sldId id="258" r:id="rId4"/>
-    <p:sldId id="259" r:id="rId5"/>
-    <p:sldId id="260" r:id="rId6"/>
-    <p:sldId id="261" r:id="rId7"/>
-    <p:sldId id="262" r:id="rId8"/>
-    <p:sldId id="263" r:id="rId9"/>
-    <p:sldId id="264" r:id="rId10"/>
-    <p:sldId id="265" r:id="rId11"/>
-    <p:sldId id="266" r:id="rId12"/>
-    <p:sldId id="267" r:id="rId13"/>
-    <p:sldId id="268" r:id="rId14"/>
-    <p:sldId id="269" r:id="rId15"/>
-    <p:sldId id="270" r:id="rId16"/>
-    <p:sldId id="271" r:id="rId17"/>
-    <p:sldId id="272" r:id="rId18"/>
-    <p:sldId id="273" r:id="rId19"/>
-    <p:sldId id="274" r:id="rId20"/>
+    <p:sldId id="275" r:id="rId4"/>
+    <p:sldId id="258" r:id="rId5"/>
+    <p:sldId id="259" r:id="rId6"/>
+    <p:sldId id="260" r:id="rId7"/>
+    <p:sldId id="261" r:id="rId8"/>
+    <p:sldId id="262" r:id="rId9"/>
+    <p:sldId id="263" r:id="rId10"/>
+    <p:sldId id="264" r:id="rId11"/>
+    <p:sldId id="265" r:id="rId12"/>
+    <p:sldId id="266" r:id="rId13"/>
+    <p:sldId id="267" r:id="rId14"/>
+    <p:sldId id="268" r:id="rId15"/>
+    <p:sldId id="269" r:id="rId16"/>
+    <p:sldId id="270" r:id="rId17"/>
+    <p:sldId id="271" r:id="rId18"/>
+    <p:sldId id="272" r:id="rId19"/>
+    <p:sldId id="273" r:id="rId20"/>
+    <p:sldId id="274" r:id="rId21"/>
+    <p:sldId id="276" r:id="rId22"/>
+    <p:sldId id="277" r:id="rId23"/>
   </p:sldIdLst>
   <p:sldSz cx="12192000" cy="6858000"/>
   <p:notesSz cx="6858000" cy="9144000"/>
@@ -122,6 +125,11 @@
       </a:defRPr>
     </a:lvl9pPr>
   </p:defaultTextStyle>
+  <p:extLst>
+    <p:ext uri="{EFAFB233-063F-42B5-8137-9DF3F51BA10A}">
+      <p15:sldGuideLst xmlns:p15="http://schemas.microsoft.com/office/powerpoint/2012/main"/>
+    </p:ext>
+  </p:extLst>
 </p:presentation>
 </file>
 
@@ -350,7 +358,7 @@
             <a:fld id="{5586B75A-687E-405C-8A0B-8D00578BA2C3}" type="datetimeFigureOut">
               <a:rPr lang="en-US" dirty="0"/>
               <a:pPr/>
-              <a:t>11/19/24</a:t>
+              <a:t>11/25/24</a:t>
             </a:fld>
             <a:endParaRPr lang="en-US" dirty="0"/>
           </a:p>
@@ -517,7 +525,7 @@
             <a:fld id="{5586B75A-687E-405C-8A0B-8D00578BA2C3}" type="datetimeFigureOut">
               <a:rPr lang="en-US" dirty="0"/>
               <a:pPr/>
-              <a:t>11/19/24</a:t>
+              <a:t>11/25/24</a:t>
             </a:fld>
             <a:endParaRPr lang="en-US" dirty="0"/>
           </a:p>
@@ -694,7 +702,7 @@
             <a:fld id="{5586B75A-687E-405C-8A0B-8D00578BA2C3}" type="datetimeFigureOut">
               <a:rPr lang="en-US" dirty="0"/>
               <a:pPr/>
-              <a:t>11/19/24</a:t>
+              <a:t>11/25/24</a:t>
             </a:fld>
             <a:endParaRPr lang="en-US" dirty="0"/>
           </a:p>
@@ -861,7 +869,7 @@
             <a:fld id="{5586B75A-687E-405C-8A0B-8D00578BA2C3}" type="datetimeFigureOut">
               <a:rPr lang="en-US" dirty="0"/>
               <a:pPr/>
-              <a:t>11/19/24</a:t>
+              <a:t>11/25/24</a:t>
             </a:fld>
             <a:endParaRPr lang="en-US" dirty="0"/>
           </a:p>
@@ -1116,7 +1124,7 @@
             <a:fld id="{5586B75A-687E-405C-8A0B-8D00578BA2C3}" type="datetimeFigureOut">
               <a:rPr lang="en-US" dirty="0"/>
               <a:pPr/>
-              <a:t>11/19/24</a:t>
+              <a:t>11/25/24</a:t>
             </a:fld>
             <a:endParaRPr lang="en-US" dirty="0"/>
           </a:p>
@@ -1401,7 +1409,7 @@
             <a:fld id="{5586B75A-687E-405C-8A0B-8D00578BA2C3}" type="datetimeFigureOut">
               <a:rPr lang="en-US" dirty="0"/>
               <a:pPr/>
-              <a:t>11/19/24</a:t>
+              <a:t>11/25/24</a:t>
             </a:fld>
             <a:endParaRPr lang="en-US" dirty="0"/>
           </a:p>
@@ -1840,7 +1848,7 @@
             <a:fld id="{5586B75A-687E-405C-8A0B-8D00578BA2C3}" type="datetimeFigureOut">
               <a:rPr lang="en-US" dirty="0"/>
               <a:pPr/>
-              <a:t>11/19/24</a:t>
+              <a:t>11/25/24</a:t>
             </a:fld>
             <a:endParaRPr lang="en-US" dirty="0"/>
           </a:p>
@@ -1955,7 +1963,7 @@
             <a:fld id="{5586B75A-687E-405C-8A0B-8D00578BA2C3}" type="datetimeFigureOut">
               <a:rPr lang="en-US" dirty="0"/>
               <a:pPr/>
-              <a:t>11/19/24</a:t>
+              <a:t>11/25/24</a:t>
             </a:fld>
             <a:endParaRPr lang="en-US" dirty="0"/>
           </a:p>
@@ -2047,7 +2055,7 @@
             <a:fld id="{5586B75A-687E-405C-8A0B-8D00578BA2C3}" type="datetimeFigureOut">
               <a:rPr lang="en-US" dirty="0"/>
               <a:pPr/>
-              <a:t>11/19/24</a:t>
+              <a:t>11/25/24</a:t>
             </a:fld>
             <a:endParaRPr lang="en-US" dirty="0"/>
           </a:p>
@@ -2332,7 +2340,7 @@
             <a:fld id="{5586B75A-687E-405C-8A0B-8D00578BA2C3}" type="datetimeFigureOut">
               <a:rPr lang="en-US" dirty="0"/>
               <a:pPr/>
-              <a:t>11/19/24</a:t>
+              <a:t>11/25/24</a:t>
             </a:fld>
             <a:endParaRPr lang="en-US" dirty="0"/>
           </a:p>
@@ -2602,7 +2610,7 @@
             <a:fld id="{5586B75A-687E-405C-8A0B-8D00578BA2C3}" type="datetimeFigureOut">
               <a:rPr lang="en-US" dirty="0"/>
               <a:pPr/>
-              <a:t>11/19/24</a:t>
+              <a:t>11/25/24</a:t>
             </a:fld>
             <a:endParaRPr lang="en-US" dirty="0"/>
           </a:p>
@@ -2896,7 +2904,7 @@
             <a:fld id="{5586B75A-687E-405C-8A0B-8D00578BA2C3}" type="datetimeFigureOut">
               <a:rPr lang="en-US" dirty="0"/>
               <a:pPr/>
-              <a:t>11/19/24</a:t>
+              <a:t>11/25/24</a:t>
             </a:fld>
             <a:endParaRPr lang="en-US" dirty="0"/>
           </a:p>
@@ -3514,7 +3522,7 @@
           <p:cNvPr id="2" name="Título 1">
             <a:extLst>
               <a:ext uri="{FF2B5EF4-FFF2-40B4-BE49-F238E27FC236}">
-                <a16:creationId xmlns:a16="http://schemas.microsoft.com/office/drawing/2014/main" id="{DA13D247-F952-0EA6-A1C6-02A4AD486E7D}"/>
+                <a16:creationId xmlns:a16="http://schemas.microsoft.com/office/drawing/2014/main" id="{E7335094-994F-2526-CDEF-CA51EB9E09C5}"/>
               </a:ext>
             </a:extLst>
           </p:cNvPr>
@@ -3532,7 +3540,7 @@
           <a:p>
             <a:r>
               <a:rPr lang="pt-BR" dirty="0" err="1"/>
-              <a:t>Flower</a:t>
+              <a:t>DataOps</a:t>
             </a:r>
             <a:endParaRPr lang="pt-BR" dirty="0"/>
           </a:p>
@@ -3543,7 +3551,7 @@
           <p:cNvPr id="3" name="Espaço Reservado para Conteúdo 2">
             <a:extLst>
               <a:ext uri="{FF2B5EF4-FFF2-40B4-BE49-F238E27FC236}">
-                <a16:creationId xmlns:a16="http://schemas.microsoft.com/office/drawing/2014/main" id="{4775AC5B-285A-D6A3-9DB5-297CB58D7F8C}"/>
+                <a16:creationId xmlns:a16="http://schemas.microsoft.com/office/drawing/2014/main" id="{DE75473A-E8FF-1AE8-1C35-4C797D20AB5E}"/>
               </a:ext>
             </a:extLst>
           </p:cNvPr>
@@ -3565,15 +3573,123 @@
             </a:pPr>
             <a:r>
               <a:rPr lang="pt-BR" b="1" dirty="0"/>
-              <a:t>Definição</a:t>
-            </a:r>
-            <a:r>
-              <a:rPr lang="pt-BR" dirty="0"/>
-              <a:t>: Ferramenta para monitoramento e gerenciamento de </a:t>
-            </a:r>
-            <a:r>
-              <a:rPr lang="pt-BR" dirty="0" err="1"/>
-              <a:t>workers</a:t>
+              <a:t>Docker</a:t>
+            </a:r>
+            <a:r>
+              <a:rPr lang="pt-BR" dirty="0"/>
+              <a:t>:</a:t>
+            </a:r>
+          </a:p>
+          <a:p>
+            <a:pPr lvl="1">
+              <a:buFont typeface="Arial" panose="020B0604020202020204" pitchFamily="34" charset="0"/>
+              <a:buChar char="•"/>
+            </a:pPr>
+            <a:r>
+              <a:rPr lang="pt-BR" dirty="0"/>
+              <a:t>Ferramenta para criar, gerenciar e executar contêineres.</a:t>
+            </a:r>
+          </a:p>
+          <a:p>
+            <a:pPr lvl="1">
+              <a:buFont typeface="Arial" panose="020B0604020202020204" pitchFamily="34" charset="0"/>
+              <a:buChar char="•"/>
+            </a:pPr>
+            <a:r>
+              <a:rPr lang="pt-BR" dirty="0"/>
+              <a:t>Imagens contêm todo o ambiente necessário para execução de aplicações.</a:t>
+            </a:r>
+          </a:p>
+          <a:p>
+            <a:pPr>
+              <a:buFont typeface="Arial" panose="020B0604020202020204" pitchFamily="34" charset="0"/>
+              <a:buChar char="•"/>
+            </a:pPr>
+            <a:r>
+              <a:rPr lang="pt-BR" b="1" dirty="0"/>
+              <a:t>Docker </a:t>
+            </a:r>
+            <a:r>
+              <a:rPr lang="pt-BR" b="1" dirty="0" err="1"/>
+              <a:t>Compose</a:t>
+            </a:r>
+            <a:r>
+              <a:rPr lang="pt-BR" dirty="0"/>
+              <a:t>:</a:t>
+            </a:r>
+          </a:p>
+          <a:p>
+            <a:pPr lvl="1">
+              <a:buFont typeface="Arial" panose="020B0604020202020204" pitchFamily="34" charset="0"/>
+              <a:buChar char="•"/>
+            </a:pPr>
+            <a:r>
+              <a:rPr lang="pt-BR" dirty="0"/>
+              <a:t>Orquestra múltiplos contêineres com arquivos </a:t>
+            </a:r>
+            <a:r>
+              <a:rPr lang="pt-BR" dirty="0" err="1"/>
+              <a:t>docker-compose.yml</a:t>
+            </a:r>
+            <a:r>
+              <a:rPr lang="pt-BR" dirty="0"/>
+              <a:t>.</a:t>
+            </a:r>
+          </a:p>
+          <a:p>
+            <a:pPr lvl="1">
+              <a:buFont typeface="Arial" panose="020B0604020202020204" pitchFamily="34" charset="0"/>
+              <a:buChar char="•"/>
+            </a:pPr>
+            <a:r>
+              <a:rPr lang="pt-BR" dirty="0"/>
+              <a:t>Útil para ambientes complexos, como o setup do </a:t>
+            </a:r>
+            <a:r>
+              <a:rPr lang="pt-BR" dirty="0" err="1"/>
+              <a:t>Airflow</a:t>
+            </a:r>
+            <a:r>
+              <a:rPr lang="pt-BR" dirty="0"/>
+              <a:t>.</a:t>
+            </a:r>
+          </a:p>
+          <a:p>
+            <a:pPr>
+              <a:buFont typeface="Arial" panose="020B0604020202020204" pitchFamily="34" charset="0"/>
+              <a:buChar char="•"/>
+            </a:pPr>
+            <a:r>
+              <a:rPr lang="pt-BR" b="1" dirty="0"/>
+              <a:t>Comandos úteis</a:t>
+            </a:r>
+            <a:r>
+              <a:rPr lang="pt-BR" dirty="0"/>
+              <a:t>:</a:t>
+            </a:r>
+          </a:p>
+          <a:p>
+            <a:pPr lvl="1">
+              <a:buFont typeface="Arial" panose="020B0604020202020204" pitchFamily="34" charset="0"/>
+              <a:buChar char="•"/>
+            </a:pPr>
+            <a:r>
+              <a:rPr lang="pt-BR" dirty="0" err="1"/>
+              <a:t>docker</a:t>
+            </a:r>
+            <a:r>
+              <a:rPr lang="pt-BR" dirty="0"/>
+              <a:t> build</a:t>
+            </a:r>
+          </a:p>
+          <a:p>
+            <a:pPr lvl="1">
+              <a:buFont typeface="Arial" panose="020B0604020202020204" pitchFamily="34" charset="0"/>
+              <a:buChar char="•"/>
+            </a:pPr>
+            <a:r>
+              <a:rPr lang="pt-BR" dirty="0" err="1"/>
+              <a:t>docker</a:t>
             </a:r>
             <a:r>
               <a:rPr lang="pt-BR" dirty="0"/>
@@ -3581,105 +3697,55 @@
             </a:r>
             <a:r>
               <a:rPr lang="pt-BR" dirty="0" err="1"/>
-              <a:t>Celery</a:t>
-            </a:r>
-            <a:r>
-              <a:rPr lang="pt-BR" dirty="0"/>
-              <a:t>.</a:t>
-            </a:r>
-          </a:p>
-          <a:p>
-            <a:pPr>
-              <a:buFont typeface="Arial" panose="020B0604020202020204" pitchFamily="34" charset="0"/>
-              <a:buChar char="•"/>
-            </a:pPr>
-            <a:r>
-              <a:rPr lang="pt-BR" b="1" dirty="0"/>
-              <a:t>Recursos</a:t>
-            </a:r>
-            <a:r>
-              <a:rPr lang="pt-BR" dirty="0"/>
-              <a:t>:</a:t>
-            </a:r>
-          </a:p>
-          <a:p>
-            <a:pPr marL="742950" lvl="1" indent="-285750">
-              <a:buFont typeface="Arial" panose="020B0604020202020204" pitchFamily="34" charset="0"/>
-              <a:buChar char="•"/>
-            </a:pPr>
-            <a:r>
-              <a:rPr lang="pt-BR" dirty="0"/>
-              <a:t>Visualização do estado das tarefas e filas.</a:t>
-            </a:r>
-          </a:p>
-          <a:p>
-            <a:pPr marL="742950" lvl="1" indent="-285750">
-              <a:buFont typeface="Arial" panose="020B0604020202020204" pitchFamily="34" charset="0"/>
-              <a:buChar char="•"/>
-            </a:pPr>
-            <a:r>
-              <a:rPr lang="pt-BR" dirty="0"/>
-              <a:t>Cancelamento de tarefas em execução.</a:t>
-            </a:r>
-          </a:p>
-          <a:p>
-            <a:pPr marL="742950" lvl="1" indent="-285750">
-              <a:buFont typeface="Arial" panose="020B0604020202020204" pitchFamily="34" charset="0"/>
-              <a:buChar char="•"/>
-            </a:pPr>
-            <a:r>
-              <a:rPr lang="pt-BR" dirty="0"/>
-              <a:t>Estatísticas de </a:t>
-            </a:r>
-            <a:r>
-              <a:rPr lang="pt-BR" dirty="0" err="1"/>
-              <a:t>workers</a:t>
-            </a:r>
-            <a:r>
-              <a:rPr lang="pt-BR" dirty="0"/>
-              <a:t>.</a:t>
-            </a:r>
-          </a:p>
-          <a:p>
-            <a:pPr>
-              <a:buFont typeface="Arial" panose="020B0604020202020204" pitchFamily="34" charset="0"/>
-              <a:buChar char="•"/>
-            </a:pPr>
-            <a:r>
-              <a:rPr lang="pt-BR" b="1" dirty="0"/>
-              <a:t>Configuração com </a:t>
-            </a:r>
-            <a:r>
-              <a:rPr lang="pt-BR" b="1" dirty="0" err="1"/>
-              <a:t>Airflow</a:t>
-            </a:r>
-            <a:r>
-              <a:rPr lang="pt-BR" dirty="0"/>
-              <a:t>:</a:t>
-            </a:r>
-          </a:p>
-          <a:p>
-            <a:pPr marL="742950" lvl="1" indent="-285750">
-              <a:buFont typeface="Arial" panose="020B0604020202020204" pitchFamily="34" charset="0"/>
-              <a:buChar char="•"/>
-            </a:pPr>
-            <a:r>
-              <a:rPr lang="pt-BR" dirty="0"/>
-              <a:t>Executado como serviço paralelo, geralmente no </a:t>
-            </a:r>
-            <a:r>
-              <a:rPr lang="pt-BR" dirty="0" err="1"/>
-              <a:t>docker-compose.yml</a:t>
-            </a:r>
-            <a:r>
-              <a:rPr lang="pt-BR" dirty="0"/>
-              <a:t>.</a:t>
-            </a:r>
-          </a:p>
-          <a:p>
-            <a:pPr marL="0" indent="0">
-              <a:buNone/>
-            </a:pPr>
+              <a:t>run</a:t>
+            </a:r>
+            <a:r>
+              <a:rPr lang="pt-BR" dirty="0"/>
+              <a:t> </a:t>
+            </a:r>
+          </a:p>
+          <a:p>
+            <a:pPr lvl="1">
+              <a:buFont typeface="Arial" panose="020B0604020202020204" pitchFamily="34" charset="0"/>
+              <a:buChar char="•"/>
+            </a:pPr>
+            <a:r>
+              <a:rPr lang="pt-BR" dirty="0" err="1"/>
+              <a:t>docker-compose</a:t>
+            </a:r>
+            <a:r>
+              <a:rPr lang="pt-BR" dirty="0"/>
+              <a:t> </a:t>
+            </a:r>
+            <a:r>
+              <a:rPr lang="pt-BR" dirty="0" err="1"/>
+              <a:t>up</a:t>
+            </a:r>
+            <a:endParaRPr lang="pt-BR" dirty="0"/>
+          </a:p>
+          <a:p>
+            <a:pPr lvl="1">
+              <a:buFont typeface="Arial" panose="020B0604020202020204" pitchFamily="34" charset="0"/>
+              <a:buChar char="•"/>
+            </a:pPr>
+            <a:r>
+              <a:rPr lang="pt-BR" dirty="0" err="1"/>
+              <a:t>docker</a:t>
+            </a:r>
+            <a:r>
+              <a:rPr lang="pt-BR" dirty="0"/>
+              <a:t> system </a:t>
+            </a:r>
+            <a:r>
+              <a:rPr lang="pt-BR" dirty="0" err="1"/>
+              <a:t>prune</a:t>
+            </a:r>
+            <a:r>
+              <a:rPr lang="pt-BR" dirty="0"/>
+              <a:t> -a</a:t>
+            </a:r>
+          </a:p>
+          <a:p>
             <a:endParaRPr lang="pt-BR" dirty="0"/>
           </a:p>
         </p:txBody>
@@ -3687,7 +3753,7 @@
     </p:spTree>
     <p:extLst>
       <p:ext uri="{BB962C8B-B14F-4D97-AF65-F5344CB8AC3E}">
-        <p14:creationId xmlns:p14="http://schemas.microsoft.com/office/powerpoint/2010/main" val="3846977191"/>
+        <p14:creationId xmlns:p14="http://schemas.microsoft.com/office/powerpoint/2010/main" val="675499665"/>
       </p:ext>
     </p:extLst>
   </p:cSld>
@@ -3719,7 +3785,7 @@
           <p:cNvPr id="2" name="Título 1">
             <a:extLst>
               <a:ext uri="{FF2B5EF4-FFF2-40B4-BE49-F238E27FC236}">
-                <a16:creationId xmlns:a16="http://schemas.microsoft.com/office/drawing/2014/main" id="{C251B4D3-5748-A5E6-E72E-07A287B6B3F7}"/>
+                <a16:creationId xmlns:a16="http://schemas.microsoft.com/office/drawing/2014/main" id="{DA13D247-F952-0EA6-A1C6-02A4AD486E7D}"/>
               </a:ext>
             </a:extLst>
           </p:cNvPr>
@@ -3736,9 +3802,10 @@
           <a:lstStyle/>
           <a:p>
             <a:r>
-              <a:rPr lang="pt-BR" dirty="0"/>
-              <a:t>Redis</a:t>
-            </a:r>
+              <a:rPr lang="pt-BR" dirty="0" err="1"/>
+              <a:t>Flower</a:t>
+            </a:r>
+            <a:endParaRPr lang="pt-BR" dirty="0"/>
           </a:p>
         </p:txBody>
       </p:sp>
@@ -3747,7 +3814,7 @@
           <p:cNvPr id="3" name="Espaço Reservado para Conteúdo 2">
             <a:extLst>
               <a:ext uri="{FF2B5EF4-FFF2-40B4-BE49-F238E27FC236}">
-                <a16:creationId xmlns:a16="http://schemas.microsoft.com/office/drawing/2014/main" id="{9AAE8368-24A3-2D54-648B-89B5D69AAC61}"/>
+                <a16:creationId xmlns:a16="http://schemas.microsoft.com/office/drawing/2014/main" id="{4775AC5B-285A-D6A3-9DB5-297CB58D7F8C}"/>
               </a:ext>
             </a:extLst>
           </p:cNvPr>
@@ -3773,19 +3840,19 @@
             </a:r>
             <a:r>
               <a:rPr lang="pt-BR" dirty="0"/>
-              <a:t>: Banco de dados em memória usado como </a:t>
-            </a:r>
-            <a:r>
-              <a:rPr lang="pt-BR" dirty="0" err="1"/>
-              <a:t>backend</a:t>
-            </a:r>
-            <a:r>
-              <a:rPr lang="pt-BR" dirty="0"/>
-              <a:t> para filas no </a:t>
-            </a:r>
-            <a:r>
-              <a:rPr lang="pt-BR" dirty="0" err="1"/>
-              <a:t>CeleryExecutor</a:t>
+              <a:t>: Ferramenta para monitoramento e gerenciamento de </a:t>
+            </a:r>
+            <a:r>
+              <a:rPr lang="pt-BR" dirty="0" err="1"/>
+              <a:t>workers</a:t>
+            </a:r>
+            <a:r>
+              <a:rPr lang="pt-BR" dirty="0"/>
+              <a:t> </a:t>
+            </a:r>
+            <a:r>
+              <a:rPr lang="pt-BR" dirty="0" err="1"/>
+              <a:t>Celery</a:t>
             </a:r>
             <a:r>
               <a:rPr lang="pt-BR" dirty="0"/>
@@ -3807,27 +3874,37 @@
             </a:r>
           </a:p>
           <a:p>
-            <a:pPr lvl="1">
-              <a:buFont typeface="Arial" panose="020B0604020202020204" pitchFamily="34" charset="0"/>
-              <a:buChar char="•"/>
-            </a:pPr>
-            <a:r>
-              <a:rPr lang="pt-BR" dirty="0"/>
-              <a:t>Alta performance e baixa latência.</a:t>
-            </a:r>
-          </a:p>
-          <a:p>
-            <a:pPr lvl="1">
-              <a:buFont typeface="Arial" panose="020B0604020202020204" pitchFamily="34" charset="0"/>
-              <a:buChar char="•"/>
-            </a:pPr>
-            <a:r>
-              <a:rPr lang="pt-BR" dirty="0"/>
-              <a:t>Suporte a estruturas como listas e </a:t>
-            </a:r>
-            <a:r>
-              <a:rPr lang="pt-BR" dirty="0" err="1"/>
-              <a:t>hashes</a:t>
+            <a:pPr marL="742950" lvl="1" indent="-285750">
+              <a:buFont typeface="Arial" panose="020B0604020202020204" pitchFamily="34" charset="0"/>
+              <a:buChar char="•"/>
+            </a:pPr>
+            <a:r>
+              <a:rPr lang="pt-BR" dirty="0"/>
+              <a:t>Visualização do estado das tarefas e filas.</a:t>
+            </a:r>
+          </a:p>
+          <a:p>
+            <a:pPr marL="742950" lvl="1" indent="-285750">
+              <a:buFont typeface="Arial" panose="020B0604020202020204" pitchFamily="34" charset="0"/>
+              <a:buChar char="•"/>
+            </a:pPr>
+            <a:r>
+              <a:rPr lang="pt-BR" dirty="0"/>
+              <a:t>Cancelamento de tarefas em execução.</a:t>
+            </a:r>
+          </a:p>
+          <a:p>
+            <a:pPr marL="742950" lvl="1" indent="-285750">
+              <a:buFont typeface="Arial" panose="020B0604020202020204" pitchFamily="34" charset="0"/>
+              <a:buChar char="•"/>
+            </a:pPr>
+            <a:r>
+              <a:rPr lang="pt-BR" dirty="0"/>
+              <a:t>Estatísticas de </a:t>
+            </a:r>
+            <a:r>
+              <a:rPr lang="pt-BR" dirty="0" err="1"/>
+              <a:t>workers</a:t>
             </a:r>
             <a:r>
               <a:rPr lang="pt-BR" dirty="0"/>
@@ -3841,101 +3918,33 @@
             </a:pPr>
             <a:r>
               <a:rPr lang="pt-BR" b="1" dirty="0"/>
-              <a:t>Configuração no </a:t>
+              <a:t>Configuração com </a:t>
             </a:r>
             <a:r>
               <a:rPr lang="pt-BR" b="1" dirty="0" err="1"/>
               <a:t>Airflow</a:t>
             </a:r>
             <a:r>
-              <a:rPr lang="pt-BR" dirty="0" err="1"/>
-              <a:t>:Definido</a:t>
-            </a:r>
-            <a:r>
-              <a:rPr lang="pt-BR" dirty="0"/>
-              <a:t> no </a:t>
-            </a:r>
-            <a:r>
-              <a:rPr lang="pt-BR" dirty="0" err="1"/>
-              <a:t>celery_result_backend</a:t>
-            </a:r>
-            <a:r>
-              <a:rPr lang="pt-BR" dirty="0"/>
-              <a:t> e </a:t>
-            </a:r>
-            <a:r>
-              <a:rPr lang="pt-BR" dirty="0" err="1"/>
-              <a:t>broker_url</a:t>
-            </a:r>
-            <a:r>
-              <a:rPr lang="pt-BR" dirty="0"/>
-              <a:t> no arquivo </a:t>
-            </a:r>
-            <a:r>
-              <a:rPr lang="pt-BR" dirty="0" err="1"/>
-              <a:t>airflow.cfg</a:t>
+              <a:rPr lang="pt-BR" dirty="0"/>
+              <a:t>:</a:t>
+            </a:r>
+          </a:p>
+          <a:p>
+            <a:pPr marL="742950" lvl="1" indent="-285750">
+              <a:buFont typeface="Arial" panose="020B0604020202020204" pitchFamily="34" charset="0"/>
+              <a:buChar char="•"/>
+            </a:pPr>
+            <a:r>
+              <a:rPr lang="pt-BR" dirty="0"/>
+              <a:t>Executado como serviço paralelo, geralmente no </a:t>
+            </a:r>
+            <a:r>
+              <a:rPr lang="pt-BR" dirty="0" err="1"/>
+              <a:t>docker-compose.yml</a:t>
             </a:r>
             <a:r>
               <a:rPr lang="pt-BR" dirty="0"/>
               <a:t>.</a:t>
-            </a:r>
-          </a:p>
-          <a:p>
-            <a:pPr>
-              <a:buFont typeface="Arial" panose="020B0604020202020204" pitchFamily="34" charset="0"/>
-              <a:buChar char="•"/>
-            </a:pPr>
-            <a:r>
-              <a:rPr lang="pt-BR" b="1" dirty="0"/>
-              <a:t>Comandos úteis</a:t>
-            </a:r>
-            <a:r>
-              <a:rPr lang="pt-BR" dirty="0"/>
-              <a:t>:</a:t>
-            </a:r>
-          </a:p>
-          <a:p>
-            <a:pPr lvl="1">
-              <a:buFont typeface="Arial" panose="020B0604020202020204" pitchFamily="34" charset="0"/>
-              <a:buChar char="•"/>
-            </a:pPr>
-            <a:r>
-              <a:rPr lang="pt-BR" dirty="0"/>
-              <a:t>redis-</a:t>
-            </a:r>
-            <a:r>
-              <a:rPr lang="pt-BR" dirty="0" err="1"/>
-              <a:t>cli</a:t>
-            </a:r>
-            <a:r>
-              <a:rPr lang="pt-BR" dirty="0"/>
-              <a:t> </a:t>
-            </a:r>
-            <a:r>
-              <a:rPr lang="pt-BR" dirty="0" err="1"/>
-              <a:t>ping</a:t>
-            </a:r>
-            <a:r>
-              <a:rPr lang="pt-BR" dirty="0"/>
-              <a:t> </a:t>
-            </a:r>
-          </a:p>
-          <a:p>
-            <a:pPr lvl="1">
-              <a:buFont typeface="Arial" panose="020B0604020202020204" pitchFamily="34" charset="0"/>
-              <a:buChar char="•"/>
-            </a:pPr>
-            <a:r>
-              <a:rPr lang="pt-BR" dirty="0"/>
-              <a:t>redis-</a:t>
-            </a:r>
-            <a:r>
-              <a:rPr lang="pt-BR" dirty="0" err="1"/>
-              <a:t>cli</a:t>
-            </a:r>
-            <a:r>
-              <a:rPr lang="pt-BR" dirty="0"/>
-              <a:t> monitor</a:t>
             </a:r>
           </a:p>
           <a:p>
@@ -3949,7 +3958,7 @@
     </p:spTree>
     <p:extLst>
       <p:ext uri="{BB962C8B-B14F-4D97-AF65-F5344CB8AC3E}">
-        <p14:creationId xmlns:p14="http://schemas.microsoft.com/office/powerpoint/2010/main" val="3831812961"/>
+        <p14:creationId xmlns:p14="http://schemas.microsoft.com/office/powerpoint/2010/main" val="3846977191"/>
       </p:ext>
     </p:extLst>
   </p:cSld>
@@ -3981,7 +3990,7 @@
           <p:cNvPr id="2" name="Título 1">
             <a:extLst>
               <a:ext uri="{FF2B5EF4-FFF2-40B4-BE49-F238E27FC236}">
-                <a16:creationId xmlns:a16="http://schemas.microsoft.com/office/drawing/2014/main" id="{D21A6F95-30B7-7926-1895-6CAF834FE9DB}"/>
+                <a16:creationId xmlns:a16="http://schemas.microsoft.com/office/drawing/2014/main" id="{C251B4D3-5748-A5E6-E72E-07A287B6B3F7}"/>
               </a:ext>
             </a:extLst>
           </p:cNvPr>
@@ -3998,10 +4007,9 @@
           <a:lstStyle/>
           <a:p>
             <a:r>
-              <a:rPr lang="pt-BR" dirty="0" err="1"/>
-              <a:t>DAGs</a:t>
-            </a:r>
-            <a:endParaRPr lang="pt-BR" dirty="0"/>
+              <a:rPr lang="pt-BR" dirty="0"/>
+              <a:t>Redis</a:t>
+            </a:r>
           </a:p>
         </p:txBody>
       </p:sp>
@@ -4010,7 +4018,7 @@
           <p:cNvPr id="3" name="Espaço Reservado para Conteúdo 2">
             <a:extLst>
               <a:ext uri="{FF2B5EF4-FFF2-40B4-BE49-F238E27FC236}">
-                <a16:creationId xmlns:a16="http://schemas.microsoft.com/office/drawing/2014/main" id="{198FE0C8-46A5-54BF-B3C0-164B429E2059}"/>
+                <a16:creationId xmlns:a16="http://schemas.microsoft.com/office/drawing/2014/main" id="{9AAE8368-24A3-2D54-648B-89B5D69AAC61}"/>
               </a:ext>
             </a:extLst>
           </p:cNvPr>
@@ -4026,19 +4034,136 @@
           <a:bodyPr/>
           <a:lstStyle/>
           <a:p>
+            <a:pPr>
+              <a:buFont typeface="Arial" panose="020B0604020202020204" pitchFamily="34" charset="0"/>
+              <a:buChar char="•"/>
+            </a:pPr>
             <a:r>
               <a:rPr lang="pt-BR" b="1" dirty="0"/>
-              <a:t>O que é uma DAG no </a:t>
+              <a:t>Definição</a:t>
+            </a:r>
+            <a:r>
+              <a:rPr lang="pt-BR" dirty="0"/>
+              <a:t>: Banco de dados em memória usado como </a:t>
+            </a:r>
+            <a:r>
+              <a:rPr lang="pt-BR" dirty="0" err="1"/>
+              <a:t>backend</a:t>
+            </a:r>
+            <a:r>
+              <a:rPr lang="pt-BR" dirty="0"/>
+              <a:t> para filas no </a:t>
+            </a:r>
+            <a:r>
+              <a:rPr lang="pt-BR" dirty="0" err="1"/>
+              <a:t>CeleryExecutor</a:t>
+            </a:r>
+            <a:r>
+              <a:rPr lang="pt-BR" dirty="0"/>
+              <a:t>.</a:t>
+            </a:r>
+          </a:p>
+          <a:p>
+            <a:pPr>
+              <a:buFont typeface="Arial" panose="020B0604020202020204" pitchFamily="34" charset="0"/>
+              <a:buChar char="•"/>
+            </a:pPr>
+            <a:r>
+              <a:rPr lang="pt-BR" b="1" dirty="0"/>
+              <a:t>Recursos</a:t>
+            </a:r>
+            <a:r>
+              <a:rPr lang="pt-BR" dirty="0"/>
+              <a:t>:</a:t>
+            </a:r>
+          </a:p>
+          <a:p>
+            <a:pPr lvl="1">
+              <a:buFont typeface="Arial" panose="020B0604020202020204" pitchFamily="34" charset="0"/>
+              <a:buChar char="•"/>
+            </a:pPr>
+            <a:r>
+              <a:rPr lang="pt-BR" dirty="0"/>
+              <a:t>Alta performance e baixa latência.</a:t>
+            </a:r>
+          </a:p>
+          <a:p>
+            <a:pPr lvl="1">
+              <a:buFont typeface="Arial" panose="020B0604020202020204" pitchFamily="34" charset="0"/>
+              <a:buChar char="•"/>
+            </a:pPr>
+            <a:r>
+              <a:rPr lang="pt-BR" dirty="0"/>
+              <a:t>Suporte a estruturas como listas e </a:t>
+            </a:r>
+            <a:r>
+              <a:rPr lang="pt-BR" dirty="0" err="1"/>
+              <a:t>hashes</a:t>
+            </a:r>
+            <a:r>
+              <a:rPr lang="pt-BR" dirty="0"/>
+              <a:t>.</a:t>
+            </a:r>
+          </a:p>
+          <a:p>
+            <a:pPr>
+              <a:buFont typeface="Arial" panose="020B0604020202020204" pitchFamily="34" charset="0"/>
+              <a:buChar char="•"/>
+            </a:pPr>
+            <a:r>
+              <a:rPr lang="pt-BR" b="1" dirty="0"/>
+              <a:t>Configuração no </a:t>
             </a:r>
             <a:r>
               <a:rPr lang="pt-BR" b="1" dirty="0" err="1"/>
               <a:t>Airflow</a:t>
             </a:r>
             <a:r>
+              <a:rPr lang="pt-BR" dirty="0" err="1"/>
+              <a:t>:Definido</a:t>
+            </a:r>
+            <a:r>
+              <a:rPr lang="pt-BR" dirty="0"/>
+              <a:t> no </a:t>
+            </a:r>
+            <a:r>
+              <a:rPr lang="pt-BR" dirty="0" err="1"/>
+              <a:t>celery_result_backend</a:t>
+            </a:r>
+            <a:r>
+              <a:rPr lang="pt-BR" dirty="0"/>
+              <a:t> e </a:t>
+            </a:r>
+            <a:r>
+              <a:rPr lang="pt-BR" dirty="0" err="1"/>
+              <a:t>broker_url</a:t>
+            </a:r>
+            <a:r>
+              <a:rPr lang="pt-BR" dirty="0"/>
+              <a:t> no arquivo </a:t>
+            </a:r>
+            <a:r>
+              <a:rPr lang="pt-BR" dirty="0" err="1"/>
+              <a:t>airflow.cfg</a:t>
+            </a:r>
+            <a:r>
+              <a:rPr lang="pt-BR" dirty="0"/>
+              <a:t>.</a:t>
+            </a:r>
+          </a:p>
+          <a:p>
+            <a:pPr>
+              <a:buFont typeface="Arial" panose="020B0604020202020204" pitchFamily="34" charset="0"/>
+              <a:buChar char="•"/>
+            </a:pPr>
+            <a:r>
               <a:rPr lang="pt-BR" b="1" dirty="0"/>
-              <a:t>?</a:t>
-            </a:r>
-            <a:endParaRPr lang="pt-BR" dirty="0"/>
+              <a:t>Comandos úteis</a:t>
+            </a:r>
+            <a:r>
+              <a:rPr lang="pt-BR" dirty="0"/>
+              <a:t>:</a:t>
+            </a:r>
           </a:p>
           <a:p>
             <a:pPr lvl="1">
@@ -4047,11 +4172,11 @@
             </a:pPr>
             <a:r>
               <a:rPr lang="pt-BR" dirty="0"/>
-              <a:t>DAG (</a:t>
-            </a:r>
-            <a:r>
-              <a:rPr lang="pt-BR" dirty="0" err="1"/>
-              <a:t>Directed</a:t>
+              <a:t>redis-</a:t>
+            </a:r>
+            <a:r>
+              <a:rPr lang="pt-BR" dirty="0" err="1"/>
+              <a:t>cli</a:t>
             </a:r>
             <a:r>
               <a:rPr lang="pt-BR" dirty="0"/>
@@ -4059,28 +4184,12 @@
             </a:r>
             <a:r>
               <a:rPr lang="pt-BR" dirty="0" err="1"/>
-              <a:t>Acyclic</a:t>
+              <a:t>ping</a:t>
             </a:r>
             <a:r>
               <a:rPr lang="pt-BR" dirty="0"/>
               <a:t> </a:t>
             </a:r>
-            <a:r>
-              <a:rPr lang="pt-BR" dirty="0" err="1"/>
-              <a:t>Graph</a:t>
-            </a:r>
-            <a:r>
-              <a:rPr lang="pt-BR" dirty="0"/>
-              <a:t>) é a estrutura central do Apache </a:t>
-            </a:r>
-            <a:r>
-              <a:rPr lang="pt-BR" dirty="0" err="1"/>
-              <a:t>Airflow</a:t>
-            </a:r>
-            <a:r>
-              <a:rPr lang="pt-BR" dirty="0"/>
-              <a:t>.</a:t>
-            </a:r>
           </a:p>
           <a:p>
             <a:pPr lvl="1">
@@ -4089,77 +4198,21 @@
             </a:pPr>
             <a:r>
               <a:rPr lang="pt-BR" dirty="0"/>
-              <a:t>Representa um fluxo de trabalho: conjunto de tarefas interdependentes.</a:t>
-            </a:r>
-          </a:p>
-          <a:p>
-            <a:pPr lvl="1">
-              <a:buFont typeface="Arial" panose="020B0604020202020204" pitchFamily="34" charset="0"/>
-              <a:buChar char="•"/>
-            </a:pPr>
-            <a:r>
-              <a:rPr lang="pt-BR" dirty="0"/>
-              <a:t>As tarefas são executadas seguindo a ordem definida pelo DAG.</a:t>
-            </a:r>
-          </a:p>
-          <a:p>
-            <a:r>
-              <a:rPr lang="pt-BR" b="1" dirty="0"/>
-              <a:t>Características:</a:t>
-            </a:r>
-            <a:endParaRPr lang="pt-BR" dirty="0"/>
-          </a:p>
-          <a:p>
-            <a:pPr lvl="1">
-              <a:buFont typeface="Arial" panose="020B0604020202020204" pitchFamily="34" charset="0"/>
-              <a:buChar char="•"/>
-            </a:pPr>
-            <a:r>
-              <a:rPr lang="pt-BR" b="1" dirty="0" err="1"/>
-              <a:t>Acyclic</a:t>
-            </a:r>
-            <a:r>
-              <a:rPr lang="pt-BR" b="1" dirty="0"/>
-              <a:t>:</a:t>
-            </a:r>
-            <a:r>
-              <a:rPr lang="pt-BR" dirty="0"/>
-              <a:t> Não permite loops.</a:t>
-            </a:r>
-          </a:p>
-          <a:p>
-            <a:pPr lvl="1">
-              <a:buFont typeface="Arial" panose="020B0604020202020204" pitchFamily="34" charset="0"/>
-              <a:buChar char="•"/>
-            </a:pPr>
-            <a:r>
-              <a:rPr lang="pt-BR" b="1" dirty="0"/>
-              <a:t>Direcionado:</a:t>
-            </a:r>
-            <a:r>
-              <a:rPr lang="pt-BR" dirty="0"/>
-              <a:t> Define uma ordem entre as tarefas.</a:t>
-            </a:r>
-          </a:p>
-          <a:p>
-            <a:pPr lvl="1">
-              <a:buFont typeface="Arial" panose="020B0604020202020204" pitchFamily="34" charset="0"/>
-              <a:buChar char="•"/>
-            </a:pPr>
-            <a:r>
-              <a:rPr lang="pt-BR" dirty="0"/>
-              <a:t>Programável com </a:t>
-            </a:r>
-            <a:r>
-              <a:rPr lang="pt-BR" b="1" dirty="0"/>
-              <a:t>Python</a:t>
-            </a:r>
-            <a:r>
-              <a:rPr lang="pt-BR" dirty="0"/>
-              <a:t>, o que oferece flexibilidade.</a:t>
-            </a:r>
-          </a:p>
-          <a:p>
+              <a:t>redis-</a:t>
+            </a:r>
+            <a:r>
+              <a:rPr lang="pt-BR" dirty="0" err="1"/>
+              <a:t>cli</a:t>
+            </a:r>
+            <a:r>
+              <a:rPr lang="pt-BR" dirty="0"/>
+              <a:t> monitor</a:t>
+            </a:r>
+          </a:p>
+          <a:p>
+            <a:pPr marL="0" indent="0">
+              <a:buNone/>
+            </a:pPr>
             <a:endParaRPr lang="pt-BR" dirty="0"/>
           </a:p>
         </p:txBody>
@@ -4167,7 +4220,7 @@
     </p:spTree>
     <p:extLst>
       <p:ext uri="{BB962C8B-B14F-4D97-AF65-F5344CB8AC3E}">
-        <p14:creationId xmlns:p14="http://schemas.microsoft.com/office/powerpoint/2010/main" val="4137648593"/>
+        <p14:creationId xmlns:p14="http://schemas.microsoft.com/office/powerpoint/2010/main" val="3831812961"/>
       </p:ext>
     </p:extLst>
   </p:cSld>
@@ -4199,7 +4252,7 @@
           <p:cNvPr id="2" name="Título 1">
             <a:extLst>
               <a:ext uri="{FF2B5EF4-FFF2-40B4-BE49-F238E27FC236}">
-                <a16:creationId xmlns:a16="http://schemas.microsoft.com/office/drawing/2014/main" id="{DBF2AA32-1EC3-2000-DCF6-4E133115DEDA}"/>
+                <a16:creationId xmlns:a16="http://schemas.microsoft.com/office/drawing/2014/main" id="{D21A6F95-30B7-7926-1895-6CAF834FE9DB}"/>
               </a:ext>
             </a:extLst>
           </p:cNvPr>
@@ -4216,10 +4269,6 @@
           <a:lstStyle/>
           <a:p>
             <a:r>
-              <a:rPr lang="pt-BR" dirty="0"/>
-              <a:t>Tipos de </a:t>
-            </a:r>
-            <a:r>
               <a:rPr lang="pt-BR" dirty="0" err="1"/>
               <a:t>DAGs</a:t>
             </a:r>
@@ -4232,7 +4281,7 @@
           <p:cNvPr id="3" name="Espaço Reservado para Conteúdo 2">
             <a:extLst>
               <a:ext uri="{FF2B5EF4-FFF2-40B4-BE49-F238E27FC236}">
-                <a16:creationId xmlns:a16="http://schemas.microsoft.com/office/drawing/2014/main" id="{B1A9F742-56E1-E7B1-A72D-BD56EA927C1B}"/>
+                <a16:creationId xmlns:a16="http://schemas.microsoft.com/office/drawing/2014/main" id="{198FE0C8-46A5-54BF-B3C0-164B429E2059}"/>
               </a:ext>
             </a:extLst>
           </p:cNvPr>
@@ -4249,22 +4298,105 @@
           <a:lstStyle/>
           <a:p>
             <a:r>
+              <a:rPr lang="pt-BR" b="1" dirty="0"/>
+              <a:t>O que é uma DAG no </a:t>
+            </a:r>
+            <a:r>
               <a:rPr lang="pt-BR" b="1" dirty="0" err="1"/>
-              <a:t>Static</a:t>
+              <a:t>Airflow</a:t>
             </a:r>
             <a:r>
               <a:rPr lang="pt-BR" b="1" dirty="0"/>
+              <a:t>?</a:t>
+            </a:r>
+            <a:endParaRPr lang="pt-BR" dirty="0"/>
+          </a:p>
+          <a:p>
+            <a:pPr lvl="1">
+              <a:buFont typeface="Arial" panose="020B0604020202020204" pitchFamily="34" charset="0"/>
+              <a:buChar char="•"/>
+            </a:pPr>
+            <a:r>
+              <a:rPr lang="pt-BR" dirty="0"/>
+              <a:t>DAG (</a:t>
+            </a:r>
+            <a:r>
+              <a:rPr lang="pt-BR" dirty="0" err="1"/>
+              <a:t>Directed</a:t>
+            </a:r>
+            <a:r>
+              <a:rPr lang="pt-BR" dirty="0"/>
               <a:t> </a:t>
             </a:r>
             <a:r>
+              <a:rPr lang="pt-BR" dirty="0" err="1"/>
+              <a:t>Acyclic</a:t>
+            </a:r>
+            <a:r>
+              <a:rPr lang="pt-BR" dirty="0"/>
+              <a:t> </a:t>
+            </a:r>
+            <a:r>
+              <a:rPr lang="pt-BR" dirty="0" err="1"/>
+              <a:t>Graph</a:t>
+            </a:r>
+            <a:r>
+              <a:rPr lang="pt-BR" dirty="0"/>
+              <a:t>) é a estrutura central do Apache </a:t>
+            </a:r>
+            <a:r>
+              <a:rPr lang="pt-BR" dirty="0" err="1"/>
+              <a:t>Airflow</a:t>
+            </a:r>
+            <a:r>
+              <a:rPr lang="pt-BR" dirty="0"/>
+              <a:t>.</a:t>
+            </a:r>
+          </a:p>
+          <a:p>
+            <a:pPr lvl="1">
+              <a:buFont typeface="Arial" panose="020B0604020202020204" pitchFamily="34" charset="0"/>
+              <a:buChar char="•"/>
+            </a:pPr>
+            <a:r>
+              <a:rPr lang="pt-BR" dirty="0"/>
+              <a:t>Representa um fluxo de trabalho: conjunto de tarefas interdependentes.</a:t>
+            </a:r>
+          </a:p>
+          <a:p>
+            <a:pPr lvl="1">
+              <a:buFont typeface="Arial" panose="020B0604020202020204" pitchFamily="34" charset="0"/>
+              <a:buChar char="•"/>
+            </a:pPr>
+            <a:r>
+              <a:rPr lang="pt-BR" dirty="0"/>
+              <a:t>As tarefas são executadas seguindo a ordem definida pelo DAG.</a:t>
+            </a:r>
+          </a:p>
+          <a:p>
+            <a:r>
+              <a:rPr lang="pt-BR" b="1" dirty="0"/>
+              <a:t>Características:</a:t>
+            </a:r>
+            <a:endParaRPr lang="pt-BR" dirty="0"/>
+          </a:p>
+          <a:p>
+            <a:pPr lvl="1">
+              <a:buFont typeface="Arial" panose="020B0604020202020204" pitchFamily="34" charset="0"/>
+              <a:buChar char="•"/>
+            </a:pPr>
+            <a:r>
               <a:rPr lang="pt-BR" b="1" dirty="0" err="1"/>
-              <a:t>DAGs</a:t>
+              <a:t>Acyclic</a:t>
             </a:r>
             <a:r>
               <a:rPr lang="pt-BR" b="1" dirty="0"/>
               <a:t>:</a:t>
             </a:r>
-            <a:endParaRPr lang="pt-BR" dirty="0"/>
+            <a:r>
+              <a:rPr lang="pt-BR" dirty="0"/>
+              <a:t> Não permite loops.</a:t>
+            </a:r>
           </a:p>
           <a:p>
             <a:pPr lvl="1">
@@ -4272,8 +4404,12 @@
               <a:buChar char="•"/>
             </a:pPr>
             <a:r>
-              <a:rPr lang="pt-BR" dirty="0"/>
-              <a:t>Estrutura predefinida e imutável após a criação.</a:t>
+              <a:rPr lang="pt-BR" b="1" dirty="0"/>
+              <a:t>Direcionado:</a:t>
+            </a:r>
+            <a:r>
+              <a:rPr lang="pt-BR" dirty="0"/>
+              <a:t> Define uma ordem entre as tarefas.</a:t>
             </a:r>
           </a:p>
           <a:p>
@@ -4283,97 +4419,15 @@
             </a:pPr>
             <a:r>
               <a:rPr lang="pt-BR" dirty="0"/>
-              <a:t>Usado para workflows simples e previsíveis.</a:t>
-            </a:r>
-          </a:p>
-          <a:p>
+              <a:t>Programável com </a:t>
+            </a:r>
             <a:r>
               <a:rPr lang="pt-BR" b="1" dirty="0"/>
-              <a:t>Dynamic </a:t>
-            </a:r>
-            <a:r>
-              <a:rPr lang="pt-BR" b="1" dirty="0" err="1"/>
-              <a:t>DAGs</a:t>
-            </a:r>
-            <a:r>
-              <a:rPr lang="pt-BR" b="1" dirty="0"/>
-              <a:t>:</a:t>
-            </a:r>
-            <a:endParaRPr lang="pt-BR" dirty="0"/>
-          </a:p>
-          <a:p>
-            <a:pPr lvl="1">
-              <a:buFont typeface="Arial" panose="020B0604020202020204" pitchFamily="34" charset="0"/>
-              <a:buChar char="•"/>
-            </a:pPr>
-            <a:r>
-              <a:rPr lang="pt-BR" dirty="0"/>
-              <a:t>Gerado programaticamente com lógica Python.</a:t>
-            </a:r>
-          </a:p>
-          <a:p>
-            <a:pPr lvl="1">
-              <a:buFont typeface="Arial" panose="020B0604020202020204" pitchFamily="34" charset="0"/>
-              <a:buChar char="•"/>
-            </a:pPr>
-            <a:r>
-              <a:rPr lang="pt-BR" dirty="0"/>
-              <a:t>Permite lidar com workflows complexos ou escaláveis.</a:t>
-            </a:r>
-          </a:p>
-          <a:p>
-            <a:r>
-              <a:rPr lang="pt-BR" b="1" dirty="0" err="1"/>
-              <a:t>Parameterized</a:t>
-            </a:r>
-            <a:r>
-              <a:rPr lang="pt-BR" b="1" dirty="0"/>
-              <a:t> </a:t>
-            </a:r>
-            <a:r>
-              <a:rPr lang="pt-BR" b="1" dirty="0" err="1"/>
-              <a:t>DAGs</a:t>
-            </a:r>
-            <a:r>
-              <a:rPr lang="pt-BR" b="1" dirty="0"/>
-              <a:t>:</a:t>
-            </a:r>
-            <a:endParaRPr lang="pt-BR" dirty="0"/>
-          </a:p>
-          <a:p>
-            <a:pPr lvl="1">
-              <a:buFont typeface="Arial" panose="020B0604020202020204" pitchFamily="34" charset="0"/>
-              <a:buChar char="•"/>
-            </a:pPr>
-            <a:r>
-              <a:rPr lang="pt-BR" dirty="0"/>
-              <a:t>Permitem parametrização para reutilização em diferentes cenários.</a:t>
-            </a:r>
-          </a:p>
-          <a:p>
-            <a:pPr lvl="1">
-              <a:buFont typeface="Arial" panose="020B0604020202020204" pitchFamily="34" charset="0"/>
-              <a:buChar char="•"/>
-            </a:pPr>
-            <a:r>
-              <a:rPr lang="pt-BR" dirty="0"/>
-              <a:t>Exemplo: Variáveis como </a:t>
-            </a:r>
-            <a:r>
-              <a:rPr lang="pt-BR" dirty="0" err="1"/>
-              <a:t>start_date</a:t>
-            </a:r>
-            <a:r>
-              <a:rPr lang="pt-BR" dirty="0"/>
-              <a:t>, </a:t>
-            </a:r>
-            <a:r>
-              <a:rPr lang="pt-BR" dirty="0" err="1"/>
-              <a:t>interval</a:t>
-            </a:r>
-            <a:r>
-              <a:rPr lang="pt-BR" dirty="0"/>
-              <a:t>.</a:t>
+              <a:t>Python</a:t>
+            </a:r>
+            <a:r>
+              <a:rPr lang="pt-BR" dirty="0"/>
+              <a:t>, o que oferece flexibilidade.</a:t>
             </a:r>
           </a:p>
           <a:p>
@@ -4384,7 +4438,7 @@
     </p:spTree>
     <p:extLst>
       <p:ext uri="{BB962C8B-B14F-4D97-AF65-F5344CB8AC3E}">
-        <p14:creationId xmlns:p14="http://schemas.microsoft.com/office/powerpoint/2010/main" val="2354217522"/>
+        <p14:creationId xmlns:p14="http://schemas.microsoft.com/office/powerpoint/2010/main" val="4137648593"/>
       </p:ext>
     </p:extLst>
   </p:cSld>
@@ -4416,7 +4470,7 @@
           <p:cNvPr id="2" name="Título 1">
             <a:extLst>
               <a:ext uri="{FF2B5EF4-FFF2-40B4-BE49-F238E27FC236}">
-                <a16:creationId xmlns:a16="http://schemas.microsoft.com/office/drawing/2014/main" id="{315E4CCF-8BB9-F2E8-B3D9-468732FF9595}"/>
+                <a16:creationId xmlns:a16="http://schemas.microsoft.com/office/drawing/2014/main" id="{DBF2AA32-1EC3-2000-DCF6-4E133115DEDA}"/>
               </a:ext>
             </a:extLst>
           </p:cNvPr>
@@ -4434,8 +4488,13 @@
           <a:p>
             <a:r>
               <a:rPr lang="pt-BR" dirty="0"/>
-              <a:t>Operadores</a:t>
-            </a:r>
+              <a:t>Tipos de </a:t>
+            </a:r>
+            <a:r>
+              <a:rPr lang="pt-BR" dirty="0" err="1"/>
+              <a:t>DAGs</a:t>
+            </a:r>
+            <a:endParaRPr lang="pt-BR" dirty="0"/>
           </a:p>
         </p:txBody>
       </p:sp>
@@ -4444,7 +4503,7 @@
           <p:cNvPr id="3" name="Espaço Reservado para Conteúdo 2">
             <a:extLst>
               <a:ext uri="{FF2B5EF4-FFF2-40B4-BE49-F238E27FC236}">
-                <a16:creationId xmlns:a16="http://schemas.microsoft.com/office/drawing/2014/main" id="{07304C2B-75DE-2578-66DB-F901BC6CBE3C}"/>
+                <a16:creationId xmlns:a16="http://schemas.microsoft.com/office/drawing/2014/main" id="{B1A9F742-56E1-E7B1-A72D-BD56EA927C1B}"/>
               </a:ext>
             </a:extLst>
           </p:cNvPr>
@@ -4461,49 +4520,22 @@
           <a:lstStyle/>
           <a:p>
             <a:r>
+              <a:rPr lang="pt-BR" b="1" dirty="0" err="1"/>
+              <a:t>Static</a:t>
+            </a:r>
+            <a:r>
               <a:rPr lang="pt-BR" b="1" dirty="0"/>
-              <a:t>Definição:</a:t>
-            </a:r>
-            <a:endParaRPr lang="pt-BR" dirty="0"/>
-          </a:p>
-          <a:p>
-            <a:pPr lvl="1">
-              <a:buFont typeface="Arial" panose="020B0604020202020204" pitchFamily="34" charset="0"/>
-              <a:buChar char="•"/>
-            </a:pPr>
-            <a:r>
-              <a:rPr lang="pt-BR" dirty="0" err="1"/>
-              <a:t>Operators</a:t>
-            </a:r>
-            <a:r>
-              <a:rPr lang="pt-BR" dirty="0"/>
-              <a:t> são blocos de construção para as tarefas.</a:t>
-            </a:r>
-          </a:p>
-          <a:p>
-            <a:r>
-              <a:rPr lang="pt-BR" b="1" dirty="0"/>
-              <a:t>Principais tipos:</a:t>
-            </a:r>
-            <a:endParaRPr lang="pt-BR" dirty="0"/>
-          </a:p>
-          <a:p>
-            <a:pPr lvl="1">
-              <a:buFont typeface="Arial" panose="020B0604020202020204" pitchFamily="34" charset="0"/>
-              <a:buChar char="•"/>
-            </a:pPr>
+              <a:t> </a:t>
+            </a:r>
             <a:r>
               <a:rPr lang="pt-BR" b="1" dirty="0" err="1"/>
-              <a:t>PythonOperator</a:t>
+              <a:t>DAGs</a:t>
             </a:r>
             <a:r>
               <a:rPr lang="pt-BR" b="1" dirty="0"/>
               <a:t>:</a:t>
             </a:r>
-            <a:r>
-              <a:rPr lang="pt-BR" dirty="0"/>
-              <a:t> Executa funções Python.</a:t>
-            </a:r>
+            <a:endParaRPr lang="pt-BR" dirty="0"/>
           </a:p>
           <a:p>
             <a:pPr lvl="1">
@@ -4511,25 +4543,34 @@
               <a:buChar char="•"/>
             </a:pPr>
             <a:r>
+              <a:rPr lang="pt-BR" dirty="0"/>
+              <a:t>Estrutura predefinida e imutável após a criação.</a:t>
+            </a:r>
+          </a:p>
+          <a:p>
+            <a:pPr lvl="1">
+              <a:buFont typeface="Arial" panose="020B0604020202020204" pitchFamily="34" charset="0"/>
+              <a:buChar char="•"/>
+            </a:pPr>
+            <a:r>
+              <a:rPr lang="pt-BR" dirty="0"/>
+              <a:t>Usado para workflows simples e previsíveis.</a:t>
+            </a:r>
+          </a:p>
+          <a:p>
+            <a:r>
+              <a:rPr lang="pt-BR" b="1" dirty="0"/>
+              <a:t>Dynamic </a:t>
+            </a:r>
+            <a:r>
               <a:rPr lang="pt-BR" b="1" dirty="0" err="1"/>
-              <a:t>BashOperator</a:t>
+              <a:t>DAGs</a:t>
             </a:r>
             <a:r>
               <a:rPr lang="pt-BR" b="1" dirty="0"/>
               <a:t>:</a:t>
             </a:r>
-            <a:r>
-              <a:rPr lang="pt-BR" dirty="0"/>
-              <a:t> Executa comandos </a:t>
-            </a:r>
-            <a:r>
-              <a:rPr lang="pt-BR" dirty="0" err="1"/>
-              <a:t>Bash</a:t>
-            </a:r>
-            <a:r>
-              <a:rPr lang="pt-BR" dirty="0"/>
-              <a:t>/Shell.</a:t>
-            </a:r>
+            <a:endParaRPr lang="pt-BR" dirty="0"/>
           </a:p>
           <a:p>
             <a:pPr lvl="1">
@@ -4537,17 +4578,38 @@
               <a:buChar char="•"/>
             </a:pPr>
             <a:r>
+              <a:rPr lang="pt-BR" dirty="0"/>
+              <a:t>Gerado programaticamente com lógica Python.</a:t>
+            </a:r>
+          </a:p>
+          <a:p>
+            <a:pPr lvl="1">
+              <a:buFont typeface="Arial" panose="020B0604020202020204" pitchFamily="34" charset="0"/>
+              <a:buChar char="•"/>
+            </a:pPr>
+            <a:r>
+              <a:rPr lang="pt-BR" dirty="0"/>
+              <a:t>Permite lidar com workflows complexos ou escaláveis.</a:t>
+            </a:r>
+          </a:p>
+          <a:p>
+            <a:r>
               <a:rPr lang="pt-BR" b="1" dirty="0" err="1"/>
-              <a:t>PostgresOperator</a:t>
+              <a:t>Parameterized</a:t>
+            </a:r>
+            <a:r>
+              <a:rPr lang="pt-BR" b="1" dirty="0"/>
+              <a:t> </a:t>
+            </a:r>
+            <a:r>
+              <a:rPr lang="pt-BR" b="1" dirty="0" err="1"/>
+              <a:t>DAGs</a:t>
             </a:r>
             <a:r>
               <a:rPr lang="pt-BR" b="1" dirty="0"/>
               <a:t>:</a:t>
             </a:r>
-            <a:r>
-              <a:rPr lang="pt-BR" dirty="0"/>
-              <a:t> Executa SQL em bases PostgreSQL.</a:t>
-            </a:r>
+            <a:endParaRPr lang="pt-BR" dirty="0"/>
           </a:p>
           <a:p>
             <a:pPr lvl="1">
@@ -4555,16 +4617,8 @@
               <a:buChar char="•"/>
             </a:pPr>
             <a:r>
-              <a:rPr lang="pt-BR" b="1" dirty="0" err="1"/>
-              <a:t>EmailOperator</a:t>
-            </a:r>
-            <a:r>
-              <a:rPr lang="pt-BR" b="1" dirty="0"/>
-              <a:t>:</a:t>
-            </a:r>
-            <a:r>
-              <a:rPr lang="pt-BR" dirty="0"/>
-              <a:t> Envia e-mails.</a:t>
+              <a:rPr lang="pt-BR" dirty="0"/>
+              <a:t>Permitem parametrização para reutilização em diferentes cenários.</a:t>
             </a:r>
           </a:p>
           <a:p>
@@ -4573,24 +4627,24 @@
               <a:buChar char="•"/>
             </a:pPr>
             <a:r>
-              <a:rPr lang="pt-BR" b="1" dirty="0" err="1"/>
-              <a:t>DummyOperator</a:t>
-            </a:r>
-            <a:r>
-              <a:rPr lang="pt-BR" b="1" dirty="0"/>
-              <a:t>:</a:t>
-            </a:r>
-            <a:r>
-              <a:rPr lang="pt-BR" dirty="0"/>
-              <a:t> </a:t>
-            </a:r>
-            <a:r>
-              <a:rPr lang="pt-BR" dirty="0" err="1"/>
-              <a:t>Placeholder</a:t>
-            </a:r>
-            <a:r>
-              <a:rPr lang="pt-BR" dirty="0"/>
-              <a:t> ou ponto de junção.</a:t>
+              <a:rPr lang="pt-BR" dirty="0"/>
+              <a:t>Exemplo: Variáveis como </a:t>
+            </a:r>
+            <a:r>
+              <a:rPr lang="pt-BR" dirty="0" err="1"/>
+              <a:t>start_date</a:t>
+            </a:r>
+            <a:r>
+              <a:rPr lang="pt-BR" dirty="0"/>
+              <a:t>, </a:t>
+            </a:r>
+            <a:r>
+              <a:rPr lang="pt-BR" dirty="0" err="1"/>
+              <a:t>interval</a:t>
+            </a:r>
+            <a:r>
+              <a:rPr lang="pt-BR" dirty="0"/>
+              <a:t>.</a:t>
             </a:r>
           </a:p>
           <a:p>
@@ -4601,7 +4655,7 @@
     </p:spTree>
     <p:extLst>
       <p:ext uri="{BB962C8B-B14F-4D97-AF65-F5344CB8AC3E}">
-        <p14:creationId xmlns:p14="http://schemas.microsoft.com/office/powerpoint/2010/main" val="791758524"/>
+        <p14:creationId xmlns:p14="http://schemas.microsoft.com/office/powerpoint/2010/main" val="2354217522"/>
       </p:ext>
     </p:extLst>
   </p:cSld>
@@ -4633,7 +4687,7 @@
           <p:cNvPr id="2" name="Título 1">
             <a:extLst>
               <a:ext uri="{FF2B5EF4-FFF2-40B4-BE49-F238E27FC236}">
-                <a16:creationId xmlns:a16="http://schemas.microsoft.com/office/drawing/2014/main" id="{5D36D7BD-1B66-0038-C738-4CF9E30BB019}"/>
+                <a16:creationId xmlns:a16="http://schemas.microsoft.com/office/drawing/2014/main" id="{315E4CCF-8BB9-F2E8-B3D9-468732FF9595}"/>
               </a:ext>
             </a:extLst>
           </p:cNvPr>
@@ -4651,7 +4705,7 @@
           <a:p>
             <a:r>
               <a:rPr lang="pt-BR" dirty="0"/>
-              <a:t>Sensores</a:t>
+              <a:t>Operadores</a:t>
             </a:r>
           </a:p>
         </p:txBody>
@@ -4661,7 +4715,7 @@
           <p:cNvPr id="3" name="Espaço Reservado para Conteúdo 2">
             <a:extLst>
               <a:ext uri="{FF2B5EF4-FFF2-40B4-BE49-F238E27FC236}">
-                <a16:creationId xmlns:a16="http://schemas.microsoft.com/office/drawing/2014/main" id="{4628BB90-557A-B25B-CEE9-7FDDEC677CC5}"/>
+                <a16:creationId xmlns:a16="http://schemas.microsoft.com/office/drawing/2014/main" id="{07304C2B-75DE-2578-66DB-F901BC6CBE3C}"/>
               </a:ext>
             </a:extLst>
           </p:cNvPr>
@@ -4689,14 +4743,18 @@
               <a:buChar char="•"/>
             </a:pPr>
             <a:r>
-              <a:rPr lang="pt-BR" dirty="0"/>
-              <a:t>Sensores são um tipo especial de operador que aguardam até que uma condição seja atendida.</a:t>
+              <a:rPr lang="pt-BR" dirty="0" err="1"/>
+              <a:t>Operators</a:t>
+            </a:r>
+            <a:r>
+              <a:rPr lang="pt-BR" dirty="0"/>
+              <a:t> são blocos de construção para as tarefas.</a:t>
             </a:r>
           </a:p>
           <a:p>
             <a:r>
               <a:rPr lang="pt-BR" b="1" dirty="0"/>
-              <a:t>Exemplos comuns:</a:t>
+              <a:t>Principais tipos:</a:t>
             </a:r>
             <a:endParaRPr lang="pt-BR" dirty="0"/>
           </a:p>
@@ -4707,7 +4765,7 @@
             </a:pPr>
             <a:r>
               <a:rPr lang="pt-BR" b="1" dirty="0" err="1"/>
-              <a:t>FileSensor</a:t>
+              <a:t>PythonOperator</a:t>
             </a:r>
             <a:r>
               <a:rPr lang="pt-BR" b="1" dirty="0"/>
@@ -4715,7 +4773,7 @@
             </a:r>
             <a:r>
               <a:rPr lang="pt-BR" dirty="0"/>
-              <a:t> Aguarda um arquivo específico.</a:t>
+              <a:t> Executa funções Python.</a:t>
             </a:r>
           </a:p>
           <a:p>
@@ -4724,22 +4782,8 @@
               <a:buChar char="•"/>
             </a:pPr>
             <a:r>
-              <a:rPr lang="pt-BR" b="1" dirty="0"/>
-              <a:t>S3KeySensor:</a:t>
-            </a:r>
-            <a:r>
-              <a:rPr lang="pt-BR" dirty="0"/>
-              <a:t> Aguarda a existência de um objeto no S3.</a:t>
-            </a:r>
-          </a:p>
-          <a:p>
-            <a:pPr lvl="1">
-              <a:buFont typeface="Arial" panose="020B0604020202020204" pitchFamily="34" charset="0"/>
-              <a:buChar char="•"/>
-            </a:pPr>
-            <a:r>
               <a:rPr lang="pt-BR" b="1" dirty="0" err="1"/>
-              <a:t>TimeSensor</a:t>
+              <a:t>BashOperator</a:t>
             </a:r>
             <a:r>
               <a:rPr lang="pt-BR" b="1" dirty="0"/>
@@ -4747,7 +4791,15 @@
             </a:r>
             <a:r>
               <a:rPr lang="pt-BR" dirty="0"/>
-              <a:t> Aguarda até um horário especificado.</a:t>
+              <a:t> Executa comandos </a:t>
+            </a:r>
+            <a:r>
+              <a:rPr lang="pt-BR" dirty="0" err="1"/>
+              <a:t>Bash</a:t>
+            </a:r>
+            <a:r>
+              <a:rPr lang="pt-BR" dirty="0"/>
+              <a:t>/Shell.</a:t>
             </a:r>
           </a:p>
           <a:p>
@@ -4757,7 +4809,7 @@
             </a:pPr>
             <a:r>
               <a:rPr lang="pt-BR" b="1" dirty="0" err="1"/>
-              <a:t>ExternalTaskSensor</a:t>
+              <a:t>PostgresOperator</a:t>
             </a:r>
             <a:r>
               <a:rPr lang="pt-BR" b="1" dirty="0"/>
@@ -4765,7 +4817,51 @@
             </a:r>
             <a:r>
               <a:rPr lang="pt-BR" dirty="0"/>
-              <a:t> Aguarda a execução de outra tarefa/DAG.</a:t>
+              <a:t> Executa SQL em bases PostgreSQL.</a:t>
+            </a:r>
+          </a:p>
+          <a:p>
+            <a:pPr lvl="1">
+              <a:buFont typeface="Arial" panose="020B0604020202020204" pitchFamily="34" charset="0"/>
+              <a:buChar char="•"/>
+            </a:pPr>
+            <a:r>
+              <a:rPr lang="pt-BR" b="1" dirty="0" err="1"/>
+              <a:t>EmailOperator</a:t>
+            </a:r>
+            <a:r>
+              <a:rPr lang="pt-BR" b="1" dirty="0"/>
+              <a:t>:</a:t>
+            </a:r>
+            <a:r>
+              <a:rPr lang="pt-BR" dirty="0"/>
+              <a:t> Envia e-mails.</a:t>
+            </a:r>
+          </a:p>
+          <a:p>
+            <a:pPr lvl="1">
+              <a:buFont typeface="Arial" panose="020B0604020202020204" pitchFamily="34" charset="0"/>
+              <a:buChar char="•"/>
+            </a:pPr>
+            <a:r>
+              <a:rPr lang="pt-BR" b="1" dirty="0" err="1"/>
+              <a:t>DummyOperator</a:t>
+            </a:r>
+            <a:r>
+              <a:rPr lang="pt-BR" b="1" dirty="0"/>
+              <a:t>:</a:t>
+            </a:r>
+            <a:r>
+              <a:rPr lang="pt-BR" dirty="0"/>
+              <a:t> </a:t>
+            </a:r>
+            <a:r>
+              <a:rPr lang="pt-BR" dirty="0" err="1"/>
+              <a:t>Placeholder</a:t>
+            </a:r>
+            <a:r>
+              <a:rPr lang="pt-BR" dirty="0"/>
+              <a:t> ou ponto de junção.</a:t>
             </a:r>
           </a:p>
           <a:p>
@@ -4776,7 +4872,7 @@
     </p:spTree>
     <p:extLst>
       <p:ext uri="{BB962C8B-B14F-4D97-AF65-F5344CB8AC3E}">
-        <p14:creationId xmlns:p14="http://schemas.microsoft.com/office/powerpoint/2010/main" val="1072513986"/>
+        <p14:creationId xmlns:p14="http://schemas.microsoft.com/office/powerpoint/2010/main" val="791758524"/>
       </p:ext>
     </p:extLst>
   </p:cSld>
@@ -4808,7 +4904,7 @@
           <p:cNvPr id="2" name="Título 1">
             <a:extLst>
               <a:ext uri="{FF2B5EF4-FFF2-40B4-BE49-F238E27FC236}">
-                <a16:creationId xmlns:a16="http://schemas.microsoft.com/office/drawing/2014/main" id="{4E44A2C8-3091-D150-18DE-746A92EA600F}"/>
+                <a16:creationId xmlns:a16="http://schemas.microsoft.com/office/drawing/2014/main" id="{5D36D7BD-1B66-0038-C738-4CF9E30BB019}"/>
               </a:ext>
             </a:extLst>
           </p:cNvPr>
@@ -4825,12 +4921,8 @@
           <a:lstStyle/>
           <a:p>
             <a:r>
-              <a:rPr lang="pt-BR" dirty="0" err="1"/>
-              <a:t>External</a:t>
-            </a:r>
-            <a:r>
-              <a:rPr lang="pt-BR" dirty="0"/>
-              <a:t> Task Sensor</a:t>
+              <a:rPr lang="pt-BR" dirty="0"/>
+              <a:t>Sensores</a:t>
             </a:r>
           </a:p>
         </p:txBody>
@@ -4840,7 +4932,7 @@
           <p:cNvPr id="3" name="Espaço Reservado para Conteúdo 2">
             <a:extLst>
               <a:ext uri="{FF2B5EF4-FFF2-40B4-BE49-F238E27FC236}">
-                <a16:creationId xmlns:a16="http://schemas.microsoft.com/office/drawing/2014/main" id="{F9F6C51E-A828-E210-B035-5468B019F44B}"/>
+                <a16:creationId xmlns:a16="http://schemas.microsoft.com/office/drawing/2014/main" id="{4628BB90-557A-B25B-CEE9-7FDDEC677CC5}"/>
               </a:ext>
             </a:extLst>
           </p:cNvPr>
@@ -4853,14 +4945,12 @@
         </p:nvSpPr>
         <p:spPr/>
         <p:txBody>
-          <a:bodyPr>
-            <a:normAutofit/>
-          </a:bodyPr>
+          <a:bodyPr/>
           <a:lstStyle/>
           <a:p>
             <a:r>
               <a:rPr lang="pt-BR" b="1" dirty="0"/>
-              <a:t>O que é?</a:t>
+              <a:t>Definição:</a:t>
             </a:r>
             <a:endParaRPr lang="pt-BR" dirty="0"/>
           </a:p>
@@ -4871,16 +4961,15 @@
             </a:pPr>
             <a:r>
               <a:rPr lang="pt-BR" dirty="0"/>
-              <a:t>Sensor utilizado para sincronizar </a:t>
-            </a:r>
-            <a:r>
-              <a:rPr lang="pt-BR" dirty="0" err="1"/>
-              <a:t>DAGs</a:t>
-            </a:r>
-            <a:r>
-              <a:rPr lang="pt-BR" dirty="0"/>
-              <a:t> diferentes.</a:t>
-            </a:r>
+              <a:t>Sensores são um tipo especial de operador que aguardam até que uma condição seja atendida.</a:t>
+            </a:r>
+          </a:p>
+          <a:p>
+            <a:r>
+              <a:rPr lang="pt-BR" b="1" dirty="0"/>
+              <a:t>Exemplos comuns:</a:t>
+            </a:r>
+            <a:endParaRPr lang="pt-BR" dirty="0"/>
           </a:p>
           <a:p>
             <a:pPr lvl="1">
@@ -4888,232 +4977,77 @@
               <a:buChar char="•"/>
             </a:pPr>
             <a:r>
-              <a:rPr lang="pt-BR" dirty="0"/>
-              <a:t>A tarefa espera até que outra tarefa, em outro DAG, seja concluída.</a:t>
-            </a:r>
-          </a:p>
-          <a:p>
+              <a:rPr lang="pt-BR" b="1" dirty="0" err="1"/>
+              <a:t>FileSensor</a:t>
+            </a:r>
             <a:r>
               <a:rPr lang="pt-BR" b="1" dirty="0"/>
-              <a:t>Parâmetros importantes:</a:t>
-            </a:r>
+              <a:t>:</a:t>
+            </a:r>
+            <a:r>
+              <a:rPr lang="pt-BR" dirty="0"/>
+              <a:t> Aguarda um arquivo específico.</a:t>
+            </a:r>
+          </a:p>
+          <a:p>
+            <a:pPr lvl="1">
+              <a:buFont typeface="Arial" panose="020B0604020202020204" pitchFamily="34" charset="0"/>
+              <a:buChar char="•"/>
+            </a:pPr>
+            <a:r>
+              <a:rPr lang="pt-BR" b="1" dirty="0"/>
+              <a:t>S3KeySensor:</a:t>
+            </a:r>
+            <a:r>
+              <a:rPr lang="pt-BR" dirty="0"/>
+              <a:t> Aguarda a existência de um objeto no S3.</a:t>
+            </a:r>
+          </a:p>
+          <a:p>
+            <a:pPr lvl="1">
+              <a:buFont typeface="Arial" panose="020B0604020202020204" pitchFamily="34" charset="0"/>
+              <a:buChar char="•"/>
+            </a:pPr>
+            <a:r>
+              <a:rPr lang="pt-BR" b="1" dirty="0" err="1"/>
+              <a:t>TimeSensor</a:t>
+            </a:r>
+            <a:r>
+              <a:rPr lang="pt-BR" b="1" dirty="0"/>
+              <a:t>:</a:t>
+            </a:r>
+            <a:r>
+              <a:rPr lang="pt-BR" dirty="0"/>
+              <a:t> Aguarda até um horário especificado.</a:t>
+            </a:r>
+          </a:p>
+          <a:p>
+            <a:pPr lvl="1">
+              <a:buFont typeface="Arial" panose="020B0604020202020204" pitchFamily="34" charset="0"/>
+              <a:buChar char="•"/>
+            </a:pPr>
+            <a:r>
+              <a:rPr lang="pt-BR" b="1" dirty="0" err="1"/>
+              <a:t>ExternalTaskSensor</a:t>
+            </a:r>
+            <a:r>
+              <a:rPr lang="pt-BR" b="1" dirty="0"/>
+              <a:t>:</a:t>
+            </a:r>
+            <a:r>
+              <a:rPr lang="pt-BR" dirty="0"/>
+              <a:t> Aguarda a execução de outra tarefa/DAG.</a:t>
+            </a:r>
+          </a:p>
+          <a:p>
             <a:endParaRPr lang="pt-BR" dirty="0"/>
-          </a:p>
-          <a:p>
-            <a:pPr lvl="1">
-              <a:buFont typeface="Arial" panose="020B0604020202020204" pitchFamily="34" charset="0"/>
-              <a:buChar char="•"/>
-            </a:pPr>
-            <a:r>
-              <a:rPr lang="pt-BR" dirty="0" err="1"/>
-              <a:t>external_dag_id</a:t>
-            </a:r>
-            <a:r>
-              <a:rPr lang="pt-BR" dirty="0"/>
-              <a:t>: DAG externa que será monitorada.</a:t>
-            </a:r>
-          </a:p>
-          <a:p>
-            <a:pPr lvl="1">
-              <a:buFont typeface="Arial" panose="020B0604020202020204" pitchFamily="34" charset="0"/>
-              <a:buChar char="•"/>
-            </a:pPr>
-            <a:r>
-              <a:rPr lang="pt-BR" dirty="0" err="1"/>
-              <a:t>external_task_id</a:t>
-            </a:r>
-            <a:r>
-              <a:rPr lang="pt-BR" dirty="0"/>
-              <a:t>: Tarefa específica da DAG externa.</a:t>
-            </a:r>
-          </a:p>
-          <a:p>
-            <a:pPr lvl="1">
-              <a:buFont typeface="Arial" panose="020B0604020202020204" pitchFamily="34" charset="0"/>
-              <a:buChar char="•"/>
-            </a:pPr>
-            <a:r>
-              <a:rPr lang="pt-BR" dirty="0" err="1"/>
-              <a:t>execution_date</a:t>
-            </a:r>
-            <a:r>
-              <a:rPr lang="pt-BR" dirty="0"/>
-              <a:t>: Data de execução sincronizada.</a:t>
-            </a:r>
-          </a:p>
-          <a:p>
-            <a:endParaRPr lang="pt-BR" dirty="0"/>
-          </a:p>
-          <a:p>
-            <a:pPr marL="502920" lvl="1" indent="0">
-              <a:buNone/>
-            </a:pPr>
-            <a:r>
-              <a:rPr lang="pt-BR" sz="1300" dirty="0" err="1"/>
-              <a:t>ExternalTaskSensor</a:t>
-            </a:r>
-            <a:r>
-              <a:rPr lang="pt-BR" sz="1300" dirty="0"/>
-              <a:t>( </a:t>
-            </a:r>
-          </a:p>
-          <a:p>
-            <a:pPr marL="502920" lvl="1" indent="0">
-              <a:buNone/>
-            </a:pPr>
-            <a:r>
-              <a:rPr lang="pt-BR" sz="1300" dirty="0"/>
-              <a:t>	</a:t>
-            </a:r>
-            <a:r>
-              <a:rPr lang="pt-BR" sz="1300" dirty="0" err="1"/>
-              <a:t>task_id</a:t>
-            </a:r>
-            <a:r>
-              <a:rPr lang="pt-BR" sz="1300" dirty="0"/>
-              <a:t>='</a:t>
-            </a:r>
-            <a:r>
-              <a:rPr lang="pt-BR" sz="1300" dirty="0" err="1"/>
-              <a:t>espera_tarefa_externa</a:t>
-            </a:r>
-            <a:r>
-              <a:rPr lang="pt-BR" sz="1300" dirty="0"/>
-              <a:t>’, 	</a:t>
-            </a:r>
-          </a:p>
-          <a:p>
-            <a:pPr marL="502920" lvl="1" indent="0">
-              <a:buNone/>
-            </a:pPr>
-            <a:r>
-              <a:rPr lang="pt-BR" sz="1300" dirty="0"/>
-              <a:t>	</a:t>
-            </a:r>
-            <a:r>
-              <a:rPr lang="pt-BR" sz="1300" dirty="0" err="1"/>
-              <a:t>external_dag_id</a:t>
-            </a:r>
-            <a:r>
-              <a:rPr lang="pt-BR" sz="1300" dirty="0"/>
-              <a:t>='</a:t>
-            </a:r>
-            <a:r>
-              <a:rPr lang="pt-BR" sz="1300" dirty="0" err="1"/>
-              <a:t>meu_dag_externo</a:t>
-            </a:r>
-            <a:r>
-              <a:rPr lang="pt-BR" sz="1300" dirty="0"/>
-              <a:t>’, 	</a:t>
-            </a:r>
-          </a:p>
-          <a:p>
-            <a:pPr marL="502920" lvl="1" indent="0">
-              <a:buNone/>
-            </a:pPr>
-            <a:r>
-              <a:rPr lang="pt-BR" sz="1300" dirty="0"/>
-              <a:t>	</a:t>
-            </a:r>
-            <a:r>
-              <a:rPr lang="pt-BR" sz="1300" dirty="0" err="1"/>
-              <a:t>external_task_id</a:t>
-            </a:r>
-            <a:r>
-              <a:rPr lang="pt-BR" sz="1300" dirty="0"/>
-              <a:t>='</a:t>
-            </a:r>
-            <a:r>
-              <a:rPr lang="pt-BR" sz="1300" dirty="0" err="1"/>
-              <a:t>tarefa_externa</a:t>
-            </a:r>
-            <a:r>
-              <a:rPr lang="pt-BR" sz="1300" dirty="0"/>
-              <a:t>’, 	</a:t>
-            </a:r>
-          </a:p>
-          <a:p>
-            <a:pPr marL="502920" lvl="1" indent="0">
-              <a:buNone/>
-            </a:pPr>
-            <a:r>
-              <a:rPr lang="pt-BR" sz="1300" dirty="0"/>
-              <a:t>	</a:t>
-            </a:r>
-            <a:r>
-              <a:rPr lang="pt-BR" sz="1300" dirty="0" err="1"/>
-              <a:t>execution_date_fn</a:t>
-            </a:r>
-            <a:r>
-              <a:rPr lang="pt-BR" sz="1300" dirty="0"/>
-              <a:t>=lambda </a:t>
-            </a:r>
-            <a:r>
-              <a:rPr lang="pt-BR" sz="1300" dirty="0" err="1"/>
-              <a:t>dt</a:t>
-            </a:r>
-            <a:r>
-              <a:rPr lang="pt-BR" sz="1300" dirty="0"/>
-              <a:t>: </a:t>
-            </a:r>
-            <a:r>
-              <a:rPr lang="pt-BR" sz="1300" dirty="0" err="1"/>
-              <a:t>dt</a:t>
-            </a:r>
-            <a:r>
-              <a:rPr lang="pt-BR" sz="1300" dirty="0"/>
-              <a:t>, </a:t>
-            </a:r>
-          </a:p>
-          <a:p>
-            <a:pPr marL="502920" lvl="1" indent="0">
-              <a:buNone/>
-            </a:pPr>
-            <a:r>
-              <a:rPr lang="pt-BR" sz="1300" dirty="0"/>
-              <a:t>	timeout=300, </a:t>
-            </a:r>
-          </a:p>
-          <a:p>
-            <a:pPr marL="502920" lvl="1" indent="0">
-              <a:buNone/>
-            </a:pPr>
-            <a:r>
-              <a:rPr lang="pt-BR" sz="1300" dirty="0"/>
-              <a:t>	</a:t>
-            </a:r>
-            <a:r>
-              <a:rPr lang="pt-BR" sz="1300" dirty="0" err="1"/>
-              <a:t>mode</a:t>
-            </a:r>
-            <a:r>
-              <a:rPr lang="pt-BR" sz="1300" dirty="0"/>
-              <a:t>='</a:t>
-            </a:r>
-            <a:r>
-              <a:rPr lang="pt-BR" sz="1300" dirty="0" err="1"/>
-              <a:t>poke</a:t>
-            </a:r>
-            <a:r>
-              <a:rPr lang="pt-BR" sz="1300" dirty="0"/>
-              <a:t>’ </a:t>
-            </a:r>
-          </a:p>
-          <a:p>
-            <a:pPr marL="502920" lvl="1" indent="0">
-              <a:buNone/>
-            </a:pPr>
-            <a:r>
-              <a:rPr lang="pt-BR" sz="1300" dirty="0"/>
-              <a:t>)</a:t>
-            </a:r>
           </a:p>
         </p:txBody>
       </p:sp>
     </p:spTree>
     <p:extLst>
       <p:ext uri="{BB962C8B-B14F-4D97-AF65-F5344CB8AC3E}">
-        <p14:creationId xmlns:p14="http://schemas.microsoft.com/office/powerpoint/2010/main" val="2080088638"/>
+        <p14:creationId xmlns:p14="http://schemas.microsoft.com/office/powerpoint/2010/main" val="1072513986"/>
       </p:ext>
     </p:extLst>
   </p:cSld>
@@ -5145,7 +5079,7 @@
           <p:cNvPr id="2" name="Título 1">
             <a:extLst>
               <a:ext uri="{FF2B5EF4-FFF2-40B4-BE49-F238E27FC236}">
-                <a16:creationId xmlns:a16="http://schemas.microsoft.com/office/drawing/2014/main" id="{73FD18EC-1FA6-F7FD-7652-0452FA826900}"/>
+                <a16:creationId xmlns:a16="http://schemas.microsoft.com/office/drawing/2014/main" id="{4E44A2C8-3091-D150-18DE-746A92EA600F}"/>
               </a:ext>
             </a:extLst>
           </p:cNvPr>
@@ -5163,9 +5097,12 @@
           <a:p>
             <a:r>
               <a:rPr lang="pt-BR" dirty="0" err="1"/>
-              <a:t>SubDags</a:t>
-            </a:r>
-            <a:endParaRPr lang="pt-BR" dirty="0"/>
+              <a:t>External</a:t>
+            </a:r>
+            <a:r>
+              <a:rPr lang="pt-BR" dirty="0"/>
+              <a:t> Task Sensor</a:t>
+            </a:r>
           </a:p>
         </p:txBody>
       </p:sp>
@@ -5174,7 +5111,7 @@
           <p:cNvPr id="3" name="Espaço Reservado para Conteúdo 2">
             <a:extLst>
               <a:ext uri="{FF2B5EF4-FFF2-40B4-BE49-F238E27FC236}">
-                <a16:creationId xmlns:a16="http://schemas.microsoft.com/office/drawing/2014/main" id="{AE38D4EE-E102-DDEF-50D2-F48BC9045266}"/>
+                <a16:creationId xmlns:a16="http://schemas.microsoft.com/office/drawing/2014/main" id="{F9F6C51E-A828-E210-B035-5468B019F44B}"/>
               </a:ext>
             </a:extLst>
           </p:cNvPr>
@@ -5188,13 +5125,13 @@
         <p:spPr/>
         <p:txBody>
           <a:bodyPr>
-            <a:normAutofit fontScale="85000" lnSpcReduction="20000"/>
+            <a:normAutofit/>
           </a:bodyPr>
           <a:lstStyle/>
           <a:p>
             <a:r>
               <a:rPr lang="pt-BR" b="1" dirty="0"/>
-              <a:t>Definição:</a:t>
+              <a:t>O que é?</a:t>
             </a:r>
             <a:endParaRPr lang="pt-BR" dirty="0"/>
           </a:p>
@@ -5204,26 +5141,32 @@
               <a:buChar char="•"/>
             </a:pPr>
             <a:r>
+              <a:rPr lang="pt-BR" dirty="0"/>
+              <a:t>Sensor utilizado para sincronizar </a:t>
+            </a:r>
+            <a:r>
               <a:rPr lang="pt-BR" dirty="0" err="1"/>
               <a:t>DAGs</a:t>
             </a:r>
             <a:r>
               <a:rPr lang="pt-BR" dirty="0"/>
-              <a:t> aninhados dentro de outros </a:t>
-            </a:r>
-            <a:r>
-              <a:rPr lang="pt-BR" dirty="0" err="1"/>
-              <a:t>DAGs</a:t>
-            </a:r>
-            <a:r>
-              <a:rPr lang="pt-BR" dirty="0"/>
-              <a:t>.</a:t>
+              <a:t> diferentes.</a:t>
+            </a:r>
+          </a:p>
+          <a:p>
+            <a:pPr lvl="1">
+              <a:buFont typeface="Arial" panose="020B0604020202020204" pitchFamily="34" charset="0"/>
+              <a:buChar char="•"/>
+            </a:pPr>
+            <a:r>
+              <a:rPr lang="pt-BR" dirty="0"/>
+              <a:t>A tarefa espera até que outra tarefa, em outro DAG, seja concluída.</a:t>
             </a:r>
           </a:p>
           <a:p>
             <a:r>
               <a:rPr lang="pt-BR" b="1" dirty="0"/>
-              <a:t>Características:</a:t>
+              <a:t>Parâmetros importantes:</a:t>
             </a:r>
             <a:endParaRPr lang="pt-BR" dirty="0"/>
           </a:p>
@@ -5233,8 +5176,12 @@
               <a:buChar char="•"/>
             </a:pPr>
             <a:r>
-              <a:rPr lang="pt-BR" dirty="0"/>
-              <a:t>Facilitam a organização de workflows complexos.</a:t>
+              <a:rPr lang="pt-BR" dirty="0" err="1"/>
+              <a:t>external_dag_id</a:t>
+            </a:r>
+            <a:r>
+              <a:rPr lang="pt-BR" dirty="0"/>
+              <a:t>: DAG externa que será monitorada.</a:t>
             </a:r>
           </a:p>
           <a:p>
@@ -5243,24 +5190,13 @@
               <a:buChar char="•"/>
             </a:pPr>
             <a:r>
-              <a:rPr lang="pt-BR" dirty="0"/>
-              <a:t>Cada </a:t>
-            </a:r>
-            <a:r>
-              <a:rPr lang="pt-BR" dirty="0" err="1"/>
-              <a:t>SubDAG</a:t>
-            </a:r>
-            <a:r>
-              <a:rPr lang="pt-BR" dirty="0"/>
-              <a:t> funciona como um DAG completo.</a:t>
-            </a:r>
-          </a:p>
-          <a:p>
-            <a:r>
-              <a:rPr lang="pt-BR" b="1" dirty="0"/>
-              <a:t>Limitações:</a:t>
-            </a:r>
-            <a:endParaRPr lang="pt-BR" dirty="0"/>
+              <a:rPr lang="pt-BR" dirty="0" err="1"/>
+              <a:t>external_task_id</a:t>
+            </a:r>
+            <a:r>
+              <a:rPr lang="pt-BR" dirty="0"/>
+              <a:t>: Tarefa específica da DAG externa.</a:t>
+            </a:r>
           </a:p>
           <a:p>
             <a:pPr lvl="1">
@@ -5268,46 +5204,15 @@
               <a:buChar char="•"/>
             </a:pPr>
             <a:r>
-              <a:rPr lang="pt-BR" dirty="0"/>
-              <a:t>Não recomendado em </a:t>
-            </a:r>
-            <a:r>
-              <a:rPr lang="pt-BR" dirty="0" err="1"/>
-              <a:t>DAGs</a:t>
-            </a:r>
-            <a:r>
-              <a:rPr lang="pt-BR" dirty="0"/>
-              <a:t> escaláveis.</a:t>
-            </a:r>
-          </a:p>
-          <a:p>
-            <a:pPr lvl="1">
-              <a:buFont typeface="Arial" panose="020B0604020202020204" pitchFamily="34" charset="0"/>
-              <a:buChar char="•"/>
-            </a:pPr>
-            <a:r>
-              <a:rPr lang="pt-BR" dirty="0"/>
-              <a:t>Melhor usar </a:t>
-            </a:r>
-            <a:r>
-              <a:rPr lang="pt-BR" b="1" dirty="0" err="1"/>
-              <a:t>TaskGroups</a:t>
-            </a:r>
-            <a:r>
-              <a:rPr lang="pt-BR" dirty="0"/>
-              <a:t> (substituto mais moderno).</a:t>
-            </a:r>
-          </a:p>
-          <a:p>
-            <a:r>
-              <a:rPr lang="pt-BR" b="1" dirty="0"/>
-              <a:t>Exemplo de criação:</a:t>
-            </a:r>
-          </a:p>
-          <a:p>
-            <a:pPr marL="0" indent="0">
-              <a:buNone/>
-            </a:pPr>
+              <a:rPr lang="pt-BR" dirty="0" err="1"/>
+              <a:t>execution_date</a:t>
+            </a:r>
+            <a:r>
+              <a:rPr lang="pt-BR" dirty="0"/>
+              <a:t>: Data de execução sincronizada.</a:t>
+            </a:r>
+          </a:p>
+          <a:p>
             <a:endParaRPr lang="pt-BR" dirty="0"/>
           </a:p>
           <a:p>
@@ -5315,16 +5220,12 @@
               <a:buNone/>
             </a:pPr>
             <a:r>
-              <a:rPr lang="pt-BR" sz="1600" dirty="0"/>
-              <a:t>@</a:t>
-            </a:r>
-            <a:r>
-              <a:rPr lang="pt-BR" sz="1600" dirty="0" err="1"/>
-              <a:t>subdag</a:t>
-            </a:r>
-            <a:r>
-              <a:rPr lang="pt-BR" sz="1600" dirty="0"/>
-              <a:t> </a:t>
+              <a:rPr lang="pt-BR" sz="1300" dirty="0" err="1"/>
+              <a:t>ExternalTaskSensor</a:t>
+            </a:r>
+            <a:r>
+              <a:rPr lang="pt-BR" sz="1300" dirty="0"/>
+              <a:t>( </a:t>
             </a:r>
           </a:p>
           <a:p>
@@ -5332,44 +5233,24 @@
               <a:buNone/>
             </a:pPr>
             <a:r>
-              <a:rPr lang="pt-BR" sz="1600" dirty="0" err="1"/>
-              <a:t>def</a:t>
-            </a:r>
-            <a:r>
-              <a:rPr lang="pt-BR" sz="1600" dirty="0"/>
-              <a:t> </a:t>
-            </a:r>
-            <a:r>
-              <a:rPr lang="pt-BR" sz="1600" dirty="0" err="1"/>
-              <a:t>criar_subdag</a:t>
-            </a:r>
-            <a:r>
-              <a:rPr lang="pt-BR" sz="1600" dirty="0"/>
-              <a:t>(</a:t>
-            </a:r>
-            <a:r>
-              <a:rPr lang="pt-BR" sz="1600" dirty="0" err="1"/>
-              <a:t>parent_dag_name</a:t>
-            </a:r>
-            <a:r>
-              <a:rPr lang="pt-BR" sz="1600" dirty="0"/>
-              <a:t>, </a:t>
-            </a:r>
-            <a:r>
-              <a:rPr lang="pt-BR" sz="1600" dirty="0" err="1"/>
-              <a:t>child_dag_name</a:t>
-            </a:r>
-            <a:r>
-              <a:rPr lang="pt-BR" sz="1600" dirty="0"/>
-              <a:t>, </a:t>
-            </a:r>
-            <a:r>
-              <a:rPr lang="pt-BR" sz="1600" dirty="0" err="1"/>
-              <a:t>args</a:t>
-            </a:r>
-            <a:r>
-              <a:rPr lang="pt-BR" sz="1600" dirty="0"/>
-              <a:t>): </a:t>
+              <a:rPr lang="pt-BR" sz="1300" dirty="0"/>
+              <a:t>	</a:t>
+            </a:r>
+            <a:r>
+              <a:rPr lang="pt-BR" sz="1300" dirty="0" err="1"/>
+              <a:t>task_id</a:t>
+            </a:r>
+            <a:r>
+              <a:rPr lang="pt-BR" sz="1300" dirty="0"/>
+              <a:t>='</a:t>
+            </a:r>
+            <a:r>
+              <a:rPr lang="pt-BR" sz="1300" dirty="0" err="1"/>
+              <a:t>espera_tarefa_externa</a:t>
+            </a:r>
+            <a:r>
+              <a:rPr lang="pt-BR" sz="1300" dirty="0"/>
+              <a:t>’, 	</a:t>
             </a:r>
           </a:p>
           <a:p>
@@ -5377,16 +5258,24 @@
               <a:buNone/>
             </a:pPr>
             <a:r>
-              <a:rPr lang="pt-BR" sz="1600" dirty="0"/>
+              <a:rPr lang="pt-BR" sz="1300" dirty="0"/>
               <a:t>	</a:t>
             </a:r>
             <a:r>
-              <a:rPr lang="pt-BR" sz="1600" dirty="0" err="1"/>
-              <a:t>dag</a:t>
-            </a:r>
-            <a:r>
-              <a:rPr lang="pt-BR" sz="1600" dirty="0"/>
-              <a:t> = DAG( </a:t>
+              <a:rPr lang="pt-BR" sz="1300" dirty="0" err="1"/>
+              <a:t>external_dag_id</a:t>
+            </a:r>
+            <a:r>
+              <a:rPr lang="pt-BR" sz="1300" dirty="0"/>
+              <a:t>='</a:t>
+            </a:r>
+            <a:r>
+              <a:rPr lang="pt-BR" sz="1300" dirty="0" err="1"/>
+              <a:t>meu_dag_externo</a:t>
+            </a:r>
+            <a:r>
+              <a:rPr lang="pt-BR" sz="1300" dirty="0"/>
+              <a:t>’, 	</a:t>
             </a:r>
           </a:p>
           <a:p>
@@ -5394,56 +5283,24 @@
               <a:buNone/>
             </a:pPr>
             <a:r>
-              <a:rPr lang="pt-BR" sz="1600" dirty="0"/>
-              <a:t>		</a:t>
-            </a:r>
-            <a:r>
-              <a:rPr lang="pt-BR" sz="1600" dirty="0" err="1"/>
-              <a:t>dag_id</a:t>
-            </a:r>
-            <a:r>
-              <a:rPr lang="pt-BR" sz="1600" dirty="0"/>
-              <a:t>=</a:t>
-            </a:r>
-            <a:r>
-              <a:rPr lang="pt-BR" sz="1600" dirty="0" err="1"/>
-              <a:t>f</a:t>
-            </a:r>
-            <a:r>
-              <a:rPr lang="pt-BR" sz="1600" dirty="0"/>
-              <a:t>"{</a:t>
-            </a:r>
-            <a:r>
-              <a:rPr lang="pt-BR" sz="1600" dirty="0" err="1"/>
-              <a:t>parent_dag_name</a:t>
-            </a:r>
-            <a:r>
-              <a:rPr lang="pt-BR" sz="1600" dirty="0"/>
-              <a:t>}.{</a:t>
-            </a:r>
-            <a:r>
-              <a:rPr lang="pt-BR" sz="1600" dirty="0" err="1"/>
-              <a:t>child_dag_name</a:t>
-            </a:r>
-            <a:r>
-              <a:rPr lang="pt-BR" sz="1600" dirty="0"/>
-              <a:t>}", 		</a:t>
-            </a:r>
-            <a:r>
-              <a:rPr lang="pt-BR" sz="1600" dirty="0" err="1"/>
-              <a:t>default_args</a:t>
-            </a:r>
-            <a:r>
-              <a:rPr lang="pt-BR" sz="1600" dirty="0"/>
-              <a:t>=</a:t>
-            </a:r>
-            <a:r>
-              <a:rPr lang="pt-BR" sz="1600" dirty="0" err="1"/>
-              <a:t>args</a:t>
-            </a:r>
-            <a:r>
-              <a:rPr lang="pt-BR" sz="1600" dirty="0"/>
-              <a:t>, </a:t>
+              <a:rPr lang="pt-BR" sz="1300" dirty="0"/>
+              <a:t>	</a:t>
+            </a:r>
+            <a:r>
+              <a:rPr lang="pt-BR" sz="1300" dirty="0" err="1"/>
+              <a:t>external_task_id</a:t>
+            </a:r>
+            <a:r>
+              <a:rPr lang="pt-BR" sz="1300" dirty="0"/>
+              <a:t>='</a:t>
+            </a:r>
+            <a:r>
+              <a:rPr lang="pt-BR" sz="1300" dirty="0" err="1"/>
+              <a:t>tarefa_externa</a:t>
+            </a:r>
+            <a:r>
+              <a:rPr lang="pt-BR" sz="1300" dirty="0"/>
+              <a:t>’, 	</a:t>
             </a:r>
           </a:p>
           <a:p>
@@ -5451,24 +5308,32 @@
               <a:buNone/>
             </a:pPr>
             <a:r>
-              <a:rPr lang="pt-BR" sz="1600" dirty="0"/>
-              <a:t>		</a:t>
-            </a:r>
-            <a:r>
-              <a:rPr lang="pt-BR" sz="1600" dirty="0" err="1"/>
-              <a:t>schedule_interval</a:t>
-            </a:r>
-            <a:r>
-              <a:rPr lang="pt-BR" sz="1600" dirty="0"/>
-              <a:t>="@</a:t>
-            </a:r>
-            <a:r>
-              <a:rPr lang="pt-BR" sz="1600" dirty="0" err="1"/>
-              <a:t>daily</a:t>
-            </a:r>
-            <a:r>
-              <a:rPr lang="pt-BR" sz="1600" dirty="0"/>
-              <a:t>" </a:t>
+              <a:rPr lang="pt-BR" sz="1300" dirty="0"/>
+              <a:t>	</a:t>
+            </a:r>
+            <a:r>
+              <a:rPr lang="pt-BR" sz="1300" dirty="0" err="1"/>
+              <a:t>execution_date_fn</a:t>
+            </a:r>
+            <a:r>
+              <a:rPr lang="pt-BR" sz="1300" dirty="0"/>
+              <a:t>=lambda </a:t>
+            </a:r>
+            <a:r>
+              <a:rPr lang="pt-BR" sz="1300" dirty="0" err="1"/>
+              <a:t>dt</a:t>
+            </a:r>
+            <a:r>
+              <a:rPr lang="pt-BR" sz="1300" dirty="0"/>
+              <a:t>: </a:t>
+            </a:r>
+            <a:r>
+              <a:rPr lang="pt-BR" sz="1300" dirty="0" err="1"/>
+              <a:t>dt</a:t>
+            </a:r>
+            <a:r>
+              <a:rPr lang="pt-BR" sz="1300" dirty="0"/>
+              <a:t>, </a:t>
             </a:r>
           </a:p>
           <a:p>
@@ -5476,8 +5341,8 @@
               <a:buNone/>
             </a:pPr>
             <a:r>
-              <a:rPr lang="pt-BR" sz="1600" dirty="0"/>
-              <a:t>	) </a:t>
+              <a:rPr lang="pt-BR" sz="1300" dirty="0"/>
+              <a:t>	timeout=300, </a:t>
             </a:r>
           </a:p>
           <a:p>
@@ -5485,24 +5350,24 @@
               <a:buNone/>
             </a:pPr>
             <a:r>
-              <a:rPr lang="pt-BR" sz="1600" dirty="0"/>
+              <a:rPr lang="pt-BR" sz="1300" dirty="0"/>
               <a:t>	</a:t>
             </a:r>
             <a:r>
-              <a:rPr lang="pt-BR" sz="1600" dirty="0" err="1"/>
-              <a:t>with</a:t>
-            </a:r>
-            <a:r>
-              <a:rPr lang="pt-BR" sz="1600" dirty="0"/>
-              <a:t> </a:t>
-            </a:r>
-            <a:r>
-              <a:rPr lang="pt-BR" sz="1600" dirty="0" err="1"/>
-              <a:t>dag</a:t>
-            </a:r>
-            <a:r>
-              <a:rPr lang="pt-BR" sz="1600" dirty="0"/>
-              <a:t>: </a:t>
+              <a:rPr lang="pt-BR" sz="1300" dirty="0" err="1"/>
+              <a:t>mode</a:t>
+            </a:r>
+            <a:r>
+              <a:rPr lang="pt-BR" sz="1300" dirty="0"/>
+              <a:t>='</a:t>
+            </a:r>
+            <a:r>
+              <a:rPr lang="pt-BR" sz="1300" dirty="0" err="1"/>
+              <a:t>poke</a:t>
+            </a:r>
+            <a:r>
+              <a:rPr lang="pt-BR" sz="1300" dirty="0"/>
+              <a:t>’ </a:t>
             </a:r>
           </a:p>
           <a:p>
@@ -5510,73 +5375,16 @@
               <a:buNone/>
             </a:pPr>
             <a:r>
-              <a:rPr lang="pt-BR" sz="1600" dirty="0"/>
-              <a:t>		</a:t>
-            </a:r>
-            <a:r>
-              <a:rPr lang="pt-BR" sz="1600" dirty="0" err="1"/>
-              <a:t>DummyOperator</a:t>
-            </a:r>
-            <a:r>
-              <a:rPr lang="pt-BR" sz="1600" dirty="0"/>
-              <a:t>(</a:t>
-            </a:r>
-            <a:r>
-              <a:rPr lang="pt-BR" sz="1600" dirty="0" err="1"/>
-              <a:t>task_id</a:t>
-            </a:r>
-            <a:r>
-              <a:rPr lang="pt-BR" sz="1600" dirty="0"/>
-              <a:t>="sub_tarefa_1") 				</a:t>
-            </a:r>
-            <a:r>
-              <a:rPr lang="pt-BR" sz="1600" dirty="0" err="1"/>
-              <a:t>DummyOperator</a:t>
-            </a:r>
-            <a:r>
-              <a:rPr lang="pt-BR" sz="1600" dirty="0"/>
-              <a:t>(</a:t>
-            </a:r>
-            <a:r>
-              <a:rPr lang="pt-BR" sz="1600" dirty="0" err="1"/>
-              <a:t>task_id</a:t>
-            </a:r>
-            <a:r>
-              <a:rPr lang="pt-BR" sz="1600" dirty="0"/>
-              <a:t>="sub_tarefa_2") </a:t>
-            </a:r>
-          </a:p>
-          <a:p>
-            <a:pPr marL="502920" lvl="1" indent="0">
-              <a:buNone/>
-            </a:pPr>
-            <a:r>
-              <a:rPr lang="pt-BR" sz="1600" dirty="0"/>
-              <a:t>	</a:t>
-            </a:r>
-            <a:r>
-              <a:rPr lang="pt-BR" sz="1600" dirty="0" err="1"/>
-              <a:t>return</a:t>
-            </a:r>
-            <a:r>
-              <a:rPr lang="pt-BR" sz="1600" dirty="0"/>
-              <a:t> </a:t>
-            </a:r>
-            <a:r>
-              <a:rPr lang="pt-BR" sz="1600" dirty="0" err="1"/>
-              <a:t>dag</a:t>
-            </a:r>
-            <a:endParaRPr lang="pt-BR" sz="1600" dirty="0"/>
-          </a:p>
-          <a:p>
-            <a:endParaRPr lang="pt-BR" dirty="0"/>
+              <a:rPr lang="pt-BR" sz="1300" dirty="0"/>
+              <a:t>)</a:t>
+            </a:r>
           </a:p>
         </p:txBody>
       </p:sp>
     </p:spTree>
     <p:extLst>
       <p:ext uri="{BB962C8B-B14F-4D97-AF65-F5344CB8AC3E}">
-        <p14:creationId xmlns:p14="http://schemas.microsoft.com/office/powerpoint/2010/main" val="507349127"/>
+        <p14:creationId xmlns:p14="http://schemas.microsoft.com/office/powerpoint/2010/main" val="2080088638"/>
       </p:ext>
     </p:extLst>
   </p:cSld>
@@ -5608,7 +5416,7 @@
           <p:cNvPr id="2" name="Título 1">
             <a:extLst>
               <a:ext uri="{FF2B5EF4-FFF2-40B4-BE49-F238E27FC236}">
-                <a16:creationId xmlns:a16="http://schemas.microsoft.com/office/drawing/2014/main" id="{7811F052-232B-1298-6CFF-6AFD5B1BF1D6}"/>
+                <a16:creationId xmlns:a16="http://schemas.microsoft.com/office/drawing/2014/main" id="{73FD18EC-1FA6-F7FD-7652-0452FA826900}"/>
               </a:ext>
             </a:extLst>
           </p:cNvPr>
@@ -5626,12 +5434,9 @@
           <a:p>
             <a:r>
               <a:rPr lang="pt-BR" dirty="0" err="1"/>
-              <a:t>DAGs</a:t>
-            </a:r>
-            <a:r>
-              <a:rPr lang="pt-BR" dirty="0"/>
-              <a:t> Dinâmicas</a:t>
-            </a:r>
+              <a:t>SubDags</a:t>
+            </a:r>
+            <a:endParaRPr lang="pt-BR" dirty="0"/>
           </a:p>
         </p:txBody>
       </p:sp>
@@ -5640,7 +5445,7 @@
           <p:cNvPr id="3" name="Espaço Reservado para Conteúdo 2">
             <a:extLst>
               <a:ext uri="{FF2B5EF4-FFF2-40B4-BE49-F238E27FC236}">
-                <a16:creationId xmlns:a16="http://schemas.microsoft.com/office/drawing/2014/main" id="{61A1771B-B07C-788C-315E-C9050F29BD07}"/>
+                <a16:creationId xmlns:a16="http://schemas.microsoft.com/office/drawing/2014/main" id="{AE38D4EE-E102-DDEF-50D2-F48BC9045266}"/>
               </a:ext>
             </a:extLst>
           </p:cNvPr>
@@ -5653,12 +5458,14 @@
         </p:nvSpPr>
         <p:spPr/>
         <p:txBody>
-          <a:bodyPr/>
+          <a:bodyPr>
+            <a:normAutofit fontScale="85000" lnSpcReduction="20000"/>
+          </a:bodyPr>
           <a:lstStyle/>
           <a:p>
             <a:r>
               <a:rPr lang="pt-BR" b="1" dirty="0"/>
-              <a:t>O que são?</a:t>
+              <a:t>Definição:</a:t>
             </a:r>
             <a:endParaRPr lang="pt-BR" dirty="0"/>
           </a:p>
@@ -5673,13 +5480,21 @@
             </a:r>
             <a:r>
               <a:rPr lang="pt-BR" dirty="0"/>
-              <a:t> criadas de forma programática para evitar redundância e facilitar a manutenção.</a:t>
+              <a:t> aninhados dentro de outros </a:t>
+            </a:r>
+            <a:r>
+              <a:rPr lang="pt-BR" dirty="0" err="1"/>
+              <a:t>DAGs</a:t>
+            </a:r>
+            <a:r>
+              <a:rPr lang="pt-BR" dirty="0"/>
+              <a:t>.</a:t>
             </a:r>
           </a:p>
           <a:p>
             <a:r>
               <a:rPr lang="pt-BR" b="1" dirty="0"/>
-              <a:t>Vantagens:</a:t>
+              <a:t>Características:</a:t>
             </a:r>
             <a:endParaRPr lang="pt-BR" dirty="0"/>
           </a:p>
@@ -5690,7 +5505,7 @@
             </a:pPr>
             <a:r>
               <a:rPr lang="pt-BR" dirty="0"/>
-              <a:t>Redução de código repetido.</a:t>
+              <a:t>Facilitam a organização de workflows complexos.</a:t>
             </a:r>
           </a:p>
           <a:p>
@@ -5700,13 +5515,331 @@
             </a:pPr>
             <a:r>
               <a:rPr lang="pt-BR" dirty="0"/>
-              <a:t>Possibilidade de escalabilidade conforme o número de inputs.</a:t>
+              <a:t>Cada </a:t>
+            </a:r>
+            <a:r>
+              <a:rPr lang="pt-BR" dirty="0" err="1"/>
+              <a:t>SubDAG</a:t>
+            </a:r>
+            <a:r>
+              <a:rPr lang="pt-BR" dirty="0"/>
+              <a:t> funciona como um DAG completo.</a:t>
+            </a:r>
+          </a:p>
+          <a:p>
+            <a:r>
+              <a:rPr lang="pt-BR" b="1" dirty="0"/>
+              <a:t>Limitações:</a:t>
+            </a:r>
+            <a:endParaRPr lang="pt-BR" dirty="0"/>
+          </a:p>
+          <a:p>
+            <a:pPr lvl="1">
+              <a:buFont typeface="Arial" panose="020B0604020202020204" pitchFamily="34" charset="0"/>
+              <a:buChar char="•"/>
+            </a:pPr>
+            <a:r>
+              <a:rPr lang="pt-BR" dirty="0"/>
+              <a:t>Não recomendado em </a:t>
+            </a:r>
+            <a:r>
+              <a:rPr lang="pt-BR" dirty="0" err="1"/>
+              <a:t>DAGs</a:t>
+            </a:r>
+            <a:r>
+              <a:rPr lang="pt-BR" dirty="0"/>
+              <a:t> escaláveis.</a:t>
+            </a:r>
+          </a:p>
+          <a:p>
+            <a:pPr lvl="1">
+              <a:buFont typeface="Arial" panose="020B0604020202020204" pitchFamily="34" charset="0"/>
+              <a:buChar char="•"/>
+            </a:pPr>
+            <a:r>
+              <a:rPr lang="pt-BR" dirty="0"/>
+              <a:t>Melhor usar </a:t>
+            </a:r>
+            <a:r>
+              <a:rPr lang="pt-BR" b="1" dirty="0" err="1"/>
+              <a:t>TaskGroups</a:t>
+            </a:r>
+            <a:r>
+              <a:rPr lang="pt-BR" dirty="0"/>
+              <a:t> (substituto mais moderno).</a:t>
+            </a:r>
+          </a:p>
+          <a:p>
+            <a:r>
+              <a:rPr lang="pt-BR" b="1" dirty="0"/>
+              <a:t>Exemplo de criação:</a:t>
             </a:r>
           </a:p>
           <a:p>
             <a:pPr marL="0" indent="0">
               <a:buNone/>
             </a:pPr>
+            <a:endParaRPr lang="pt-BR" dirty="0"/>
+          </a:p>
+          <a:p>
+            <a:pPr marL="502920" lvl="1" indent="0">
+              <a:buNone/>
+            </a:pPr>
+            <a:r>
+              <a:rPr lang="pt-BR" sz="1600" dirty="0"/>
+              <a:t>@</a:t>
+            </a:r>
+            <a:r>
+              <a:rPr lang="pt-BR" sz="1600" dirty="0" err="1"/>
+              <a:t>subdag</a:t>
+            </a:r>
+            <a:r>
+              <a:rPr lang="pt-BR" sz="1600" dirty="0"/>
+              <a:t> </a:t>
+            </a:r>
+          </a:p>
+          <a:p>
+            <a:pPr marL="502920" lvl="1" indent="0">
+              <a:buNone/>
+            </a:pPr>
+            <a:r>
+              <a:rPr lang="pt-BR" sz="1600" dirty="0" err="1"/>
+              <a:t>def</a:t>
+            </a:r>
+            <a:r>
+              <a:rPr lang="pt-BR" sz="1600" dirty="0"/>
+              <a:t> </a:t>
+            </a:r>
+            <a:r>
+              <a:rPr lang="pt-BR" sz="1600" dirty="0" err="1"/>
+              <a:t>criar_subdag</a:t>
+            </a:r>
+            <a:r>
+              <a:rPr lang="pt-BR" sz="1600" dirty="0"/>
+              <a:t>(</a:t>
+            </a:r>
+            <a:r>
+              <a:rPr lang="pt-BR" sz="1600" dirty="0" err="1"/>
+              <a:t>parent_dag_name</a:t>
+            </a:r>
+            <a:r>
+              <a:rPr lang="pt-BR" sz="1600" dirty="0"/>
+              <a:t>, </a:t>
+            </a:r>
+            <a:r>
+              <a:rPr lang="pt-BR" sz="1600" dirty="0" err="1"/>
+              <a:t>child_dag_name</a:t>
+            </a:r>
+            <a:r>
+              <a:rPr lang="pt-BR" sz="1600" dirty="0"/>
+              <a:t>, </a:t>
+            </a:r>
+            <a:r>
+              <a:rPr lang="pt-BR" sz="1600" dirty="0" err="1"/>
+              <a:t>args</a:t>
+            </a:r>
+            <a:r>
+              <a:rPr lang="pt-BR" sz="1600" dirty="0"/>
+              <a:t>): </a:t>
+            </a:r>
+          </a:p>
+          <a:p>
+            <a:pPr marL="502920" lvl="1" indent="0">
+              <a:buNone/>
+            </a:pPr>
+            <a:r>
+              <a:rPr lang="pt-BR" sz="1600" dirty="0"/>
+              <a:t>	</a:t>
+            </a:r>
+            <a:r>
+              <a:rPr lang="pt-BR" sz="1600" dirty="0" err="1"/>
+              <a:t>dag</a:t>
+            </a:r>
+            <a:r>
+              <a:rPr lang="pt-BR" sz="1600" dirty="0"/>
+              <a:t> = DAG( </a:t>
+            </a:r>
+          </a:p>
+          <a:p>
+            <a:pPr marL="502920" lvl="1" indent="0">
+              <a:buNone/>
+            </a:pPr>
+            <a:r>
+              <a:rPr lang="pt-BR" sz="1600" dirty="0"/>
+              <a:t>		</a:t>
+            </a:r>
+            <a:r>
+              <a:rPr lang="pt-BR" sz="1600" dirty="0" err="1"/>
+              <a:t>dag_id</a:t>
+            </a:r>
+            <a:r>
+              <a:rPr lang="pt-BR" sz="1600" dirty="0"/>
+              <a:t>=</a:t>
+            </a:r>
+            <a:r>
+              <a:rPr lang="pt-BR" sz="1600" dirty="0" err="1"/>
+              <a:t>f</a:t>
+            </a:r>
+            <a:r>
+              <a:rPr lang="pt-BR" sz="1600" dirty="0"/>
+              <a:t>"{</a:t>
+            </a:r>
+            <a:r>
+              <a:rPr lang="pt-BR" sz="1600" dirty="0" err="1"/>
+              <a:t>parent_dag_name</a:t>
+            </a:r>
+            <a:r>
+              <a:rPr lang="pt-BR" sz="1600" dirty="0"/>
+              <a:t>}.{</a:t>
+            </a:r>
+            <a:r>
+              <a:rPr lang="pt-BR" sz="1600" dirty="0" err="1"/>
+              <a:t>child_dag_name</a:t>
+            </a:r>
+            <a:r>
+              <a:rPr lang="pt-BR" sz="1600" dirty="0"/>
+              <a:t>}", 		</a:t>
+            </a:r>
+            <a:r>
+              <a:rPr lang="pt-BR" sz="1600" dirty="0" err="1"/>
+              <a:t>default_args</a:t>
+            </a:r>
+            <a:r>
+              <a:rPr lang="pt-BR" sz="1600" dirty="0"/>
+              <a:t>=</a:t>
+            </a:r>
+            <a:r>
+              <a:rPr lang="pt-BR" sz="1600" dirty="0" err="1"/>
+              <a:t>args</a:t>
+            </a:r>
+            <a:r>
+              <a:rPr lang="pt-BR" sz="1600" dirty="0"/>
+              <a:t>, </a:t>
+            </a:r>
+          </a:p>
+          <a:p>
+            <a:pPr marL="502920" lvl="1" indent="0">
+              <a:buNone/>
+            </a:pPr>
+            <a:r>
+              <a:rPr lang="pt-BR" sz="1600" dirty="0"/>
+              <a:t>		</a:t>
+            </a:r>
+            <a:r>
+              <a:rPr lang="pt-BR" sz="1600" dirty="0" err="1"/>
+              <a:t>schedule_interval</a:t>
+            </a:r>
+            <a:r>
+              <a:rPr lang="pt-BR" sz="1600" dirty="0"/>
+              <a:t>="@</a:t>
+            </a:r>
+            <a:r>
+              <a:rPr lang="pt-BR" sz="1600" dirty="0" err="1"/>
+              <a:t>daily</a:t>
+            </a:r>
+            <a:r>
+              <a:rPr lang="pt-BR" sz="1600" dirty="0"/>
+              <a:t>" </a:t>
+            </a:r>
+          </a:p>
+          <a:p>
+            <a:pPr marL="502920" lvl="1" indent="0">
+              <a:buNone/>
+            </a:pPr>
+            <a:r>
+              <a:rPr lang="pt-BR" sz="1600" dirty="0"/>
+              <a:t>	) </a:t>
+            </a:r>
+          </a:p>
+          <a:p>
+            <a:pPr marL="502920" lvl="1" indent="0">
+              <a:buNone/>
+            </a:pPr>
+            <a:r>
+              <a:rPr lang="pt-BR" sz="1600" dirty="0"/>
+              <a:t>	</a:t>
+            </a:r>
+            <a:r>
+              <a:rPr lang="pt-BR" sz="1600" dirty="0" err="1"/>
+              <a:t>with</a:t>
+            </a:r>
+            <a:r>
+              <a:rPr lang="pt-BR" sz="1600" dirty="0"/>
+              <a:t> </a:t>
+            </a:r>
+            <a:r>
+              <a:rPr lang="pt-BR" sz="1600" dirty="0" err="1"/>
+              <a:t>dag</a:t>
+            </a:r>
+            <a:r>
+              <a:rPr lang="pt-BR" sz="1600" dirty="0"/>
+              <a:t>: </a:t>
+            </a:r>
+          </a:p>
+          <a:p>
+            <a:pPr marL="502920" lvl="1" indent="0">
+              <a:buNone/>
+            </a:pPr>
+            <a:r>
+              <a:rPr lang="pt-BR" sz="1600" dirty="0"/>
+              <a:t>		</a:t>
+            </a:r>
+            <a:r>
+              <a:rPr lang="pt-BR" sz="1600" dirty="0" err="1"/>
+              <a:t>DummyOperator</a:t>
+            </a:r>
+            <a:r>
+              <a:rPr lang="pt-BR" sz="1600" dirty="0"/>
+              <a:t>(</a:t>
+            </a:r>
+            <a:r>
+              <a:rPr lang="pt-BR" sz="1600" dirty="0" err="1"/>
+              <a:t>task_id</a:t>
+            </a:r>
+            <a:r>
+              <a:rPr lang="pt-BR" sz="1600" dirty="0"/>
+              <a:t>="sub_tarefa_1") 				</a:t>
+            </a:r>
+            <a:r>
+              <a:rPr lang="pt-BR" sz="1600" dirty="0" err="1"/>
+              <a:t>DummyOperator</a:t>
+            </a:r>
+            <a:r>
+              <a:rPr lang="pt-BR" sz="1600" dirty="0"/>
+              <a:t>(</a:t>
+            </a:r>
+            <a:r>
+              <a:rPr lang="pt-BR" sz="1600" dirty="0" err="1"/>
+              <a:t>task_id</a:t>
+            </a:r>
+            <a:r>
+              <a:rPr lang="pt-BR" sz="1600" dirty="0"/>
+              <a:t>="sub_tarefa_2") </a:t>
+            </a:r>
+          </a:p>
+          <a:p>
+            <a:pPr marL="502920" lvl="1" indent="0">
+              <a:buNone/>
+            </a:pPr>
+            <a:r>
+              <a:rPr lang="pt-BR" sz="1600" dirty="0"/>
+              <a:t>	</a:t>
+            </a:r>
+            <a:r>
+              <a:rPr lang="pt-BR" sz="1600" dirty="0" err="1"/>
+              <a:t>return</a:t>
+            </a:r>
+            <a:r>
+              <a:rPr lang="pt-BR" sz="1600" dirty="0"/>
+              <a:t> </a:t>
+            </a:r>
+            <a:r>
+              <a:rPr lang="pt-BR" sz="1600" dirty="0" err="1"/>
+              <a:t>dag</a:t>
+            </a:r>
+            <a:endParaRPr lang="pt-BR" sz="1600" dirty="0"/>
+          </a:p>
+          <a:p>
             <a:endParaRPr lang="pt-BR" dirty="0"/>
           </a:p>
         </p:txBody>
@@ -5714,7 +5847,7 @@
     </p:spTree>
     <p:extLst>
       <p:ext uri="{BB962C8B-B14F-4D97-AF65-F5344CB8AC3E}">
-        <p14:creationId xmlns:p14="http://schemas.microsoft.com/office/powerpoint/2010/main" val="3437611472"/>
+        <p14:creationId xmlns:p14="http://schemas.microsoft.com/office/powerpoint/2010/main" val="507349127"/>
       </p:ext>
     </p:extLst>
   </p:cSld>
@@ -5746,7 +5879,7 @@
           <p:cNvPr id="2" name="Título 1">
             <a:extLst>
               <a:ext uri="{FF2B5EF4-FFF2-40B4-BE49-F238E27FC236}">
-                <a16:creationId xmlns:a16="http://schemas.microsoft.com/office/drawing/2014/main" id="{E5424BBA-B234-B1E4-DEE3-A59F0D7E57BB}"/>
+                <a16:creationId xmlns:a16="http://schemas.microsoft.com/office/drawing/2014/main" id="{7811F052-232B-1298-6CFF-6AFD5B1BF1D6}"/>
               </a:ext>
             </a:extLst>
           </p:cNvPr>
@@ -5763,14 +5896,13 @@
           <a:lstStyle/>
           <a:p>
             <a:r>
-              <a:rPr lang="pt-BR" dirty="0"/>
-              <a:t>Task </a:t>
-            </a:r>
-            <a:r>
-              <a:rPr lang="pt-BR" dirty="0" err="1"/>
-              <a:t>Groups</a:t>
-            </a:r>
-            <a:endParaRPr lang="pt-BR" dirty="0"/>
+              <a:rPr lang="pt-BR" dirty="0" err="1"/>
+              <a:t>DAGs</a:t>
+            </a:r>
+            <a:r>
+              <a:rPr lang="pt-BR" dirty="0"/>
+              <a:t> Dinâmicas</a:t>
+            </a:r>
           </a:p>
         </p:txBody>
       </p:sp>
@@ -5779,7 +5911,7 @@
           <p:cNvPr id="3" name="Espaço Reservado para Conteúdo 2">
             <a:extLst>
               <a:ext uri="{FF2B5EF4-FFF2-40B4-BE49-F238E27FC236}">
-                <a16:creationId xmlns:a16="http://schemas.microsoft.com/office/drawing/2014/main" id="{926835A8-B15E-7090-C0A0-6B3DC22E01CC}"/>
+                <a16:creationId xmlns:a16="http://schemas.microsoft.com/office/drawing/2014/main" id="{61A1771B-B07C-788C-315E-C9050F29BD07}"/>
               </a:ext>
             </a:extLst>
           </p:cNvPr>
@@ -5797,16 +5929,30 @@
           <a:p>
             <a:r>
               <a:rPr lang="pt-BR" b="1" dirty="0"/>
-              <a:t>O que é </a:t>
-            </a:r>
-            <a:r>
-              <a:rPr lang="pt-BR" b="1" dirty="0" err="1"/>
-              <a:t>TaskGroup</a:t>
-            </a:r>
+              <a:t>O que são?</a:t>
+            </a:r>
+            <a:endParaRPr lang="pt-BR" dirty="0"/>
+          </a:p>
+          <a:p>
+            <a:pPr lvl="1">
+              <a:buFont typeface="Arial" panose="020B0604020202020204" pitchFamily="34" charset="0"/>
+              <a:buChar char="•"/>
+            </a:pPr>
+            <a:r>
+              <a:rPr lang="pt-BR" dirty="0" err="1"/>
+              <a:t>DAGs</a:t>
+            </a:r>
+            <a:r>
+              <a:rPr lang="pt-BR" dirty="0"/>
+              <a:t> criadas de forma programática para evitar redundância e facilitar a manutenção.</a:t>
+            </a:r>
+          </a:p>
+          <a:p>
             <a:r>
               <a:rPr lang="pt-BR" b="1" dirty="0"/>
-              <a:t>?</a:t>
-            </a:r>
+              <a:t>Vantagens:</a:t>
+            </a:r>
+            <a:endParaRPr lang="pt-BR" dirty="0"/>
           </a:p>
           <a:p>
             <a:pPr lvl="1">
@@ -5815,15 +5961,7 @@
             </a:pPr>
             <a:r>
               <a:rPr lang="pt-BR" dirty="0"/>
-              <a:t>Recurso do </a:t>
-            </a:r>
-            <a:r>
-              <a:rPr lang="pt-BR" dirty="0" err="1"/>
-              <a:t>Airflow</a:t>
-            </a:r>
-            <a:r>
-              <a:rPr lang="pt-BR" dirty="0"/>
-              <a:t> para agrupar tarefas logicamente.</a:t>
+              <a:t>Redução de código repetido.</a:t>
             </a:r>
           </a:p>
           <a:p>
@@ -5833,88 +5971,7 @@
             </a:pPr>
             <a:r>
               <a:rPr lang="pt-BR" dirty="0"/>
-              <a:t>Ajuda a organizar e simplificar </a:t>
-            </a:r>
-            <a:r>
-              <a:rPr lang="pt-BR" dirty="0" err="1"/>
-              <a:t>DAGs</a:t>
-            </a:r>
-            <a:r>
-              <a:rPr lang="pt-BR" dirty="0"/>
-              <a:t> complexas.</a:t>
-            </a:r>
-          </a:p>
-          <a:p>
-            <a:pPr lvl="1">
-              <a:buFont typeface="Arial" panose="020B0604020202020204" pitchFamily="34" charset="0"/>
-              <a:buChar char="•"/>
-            </a:pPr>
-            <a:r>
-              <a:rPr lang="pt-BR" dirty="0"/>
-              <a:t>Representado como um grupo </a:t>
-            </a:r>
-            <a:r>
-              <a:rPr lang="pt-BR" dirty="0" err="1"/>
-              <a:t>colapsável</a:t>
-            </a:r>
-            <a:r>
-              <a:rPr lang="pt-BR" dirty="0"/>
-              <a:t> na interface web do </a:t>
-            </a:r>
-            <a:r>
-              <a:rPr lang="pt-BR" dirty="0" err="1"/>
-              <a:t>Airflow</a:t>
-            </a:r>
-            <a:r>
-              <a:rPr lang="pt-BR" dirty="0"/>
-              <a:t>.</a:t>
-            </a:r>
-          </a:p>
-          <a:p>
-            <a:r>
-              <a:rPr lang="pt-BR" b="1" dirty="0"/>
-              <a:t>Principais Benefícios:</a:t>
-            </a:r>
-          </a:p>
-          <a:p>
-            <a:pPr lvl="1"/>
-            <a:r>
-              <a:rPr lang="pt-BR" b="1" dirty="0"/>
-              <a:t>Melhora a legibilidade:</a:t>
-            </a:r>
-            <a:r>
-              <a:rPr lang="pt-BR" dirty="0"/>
-              <a:t> </a:t>
-            </a:r>
-            <a:r>
-              <a:rPr lang="pt-BR" dirty="0" err="1"/>
-              <a:t>DAGs</a:t>
-            </a:r>
-            <a:r>
-              <a:rPr lang="pt-BR" dirty="0"/>
-              <a:t> mais limpas e organizadas.</a:t>
-            </a:r>
-          </a:p>
-          <a:p>
-            <a:pPr lvl="1"/>
-            <a:r>
-              <a:rPr lang="pt-BR" b="1" dirty="0"/>
-              <a:t>Visualização aprimorada:</a:t>
-            </a:r>
-            <a:r>
-              <a:rPr lang="pt-BR" dirty="0"/>
-              <a:t> Grupos de tarefas podem ser expandidos ou colapsados.</a:t>
-            </a:r>
-          </a:p>
-          <a:p>
-            <a:pPr lvl="1"/>
-            <a:r>
-              <a:rPr lang="pt-BR" b="1" dirty="0"/>
-              <a:t>Facilidade de manutenção:</a:t>
-            </a:r>
-            <a:r>
-              <a:rPr lang="pt-BR" dirty="0"/>
-              <a:t> Identificação lógica de tarefas relacionadas.</a:t>
+              <a:t>Possibilidade de escalabilidade conforme o número de inputs.</a:t>
             </a:r>
           </a:p>
           <a:p>
@@ -5928,7 +5985,7 @@
     </p:spTree>
     <p:extLst>
       <p:ext uri="{BB962C8B-B14F-4D97-AF65-F5344CB8AC3E}">
-        <p14:creationId xmlns:p14="http://schemas.microsoft.com/office/powerpoint/2010/main" val="898017223"/>
+        <p14:creationId xmlns:p14="http://schemas.microsoft.com/office/powerpoint/2010/main" val="3437611472"/>
       </p:ext>
     </p:extLst>
   </p:cSld>
@@ -6489,6 +6546,1072 @@
 </p:sld>
 </file>
 
+<file path=ppt/slides/slide20.xml><?xml version="1.0" encoding="utf-8"?>
+<p:sld xmlns:a="http://schemas.openxmlformats.org/drawingml/2006/main" xmlns:r="http://schemas.openxmlformats.org/officeDocument/2006/relationships" xmlns:p="http://schemas.openxmlformats.org/presentationml/2006/main">
+  <p:cSld>
+    <p:spTree>
+      <p:nvGrpSpPr>
+        <p:cNvPr id="1" name=""/>
+        <p:cNvGrpSpPr/>
+        <p:nvPr/>
+      </p:nvGrpSpPr>
+      <p:grpSpPr>
+        <a:xfrm>
+          <a:off x="0" y="0"/>
+          <a:ext cx="0" cy="0"/>
+          <a:chOff x="0" y="0"/>
+          <a:chExt cx="0" cy="0"/>
+        </a:xfrm>
+      </p:grpSpPr>
+      <p:sp>
+        <p:nvSpPr>
+          <p:cNvPr id="2" name="Título 1">
+            <a:extLst>
+              <a:ext uri="{FF2B5EF4-FFF2-40B4-BE49-F238E27FC236}">
+                <a16:creationId xmlns:a16="http://schemas.microsoft.com/office/drawing/2014/main" id="{E5424BBA-B234-B1E4-DEE3-A59F0D7E57BB}"/>
+              </a:ext>
+            </a:extLst>
+          </p:cNvPr>
+          <p:cNvSpPr>
+            <a:spLocks noGrp="1"/>
+          </p:cNvSpPr>
+          <p:nvPr>
+            <p:ph type="title"/>
+          </p:nvPr>
+        </p:nvSpPr>
+        <p:spPr/>
+        <p:txBody>
+          <a:bodyPr/>
+          <a:lstStyle/>
+          <a:p>
+            <a:r>
+              <a:rPr lang="pt-BR" dirty="0"/>
+              <a:t>Task </a:t>
+            </a:r>
+            <a:r>
+              <a:rPr lang="pt-BR" dirty="0" err="1"/>
+              <a:t>Groups</a:t>
+            </a:r>
+            <a:endParaRPr lang="pt-BR" dirty="0"/>
+          </a:p>
+        </p:txBody>
+      </p:sp>
+      <p:sp>
+        <p:nvSpPr>
+          <p:cNvPr id="3" name="Espaço Reservado para Conteúdo 2">
+            <a:extLst>
+              <a:ext uri="{FF2B5EF4-FFF2-40B4-BE49-F238E27FC236}">
+                <a16:creationId xmlns:a16="http://schemas.microsoft.com/office/drawing/2014/main" id="{926835A8-B15E-7090-C0A0-6B3DC22E01CC}"/>
+              </a:ext>
+            </a:extLst>
+          </p:cNvPr>
+          <p:cNvSpPr>
+            <a:spLocks noGrp="1"/>
+          </p:cNvSpPr>
+          <p:nvPr>
+            <p:ph idx="1"/>
+          </p:nvPr>
+        </p:nvSpPr>
+        <p:spPr/>
+        <p:txBody>
+          <a:bodyPr/>
+          <a:lstStyle/>
+          <a:p>
+            <a:r>
+              <a:rPr lang="pt-BR" b="1" dirty="0"/>
+              <a:t>O que é </a:t>
+            </a:r>
+            <a:r>
+              <a:rPr lang="pt-BR" b="1" dirty="0" err="1"/>
+              <a:t>TaskGroup</a:t>
+            </a:r>
+            <a:r>
+              <a:rPr lang="pt-BR" b="1" dirty="0"/>
+              <a:t>?</a:t>
+            </a:r>
+          </a:p>
+          <a:p>
+            <a:pPr lvl="1">
+              <a:buFont typeface="Arial" panose="020B0604020202020204" pitchFamily="34" charset="0"/>
+              <a:buChar char="•"/>
+            </a:pPr>
+            <a:r>
+              <a:rPr lang="pt-BR" dirty="0"/>
+              <a:t>Recurso do </a:t>
+            </a:r>
+            <a:r>
+              <a:rPr lang="pt-BR" dirty="0" err="1"/>
+              <a:t>Airflow</a:t>
+            </a:r>
+            <a:r>
+              <a:rPr lang="pt-BR" dirty="0"/>
+              <a:t> para agrupar tarefas logicamente.</a:t>
+            </a:r>
+          </a:p>
+          <a:p>
+            <a:pPr lvl="1">
+              <a:buFont typeface="Arial" panose="020B0604020202020204" pitchFamily="34" charset="0"/>
+              <a:buChar char="•"/>
+            </a:pPr>
+            <a:r>
+              <a:rPr lang="pt-BR" dirty="0"/>
+              <a:t>Ajuda a organizar e simplificar </a:t>
+            </a:r>
+            <a:r>
+              <a:rPr lang="pt-BR" dirty="0" err="1"/>
+              <a:t>DAGs</a:t>
+            </a:r>
+            <a:r>
+              <a:rPr lang="pt-BR" dirty="0"/>
+              <a:t> complexas.</a:t>
+            </a:r>
+          </a:p>
+          <a:p>
+            <a:pPr lvl="1">
+              <a:buFont typeface="Arial" panose="020B0604020202020204" pitchFamily="34" charset="0"/>
+              <a:buChar char="•"/>
+            </a:pPr>
+            <a:r>
+              <a:rPr lang="pt-BR" dirty="0"/>
+              <a:t>Representado como um grupo </a:t>
+            </a:r>
+            <a:r>
+              <a:rPr lang="pt-BR" dirty="0" err="1"/>
+              <a:t>colapsável</a:t>
+            </a:r>
+            <a:r>
+              <a:rPr lang="pt-BR" dirty="0"/>
+              <a:t> na interface web do </a:t>
+            </a:r>
+            <a:r>
+              <a:rPr lang="pt-BR" dirty="0" err="1"/>
+              <a:t>Airflow</a:t>
+            </a:r>
+            <a:r>
+              <a:rPr lang="pt-BR" dirty="0"/>
+              <a:t>.</a:t>
+            </a:r>
+          </a:p>
+          <a:p>
+            <a:r>
+              <a:rPr lang="pt-BR" b="1" dirty="0"/>
+              <a:t>Principais Benefícios:</a:t>
+            </a:r>
+          </a:p>
+          <a:p>
+            <a:pPr lvl="1"/>
+            <a:r>
+              <a:rPr lang="pt-BR" b="1" dirty="0"/>
+              <a:t>Melhora a legibilidade:</a:t>
+            </a:r>
+            <a:r>
+              <a:rPr lang="pt-BR" dirty="0"/>
+              <a:t> </a:t>
+            </a:r>
+            <a:r>
+              <a:rPr lang="pt-BR" dirty="0" err="1"/>
+              <a:t>DAGs</a:t>
+            </a:r>
+            <a:r>
+              <a:rPr lang="pt-BR" dirty="0"/>
+              <a:t> mais limpas e organizadas.</a:t>
+            </a:r>
+          </a:p>
+          <a:p>
+            <a:pPr lvl="1"/>
+            <a:r>
+              <a:rPr lang="pt-BR" b="1" dirty="0"/>
+              <a:t>Visualização aprimorada:</a:t>
+            </a:r>
+            <a:r>
+              <a:rPr lang="pt-BR" dirty="0"/>
+              <a:t> Grupos de tarefas podem ser expandidos ou colapsados.</a:t>
+            </a:r>
+          </a:p>
+          <a:p>
+            <a:pPr lvl="1"/>
+            <a:r>
+              <a:rPr lang="pt-BR" b="1" dirty="0"/>
+              <a:t>Facilidade de manutenção:</a:t>
+            </a:r>
+            <a:r>
+              <a:rPr lang="pt-BR" dirty="0"/>
+              <a:t> Identificação lógica de tarefas relacionadas.</a:t>
+            </a:r>
+          </a:p>
+          <a:p>
+            <a:pPr marL="0" indent="0">
+              <a:buNone/>
+            </a:pPr>
+            <a:endParaRPr lang="pt-BR" dirty="0"/>
+          </a:p>
+        </p:txBody>
+      </p:sp>
+    </p:spTree>
+    <p:extLst>
+      <p:ext uri="{BB962C8B-B14F-4D97-AF65-F5344CB8AC3E}">
+        <p14:creationId xmlns:p14="http://schemas.microsoft.com/office/powerpoint/2010/main" val="898017223"/>
+      </p:ext>
+    </p:extLst>
+  </p:cSld>
+  <p:clrMapOvr>
+    <a:masterClrMapping/>
+  </p:clrMapOvr>
+</p:sld>
+</file>
+
+<file path=ppt/slides/slide21.xml><?xml version="1.0" encoding="utf-8"?>
+<p:sld xmlns:a="http://schemas.openxmlformats.org/drawingml/2006/main" xmlns:r="http://schemas.openxmlformats.org/officeDocument/2006/relationships" xmlns:p="http://schemas.openxmlformats.org/presentationml/2006/main">
+  <p:cSld>
+    <p:spTree>
+      <p:nvGrpSpPr>
+        <p:cNvPr id="1" name=""/>
+        <p:cNvGrpSpPr/>
+        <p:nvPr/>
+      </p:nvGrpSpPr>
+      <p:grpSpPr>
+        <a:xfrm>
+          <a:off x="0" y="0"/>
+          <a:ext cx="0" cy="0"/>
+          <a:chOff x="0" y="0"/>
+          <a:chExt cx="0" cy="0"/>
+        </a:xfrm>
+      </p:grpSpPr>
+      <p:sp>
+        <p:nvSpPr>
+          <p:cNvPr id="2" name="Título 1">
+            <a:extLst>
+              <a:ext uri="{FF2B5EF4-FFF2-40B4-BE49-F238E27FC236}">
+                <a16:creationId xmlns:a16="http://schemas.microsoft.com/office/drawing/2014/main" id="{183BE9B1-C122-D1A8-03AD-6F7937E99EBE}"/>
+              </a:ext>
+            </a:extLst>
+          </p:cNvPr>
+          <p:cNvSpPr>
+            <a:spLocks noGrp="1"/>
+          </p:cNvSpPr>
+          <p:nvPr>
+            <p:ph type="title"/>
+          </p:nvPr>
+        </p:nvSpPr>
+        <p:spPr/>
+        <p:txBody>
+          <a:bodyPr/>
+          <a:lstStyle/>
+          <a:p>
+            <a:r>
+              <a:rPr lang="pt-BR" dirty="0" err="1"/>
+              <a:t>Airflow</a:t>
+            </a:r>
+            <a:r>
+              <a:rPr lang="pt-BR" dirty="0"/>
+              <a:t> </a:t>
+            </a:r>
+            <a:r>
+              <a:rPr lang="pt-BR" dirty="0" err="1"/>
+              <a:t>Cli</a:t>
+            </a:r>
+            <a:endParaRPr lang="pt-BR" dirty="0"/>
+          </a:p>
+        </p:txBody>
+      </p:sp>
+      <p:sp>
+        <p:nvSpPr>
+          <p:cNvPr id="3" name="Espaço Reservado para Conteúdo 2">
+            <a:extLst>
+              <a:ext uri="{FF2B5EF4-FFF2-40B4-BE49-F238E27FC236}">
+                <a16:creationId xmlns:a16="http://schemas.microsoft.com/office/drawing/2014/main" id="{CC87A1D6-6116-8DDF-46BA-D3FB4348B936}"/>
+              </a:ext>
+            </a:extLst>
+          </p:cNvPr>
+          <p:cNvSpPr>
+            <a:spLocks noGrp="1"/>
+          </p:cNvSpPr>
+          <p:nvPr>
+            <p:ph idx="1"/>
+          </p:nvPr>
+        </p:nvSpPr>
+        <p:spPr/>
+        <p:txBody>
+          <a:bodyPr/>
+          <a:lstStyle/>
+          <a:p>
+            <a:r>
+              <a:rPr lang="pt-BR" b="1" dirty="0"/>
+              <a:t>O que é?</a:t>
+            </a:r>
+            <a:endParaRPr lang="pt-BR" dirty="0"/>
+          </a:p>
+          <a:p>
+            <a:pPr lvl="1">
+              <a:buFont typeface="Arial" panose="020B0604020202020204" pitchFamily="34" charset="0"/>
+              <a:buChar char="•"/>
+            </a:pPr>
+            <a:r>
+              <a:rPr lang="pt-BR" dirty="0"/>
+              <a:t>Interface de linha de comando do Apache </a:t>
+            </a:r>
+            <a:r>
+              <a:rPr lang="pt-BR" dirty="0" err="1"/>
+              <a:t>Airflow</a:t>
+            </a:r>
+            <a:r>
+              <a:rPr lang="pt-BR" dirty="0"/>
+              <a:t>.</a:t>
+            </a:r>
+          </a:p>
+          <a:p>
+            <a:pPr lvl="1">
+              <a:buFont typeface="Arial" panose="020B0604020202020204" pitchFamily="34" charset="0"/>
+              <a:buChar char="•"/>
+            </a:pPr>
+            <a:r>
+              <a:rPr lang="pt-BR" dirty="0"/>
+              <a:t>Permite gerenciar e executar </a:t>
+            </a:r>
+            <a:r>
+              <a:rPr lang="pt-BR" dirty="0" err="1"/>
+              <a:t>DAGs</a:t>
+            </a:r>
+            <a:r>
+              <a:rPr lang="pt-BR" dirty="0"/>
+              <a:t>, tarefas, e realizar manutenção no ambiente </a:t>
+            </a:r>
+            <a:r>
+              <a:rPr lang="pt-BR" dirty="0" err="1"/>
+              <a:t>Airflow</a:t>
+            </a:r>
+            <a:r>
+              <a:rPr lang="pt-BR" dirty="0"/>
+              <a:t> diretamente do terminal.</a:t>
+            </a:r>
+          </a:p>
+          <a:p>
+            <a:r>
+              <a:rPr lang="pt-BR" b="1" dirty="0"/>
+              <a:t>Principais recursos:</a:t>
+            </a:r>
+            <a:endParaRPr lang="pt-BR" dirty="0"/>
+          </a:p>
+          <a:p>
+            <a:pPr lvl="1">
+              <a:buFont typeface="Arial" panose="020B0604020202020204" pitchFamily="34" charset="0"/>
+              <a:buChar char="•"/>
+            </a:pPr>
+            <a:r>
+              <a:rPr lang="pt-BR" dirty="0"/>
+              <a:t>Listagem e execução de </a:t>
+            </a:r>
+            <a:r>
+              <a:rPr lang="pt-BR" dirty="0" err="1"/>
+              <a:t>DAGs</a:t>
+            </a:r>
+            <a:r>
+              <a:rPr lang="pt-BR" dirty="0"/>
+              <a:t> e tarefas.</a:t>
+            </a:r>
+          </a:p>
+          <a:p>
+            <a:pPr lvl="1">
+              <a:buFont typeface="Arial" panose="020B0604020202020204" pitchFamily="34" charset="0"/>
+              <a:buChar char="•"/>
+            </a:pPr>
+            <a:r>
+              <a:rPr lang="pt-BR" dirty="0"/>
+              <a:t>Monitoramento do estado de execução.</a:t>
+            </a:r>
+          </a:p>
+          <a:p>
+            <a:pPr lvl="1">
+              <a:buFont typeface="Arial" panose="020B0604020202020204" pitchFamily="34" charset="0"/>
+              <a:buChar char="•"/>
+            </a:pPr>
+            <a:r>
+              <a:rPr lang="pt-BR" dirty="0"/>
+              <a:t>Gerenciamento de conexões e variáveis.</a:t>
+            </a:r>
+          </a:p>
+          <a:p>
+            <a:r>
+              <a:rPr lang="pt-BR" b="1" dirty="0"/>
+              <a:t>Vantagens:</a:t>
+            </a:r>
+            <a:endParaRPr lang="pt-BR" dirty="0"/>
+          </a:p>
+          <a:p>
+            <a:pPr lvl="1">
+              <a:buFont typeface="Arial" panose="020B0604020202020204" pitchFamily="34" charset="0"/>
+              <a:buChar char="•"/>
+            </a:pPr>
+            <a:r>
+              <a:rPr lang="pt-BR" dirty="0"/>
+              <a:t>Agilidade na administração do ambiente.</a:t>
+            </a:r>
+          </a:p>
+          <a:p>
+            <a:pPr lvl="1">
+              <a:buFont typeface="Arial" panose="020B0604020202020204" pitchFamily="34" charset="0"/>
+              <a:buChar char="•"/>
+            </a:pPr>
+            <a:r>
+              <a:rPr lang="pt-BR" dirty="0"/>
+              <a:t>Automatização de tarefas frequentes.</a:t>
+            </a:r>
+          </a:p>
+          <a:p>
+            <a:endParaRPr lang="pt-BR" dirty="0"/>
+          </a:p>
+        </p:txBody>
+      </p:sp>
+    </p:spTree>
+    <p:extLst>
+      <p:ext uri="{BB962C8B-B14F-4D97-AF65-F5344CB8AC3E}">
+        <p14:creationId xmlns:p14="http://schemas.microsoft.com/office/powerpoint/2010/main" val="2067126582"/>
+      </p:ext>
+    </p:extLst>
+  </p:cSld>
+  <p:clrMapOvr>
+    <a:masterClrMapping/>
+  </p:clrMapOvr>
+</p:sld>
+</file>
+
+<file path=ppt/slides/slide22.xml><?xml version="1.0" encoding="utf-8"?>
+<p:sld xmlns:a="http://schemas.openxmlformats.org/drawingml/2006/main" xmlns:r="http://schemas.openxmlformats.org/officeDocument/2006/relationships" xmlns:p="http://schemas.openxmlformats.org/presentationml/2006/main">
+  <p:cSld>
+    <p:spTree>
+      <p:nvGrpSpPr>
+        <p:cNvPr id="1" name=""/>
+        <p:cNvGrpSpPr/>
+        <p:nvPr/>
+      </p:nvGrpSpPr>
+      <p:grpSpPr>
+        <a:xfrm>
+          <a:off x="0" y="0"/>
+          <a:ext cx="0" cy="0"/>
+          <a:chOff x="0" y="0"/>
+          <a:chExt cx="0" cy="0"/>
+        </a:xfrm>
+      </p:grpSpPr>
+      <p:sp>
+        <p:nvSpPr>
+          <p:cNvPr id="2" name="Título 1">
+            <a:extLst>
+              <a:ext uri="{FF2B5EF4-FFF2-40B4-BE49-F238E27FC236}">
+                <a16:creationId xmlns:a16="http://schemas.microsoft.com/office/drawing/2014/main" id="{D6490B6B-2F94-71A5-7A08-5E8A5D8EF4D6}"/>
+              </a:ext>
+            </a:extLst>
+          </p:cNvPr>
+          <p:cNvSpPr>
+            <a:spLocks noGrp="1"/>
+          </p:cNvSpPr>
+          <p:nvPr>
+            <p:ph type="title"/>
+          </p:nvPr>
+        </p:nvSpPr>
+        <p:spPr/>
+        <p:txBody>
+          <a:bodyPr/>
+          <a:lstStyle/>
+          <a:p>
+            <a:r>
+              <a:rPr lang="pt-BR" dirty="0" err="1"/>
+              <a:t>Airflow</a:t>
+            </a:r>
+            <a:r>
+              <a:rPr lang="pt-BR" dirty="0"/>
+              <a:t> </a:t>
+            </a:r>
+            <a:r>
+              <a:rPr lang="pt-BR" dirty="0" err="1"/>
+              <a:t>Cli</a:t>
+            </a:r>
+            <a:endParaRPr lang="pt-BR" dirty="0"/>
+          </a:p>
+        </p:txBody>
+      </p:sp>
+      <p:sp>
+        <p:nvSpPr>
+          <p:cNvPr id="3" name="Espaço Reservado para Conteúdo 2">
+            <a:extLst>
+              <a:ext uri="{FF2B5EF4-FFF2-40B4-BE49-F238E27FC236}">
+                <a16:creationId xmlns:a16="http://schemas.microsoft.com/office/drawing/2014/main" id="{DC287447-E1C1-C204-5BCA-36FD9694DB6C}"/>
+              </a:ext>
+            </a:extLst>
+          </p:cNvPr>
+          <p:cNvSpPr>
+            <a:spLocks noGrp="1"/>
+          </p:cNvSpPr>
+          <p:nvPr>
+            <p:ph idx="1"/>
+          </p:nvPr>
+        </p:nvSpPr>
+        <p:spPr/>
+        <p:txBody>
+          <a:bodyPr>
+            <a:normAutofit fontScale="70000" lnSpcReduction="20000"/>
+          </a:bodyPr>
+          <a:lstStyle/>
+          <a:p>
+            <a:pPr>
+              <a:buFont typeface="Arial" panose="020B0604020202020204" pitchFamily="34" charset="0"/>
+              <a:buChar char="•"/>
+            </a:pPr>
+            <a:r>
+              <a:rPr lang="pt-BR" dirty="0"/>
+              <a:t>Listar </a:t>
+            </a:r>
+            <a:r>
+              <a:rPr lang="pt-BR" dirty="0" err="1"/>
+              <a:t>DAGs:bash</a:t>
+            </a:r>
+            <a:endParaRPr lang="pt-BR" dirty="0"/>
+          </a:p>
+          <a:p>
+            <a:pPr lvl="1">
+              <a:buFont typeface="Arial" panose="020B0604020202020204" pitchFamily="34" charset="0"/>
+              <a:buChar char="•"/>
+            </a:pPr>
+            <a:r>
+              <a:rPr lang="pt-BR" dirty="0" err="1"/>
+              <a:t>airflow</a:t>
+            </a:r>
+            <a:r>
+              <a:rPr lang="pt-BR" dirty="0"/>
+              <a:t> </a:t>
+            </a:r>
+            <a:r>
+              <a:rPr lang="pt-BR" dirty="0" err="1"/>
+              <a:t>dags</a:t>
+            </a:r>
+            <a:r>
+              <a:rPr lang="pt-BR" dirty="0"/>
+              <a:t> </a:t>
+            </a:r>
+            <a:r>
+              <a:rPr lang="pt-BR" dirty="0" err="1"/>
+              <a:t>list</a:t>
+            </a:r>
+            <a:r>
+              <a:rPr lang="pt-BR" dirty="0"/>
+              <a:t> </a:t>
+            </a:r>
+          </a:p>
+          <a:p>
+            <a:pPr>
+              <a:buFont typeface="Arial" panose="020B0604020202020204" pitchFamily="34" charset="0"/>
+              <a:buChar char="•"/>
+            </a:pPr>
+            <a:r>
+              <a:rPr lang="pt-BR" dirty="0"/>
+              <a:t>Pausar um </a:t>
+            </a:r>
+            <a:r>
+              <a:rPr lang="pt-BR" dirty="0" err="1"/>
+              <a:t>DAG:bash</a:t>
+            </a:r>
+            <a:endParaRPr lang="pt-BR" dirty="0"/>
+          </a:p>
+          <a:p>
+            <a:pPr lvl="1">
+              <a:buFont typeface="Arial" panose="020B0604020202020204" pitchFamily="34" charset="0"/>
+              <a:buChar char="•"/>
+            </a:pPr>
+            <a:r>
+              <a:rPr lang="pt-BR" dirty="0" err="1"/>
+              <a:t>airflow</a:t>
+            </a:r>
+            <a:r>
+              <a:rPr lang="pt-BR" dirty="0"/>
+              <a:t> </a:t>
+            </a:r>
+            <a:r>
+              <a:rPr lang="pt-BR" dirty="0" err="1"/>
+              <a:t>dags</a:t>
+            </a:r>
+            <a:r>
+              <a:rPr lang="pt-BR" dirty="0"/>
+              <a:t> pause &lt;</a:t>
+            </a:r>
+            <a:r>
+              <a:rPr lang="pt-BR" dirty="0" err="1"/>
+              <a:t>dag_id</a:t>
+            </a:r>
+            <a:r>
+              <a:rPr lang="pt-BR" dirty="0"/>
+              <a:t>&gt; </a:t>
+            </a:r>
+          </a:p>
+          <a:p>
+            <a:pPr>
+              <a:buFont typeface="Arial" panose="020B0604020202020204" pitchFamily="34" charset="0"/>
+              <a:buChar char="•"/>
+            </a:pPr>
+            <a:r>
+              <a:rPr lang="pt-BR" dirty="0"/>
+              <a:t>Retomar um </a:t>
+            </a:r>
+            <a:r>
+              <a:rPr lang="pt-BR" dirty="0" err="1"/>
+              <a:t>DAG:bash</a:t>
+            </a:r>
+            <a:endParaRPr lang="pt-BR" dirty="0"/>
+          </a:p>
+          <a:p>
+            <a:pPr lvl="1">
+              <a:buFont typeface="Arial" panose="020B0604020202020204" pitchFamily="34" charset="0"/>
+              <a:buChar char="•"/>
+            </a:pPr>
+            <a:r>
+              <a:rPr lang="pt-BR" dirty="0" err="1"/>
+              <a:t>airflow</a:t>
+            </a:r>
+            <a:r>
+              <a:rPr lang="pt-BR" dirty="0"/>
+              <a:t> </a:t>
+            </a:r>
+            <a:r>
+              <a:rPr lang="pt-BR" dirty="0" err="1"/>
+              <a:t>dags</a:t>
+            </a:r>
+            <a:r>
+              <a:rPr lang="pt-BR" dirty="0"/>
+              <a:t> </a:t>
+            </a:r>
+            <a:r>
+              <a:rPr lang="pt-BR" dirty="0" err="1"/>
+              <a:t>unpause</a:t>
+            </a:r>
+            <a:r>
+              <a:rPr lang="pt-BR" dirty="0"/>
+              <a:t> &lt;</a:t>
+            </a:r>
+            <a:r>
+              <a:rPr lang="pt-BR" dirty="0" err="1"/>
+              <a:t>dag_id</a:t>
+            </a:r>
+            <a:r>
+              <a:rPr lang="pt-BR" dirty="0"/>
+              <a:t>&gt; </a:t>
+            </a:r>
+          </a:p>
+          <a:p>
+            <a:pPr>
+              <a:buFont typeface="Arial" panose="020B0604020202020204" pitchFamily="34" charset="0"/>
+              <a:buChar char="•"/>
+            </a:pPr>
+            <a:r>
+              <a:rPr lang="pt-BR" dirty="0"/>
+              <a:t>Executar uma tarefa </a:t>
+            </a:r>
+            <a:r>
+              <a:rPr lang="pt-BR" dirty="0" err="1"/>
+              <a:t>manualmente:bash</a:t>
+            </a:r>
+            <a:endParaRPr lang="pt-BR" dirty="0"/>
+          </a:p>
+          <a:p>
+            <a:pPr lvl="1">
+              <a:buFont typeface="Arial" panose="020B0604020202020204" pitchFamily="34" charset="0"/>
+              <a:buChar char="•"/>
+            </a:pPr>
+            <a:r>
+              <a:rPr lang="pt-BR" dirty="0" err="1"/>
+              <a:t>airflow</a:t>
+            </a:r>
+            <a:r>
+              <a:rPr lang="pt-BR" dirty="0"/>
+              <a:t> </a:t>
+            </a:r>
+            <a:r>
+              <a:rPr lang="pt-BR" dirty="0" err="1"/>
+              <a:t>tasks</a:t>
+            </a:r>
+            <a:r>
+              <a:rPr lang="pt-BR" dirty="0"/>
+              <a:t> </a:t>
+            </a:r>
+            <a:r>
+              <a:rPr lang="pt-BR" dirty="0" err="1"/>
+              <a:t>run</a:t>
+            </a:r>
+            <a:r>
+              <a:rPr lang="pt-BR" dirty="0"/>
+              <a:t> &lt;</a:t>
+            </a:r>
+            <a:r>
+              <a:rPr lang="pt-BR" dirty="0" err="1"/>
+              <a:t>dag_id</a:t>
+            </a:r>
+            <a:r>
+              <a:rPr lang="pt-BR" dirty="0"/>
+              <a:t>&gt; &lt;</a:t>
+            </a:r>
+            <a:r>
+              <a:rPr lang="pt-BR" dirty="0" err="1"/>
+              <a:t>task_id</a:t>
+            </a:r>
+            <a:r>
+              <a:rPr lang="pt-BR" dirty="0"/>
+              <a:t>&gt; &lt;</a:t>
+            </a:r>
+            <a:r>
+              <a:rPr lang="pt-BR" dirty="0" err="1"/>
+              <a:t>execution_date</a:t>
+            </a:r>
+            <a:r>
+              <a:rPr lang="pt-BR" dirty="0"/>
+              <a:t>&gt; </a:t>
+            </a:r>
+          </a:p>
+          <a:p>
+            <a:pPr>
+              <a:buFont typeface="Arial" panose="020B0604020202020204" pitchFamily="34" charset="0"/>
+              <a:buChar char="•"/>
+            </a:pPr>
+            <a:r>
+              <a:rPr lang="pt-BR" dirty="0"/>
+              <a:t>Mostrar status de </a:t>
+            </a:r>
+            <a:r>
+              <a:rPr lang="pt-BR" dirty="0" err="1"/>
+              <a:t>tarefas:bash</a:t>
+            </a:r>
+            <a:endParaRPr lang="pt-BR" dirty="0"/>
+          </a:p>
+          <a:p>
+            <a:pPr lvl="1">
+              <a:buFont typeface="Arial" panose="020B0604020202020204" pitchFamily="34" charset="0"/>
+              <a:buChar char="•"/>
+            </a:pPr>
+            <a:r>
+              <a:rPr lang="pt-BR" dirty="0" err="1"/>
+              <a:t>airflow</a:t>
+            </a:r>
+            <a:r>
+              <a:rPr lang="pt-BR" dirty="0"/>
+              <a:t> </a:t>
+            </a:r>
+            <a:r>
+              <a:rPr lang="pt-BR" dirty="0" err="1"/>
+              <a:t>tasks</a:t>
+            </a:r>
+            <a:r>
+              <a:rPr lang="pt-BR" dirty="0"/>
+              <a:t> </a:t>
+            </a:r>
+            <a:r>
+              <a:rPr lang="pt-BR" dirty="0" err="1"/>
+              <a:t>states</a:t>
+            </a:r>
+            <a:r>
+              <a:rPr lang="pt-BR" dirty="0"/>
+              <a:t>-for-</a:t>
+            </a:r>
+            <a:r>
+              <a:rPr lang="pt-BR" dirty="0" err="1"/>
+              <a:t>dag</a:t>
+            </a:r>
+            <a:r>
+              <a:rPr lang="pt-BR" dirty="0"/>
+              <a:t>-</a:t>
+            </a:r>
+            <a:r>
+              <a:rPr lang="pt-BR" dirty="0" err="1"/>
+              <a:t>run</a:t>
+            </a:r>
+            <a:r>
+              <a:rPr lang="pt-BR" dirty="0"/>
+              <a:t> &lt;</a:t>
+            </a:r>
+            <a:r>
+              <a:rPr lang="pt-BR" dirty="0" err="1"/>
+              <a:t>dag_id</a:t>
+            </a:r>
+            <a:r>
+              <a:rPr lang="pt-BR" dirty="0"/>
+              <a:t>&gt; &lt;</a:t>
+            </a:r>
+            <a:r>
+              <a:rPr lang="pt-BR" dirty="0" err="1"/>
+              <a:t>execution_date</a:t>
+            </a:r>
+            <a:r>
+              <a:rPr lang="pt-BR" dirty="0"/>
+              <a:t>&gt; </a:t>
+            </a:r>
+          </a:p>
+          <a:p>
+            <a:pPr>
+              <a:buFont typeface="Arial" panose="020B0604020202020204" pitchFamily="34" charset="0"/>
+              <a:buChar char="•"/>
+            </a:pPr>
+            <a:r>
+              <a:rPr lang="pt-BR" dirty="0"/>
+              <a:t>Iniciar o </a:t>
+            </a:r>
+            <a:r>
+              <a:rPr lang="pt-BR" dirty="0" err="1"/>
+              <a:t>webserver:bash</a:t>
+            </a:r>
+            <a:endParaRPr lang="pt-BR" dirty="0"/>
+          </a:p>
+          <a:p>
+            <a:pPr lvl="1">
+              <a:buFont typeface="Arial" panose="020B0604020202020204" pitchFamily="34" charset="0"/>
+              <a:buChar char="•"/>
+            </a:pPr>
+            <a:r>
+              <a:rPr lang="pt-BR" dirty="0" err="1"/>
+              <a:t>airflow</a:t>
+            </a:r>
+            <a:r>
+              <a:rPr lang="pt-BR" dirty="0"/>
+              <a:t> </a:t>
+            </a:r>
+            <a:r>
+              <a:rPr lang="pt-BR" dirty="0" err="1"/>
+              <a:t>webserver</a:t>
+            </a:r>
+            <a:r>
+              <a:rPr lang="pt-BR" dirty="0"/>
+              <a:t> </a:t>
+            </a:r>
+          </a:p>
+          <a:p>
+            <a:pPr>
+              <a:buFont typeface="Arial" panose="020B0604020202020204" pitchFamily="34" charset="0"/>
+              <a:buChar char="•"/>
+            </a:pPr>
+            <a:r>
+              <a:rPr lang="pt-BR" dirty="0"/>
+              <a:t>Testar um DAG (sem persistir no metadado):</a:t>
+            </a:r>
+            <a:r>
+              <a:rPr lang="pt-BR" dirty="0" err="1"/>
+              <a:t>bash</a:t>
+            </a:r>
+            <a:endParaRPr lang="pt-BR" dirty="0"/>
+          </a:p>
+          <a:p>
+            <a:pPr lvl="1">
+              <a:buFont typeface="Arial" panose="020B0604020202020204" pitchFamily="34" charset="0"/>
+              <a:buChar char="•"/>
+            </a:pPr>
+            <a:r>
+              <a:rPr lang="pt-BR" dirty="0" err="1"/>
+              <a:t>airflow</a:t>
+            </a:r>
+            <a:r>
+              <a:rPr lang="pt-BR" dirty="0"/>
+              <a:t> </a:t>
+            </a:r>
+            <a:r>
+              <a:rPr lang="pt-BR" dirty="0" err="1"/>
+              <a:t>dags</a:t>
+            </a:r>
+            <a:r>
+              <a:rPr lang="pt-BR" dirty="0"/>
+              <a:t> </a:t>
+            </a:r>
+            <a:r>
+              <a:rPr lang="pt-BR" dirty="0" err="1"/>
+              <a:t>test</a:t>
+            </a:r>
+            <a:r>
+              <a:rPr lang="pt-BR" dirty="0"/>
+              <a:t> &lt;</a:t>
+            </a:r>
+            <a:r>
+              <a:rPr lang="pt-BR" dirty="0" err="1"/>
+              <a:t>dag_id</a:t>
+            </a:r>
+            <a:r>
+              <a:rPr lang="pt-BR" dirty="0"/>
+              <a:t>&gt; &lt;</a:t>
+            </a:r>
+            <a:r>
+              <a:rPr lang="pt-BR" dirty="0" err="1"/>
+              <a:t>execution_date</a:t>
+            </a:r>
+            <a:r>
+              <a:rPr lang="pt-BR" dirty="0"/>
+              <a:t>&gt; </a:t>
+            </a:r>
+          </a:p>
+          <a:p>
+            <a:pPr>
+              <a:buFont typeface="Arial" panose="020B0604020202020204" pitchFamily="34" charset="0"/>
+              <a:buChar char="•"/>
+            </a:pPr>
+            <a:r>
+              <a:rPr lang="pt-BR" dirty="0"/>
+              <a:t>Ver logs de uma </a:t>
+            </a:r>
+            <a:r>
+              <a:rPr lang="pt-BR" dirty="0" err="1"/>
+              <a:t>tarefa:bash</a:t>
+            </a:r>
+            <a:endParaRPr lang="pt-BR" dirty="0"/>
+          </a:p>
+          <a:p>
+            <a:pPr lvl="1">
+              <a:buFont typeface="Arial" panose="020B0604020202020204" pitchFamily="34" charset="0"/>
+              <a:buChar char="•"/>
+            </a:pPr>
+            <a:r>
+              <a:rPr lang="pt-BR" dirty="0" err="1"/>
+              <a:t>airflow</a:t>
+            </a:r>
+            <a:r>
+              <a:rPr lang="pt-BR" dirty="0"/>
+              <a:t> </a:t>
+            </a:r>
+            <a:r>
+              <a:rPr lang="pt-BR" dirty="0" err="1"/>
+              <a:t>tasks</a:t>
+            </a:r>
+            <a:r>
+              <a:rPr lang="pt-BR" dirty="0"/>
+              <a:t> log &lt;</a:t>
+            </a:r>
+            <a:r>
+              <a:rPr lang="pt-BR" dirty="0" err="1"/>
+              <a:t>dag_id</a:t>
+            </a:r>
+            <a:r>
+              <a:rPr lang="pt-BR" dirty="0"/>
+              <a:t>&gt; &lt;</a:t>
+            </a:r>
+            <a:r>
+              <a:rPr lang="pt-BR" dirty="0" err="1"/>
+              <a:t>task_id</a:t>
+            </a:r>
+            <a:r>
+              <a:rPr lang="pt-BR" dirty="0"/>
+              <a:t>&gt; &lt;</a:t>
+            </a:r>
+            <a:r>
+              <a:rPr lang="pt-BR" dirty="0" err="1"/>
+              <a:t>execution_date</a:t>
+            </a:r>
+            <a:r>
+              <a:rPr lang="pt-BR" dirty="0"/>
+              <a:t>&gt;</a:t>
+            </a:r>
+          </a:p>
+          <a:p>
+            <a:pPr>
+              <a:buFont typeface="Arial" panose="020B0604020202020204" pitchFamily="34" charset="0"/>
+              <a:buChar char="•"/>
+            </a:pPr>
+            <a:r>
+              <a:rPr lang="pt-BR" dirty="0"/>
+              <a:t>Backup de conexões</a:t>
+            </a:r>
+          </a:p>
+          <a:p>
+            <a:pPr lvl="1">
+              <a:buFont typeface="Arial" panose="020B0604020202020204" pitchFamily="34" charset="0"/>
+              <a:buChar char="•"/>
+            </a:pPr>
+            <a:r>
+              <a:rPr lang="pt-BR" dirty="0" err="1"/>
+              <a:t>airflow</a:t>
+            </a:r>
+            <a:r>
+              <a:rPr lang="pt-BR" dirty="0"/>
+              <a:t> connections </a:t>
+            </a:r>
+            <a:r>
+              <a:rPr lang="pt-BR" dirty="0" err="1"/>
+              <a:t>export</a:t>
+            </a:r>
+            <a:r>
+              <a:rPr lang="pt-BR" dirty="0"/>
+              <a:t> </a:t>
+            </a:r>
+            <a:r>
+              <a:rPr lang="pt-BR" dirty="0" err="1"/>
+              <a:t>conexoes_backup.json</a:t>
+            </a:r>
+            <a:r>
+              <a:rPr lang="pt-BR" dirty="0"/>
+              <a:t> </a:t>
+            </a:r>
+          </a:p>
+          <a:p>
+            <a:pPr>
+              <a:buFont typeface="Arial" panose="020B0604020202020204" pitchFamily="34" charset="0"/>
+              <a:buChar char="•"/>
+            </a:pPr>
+            <a:r>
+              <a:rPr lang="pt-BR" dirty="0"/>
+              <a:t>Backup de Variáveis</a:t>
+            </a:r>
+          </a:p>
+          <a:p>
+            <a:pPr lvl="1">
+              <a:buFont typeface="Arial" panose="020B0604020202020204" pitchFamily="34" charset="0"/>
+              <a:buChar char="•"/>
+            </a:pPr>
+            <a:r>
+              <a:rPr lang="pt-BR" dirty="0" err="1"/>
+              <a:t>airflow</a:t>
+            </a:r>
+            <a:r>
+              <a:rPr lang="pt-BR" dirty="0"/>
+              <a:t> </a:t>
+            </a:r>
+            <a:r>
+              <a:rPr lang="pt-BR" dirty="0" err="1"/>
+              <a:t>variables</a:t>
+            </a:r>
+            <a:r>
+              <a:rPr lang="pt-BR" dirty="0"/>
+              <a:t> </a:t>
+            </a:r>
+            <a:r>
+              <a:rPr lang="pt-BR" dirty="0" err="1"/>
+              <a:t>export</a:t>
+            </a:r>
+            <a:r>
+              <a:rPr lang="pt-BR" dirty="0"/>
+              <a:t> </a:t>
+            </a:r>
+            <a:r>
+              <a:rPr lang="pt-BR" dirty="0" err="1"/>
+              <a:t>variaveis_backup.json</a:t>
+            </a:r>
+            <a:r>
+              <a:rPr lang="pt-BR" dirty="0"/>
+              <a:t> </a:t>
+            </a:r>
+          </a:p>
+          <a:p>
+            <a:pPr lvl="2">
+              <a:buFont typeface="Arial" panose="020B0604020202020204" pitchFamily="34" charset="0"/>
+              <a:buChar char="•"/>
+            </a:pPr>
+            <a:endParaRPr lang="pt-BR" dirty="0"/>
+          </a:p>
+          <a:p>
+            <a:endParaRPr lang="pt-BR" dirty="0"/>
+          </a:p>
+        </p:txBody>
+      </p:sp>
+    </p:spTree>
+    <p:extLst>
+      <p:ext uri="{BB962C8B-B14F-4D97-AF65-F5344CB8AC3E}">
+        <p14:creationId xmlns:p14="http://schemas.microsoft.com/office/powerpoint/2010/main" val="2705999961"/>
+      </p:ext>
+    </p:extLst>
+  </p:cSld>
+  <p:clrMapOvr>
+    <a:masterClrMapping/>
+  </p:clrMapOvr>
+</p:sld>
+</file>
+
 <file path=ppt/slides/slide3.xml><?xml version="1.0" encoding="utf-8"?>
 <p:sld xmlns:a="http://schemas.openxmlformats.org/drawingml/2006/main" xmlns:r="http://schemas.openxmlformats.org/officeDocument/2006/relationships" xmlns:p="http://schemas.openxmlformats.org/presentationml/2006/main">
   <p:cSld>
@@ -6511,7 +7634,7 @@
           <p:cNvPr id="2" name="Título 1">
             <a:extLst>
               <a:ext uri="{FF2B5EF4-FFF2-40B4-BE49-F238E27FC236}">
-                <a16:creationId xmlns:a16="http://schemas.microsoft.com/office/drawing/2014/main" id="{1439EAC9-55E4-4317-0B2E-46C05B065F93}"/>
+                <a16:creationId xmlns:a16="http://schemas.microsoft.com/office/drawing/2014/main" id="{DF9F5BB0-E238-72C9-7372-5E054E3F77D6}"/>
               </a:ext>
             </a:extLst>
           </p:cNvPr>
@@ -6529,7 +7652,7 @@
           <a:p>
             <a:r>
               <a:rPr lang="pt-BR" dirty="0"/>
-              <a:t>Componentes</a:t>
+              <a:t>Recursos necessários</a:t>
             </a:r>
           </a:p>
         </p:txBody>
@@ -6539,7 +7662,7 @@
           <p:cNvPr id="3" name="Espaço Reservado para Conteúdo 2">
             <a:extLst>
               <a:ext uri="{FF2B5EF4-FFF2-40B4-BE49-F238E27FC236}">
-                <a16:creationId xmlns:a16="http://schemas.microsoft.com/office/drawing/2014/main" id="{A207A14A-0FC9-3A87-1241-70DA9A706332}"/>
+                <a16:creationId xmlns:a16="http://schemas.microsoft.com/office/drawing/2014/main" id="{3871792E-0ACC-ADD7-58DF-20841364A2FA}"/>
               </a:ext>
             </a:extLst>
           </p:cNvPr>
@@ -6556,94 +7679,20 @@
           <a:lstStyle/>
           <a:p>
             <a:r>
-              <a:rPr lang="pt-BR" b="1" dirty="0" err="1"/>
-              <a:t>Scheduler</a:t>
-            </a:r>
-            <a:r>
-              <a:rPr lang="pt-BR" dirty="0"/>
-              <a:t>: Planeja e inicia as tarefas com base na DAG configurada.</a:t>
-            </a:r>
-          </a:p>
-          <a:p>
-            <a:r>
-              <a:rPr lang="pt-BR" b="1" dirty="0"/>
-              <a:t>Executor</a:t>
-            </a:r>
-            <a:r>
-              <a:rPr lang="pt-BR" dirty="0"/>
-              <a:t>: Gerencia a execução das tarefas.</a:t>
-            </a:r>
-          </a:p>
-          <a:p>
-            <a:r>
-              <a:rPr lang="pt-BR" b="1" dirty="0" err="1"/>
-              <a:t>Webserver</a:t>
-            </a:r>
-            <a:r>
-              <a:rPr lang="pt-BR" dirty="0"/>
-              <a:t>: Interface web para monitoramento e gerenciamento de </a:t>
-            </a:r>
-            <a:r>
-              <a:rPr lang="pt-BR" dirty="0" err="1"/>
-              <a:t>DAGs</a:t>
-            </a:r>
-            <a:r>
-              <a:rPr lang="pt-BR" dirty="0"/>
-              <a:t>.</a:t>
-            </a:r>
-          </a:p>
-          <a:p>
-            <a:r>
-              <a:rPr lang="pt-BR" b="1" dirty="0" err="1"/>
-              <a:t>Metadata</a:t>
-            </a:r>
-            <a:r>
-              <a:rPr lang="pt-BR" b="1" dirty="0"/>
-              <a:t> </a:t>
-            </a:r>
-            <a:r>
-              <a:rPr lang="pt-BR" b="1" dirty="0" err="1"/>
-              <a:t>Database</a:t>
-            </a:r>
-            <a:r>
-              <a:rPr lang="pt-BR" dirty="0"/>
-              <a:t>: Armazena estados de </a:t>
-            </a:r>
-            <a:r>
-              <a:rPr lang="pt-BR" dirty="0" err="1"/>
-              <a:t>DAGs</a:t>
-            </a:r>
-            <a:r>
-              <a:rPr lang="pt-BR" dirty="0"/>
-              <a:t>, tarefas e logs de execução.</a:t>
-            </a:r>
-          </a:p>
-          <a:p>
-            <a:r>
-              <a:rPr lang="pt-BR" b="1" dirty="0"/>
-              <a:t>Workers</a:t>
-            </a:r>
-            <a:r>
-              <a:rPr lang="pt-BR" dirty="0"/>
-              <a:t>: Executam as tarefas atribuídas pelo executor.</a:t>
-            </a:r>
-          </a:p>
-          <a:p>
-            <a:r>
-              <a:rPr lang="pt-BR" b="1" dirty="0"/>
-              <a:t>CLI</a:t>
-            </a:r>
-            <a:r>
-              <a:rPr lang="pt-BR" dirty="0"/>
-              <a:t>: Interface de linha de comando para gerenciamento do </a:t>
-            </a:r>
-            <a:r>
-              <a:rPr lang="pt-BR" dirty="0" err="1"/>
-              <a:t>Airflow</a:t>
-            </a:r>
-            <a:r>
-              <a:rPr lang="pt-BR" dirty="0"/>
-              <a:t>.</a:t>
+              <a:rPr lang="pt-BR" dirty="0"/>
+              <a:t>Docker</a:t>
+            </a:r>
+          </a:p>
+          <a:p>
+            <a:r>
+              <a:rPr lang="pt-BR" dirty="0"/>
+              <a:t>Docker composse</a:t>
+            </a:r>
+          </a:p>
+          <a:p>
+            <a:r>
+              <a:rPr lang="pt-BR" dirty="0"/>
+              <a:t>GIT</a:t>
             </a:r>
           </a:p>
         </p:txBody>
@@ -6651,7 +7700,7 @@
     </p:spTree>
     <p:extLst>
       <p:ext uri="{BB962C8B-B14F-4D97-AF65-F5344CB8AC3E}">
-        <p14:creationId xmlns:p14="http://schemas.microsoft.com/office/powerpoint/2010/main" val="3572665906"/>
+        <p14:creationId xmlns:p14="http://schemas.microsoft.com/office/powerpoint/2010/main" val="1387120179"/>
       </p:ext>
     </p:extLst>
   </p:cSld>
@@ -6683,7 +7732,7 @@
           <p:cNvPr id="2" name="Título 1">
             <a:extLst>
               <a:ext uri="{FF2B5EF4-FFF2-40B4-BE49-F238E27FC236}">
-                <a16:creationId xmlns:a16="http://schemas.microsoft.com/office/drawing/2014/main" id="{CBC57255-4F05-1A4B-838A-F00AFBB4B434}"/>
+                <a16:creationId xmlns:a16="http://schemas.microsoft.com/office/drawing/2014/main" id="{1439EAC9-55E4-4317-0B2E-46C05B065F93}"/>
               </a:ext>
             </a:extLst>
           </p:cNvPr>
@@ -6701,7 +7750,7 @@
           <a:p>
             <a:r>
               <a:rPr lang="pt-BR" dirty="0"/>
-              <a:t>Executores</a:t>
+              <a:t>Componentes</a:t>
             </a:r>
           </a:p>
         </p:txBody>
@@ -6711,7 +7760,7 @@
           <p:cNvPr id="3" name="Espaço Reservado para Conteúdo 2">
             <a:extLst>
               <a:ext uri="{FF2B5EF4-FFF2-40B4-BE49-F238E27FC236}">
-                <a16:creationId xmlns:a16="http://schemas.microsoft.com/office/drawing/2014/main" id="{00B425CB-ADB1-7A9E-C129-E34A9E5DF98F}"/>
+                <a16:creationId xmlns:a16="http://schemas.microsoft.com/office/drawing/2014/main" id="{A207A14A-0FC9-3A87-1241-70DA9A706332}"/>
               </a:ext>
             </a:extLst>
           </p:cNvPr>
@@ -6729,91 +7778,93 @@
           <a:p>
             <a:r>
               <a:rPr lang="pt-BR" b="1" dirty="0" err="1"/>
-              <a:t>SequentialExecutor</a:t>
-            </a:r>
-            <a:r>
-              <a:rPr lang="pt-BR" dirty="0"/>
-              <a:t>: </a:t>
-            </a:r>
-            <a:r>
-              <a:rPr lang="pt-BR" dirty="0" err="1"/>
-              <a:t>Monothread</a:t>
-            </a:r>
-            <a:r>
-              <a:rPr lang="pt-BR" dirty="0"/>
-              <a:t>, usado para testes.</a:t>
+              <a:t>Scheduler</a:t>
+            </a:r>
+            <a:r>
+              <a:rPr lang="pt-BR" dirty="0"/>
+              <a:t>: Planeja e inicia as tarefas com base na DAG configurada.</a:t>
+            </a:r>
+          </a:p>
+          <a:p>
+            <a:r>
+              <a:rPr lang="pt-BR" b="1" dirty="0"/>
+              <a:t>Executor</a:t>
+            </a:r>
+            <a:r>
+              <a:rPr lang="pt-BR" dirty="0"/>
+              <a:t>: Gerencia a execução das tarefas.</a:t>
             </a:r>
           </a:p>
           <a:p>
             <a:r>
               <a:rPr lang="pt-BR" b="1" dirty="0" err="1"/>
-              <a:t>LocalExecutor</a:t>
-            </a:r>
-            <a:r>
-              <a:rPr lang="pt-BR" dirty="0"/>
-              <a:t>: Executa múltiplas tarefas paralelamente na mesma máquina.</a:t>
+              <a:t>Webserver</a:t>
+            </a:r>
+            <a:r>
+              <a:rPr lang="pt-BR" dirty="0"/>
+              <a:t>: Interface web para monitoramento e gerenciamento de </a:t>
+            </a:r>
+            <a:r>
+              <a:rPr lang="pt-BR" dirty="0" err="1"/>
+              <a:t>DAGs</a:t>
+            </a:r>
+            <a:r>
+              <a:rPr lang="pt-BR" dirty="0"/>
+              <a:t>.</a:t>
             </a:r>
           </a:p>
           <a:p>
             <a:r>
               <a:rPr lang="pt-BR" b="1" dirty="0" err="1"/>
-              <a:t>CeleryExecutor</a:t>
-            </a:r>
-            <a:r>
-              <a:rPr lang="pt-BR" dirty="0"/>
-              <a:t>: Usa </a:t>
-            </a:r>
-            <a:r>
-              <a:rPr lang="pt-BR" dirty="0" err="1"/>
-              <a:t>workers</a:t>
-            </a:r>
-            <a:r>
-              <a:rPr lang="pt-BR" dirty="0"/>
-              <a:t> distribuídos, ideal para grandes volumes de tarefas.</a:t>
-            </a:r>
-          </a:p>
-          <a:p>
+              <a:t>Metadata</a:t>
+            </a:r>
+            <a:r>
+              <a:rPr lang="pt-BR" b="1" dirty="0"/>
+              <a:t> </a:t>
+            </a:r>
             <a:r>
               <a:rPr lang="pt-BR" b="1" dirty="0" err="1"/>
-              <a:t>KubernetesExecutor</a:t>
-            </a:r>
-            <a:r>
-              <a:rPr lang="pt-BR" dirty="0"/>
-              <a:t>: Cria </a:t>
-            </a:r>
-            <a:r>
-              <a:rPr lang="pt-BR" dirty="0" err="1"/>
-              <a:t>pods</a:t>
-            </a:r>
-            <a:r>
-              <a:rPr lang="pt-BR" dirty="0"/>
-              <a:t> dinâmicos no </a:t>
-            </a:r>
-            <a:r>
-              <a:rPr lang="pt-BR" dirty="0" err="1"/>
-              <a:t>Kubernetes</a:t>
-            </a:r>
-            <a:r>
-              <a:rPr lang="pt-BR" dirty="0"/>
-              <a:t> para cada tarefa.</a:t>
-            </a:r>
-          </a:p>
-          <a:p>
-            <a:r>
-              <a:rPr lang="pt-BR" b="1" dirty="0" err="1"/>
-              <a:t>DaskExecutor</a:t>
-            </a:r>
-            <a:r>
-              <a:rPr lang="pt-BR" dirty="0"/>
-              <a:t>: Usa o cluster </a:t>
-            </a:r>
-            <a:r>
-              <a:rPr lang="pt-BR" dirty="0" err="1"/>
-              <a:t>Dask</a:t>
-            </a:r>
-            <a:r>
-              <a:rPr lang="pt-BR" dirty="0"/>
-              <a:t> para execução paralela.</a:t>
+              <a:t>Database</a:t>
+            </a:r>
+            <a:r>
+              <a:rPr lang="pt-BR" dirty="0"/>
+              <a:t>: Armazena estados de </a:t>
+            </a:r>
+            <a:r>
+              <a:rPr lang="pt-BR" dirty="0" err="1"/>
+              <a:t>DAGs</a:t>
+            </a:r>
+            <a:r>
+              <a:rPr lang="pt-BR" dirty="0"/>
+              <a:t>, tarefas e logs de execução.</a:t>
+            </a:r>
+          </a:p>
+          <a:p>
+            <a:r>
+              <a:rPr lang="pt-BR" b="1" dirty="0"/>
+              <a:t>Workers</a:t>
+            </a:r>
+            <a:r>
+              <a:rPr lang="pt-BR" dirty="0"/>
+              <a:t>: Executam as tarefas atribuídas pelo executor.</a:t>
+            </a:r>
+          </a:p>
+          <a:p>
+            <a:r>
+              <a:rPr lang="pt-BR" b="1" dirty="0"/>
+              <a:t>CLI</a:t>
+            </a:r>
+            <a:r>
+              <a:rPr lang="pt-BR" dirty="0"/>
+              <a:t>: Interface de linha de comando para gerenciamento do </a:t>
+            </a:r>
+            <a:r>
+              <a:rPr lang="pt-BR" dirty="0" err="1"/>
+              <a:t>Airflow</a:t>
+            </a:r>
+            <a:r>
+              <a:rPr lang="pt-BR" dirty="0"/>
+              <a:t>.</a:t>
             </a:r>
           </a:p>
         </p:txBody>
@@ -6821,7 +7872,7 @@
     </p:spTree>
     <p:extLst>
       <p:ext uri="{BB962C8B-B14F-4D97-AF65-F5344CB8AC3E}">
-        <p14:creationId xmlns:p14="http://schemas.microsoft.com/office/powerpoint/2010/main" val="4172991274"/>
+        <p14:creationId xmlns:p14="http://schemas.microsoft.com/office/powerpoint/2010/main" val="3572665906"/>
       </p:ext>
     </p:extLst>
   </p:cSld>
@@ -6853,7 +7904,7 @@
           <p:cNvPr id="2" name="Título 1">
             <a:extLst>
               <a:ext uri="{FF2B5EF4-FFF2-40B4-BE49-F238E27FC236}">
-                <a16:creationId xmlns:a16="http://schemas.microsoft.com/office/drawing/2014/main" id="{21DCD2BA-7E07-4CE3-1D2B-65275F8F131C}"/>
+                <a16:creationId xmlns:a16="http://schemas.microsoft.com/office/drawing/2014/main" id="{CBC57255-4F05-1A4B-838A-F00AFBB4B434}"/>
               </a:ext>
             </a:extLst>
           </p:cNvPr>
@@ -6871,7 +7922,7 @@
           <a:p>
             <a:r>
               <a:rPr lang="pt-BR" dirty="0"/>
-              <a:t>Conexões</a:t>
+              <a:t>Executores</a:t>
             </a:r>
           </a:p>
         </p:txBody>
@@ -6881,7 +7932,7 @@
           <p:cNvPr id="3" name="Espaço Reservado para Conteúdo 2">
             <a:extLst>
               <a:ext uri="{FF2B5EF4-FFF2-40B4-BE49-F238E27FC236}">
-                <a16:creationId xmlns:a16="http://schemas.microsoft.com/office/drawing/2014/main" id="{1ACFD2E9-C610-5E95-C2B6-FB7E204CB389}"/>
+                <a16:creationId xmlns:a16="http://schemas.microsoft.com/office/drawing/2014/main" id="{00B425CB-ADB1-7A9E-C129-E34A9E5DF98F}"/>
               </a:ext>
             </a:extLst>
           </p:cNvPr>
@@ -6897,77 +7948,93 @@
           <a:bodyPr/>
           <a:lstStyle/>
           <a:p>
-            <a:pPr>
-              <a:buFont typeface="Arial" panose="020B0604020202020204" pitchFamily="34" charset="0"/>
-              <a:buChar char="•"/>
-            </a:pPr>
-            <a:r>
-              <a:rPr lang="pt-BR" b="1" dirty="0"/>
-              <a:t>Definição</a:t>
-            </a:r>
-            <a:r>
-              <a:rPr lang="pt-BR" dirty="0"/>
-              <a:t>: Conexões são configurações que permitem ao </a:t>
-            </a:r>
-            <a:r>
-              <a:rPr lang="pt-BR" dirty="0" err="1"/>
-              <a:t>Airflow</a:t>
-            </a:r>
-            <a:r>
-              <a:rPr lang="pt-BR" dirty="0"/>
-              <a:t> interagir com serviços externos, como bancos de dados, APIs ou sistemas de armazenamento.</a:t>
-            </a:r>
-          </a:p>
-          <a:p>
-            <a:pPr>
-              <a:buFont typeface="Arial" panose="020B0604020202020204" pitchFamily="34" charset="0"/>
-              <a:buChar char="•"/>
-            </a:pPr>
-            <a:r>
-              <a:rPr lang="pt-BR" b="1" dirty="0"/>
-              <a:t>Configuração</a:t>
-            </a:r>
-            <a:r>
-              <a:rPr lang="pt-BR" dirty="0"/>
-              <a:t>:</a:t>
-            </a:r>
-          </a:p>
-          <a:p>
-            <a:pPr lvl="1">
-              <a:buFont typeface="Arial" panose="020B0604020202020204" pitchFamily="34" charset="0"/>
-              <a:buChar char="•"/>
-            </a:pPr>
-            <a:r>
-              <a:rPr lang="pt-BR" dirty="0"/>
-              <a:t>Via interface web (Admin &gt; Connections).</a:t>
-            </a:r>
-          </a:p>
-          <a:p>
-            <a:pPr lvl="1">
-              <a:buFont typeface="Arial" panose="020B0604020202020204" pitchFamily="34" charset="0"/>
-              <a:buChar char="•"/>
-            </a:pPr>
-            <a:r>
-              <a:rPr lang="pt-BR" dirty="0"/>
-              <a:t>Arquivo </a:t>
-            </a:r>
-            <a:r>
-              <a:rPr lang="pt-BR" dirty="0" err="1"/>
-              <a:t>airflow.cfg</a:t>
-            </a:r>
-            <a:r>
-              <a:rPr lang="pt-BR" dirty="0"/>
-              <a:t> ou variáveis de ambiente.</a:t>
-            </a:r>
-          </a:p>
-          <a:p>
-            <a:r>
-              <a:rPr lang="pt-BR" b="1" dirty="0"/>
-              <a:t>Parâmetros</a:t>
-            </a:r>
-            <a:r>
-              <a:rPr lang="pt-BR" dirty="0"/>
-              <a:t>: Nome, tipo de conexão, credenciais e extras (como configurações adicionais).</a:t>
+            <a:r>
+              <a:rPr lang="pt-BR" b="1" dirty="0" err="1"/>
+              <a:t>SequentialExecutor</a:t>
+            </a:r>
+            <a:r>
+              <a:rPr lang="pt-BR" dirty="0"/>
+              <a:t>: </a:t>
+            </a:r>
+            <a:r>
+              <a:rPr lang="pt-BR" dirty="0" err="1"/>
+              <a:t>Monothread</a:t>
+            </a:r>
+            <a:r>
+              <a:rPr lang="pt-BR" dirty="0"/>
+              <a:t>, usado para testes.</a:t>
+            </a:r>
+          </a:p>
+          <a:p>
+            <a:r>
+              <a:rPr lang="pt-BR" b="1" dirty="0" err="1"/>
+              <a:t>LocalExecutor</a:t>
+            </a:r>
+            <a:r>
+              <a:rPr lang="pt-BR" dirty="0"/>
+              <a:t>: Executa múltiplas tarefas paralelamente na mesma máquina.</a:t>
+            </a:r>
+          </a:p>
+          <a:p>
+            <a:r>
+              <a:rPr lang="pt-BR" b="1" dirty="0" err="1"/>
+              <a:t>CeleryExecutor</a:t>
+            </a:r>
+            <a:r>
+              <a:rPr lang="pt-BR" dirty="0"/>
+              <a:t>: Usa </a:t>
+            </a:r>
+            <a:r>
+              <a:rPr lang="pt-BR" dirty="0" err="1"/>
+              <a:t>workers</a:t>
+            </a:r>
+            <a:r>
+              <a:rPr lang="pt-BR" dirty="0"/>
+              <a:t> distribuídos, ideal para grandes volumes de tarefas.</a:t>
+            </a:r>
+          </a:p>
+          <a:p>
+            <a:r>
+              <a:rPr lang="pt-BR" b="1" dirty="0" err="1"/>
+              <a:t>KubernetesExecutor</a:t>
+            </a:r>
+            <a:r>
+              <a:rPr lang="pt-BR" dirty="0"/>
+              <a:t>: Cria </a:t>
+            </a:r>
+            <a:r>
+              <a:rPr lang="pt-BR" dirty="0" err="1"/>
+              <a:t>pods</a:t>
+            </a:r>
+            <a:r>
+              <a:rPr lang="pt-BR" dirty="0"/>
+              <a:t> dinâmicos no </a:t>
+            </a:r>
+            <a:r>
+              <a:rPr lang="pt-BR" dirty="0" err="1"/>
+              <a:t>Kubernetes</a:t>
+            </a:r>
+            <a:r>
+              <a:rPr lang="pt-BR" dirty="0"/>
+              <a:t> para cada tarefa.</a:t>
+            </a:r>
+          </a:p>
+          <a:p>
+            <a:r>
+              <a:rPr lang="pt-BR" b="1" dirty="0" err="1"/>
+              <a:t>DaskExecutor</a:t>
+            </a:r>
+            <a:r>
+              <a:rPr lang="pt-BR" dirty="0"/>
+              <a:t>: Usa o cluster </a:t>
+            </a:r>
+            <a:r>
+              <a:rPr lang="pt-BR" dirty="0" err="1"/>
+              <a:t>Dask</a:t>
+            </a:r>
+            <a:r>
+              <a:rPr lang="pt-BR" dirty="0"/>
+              <a:t> para execução paralela.</a:t>
             </a:r>
           </a:p>
         </p:txBody>
@@ -6975,7 +8042,7 @@
     </p:spTree>
     <p:extLst>
       <p:ext uri="{BB962C8B-B14F-4D97-AF65-F5344CB8AC3E}">
-        <p14:creationId xmlns:p14="http://schemas.microsoft.com/office/powerpoint/2010/main" val="3780554157"/>
+        <p14:creationId xmlns:p14="http://schemas.microsoft.com/office/powerpoint/2010/main" val="4172991274"/>
       </p:ext>
     </p:extLst>
   </p:cSld>
@@ -7007,7 +8074,7 @@
           <p:cNvPr id="2" name="Título 1">
             <a:extLst>
               <a:ext uri="{FF2B5EF4-FFF2-40B4-BE49-F238E27FC236}">
-                <a16:creationId xmlns:a16="http://schemas.microsoft.com/office/drawing/2014/main" id="{06728344-147B-AECA-7D8F-AFC91437B48D}"/>
+                <a16:creationId xmlns:a16="http://schemas.microsoft.com/office/drawing/2014/main" id="{21DCD2BA-7E07-4CE3-1D2B-65275F8F131C}"/>
               </a:ext>
             </a:extLst>
           </p:cNvPr>
@@ -7024,10 +8091,9 @@
           <a:lstStyle/>
           <a:p>
             <a:r>
-              <a:rPr lang="pt-BR" dirty="0" err="1"/>
-              <a:t>XCom</a:t>
-            </a:r>
-            <a:endParaRPr lang="pt-BR" dirty="0"/>
+              <a:rPr lang="pt-BR" dirty="0"/>
+              <a:t>Conexões</a:t>
+            </a:r>
           </a:p>
         </p:txBody>
       </p:sp>
@@ -7036,7 +8102,7 @@
           <p:cNvPr id="3" name="Espaço Reservado para Conteúdo 2">
             <a:extLst>
               <a:ext uri="{FF2B5EF4-FFF2-40B4-BE49-F238E27FC236}">
-                <a16:creationId xmlns:a16="http://schemas.microsoft.com/office/drawing/2014/main" id="{B1DD38E8-566B-8A96-0CA6-09A60DE696A2}"/>
+                <a16:creationId xmlns:a16="http://schemas.microsoft.com/office/drawing/2014/main" id="{1ACFD2E9-C610-5E95-C2B6-FB7E204CB389}"/>
               </a:ext>
             </a:extLst>
           </p:cNvPr>
@@ -7062,7 +8128,15 @@
             </a:r>
             <a:r>
               <a:rPr lang="pt-BR" dirty="0"/>
-              <a:t>: Mecanismo para troca de dados entre tarefas dentro de uma DAG.</a:t>
+              <a:t>: Conexões são configurações que permitem ao </a:t>
+            </a:r>
+            <a:r>
+              <a:rPr lang="pt-BR" dirty="0" err="1"/>
+              <a:t>Airflow</a:t>
+            </a:r>
+            <a:r>
+              <a:rPr lang="pt-BR" dirty="0"/>
+              <a:t> interagir com serviços externos, como bancos de dados, APIs ou sistemas de armazenamento.</a:t>
             </a:r>
           </a:p>
           <a:p>
@@ -7072,7 +8146,7 @@
             </a:pPr>
             <a:r>
               <a:rPr lang="pt-BR" b="1" dirty="0"/>
-              <a:t>Funcionamento</a:t>
+              <a:t>Configuração</a:t>
             </a:r>
             <a:r>
               <a:rPr lang="pt-BR" dirty="0"/>
@@ -7086,23 +8160,7 @@
             </a:pPr>
             <a:r>
               <a:rPr lang="pt-BR" dirty="0"/>
-              <a:t>As tarefas podem "</a:t>
-            </a:r>
-            <a:r>
-              <a:rPr lang="pt-BR" dirty="0" err="1"/>
-              <a:t>push</a:t>
-            </a:r>
-            <a:r>
-              <a:rPr lang="pt-BR" dirty="0"/>
-              <a:t>" dados para o </a:t>
-            </a:r>
-            <a:r>
-              <a:rPr lang="pt-BR" dirty="0" err="1"/>
-              <a:t>XCom</a:t>
-            </a:r>
-            <a:r>
-              <a:rPr lang="pt-BR" dirty="0"/>
-              <a:t>.</a:t>
+              <a:t>Via interface web (Admin &gt; Connections).</a:t>
             </a:r>
           </a:p>
           <a:p>
@@ -7112,99 +8170,25 @@
             </a:pPr>
             <a:r>
               <a:rPr lang="pt-BR" dirty="0"/>
-              <a:t>Outras tarefas podem "</a:t>
-            </a:r>
-            <a:r>
-              <a:rPr lang="pt-BR" dirty="0" err="1"/>
-              <a:t>pull</a:t>
-            </a:r>
-            <a:r>
-              <a:rPr lang="pt-BR" dirty="0"/>
-              <a:t>" esses dados posteriormente.</a:t>
-            </a:r>
-          </a:p>
-          <a:p>
-            <a:pPr>
-              <a:buFont typeface="Arial" panose="020B0604020202020204" pitchFamily="34" charset="0"/>
-              <a:buChar char="•"/>
-            </a:pPr>
+              <a:t>Arquivo </a:t>
+            </a:r>
+            <a:r>
+              <a:rPr lang="pt-BR" dirty="0" err="1"/>
+              <a:t>airflow.cfg</a:t>
+            </a:r>
+            <a:r>
+              <a:rPr lang="pt-BR" dirty="0"/>
+              <a:t> ou variáveis de ambiente.</a:t>
+            </a:r>
+          </a:p>
+          <a:p>
             <a:r>
               <a:rPr lang="pt-BR" b="1" dirty="0"/>
-              <a:t>Uso</a:t>
-            </a:r>
-            <a:r>
-              <a:rPr lang="pt-BR" dirty="0"/>
-              <a:t>:</a:t>
-            </a:r>
-          </a:p>
-          <a:p>
-            <a:pPr lvl="1">
-              <a:buFont typeface="Arial" panose="020B0604020202020204" pitchFamily="34" charset="0"/>
-              <a:buChar char="•"/>
-            </a:pPr>
-            <a:r>
-              <a:rPr lang="pt-BR" dirty="0" err="1"/>
-              <a:t>task_instance.xcom_push</a:t>
-            </a:r>
-            <a:r>
-              <a:rPr lang="pt-BR" dirty="0"/>
-              <a:t>(</a:t>
-            </a:r>
-            <a:r>
-              <a:rPr lang="pt-BR" dirty="0" err="1"/>
-              <a:t>key</a:t>
-            </a:r>
-            <a:r>
-              <a:rPr lang="pt-BR" dirty="0"/>
-              <a:t>, </a:t>
-            </a:r>
-            <a:r>
-              <a:rPr lang="pt-BR" dirty="0" err="1"/>
-              <a:t>value</a:t>
-            </a:r>
-            <a:r>
-              <a:rPr lang="pt-BR" dirty="0"/>
-              <a:t>)</a:t>
-            </a:r>
-          </a:p>
-          <a:p>
-            <a:pPr lvl="1">
-              <a:buFont typeface="Arial" panose="020B0604020202020204" pitchFamily="34" charset="0"/>
-              <a:buChar char="•"/>
-            </a:pPr>
-            <a:r>
-              <a:rPr lang="pt-BR" dirty="0" err="1"/>
-              <a:t>task_instance.xcom_pull</a:t>
-            </a:r>
-            <a:r>
-              <a:rPr lang="pt-BR" dirty="0"/>
-              <a:t>(</a:t>
-            </a:r>
-            <a:r>
-              <a:rPr lang="pt-BR" dirty="0" err="1"/>
-              <a:t>task_ids</a:t>
-            </a:r>
-            <a:r>
-              <a:rPr lang="pt-BR" dirty="0"/>
-              <a:t>, </a:t>
-            </a:r>
-            <a:r>
-              <a:rPr lang="pt-BR" dirty="0" err="1"/>
-              <a:t>key</a:t>
-            </a:r>
-            <a:r>
-              <a:rPr lang="pt-BR" dirty="0"/>
-              <a:t>)</a:t>
-            </a:r>
-          </a:p>
-          <a:p>
-            <a:r>
-              <a:rPr lang="pt-BR" b="1" dirty="0"/>
-              <a:t>Cuidados</a:t>
-            </a:r>
-            <a:r>
-              <a:rPr lang="pt-BR" dirty="0"/>
-              <a:t>: Dados armazenados no banco de metadados. Evite volumes grandes.</a:t>
+              <a:t>Parâmetros</a:t>
+            </a:r>
+            <a:r>
+              <a:rPr lang="pt-BR" dirty="0"/>
+              <a:t>: Nome, tipo de conexão, credenciais e extras (como configurações adicionais).</a:t>
             </a:r>
           </a:p>
         </p:txBody>
@@ -7212,7 +8196,7 @@
     </p:spTree>
     <p:extLst>
       <p:ext uri="{BB962C8B-B14F-4D97-AF65-F5344CB8AC3E}">
-        <p14:creationId xmlns:p14="http://schemas.microsoft.com/office/powerpoint/2010/main" val="548790984"/>
+        <p14:creationId xmlns:p14="http://schemas.microsoft.com/office/powerpoint/2010/main" val="3780554157"/>
       </p:ext>
     </p:extLst>
   </p:cSld>
@@ -7244,7 +8228,7 @@
           <p:cNvPr id="2" name="Título 1">
             <a:extLst>
               <a:ext uri="{FF2B5EF4-FFF2-40B4-BE49-F238E27FC236}">
-                <a16:creationId xmlns:a16="http://schemas.microsoft.com/office/drawing/2014/main" id="{419683C7-1C41-89E6-A448-60E8824C8D8A}"/>
+                <a16:creationId xmlns:a16="http://schemas.microsoft.com/office/drawing/2014/main" id="{06728344-147B-AECA-7D8F-AFC91437B48D}"/>
               </a:ext>
             </a:extLst>
           </p:cNvPr>
@@ -7261,9 +8245,10 @@
           <a:lstStyle/>
           <a:p>
             <a:r>
-              <a:rPr lang="pt-BR" dirty="0"/>
-              <a:t>Parâmetros</a:t>
-            </a:r>
+              <a:rPr lang="pt-BR" dirty="0" err="1"/>
+              <a:t>XCom</a:t>
+            </a:r>
+            <a:endParaRPr lang="pt-BR" dirty="0"/>
           </a:p>
         </p:txBody>
       </p:sp>
@@ -7272,7 +8257,7 @@
           <p:cNvPr id="3" name="Espaço Reservado para Conteúdo 2">
             <a:extLst>
               <a:ext uri="{FF2B5EF4-FFF2-40B4-BE49-F238E27FC236}">
-                <a16:creationId xmlns:a16="http://schemas.microsoft.com/office/drawing/2014/main" id="{449B6B79-EC9D-99A7-2897-0FB92DB0F9C8}"/>
+                <a16:creationId xmlns:a16="http://schemas.microsoft.com/office/drawing/2014/main" id="{B1DD38E8-566B-8A96-0CA6-09A60DE696A2}"/>
               </a:ext>
             </a:extLst>
           </p:cNvPr>
@@ -7298,15 +8283,65 @@
             </a:r>
             <a:r>
               <a:rPr lang="pt-BR" dirty="0"/>
-              <a:t>: Variáveis configuráveis que tornam as </a:t>
-            </a:r>
-            <a:r>
-              <a:rPr lang="pt-BR" dirty="0" err="1"/>
-              <a:t>DAGs</a:t>
-            </a:r>
-            <a:r>
-              <a:rPr lang="pt-BR" dirty="0"/>
-              <a:t> dinâmicas.</a:t>
+              <a:t>: Mecanismo para troca de dados entre tarefas dentro de uma DAG.</a:t>
+            </a:r>
+          </a:p>
+          <a:p>
+            <a:pPr>
+              <a:buFont typeface="Arial" panose="020B0604020202020204" pitchFamily="34" charset="0"/>
+              <a:buChar char="•"/>
+            </a:pPr>
+            <a:r>
+              <a:rPr lang="pt-BR" b="1" dirty="0"/>
+              <a:t>Funcionamento</a:t>
+            </a:r>
+            <a:r>
+              <a:rPr lang="pt-BR" dirty="0"/>
+              <a:t>:</a:t>
+            </a:r>
+          </a:p>
+          <a:p>
+            <a:pPr lvl="1">
+              <a:buFont typeface="Arial" panose="020B0604020202020204" pitchFamily="34" charset="0"/>
+              <a:buChar char="•"/>
+            </a:pPr>
+            <a:r>
+              <a:rPr lang="pt-BR" dirty="0"/>
+              <a:t>As tarefas podem "</a:t>
+            </a:r>
+            <a:r>
+              <a:rPr lang="pt-BR" dirty="0" err="1"/>
+              <a:t>push</a:t>
+            </a:r>
+            <a:r>
+              <a:rPr lang="pt-BR" dirty="0"/>
+              <a:t>" dados para o </a:t>
+            </a:r>
+            <a:r>
+              <a:rPr lang="pt-BR" dirty="0" err="1"/>
+              <a:t>XCom</a:t>
+            </a:r>
+            <a:r>
+              <a:rPr lang="pt-BR" dirty="0"/>
+              <a:t>.</a:t>
+            </a:r>
+          </a:p>
+          <a:p>
+            <a:pPr lvl="1">
+              <a:buFont typeface="Arial" panose="020B0604020202020204" pitchFamily="34" charset="0"/>
+              <a:buChar char="•"/>
+            </a:pPr>
+            <a:r>
+              <a:rPr lang="pt-BR" dirty="0"/>
+              <a:t>Outras tarefas podem "</a:t>
+            </a:r>
+            <a:r>
+              <a:rPr lang="pt-BR" dirty="0" err="1"/>
+              <a:t>pull</a:t>
+            </a:r>
+            <a:r>
+              <a:rPr lang="pt-BR" dirty="0"/>
+              <a:t>" esses dados posteriormente.</a:t>
             </a:r>
           </a:p>
           <a:p>
@@ -7329,154 +8364,68 @@
               <a:buChar char="•"/>
             </a:pPr>
             <a:r>
+              <a:rPr lang="pt-BR" dirty="0" err="1"/>
+              <a:t>task_instance.xcom_push</a:t>
+            </a:r>
+            <a:r>
+              <a:rPr lang="pt-BR" dirty="0"/>
+              <a:t>(</a:t>
+            </a:r>
+            <a:r>
+              <a:rPr lang="pt-BR" dirty="0" err="1"/>
+              <a:t>key</a:t>
+            </a:r>
+            <a:r>
+              <a:rPr lang="pt-BR" dirty="0"/>
+              <a:t>, </a:t>
+            </a:r>
+            <a:r>
+              <a:rPr lang="pt-BR" dirty="0" err="1"/>
+              <a:t>value</a:t>
+            </a:r>
+            <a:r>
+              <a:rPr lang="pt-BR" dirty="0"/>
+              <a:t>)</a:t>
+            </a:r>
+          </a:p>
+          <a:p>
+            <a:pPr lvl="1">
+              <a:buFont typeface="Arial" panose="020B0604020202020204" pitchFamily="34" charset="0"/>
+              <a:buChar char="•"/>
+            </a:pPr>
+            <a:r>
+              <a:rPr lang="pt-BR" dirty="0" err="1"/>
+              <a:t>task_instance.xcom_pull</a:t>
+            </a:r>
+            <a:r>
+              <a:rPr lang="pt-BR" dirty="0"/>
+              <a:t>(</a:t>
+            </a:r>
+            <a:r>
+              <a:rPr lang="pt-BR" dirty="0" err="1"/>
+              <a:t>task_ids</a:t>
+            </a:r>
+            <a:r>
+              <a:rPr lang="pt-BR" dirty="0"/>
+              <a:t>, </a:t>
+            </a:r>
+            <a:r>
+              <a:rPr lang="pt-BR" dirty="0" err="1"/>
+              <a:t>key</a:t>
+            </a:r>
+            <a:r>
+              <a:rPr lang="pt-BR" dirty="0"/>
+              <a:t>)</a:t>
+            </a:r>
+          </a:p>
+          <a:p>
+            <a:r>
               <a:rPr lang="pt-BR" b="1" dirty="0"/>
-              <a:t>DAG-</a:t>
-            </a:r>
-            <a:r>
-              <a:rPr lang="pt-BR" b="1" dirty="0" err="1"/>
-              <a:t>level</a:t>
-            </a:r>
-            <a:r>
-              <a:rPr lang="pt-BR" b="1" dirty="0"/>
-              <a:t> </a:t>
-            </a:r>
-            <a:r>
-              <a:rPr lang="pt-BR" b="1" dirty="0" err="1"/>
-              <a:t>Parameters</a:t>
-            </a:r>
-            <a:r>
-              <a:rPr lang="pt-BR" dirty="0"/>
-              <a:t>: Passados na criação da DAG.</a:t>
-            </a:r>
-          </a:p>
-          <a:p>
-            <a:pPr lvl="1">
-              <a:buFont typeface="Arial" panose="020B0604020202020204" pitchFamily="34" charset="0"/>
-              <a:buChar char="•"/>
-            </a:pPr>
-            <a:r>
-              <a:rPr lang="pt-BR" b="1" dirty="0"/>
-              <a:t>Task-</a:t>
-            </a:r>
-            <a:r>
-              <a:rPr lang="pt-BR" b="1" dirty="0" err="1"/>
-              <a:t>level</a:t>
-            </a:r>
-            <a:r>
-              <a:rPr lang="pt-BR" b="1" dirty="0"/>
-              <a:t> </a:t>
-            </a:r>
-            <a:r>
-              <a:rPr lang="pt-BR" b="1" dirty="0" err="1"/>
-              <a:t>Parameters</a:t>
-            </a:r>
-            <a:r>
-              <a:rPr lang="pt-BR" dirty="0"/>
-              <a:t>: Passados para operadores.</a:t>
-            </a:r>
-          </a:p>
-          <a:p>
-            <a:r>
-              <a:rPr lang="pt-BR" b="1" dirty="0"/>
-              <a:t>Exemplo</a:t>
-            </a:r>
-            <a:r>
-              <a:rPr lang="pt-BR" dirty="0"/>
-              <a:t>:</a:t>
-            </a:r>
-          </a:p>
-          <a:p>
-            <a:pPr marL="502920" lvl="1" indent="0">
-              <a:buNone/>
-            </a:pPr>
-            <a:r>
-              <a:rPr lang="pt-BR" sz="1200" dirty="0" err="1"/>
-              <a:t>from</a:t>
-            </a:r>
-            <a:r>
-              <a:rPr lang="pt-BR" sz="1200" dirty="0"/>
-              <a:t> </a:t>
-            </a:r>
-            <a:r>
-              <a:rPr lang="pt-BR" sz="1200" dirty="0" err="1"/>
-              <a:t>airflow.models.param</a:t>
-            </a:r>
-            <a:r>
-              <a:rPr lang="pt-BR" sz="1200" dirty="0"/>
-              <a:t> </a:t>
-            </a:r>
-            <a:r>
-              <a:rPr lang="pt-BR" sz="1200" dirty="0" err="1"/>
-              <a:t>import</a:t>
-            </a:r>
-            <a:r>
-              <a:rPr lang="pt-BR" sz="1200" dirty="0"/>
-              <a:t> Param </a:t>
-            </a:r>
-          </a:p>
-          <a:p>
-            <a:pPr marL="502920" lvl="1" indent="0">
-              <a:buNone/>
-            </a:pPr>
-            <a:r>
-              <a:rPr lang="pt-BR" sz="1200" dirty="0" err="1"/>
-              <a:t>with</a:t>
-            </a:r>
-            <a:r>
-              <a:rPr lang="pt-BR" sz="1200" dirty="0"/>
-              <a:t> DAG('</a:t>
-            </a:r>
-            <a:r>
-              <a:rPr lang="pt-BR" sz="1200" dirty="0" err="1"/>
-              <a:t>example_dag</a:t>
-            </a:r>
-            <a:r>
-              <a:rPr lang="pt-BR" sz="1200" dirty="0"/>
-              <a:t>', </a:t>
-            </a:r>
-            <a:r>
-              <a:rPr lang="pt-BR" sz="1200" dirty="0" err="1"/>
-              <a:t>params</a:t>
-            </a:r>
-            <a:r>
-              <a:rPr lang="pt-BR" sz="1200" dirty="0"/>
-              <a:t>={'</a:t>
-            </a:r>
-            <a:r>
-              <a:rPr lang="pt-BR" sz="1200" dirty="0" err="1"/>
-              <a:t>start_date</a:t>
-            </a:r>
-            <a:r>
-              <a:rPr lang="pt-BR" sz="1200" dirty="0"/>
-              <a:t>': Param('2024-01-01')}) as </a:t>
-            </a:r>
-            <a:r>
-              <a:rPr lang="pt-BR" sz="1200" dirty="0" err="1"/>
-              <a:t>dag</a:t>
-            </a:r>
-            <a:r>
-              <a:rPr lang="pt-BR" sz="1200" dirty="0"/>
-              <a:t>: </a:t>
-            </a:r>
-          </a:p>
-          <a:p>
-            <a:pPr marL="502920" lvl="1" indent="0">
-              <a:buNone/>
-            </a:pPr>
-            <a:r>
-              <a:rPr lang="pt-BR" sz="1200" dirty="0"/>
-              <a:t>	</a:t>
-            </a:r>
-            <a:r>
-              <a:rPr lang="pt-BR" sz="1200" dirty="0" err="1"/>
-              <a:t>pass</a:t>
-            </a:r>
-            <a:endParaRPr lang="pt-BR" sz="1200" dirty="0"/>
-          </a:p>
-          <a:p>
-            <a:r>
-              <a:rPr lang="pt-BR" dirty="0"/>
-              <a:t>Parâmetros podem ser armazenados como metadados</a:t>
+              <a:t>Cuidados</a:t>
+            </a:r>
+            <a:r>
+              <a:rPr lang="pt-BR" dirty="0"/>
+              <a:t>: Dados armazenados no banco de metadados. Evite volumes grandes.</a:t>
             </a:r>
           </a:p>
         </p:txBody>
@@ -7484,7 +8433,7 @@
     </p:spTree>
     <p:extLst>
       <p:ext uri="{BB962C8B-B14F-4D97-AF65-F5344CB8AC3E}">
-        <p14:creationId xmlns:p14="http://schemas.microsoft.com/office/powerpoint/2010/main" val="4233008037"/>
+        <p14:creationId xmlns:p14="http://schemas.microsoft.com/office/powerpoint/2010/main" val="548790984"/>
       </p:ext>
     </p:extLst>
   </p:cSld>
@@ -7516,7 +8465,7 @@
           <p:cNvPr id="2" name="Título 1">
             <a:extLst>
               <a:ext uri="{FF2B5EF4-FFF2-40B4-BE49-F238E27FC236}">
-                <a16:creationId xmlns:a16="http://schemas.microsoft.com/office/drawing/2014/main" id="{7C1CFFB8-0DE7-2A95-A552-3EA39E3B0953}"/>
+                <a16:creationId xmlns:a16="http://schemas.microsoft.com/office/drawing/2014/main" id="{419683C7-1C41-89E6-A448-60E8824C8D8A}"/>
               </a:ext>
             </a:extLst>
           </p:cNvPr>
@@ -7533,10 +8482,9 @@
           <a:lstStyle/>
           <a:p>
             <a:r>
-              <a:rPr lang="pt-BR" dirty="0" err="1"/>
-              <a:t>Datasets</a:t>
-            </a:r>
-            <a:endParaRPr lang="pt-BR" dirty="0"/>
+              <a:rPr lang="pt-BR" dirty="0"/>
+              <a:t>Parâmetros</a:t>
+            </a:r>
           </a:p>
         </p:txBody>
       </p:sp>
@@ -7545,7 +8493,7 @@
           <p:cNvPr id="3" name="Espaço Reservado para Conteúdo 2">
             <a:extLst>
               <a:ext uri="{FF2B5EF4-FFF2-40B4-BE49-F238E27FC236}">
-                <a16:creationId xmlns:a16="http://schemas.microsoft.com/office/drawing/2014/main" id="{2110FB62-F311-5BFF-86EA-EA4C347AA604}"/>
+                <a16:creationId xmlns:a16="http://schemas.microsoft.com/office/drawing/2014/main" id="{449B6B79-EC9D-99A7-2897-0FB92DB0F9C8}"/>
               </a:ext>
             </a:extLst>
           </p:cNvPr>
@@ -7571,94 +8519,81 @@
             </a:r>
             <a:r>
               <a:rPr lang="pt-BR" dirty="0"/>
-              <a:t>: O </a:t>
+              <a:t>: Variáveis configuráveis que tornam as </a:t>
+            </a:r>
+            <a:r>
+              <a:rPr lang="pt-BR" dirty="0" err="1"/>
+              <a:t>DAGs</a:t>
+            </a:r>
+            <a:r>
+              <a:rPr lang="pt-BR" dirty="0"/>
+              <a:t> dinâmicas.</a:t>
+            </a:r>
+          </a:p>
+          <a:p>
+            <a:pPr>
+              <a:buFont typeface="Arial" panose="020B0604020202020204" pitchFamily="34" charset="0"/>
+              <a:buChar char="•"/>
+            </a:pPr>
+            <a:r>
+              <a:rPr lang="pt-BR" b="1" dirty="0"/>
+              <a:t>Uso</a:t>
+            </a:r>
+            <a:r>
+              <a:rPr lang="pt-BR" dirty="0"/>
+              <a:t>:</a:t>
+            </a:r>
+          </a:p>
+          <a:p>
+            <a:pPr lvl="1">
+              <a:buFont typeface="Arial" panose="020B0604020202020204" pitchFamily="34" charset="0"/>
+              <a:buChar char="•"/>
+            </a:pPr>
+            <a:r>
+              <a:rPr lang="pt-BR" b="1" dirty="0"/>
+              <a:t>DAG-</a:t>
             </a:r>
             <a:r>
               <a:rPr lang="pt-BR" b="1" dirty="0" err="1"/>
-              <a:t>Airflow</a:t>
-            </a:r>
-            <a:r>
-              <a:rPr lang="pt-BR" dirty="0"/>
-              <a:t> introduziu o conceito de </a:t>
+              <a:t>level</a:t>
+            </a:r>
+            <a:r>
+              <a:rPr lang="pt-BR" b="1" dirty="0"/>
+              <a:t> </a:t>
             </a:r>
             <a:r>
               <a:rPr lang="pt-BR" b="1" dirty="0" err="1"/>
-              <a:t>Datasets</a:t>
-            </a:r>
-            <a:r>
-              <a:rPr lang="pt-BR" dirty="0"/>
-              <a:t> na versão 2.4, permitindo uma abordagem mais orientada a eventos para a execução de tarefas. Usando </a:t>
-            </a:r>
-            <a:r>
-              <a:rPr lang="pt-BR" dirty="0" err="1"/>
-              <a:t>Datasets</a:t>
-            </a:r>
-            <a:r>
-              <a:rPr lang="pt-BR" dirty="0"/>
-              <a:t>, é possível criar dependências entre </a:t>
-            </a:r>
-            <a:r>
-              <a:rPr lang="pt-BR" dirty="0" err="1"/>
-              <a:t>DAGs</a:t>
-            </a:r>
-            <a:r>
-              <a:rPr lang="pt-BR" dirty="0"/>
-              <a:t> sem usar explicitamente </a:t>
-            </a:r>
-            <a:r>
-              <a:rPr lang="pt-BR" dirty="0" err="1"/>
-              <a:t>ExternalTaskSensor</a:t>
-            </a:r>
-            <a:endParaRPr lang="pt-BR" dirty="0"/>
-          </a:p>
-          <a:p>
-            <a:pPr>
+              <a:t>Parameters</a:t>
+            </a:r>
+            <a:r>
+              <a:rPr lang="pt-BR" dirty="0"/>
+              <a:t>: Passados na criação da DAG.</a:t>
+            </a:r>
+          </a:p>
+          <a:p>
+            <a:pPr lvl="1">
               <a:buFont typeface="Arial" panose="020B0604020202020204" pitchFamily="34" charset="0"/>
               <a:buChar char="•"/>
             </a:pPr>
             <a:r>
               <a:rPr lang="pt-BR" b="1" dirty="0"/>
-              <a:t>Vantagens</a:t>
-            </a:r>
-            <a:r>
-              <a:rPr lang="pt-BR" dirty="0"/>
-              <a:t>:</a:t>
-            </a:r>
-          </a:p>
-          <a:p>
-            <a:pPr lvl="1">
-              <a:buFont typeface="Arial" panose="020B0604020202020204" pitchFamily="34" charset="0"/>
-              <a:buChar char="•"/>
-            </a:pPr>
-            <a:r>
-              <a:rPr lang="pt-BR" dirty="0"/>
-              <a:t>Melhor rastreamento e gerenciamento de workflows interdependentes.</a:t>
-            </a:r>
-          </a:p>
-          <a:p>
-            <a:pPr lvl="1">
-              <a:buFont typeface="Arial" panose="020B0604020202020204" pitchFamily="34" charset="0"/>
-              <a:buChar char="•"/>
-            </a:pPr>
-            <a:r>
-              <a:rPr lang="pt-BR" dirty="0"/>
-              <a:t>Gatilho automático de </a:t>
-            </a:r>
-            <a:r>
-              <a:rPr lang="pt-BR" dirty="0" err="1"/>
-              <a:t>DAGs</a:t>
-            </a:r>
-            <a:r>
-              <a:rPr lang="pt-BR" dirty="0"/>
-              <a:t> quando um </a:t>
-            </a:r>
-            <a:r>
-              <a:rPr lang="pt-BR" dirty="0" err="1"/>
-              <a:t>dataset</a:t>
-            </a:r>
-            <a:r>
-              <a:rPr lang="pt-BR" dirty="0"/>
-              <a:t> é atualizado.</a:t>
+              <a:t>Task-</a:t>
+            </a:r>
+            <a:r>
+              <a:rPr lang="pt-BR" b="1" dirty="0" err="1"/>
+              <a:t>level</a:t>
+            </a:r>
+            <a:r>
+              <a:rPr lang="pt-BR" b="1" dirty="0"/>
+              <a:t> </a:t>
+            </a:r>
+            <a:r>
+              <a:rPr lang="pt-BR" b="1" dirty="0" err="1"/>
+              <a:t>Parameters</a:t>
+            </a:r>
+            <a:r>
+              <a:rPr lang="pt-BR" dirty="0"/>
+              <a:t>: Passados para operadores.</a:t>
             </a:r>
           </a:p>
           <a:p>
@@ -7672,195 +8607,105 @@
             </a:r>
           </a:p>
           <a:p>
-            <a:pPr marL="0" indent="0">
+            <a:pPr marL="502920" lvl="1" indent="0">
               <a:buNone/>
             </a:pPr>
             <a:r>
-              <a:rPr lang="pt-BR" sz="1400" dirty="0"/>
+              <a:rPr lang="pt-BR" sz="1200" dirty="0" err="1"/>
+              <a:t>from</a:t>
+            </a:r>
+            <a:r>
+              <a:rPr lang="pt-BR" sz="1200" dirty="0"/>
+              <a:t> </a:t>
+            </a:r>
+            <a:r>
+              <a:rPr lang="pt-BR" sz="1200" dirty="0" err="1"/>
+              <a:t>airflow.models.param</a:t>
+            </a:r>
+            <a:r>
+              <a:rPr lang="pt-BR" sz="1200" dirty="0"/>
+              <a:t> </a:t>
+            </a:r>
+            <a:r>
+              <a:rPr lang="pt-BR" sz="1200" dirty="0" err="1"/>
+              <a:t>import</a:t>
+            </a:r>
+            <a:r>
+              <a:rPr lang="pt-BR" sz="1200" dirty="0"/>
+              <a:t> Param </a:t>
+            </a:r>
+          </a:p>
+          <a:p>
+            <a:pPr marL="502920" lvl="1" indent="0">
+              <a:buNone/>
+            </a:pPr>
+            <a:r>
+              <a:rPr lang="pt-BR" sz="1200" dirty="0" err="1"/>
+              <a:t>with</a:t>
+            </a:r>
+            <a:r>
+              <a:rPr lang="pt-BR" sz="1200" dirty="0"/>
+              <a:t> DAG('</a:t>
+            </a:r>
+            <a:r>
+              <a:rPr lang="pt-BR" sz="1200" dirty="0" err="1"/>
+              <a:t>example_dag</a:t>
+            </a:r>
+            <a:r>
+              <a:rPr lang="pt-BR" sz="1200" dirty="0"/>
+              <a:t>', </a:t>
+            </a:r>
+            <a:r>
+              <a:rPr lang="pt-BR" sz="1200" dirty="0" err="1"/>
+              <a:t>params</a:t>
+            </a:r>
+            <a:r>
+              <a:rPr lang="pt-BR" sz="1200" dirty="0"/>
+              <a:t>={'</a:t>
+            </a:r>
+            <a:r>
+              <a:rPr lang="pt-BR" sz="1200" dirty="0" err="1"/>
+              <a:t>start_date</a:t>
+            </a:r>
+            <a:r>
+              <a:rPr lang="pt-BR" sz="1200" dirty="0"/>
+              <a:t>': Param('2024-01-01')}) as </a:t>
+            </a:r>
+            <a:r>
+              <a:rPr lang="pt-BR" sz="1200" dirty="0" err="1"/>
+              <a:t>dag</a:t>
+            </a:r>
+            <a:r>
+              <a:rPr lang="pt-BR" sz="1200" dirty="0"/>
+              <a:t>: </a:t>
+            </a:r>
+          </a:p>
+          <a:p>
+            <a:pPr marL="502920" lvl="1" indent="0">
+              <a:buNone/>
+            </a:pPr>
+            <a:r>
+              <a:rPr lang="pt-BR" sz="1200" dirty="0"/>
               <a:t>	</a:t>
             </a:r>
             <a:r>
-              <a:rPr lang="pt-BR" sz="1400" dirty="0" err="1"/>
-              <a:t>dataset</a:t>
-            </a:r>
-            <a:r>
-              <a:rPr lang="pt-BR" sz="1400" dirty="0"/>
-              <a:t> = </a:t>
-            </a:r>
-            <a:r>
-              <a:rPr lang="pt-BR" sz="1400" dirty="0" err="1"/>
-              <a:t>Dataset</a:t>
-            </a:r>
-            <a:r>
-              <a:rPr lang="pt-BR" sz="1400" dirty="0"/>
-              <a:t>('s3://</a:t>
-            </a:r>
-            <a:r>
-              <a:rPr lang="pt-BR" sz="1400" dirty="0" err="1"/>
-              <a:t>bucket</a:t>
-            </a:r>
-            <a:r>
-              <a:rPr lang="pt-BR" sz="1400" dirty="0"/>
-              <a:t>/</a:t>
-            </a:r>
-            <a:r>
-              <a:rPr lang="pt-BR" sz="1400" dirty="0" err="1"/>
-              <a:t>dataset.csv</a:t>
-            </a:r>
-            <a:r>
-              <a:rPr lang="pt-BR" sz="1400" dirty="0"/>
-              <a:t>’) </a:t>
-            </a:r>
-          </a:p>
-          <a:p>
-            <a:pPr marL="0" indent="0">
-              <a:buNone/>
-            </a:pPr>
-            <a:r>
-              <a:rPr lang="pt-BR" sz="1400" dirty="0"/>
-              <a:t>	</a:t>
-            </a:r>
-            <a:r>
-              <a:rPr lang="pt-BR" sz="1400" dirty="0" err="1"/>
-              <a:t>with</a:t>
-            </a:r>
-            <a:r>
-              <a:rPr lang="pt-BR" sz="1400" dirty="0"/>
-              <a:t> DAG('</a:t>
-            </a:r>
-            <a:r>
-              <a:rPr lang="pt-BR" sz="1400" dirty="0" err="1"/>
-              <a:t>producer</a:t>
-            </a:r>
-            <a:r>
-              <a:rPr lang="pt-BR" sz="1400" dirty="0"/>
-              <a:t>') as </a:t>
-            </a:r>
-            <a:r>
-              <a:rPr lang="pt-BR" sz="1400" dirty="0" err="1"/>
-              <a:t>producer_dag</a:t>
-            </a:r>
-            <a:r>
-              <a:rPr lang="pt-BR" sz="1400" dirty="0"/>
-              <a:t>: </a:t>
-            </a:r>
-          </a:p>
-          <a:p>
-            <a:pPr marL="0" indent="0">
-              <a:buNone/>
-            </a:pPr>
-            <a:r>
-              <a:rPr lang="pt-BR" sz="1400" dirty="0"/>
-              <a:t>		</a:t>
-            </a:r>
-            <a:r>
-              <a:rPr lang="pt-BR" sz="1400" dirty="0" err="1"/>
-              <a:t>update_dataset</a:t>
-            </a:r>
-            <a:r>
-              <a:rPr lang="pt-BR" sz="1400" dirty="0"/>
-              <a:t> = </a:t>
-            </a:r>
-            <a:r>
-              <a:rPr lang="pt-BR" sz="1400" dirty="0" err="1"/>
-              <a:t>EmptyOperator</a:t>
-            </a:r>
-            <a:r>
-              <a:rPr lang="pt-BR" sz="1400" dirty="0"/>
-              <a:t>(outlets=[</a:t>
-            </a:r>
-            <a:r>
-              <a:rPr lang="pt-BR" sz="1400" dirty="0" err="1"/>
-              <a:t>dataset</a:t>
-            </a:r>
-            <a:r>
-              <a:rPr lang="pt-BR" sz="1400" dirty="0"/>
-              <a:t>]) </a:t>
-            </a:r>
-          </a:p>
-          <a:p>
-            <a:pPr marL="0" indent="0">
-              <a:buNone/>
-            </a:pPr>
-            <a:r>
-              <a:rPr lang="pt-BR" sz="1400" dirty="0"/>
-              <a:t>	</a:t>
-            </a:r>
-            <a:r>
-              <a:rPr lang="pt-BR" sz="1400" dirty="0" err="1"/>
-              <a:t>with</a:t>
-            </a:r>
-            <a:r>
-              <a:rPr lang="pt-BR" sz="1400" dirty="0"/>
-              <a:t> DAG('</a:t>
-            </a:r>
-            <a:r>
-              <a:rPr lang="pt-BR" sz="1400" dirty="0" err="1"/>
-              <a:t>consumer</a:t>
-            </a:r>
-            <a:r>
-              <a:rPr lang="pt-BR" sz="1400" dirty="0"/>
-              <a:t>') as </a:t>
-            </a:r>
-            <a:r>
-              <a:rPr lang="pt-BR" sz="1400" dirty="0" err="1"/>
-              <a:t>consumer_dag</a:t>
-            </a:r>
-            <a:r>
-              <a:rPr lang="pt-BR" sz="1400" dirty="0"/>
-              <a:t>: </a:t>
-            </a:r>
-          </a:p>
-          <a:p>
-            <a:pPr marL="0" indent="0">
-              <a:buNone/>
-            </a:pPr>
-            <a:r>
-              <a:rPr lang="pt-BR" sz="1400" dirty="0"/>
-              <a:t>		</a:t>
-            </a:r>
-            <a:r>
-              <a:rPr lang="pt-BR" sz="1400" dirty="0" err="1"/>
-              <a:t>process_data</a:t>
-            </a:r>
-            <a:r>
-              <a:rPr lang="pt-BR" sz="1400" dirty="0"/>
-              <a:t> = </a:t>
-            </a:r>
-            <a:r>
-              <a:rPr lang="pt-BR" sz="1400" dirty="0" err="1"/>
-              <a:t>EmptyOperator</a:t>
-            </a:r>
-            <a:r>
-              <a:rPr lang="pt-BR" sz="1400" dirty="0"/>
-              <a:t>(</a:t>
-            </a:r>
-            <a:r>
-              <a:rPr lang="pt-BR" sz="1400" dirty="0" err="1"/>
-              <a:t>inlets</a:t>
-            </a:r>
-            <a:r>
-              <a:rPr lang="pt-BR" sz="1400" dirty="0"/>
-              <a:t>=[</a:t>
-            </a:r>
-            <a:r>
-              <a:rPr lang="pt-BR" sz="1400" dirty="0" err="1"/>
-              <a:t>dataset</a:t>
-            </a:r>
-            <a:r>
-              <a:rPr lang="pt-BR" sz="1400" dirty="0"/>
-              <a:t>])</a:t>
-            </a:r>
-          </a:p>
-          <a:p>
-            <a:endParaRPr lang="pt-BR" dirty="0"/>
+              <a:rPr lang="pt-BR" sz="1200" dirty="0" err="1"/>
+              <a:t>pass</a:t>
+            </a:r>
+            <a:endParaRPr lang="pt-BR" sz="1200" dirty="0"/>
+          </a:p>
+          <a:p>
+            <a:r>
+              <a:rPr lang="pt-BR" dirty="0"/>
+              <a:t>Parâmetros podem ser armazenados como metadados</a:t>
+            </a:r>
           </a:p>
         </p:txBody>
       </p:sp>
     </p:spTree>
     <p:extLst>
       <p:ext uri="{BB962C8B-B14F-4D97-AF65-F5344CB8AC3E}">
-        <p14:creationId xmlns:p14="http://schemas.microsoft.com/office/powerpoint/2010/main" val="3934416655"/>
+        <p14:creationId xmlns:p14="http://schemas.microsoft.com/office/powerpoint/2010/main" val="4233008037"/>
       </p:ext>
     </p:extLst>
   </p:cSld>
@@ -7892,7 +8737,7 @@
           <p:cNvPr id="2" name="Título 1">
             <a:extLst>
               <a:ext uri="{FF2B5EF4-FFF2-40B4-BE49-F238E27FC236}">
-                <a16:creationId xmlns:a16="http://schemas.microsoft.com/office/drawing/2014/main" id="{E7335094-994F-2526-CDEF-CA51EB9E09C5}"/>
+                <a16:creationId xmlns:a16="http://schemas.microsoft.com/office/drawing/2014/main" id="{7C1CFFB8-0DE7-2A95-A552-3EA39E3B0953}"/>
               </a:ext>
             </a:extLst>
           </p:cNvPr>
@@ -7910,7 +8755,7 @@
           <a:p>
             <a:r>
               <a:rPr lang="pt-BR" dirty="0" err="1"/>
-              <a:t>DataOps</a:t>
+              <a:t>Datasets</a:t>
             </a:r>
             <a:endParaRPr lang="pt-BR" dirty="0"/>
           </a:p>
@@ -7921,7 +8766,7 @@
           <p:cNvPr id="3" name="Espaço Reservado para Conteúdo 2">
             <a:extLst>
               <a:ext uri="{FF2B5EF4-FFF2-40B4-BE49-F238E27FC236}">
-                <a16:creationId xmlns:a16="http://schemas.microsoft.com/office/drawing/2014/main" id="{DE75473A-E8FF-1AE8-1C35-4C797D20AB5E}"/>
+                <a16:creationId xmlns:a16="http://schemas.microsoft.com/office/drawing/2014/main" id="{2110FB62-F311-5BFF-86EA-EA4C347AA604}"/>
               </a:ext>
             </a:extLst>
           </p:cNvPr>
@@ -7943,7 +8788,58 @@
             </a:pPr>
             <a:r>
               <a:rPr lang="pt-BR" b="1" dirty="0"/>
-              <a:t>Docker</a:t>
+              <a:t>Definição</a:t>
+            </a:r>
+            <a:r>
+              <a:rPr lang="pt-BR" dirty="0"/>
+              <a:t>: O </a:t>
+            </a:r>
+            <a:r>
+              <a:rPr lang="pt-BR" b="1" dirty="0" err="1"/>
+              <a:t>Airflow</a:t>
+            </a:r>
+            <a:r>
+              <a:rPr lang="pt-BR" dirty="0"/>
+              <a:t> introduziu o conceito de </a:t>
+            </a:r>
+            <a:r>
+              <a:rPr lang="pt-BR" b="1" dirty="0" err="1"/>
+              <a:t>Datasets</a:t>
+            </a:r>
+            <a:r>
+              <a:rPr lang="pt-BR" dirty="0"/>
+              <a:t> na versão 2.4, permitindo uma abordagem mais orientada a eventos para a execução de tarefas. Usando </a:t>
+            </a:r>
+            <a:r>
+              <a:rPr lang="pt-BR" dirty="0" err="1"/>
+              <a:t>Datasets</a:t>
+            </a:r>
+            <a:r>
+              <a:rPr lang="pt-BR" dirty="0"/>
+              <a:t>, é possível criar dependências entre </a:t>
+            </a:r>
+            <a:r>
+              <a:rPr lang="pt-BR" dirty="0" err="1"/>
+              <a:t>DAGs</a:t>
+            </a:r>
+            <a:r>
+              <a:rPr lang="pt-BR" dirty="0"/>
+              <a:t> sem usar explicitamente </a:t>
+            </a:r>
+            <a:r>
+              <a:rPr lang="pt-BR" dirty="0" err="1"/>
+              <a:t>ExternalTaskSensor</a:t>
+            </a:r>
+            <a:endParaRPr lang="pt-BR" dirty="0"/>
+          </a:p>
+          <a:p>
+            <a:pPr>
+              <a:buFont typeface="Arial" panose="020B0604020202020204" pitchFamily="34" charset="0"/>
+              <a:buChar char="•"/>
+            </a:pPr>
+            <a:r>
+              <a:rPr lang="pt-BR" b="1" dirty="0"/>
+              <a:t>Vantagens</a:t>
             </a:r>
             <a:r>
               <a:rPr lang="pt-BR" dirty="0"/>
@@ -7957,7 +8853,7 @@
             </a:pPr>
             <a:r>
               <a:rPr lang="pt-BR" dirty="0"/>
-              <a:t>Ferramenta para criar, gerenciar e executar contêineres.</a:t>
+              <a:t>Melhor rastreamento e gerenciamento de workflows interdependentes.</a:t>
             </a:r>
           </a:p>
           <a:p>
@@ -7967,21 +8863,29 @@
             </a:pPr>
             <a:r>
               <a:rPr lang="pt-BR" dirty="0"/>
-              <a:t>Imagens contêm todo o ambiente necessário para execução de aplicações.</a:t>
-            </a:r>
-          </a:p>
-          <a:p>
-            <a:pPr>
-              <a:buFont typeface="Arial" panose="020B0604020202020204" pitchFamily="34" charset="0"/>
-              <a:buChar char="•"/>
-            </a:pPr>
+              <a:t>Gatilho automático de </a:t>
+            </a:r>
+            <a:r>
+              <a:rPr lang="pt-BR" dirty="0" err="1"/>
+              <a:t>DAGs</a:t>
+            </a:r>
+            <a:r>
+              <a:rPr lang="pt-BR" dirty="0"/>
+              <a:t> quando um </a:t>
+            </a:r>
+            <a:r>
+              <a:rPr lang="pt-BR" dirty="0" err="1"/>
+              <a:t>dataset</a:t>
+            </a:r>
+            <a:r>
+              <a:rPr lang="pt-BR" dirty="0"/>
+              <a:t> é atualizado.</a:t>
+            </a:r>
+          </a:p>
+          <a:p>
             <a:r>
               <a:rPr lang="pt-BR" b="1" dirty="0"/>
-              <a:t>Docker </a:t>
-            </a:r>
-            <a:r>
-              <a:rPr lang="pt-BR" b="1" dirty="0" err="1"/>
-              <a:t>Compose</a:t>
+              <a:t>Exemplo</a:t>
             </a:r>
             <a:r>
               <a:rPr lang="pt-BR" dirty="0"/>
@@ -7989,130 +8893,184 @@
             </a:r>
           </a:p>
           <a:p>
-            <a:pPr lvl="1">
-              <a:buFont typeface="Arial" panose="020B0604020202020204" pitchFamily="34" charset="0"/>
-              <a:buChar char="•"/>
-            </a:pPr>
-            <a:r>
-              <a:rPr lang="pt-BR" dirty="0"/>
-              <a:t>Orquestra múltiplos contêineres com arquivos </a:t>
-            </a:r>
-            <a:r>
-              <a:rPr lang="pt-BR" dirty="0" err="1"/>
-              <a:t>docker-compose.yml</a:t>
-            </a:r>
-            <a:r>
-              <a:rPr lang="pt-BR" dirty="0"/>
-              <a:t>.</a:t>
-            </a:r>
-          </a:p>
-          <a:p>
-            <a:pPr lvl="1">
-              <a:buFont typeface="Arial" panose="020B0604020202020204" pitchFamily="34" charset="0"/>
-              <a:buChar char="•"/>
-            </a:pPr>
-            <a:r>
-              <a:rPr lang="pt-BR" dirty="0"/>
-              <a:t>Útil para ambientes complexos, como o setup do </a:t>
-            </a:r>
-            <a:r>
-              <a:rPr lang="pt-BR" dirty="0" err="1"/>
-              <a:t>Airflow</a:t>
-            </a:r>
-            <a:r>
-              <a:rPr lang="pt-BR" dirty="0"/>
-              <a:t>.</a:t>
-            </a:r>
-          </a:p>
-          <a:p>
-            <a:pPr>
-              <a:buFont typeface="Arial" panose="020B0604020202020204" pitchFamily="34" charset="0"/>
-              <a:buChar char="•"/>
-            </a:pPr>
-            <a:r>
-              <a:rPr lang="pt-BR" b="1" dirty="0"/>
-              <a:t>Comandos úteis</a:t>
-            </a:r>
-            <a:r>
-              <a:rPr lang="pt-BR" dirty="0"/>
-              <a:t>:</a:t>
-            </a:r>
-          </a:p>
-          <a:p>
-            <a:pPr lvl="1">
-              <a:buFont typeface="Arial" panose="020B0604020202020204" pitchFamily="34" charset="0"/>
-              <a:buChar char="•"/>
-            </a:pPr>
-            <a:r>
-              <a:rPr lang="pt-BR" dirty="0" err="1"/>
-              <a:t>docker</a:t>
-            </a:r>
-            <a:r>
-              <a:rPr lang="pt-BR" dirty="0"/>
-              <a:t> build</a:t>
-            </a:r>
-          </a:p>
-          <a:p>
-            <a:pPr lvl="1">
-              <a:buFont typeface="Arial" panose="020B0604020202020204" pitchFamily="34" charset="0"/>
-              <a:buChar char="•"/>
-            </a:pPr>
-            <a:r>
-              <a:rPr lang="pt-BR" dirty="0" err="1"/>
-              <a:t>docker</a:t>
-            </a:r>
-            <a:r>
-              <a:rPr lang="pt-BR" dirty="0"/>
-              <a:t> </a:t>
-            </a:r>
-            <a:r>
-              <a:rPr lang="pt-BR" dirty="0" err="1"/>
-              <a:t>run</a:t>
-            </a:r>
-            <a:r>
-              <a:rPr lang="pt-BR" dirty="0"/>
-              <a:t> </a:t>
-            </a:r>
-          </a:p>
-          <a:p>
-            <a:pPr lvl="1">
-              <a:buFont typeface="Arial" panose="020B0604020202020204" pitchFamily="34" charset="0"/>
-              <a:buChar char="•"/>
-            </a:pPr>
-            <a:r>
-              <a:rPr lang="pt-BR" dirty="0" err="1"/>
-              <a:t>docker-compose</a:t>
-            </a:r>
-            <a:r>
-              <a:rPr lang="pt-BR" dirty="0"/>
-              <a:t> </a:t>
-            </a:r>
-            <a:r>
-              <a:rPr lang="pt-BR" dirty="0" err="1"/>
-              <a:t>up</a:t>
-            </a:r>
-            <a:endParaRPr lang="pt-BR" dirty="0"/>
-          </a:p>
-          <a:p>
-            <a:pPr lvl="1">
-              <a:buFont typeface="Arial" panose="020B0604020202020204" pitchFamily="34" charset="0"/>
-              <a:buChar char="•"/>
-            </a:pPr>
-            <a:r>
-              <a:rPr lang="pt-BR" dirty="0" err="1"/>
-              <a:t>docker</a:t>
-            </a:r>
-            <a:r>
-              <a:rPr lang="pt-BR" dirty="0"/>
-              <a:t> system </a:t>
-            </a:r>
-            <a:r>
-              <a:rPr lang="pt-BR" dirty="0" err="1"/>
-              <a:t>prune</a:t>
-            </a:r>
-            <a:r>
-              <a:rPr lang="pt-BR" dirty="0"/>
-              <a:t> -a</a:t>
+            <a:pPr marL="0" indent="0">
+              <a:buNone/>
+            </a:pPr>
+            <a:r>
+              <a:rPr lang="pt-BR" sz="1400" dirty="0"/>
+              <a:t>	</a:t>
+            </a:r>
+            <a:r>
+              <a:rPr lang="pt-BR" sz="1400" dirty="0" err="1"/>
+              <a:t>dataset</a:t>
+            </a:r>
+            <a:r>
+              <a:rPr lang="pt-BR" sz="1400" dirty="0"/>
+              <a:t> = </a:t>
+            </a:r>
+            <a:r>
+              <a:rPr lang="pt-BR" sz="1400" dirty="0" err="1"/>
+              <a:t>Dataset</a:t>
+            </a:r>
+            <a:r>
+              <a:rPr lang="pt-BR" sz="1400" dirty="0"/>
+              <a:t>('s3://</a:t>
+            </a:r>
+            <a:r>
+              <a:rPr lang="pt-BR" sz="1400" dirty="0" err="1"/>
+              <a:t>bucket</a:t>
+            </a:r>
+            <a:r>
+              <a:rPr lang="pt-BR" sz="1400" dirty="0"/>
+              <a:t>/</a:t>
+            </a:r>
+            <a:r>
+              <a:rPr lang="pt-BR" sz="1400" dirty="0" err="1"/>
+              <a:t>dataset.csv</a:t>
+            </a:r>
+            <a:r>
+              <a:rPr lang="pt-BR" sz="1400" dirty="0"/>
+              <a:t>’) </a:t>
+            </a:r>
+          </a:p>
+          <a:p>
+            <a:pPr marL="0" indent="0">
+              <a:buNone/>
+            </a:pPr>
+            <a:r>
+              <a:rPr lang="pt-BR" sz="1400" dirty="0"/>
+              <a:t>	</a:t>
+            </a:r>
+            <a:r>
+              <a:rPr lang="pt-BR" sz="1400" dirty="0" err="1"/>
+              <a:t>with</a:t>
+            </a:r>
+            <a:r>
+              <a:rPr lang="pt-BR" sz="1400" dirty="0"/>
+              <a:t> DAG('</a:t>
+            </a:r>
+            <a:r>
+              <a:rPr lang="pt-BR" sz="1400" dirty="0" err="1"/>
+              <a:t>producer</a:t>
+            </a:r>
+            <a:r>
+              <a:rPr lang="pt-BR" sz="1400" dirty="0"/>
+              <a:t>') as </a:t>
+            </a:r>
+            <a:r>
+              <a:rPr lang="pt-BR" sz="1400" dirty="0" err="1"/>
+              <a:t>producer_dag</a:t>
+            </a:r>
+            <a:r>
+              <a:rPr lang="pt-BR" sz="1400" dirty="0"/>
+              <a:t>: </a:t>
+            </a:r>
+          </a:p>
+          <a:p>
+            <a:pPr marL="0" indent="0">
+              <a:buNone/>
+            </a:pPr>
+            <a:r>
+              <a:rPr lang="pt-BR" sz="1400" dirty="0"/>
+              <a:t>		</a:t>
+            </a:r>
+            <a:r>
+              <a:rPr lang="pt-BR" sz="1400" dirty="0" err="1"/>
+              <a:t>update_dataset</a:t>
+            </a:r>
+            <a:r>
+              <a:rPr lang="pt-BR" sz="1400" dirty="0"/>
+              <a:t> = </a:t>
+            </a:r>
+            <a:r>
+              <a:rPr lang="pt-BR" sz="1400" dirty="0" err="1"/>
+              <a:t>EmptyOperator</a:t>
+            </a:r>
+            <a:r>
+              <a:rPr lang="pt-BR" sz="1400" dirty="0"/>
+              <a:t>(outlets=[</a:t>
+            </a:r>
+            <a:r>
+              <a:rPr lang="pt-BR" sz="1400" dirty="0" err="1"/>
+              <a:t>dataset</a:t>
+            </a:r>
+            <a:r>
+              <a:rPr lang="pt-BR" sz="1400" dirty="0"/>
+              <a:t>]) </a:t>
+            </a:r>
+          </a:p>
+          <a:p>
+            <a:pPr marL="0" indent="0">
+              <a:buNone/>
+            </a:pPr>
+            <a:r>
+              <a:rPr lang="pt-BR" sz="1400" dirty="0"/>
+              <a:t>	</a:t>
+            </a:r>
+            <a:r>
+              <a:rPr lang="pt-BR" sz="1400" dirty="0" err="1"/>
+              <a:t>with</a:t>
+            </a:r>
+            <a:r>
+              <a:rPr lang="pt-BR" sz="1400" dirty="0"/>
+              <a:t> DAG('</a:t>
+            </a:r>
+            <a:r>
+              <a:rPr lang="pt-BR" sz="1400" dirty="0" err="1"/>
+              <a:t>consumer</a:t>
+            </a:r>
+            <a:r>
+              <a:rPr lang="pt-BR" sz="1400" dirty="0"/>
+              <a:t>') as </a:t>
+            </a:r>
+            <a:r>
+              <a:rPr lang="pt-BR" sz="1400" dirty="0" err="1"/>
+              <a:t>consumer_dag</a:t>
+            </a:r>
+            <a:r>
+              <a:rPr lang="pt-BR" sz="1400" dirty="0"/>
+              <a:t>: </a:t>
+            </a:r>
+          </a:p>
+          <a:p>
+            <a:pPr marL="0" indent="0">
+              <a:buNone/>
+            </a:pPr>
+            <a:r>
+              <a:rPr lang="pt-BR" sz="1400" dirty="0"/>
+              <a:t>		</a:t>
+            </a:r>
+            <a:r>
+              <a:rPr lang="pt-BR" sz="1400" dirty="0" err="1"/>
+              <a:t>process_data</a:t>
+            </a:r>
+            <a:r>
+              <a:rPr lang="pt-BR" sz="1400" dirty="0"/>
+              <a:t> = </a:t>
+            </a:r>
+            <a:r>
+              <a:rPr lang="pt-BR" sz="1400" dirty="0" err="1"/>
+              <a:t>EmptyOperator</a:t>
+            </a:r>
+            <a:r>
+              <a:rPr lang="pt-BR" sz="1400" dirty="0"/>
+              <a:t>(</a:t>
+            </a:r>
+            <a:r>
+              <a:rPr lang="pt-BR" sz="1400" dirty="0" err="1"/>
+              <a:t>inlets</a:t>
+            </a:r>
+            <a:r>
+              <a:rPr lang="pt-BR" sz="1400" dirty="0"/>
+              <a:t>=[</a:t>
+            </a:r>
+            <a:r>
+              <a:rPr lang="pt-BR" sz="1400" dirty="0" err="1"/>
+              <a:t>dataset</a:t>
+            </a:r>
+            <a:r>
+              <a:rPr lang="pt-BR" sz="1400" dirty="0"/>
+              <a:t>])</a:t>
             </a:r>
           </a:p>
           <a:p>
@@ -8123,7 +9081,7 @@
     </p:spTree>
     <p:extLst>
       <p:ext uri="{BB962C8B-B14F-4D97-AF65-F5344CB8AC3E}">
-        <p14:creationId xmlns:p14="http://schemas.microsoft.com/office/powerpoint/2010/main" val="675499665"/>
+        <p14:creationId xmlns:p14="http://schemas.microsoft.com/office/powerpoint/2010/main" val="3934416655"/>
       </p:ext>
     </p:extLst>
   </p:cSld>

--- a/Hands On.pptx
+++ b/Hands On.pptx
@@ -6483,8 +6483,8 @@
           <a:p>
             <a:pPr algn="just"/>
             <a:r>
-              <a:rPr lang="pt-BR" dirty="0" err="1"/>
-              <a:t>Orquestration</a:t>
+              <a:rPr lang="pt-BR"/>
+              <a:t>Orchestration</a:t>
             </a:r>
             <a:r>
               <a:rPr lang="pt-BR" dirty="0"/>

--- a/Hands On.pptx
+++ b/Hands On.pptx
@@ -7,26 +7,27 @@
   <p:sldIdLst>
     <p:sldId id="256" r:id="rId2"/>
     <p:sldId id="257" r:id="rId3"/>
-    <p:sldId id="275" r:id="rId4"/>
-    <p:sldId id="258" r:id="rId5"/>
-    <p:sldId id="259" r:id="rId6"/>
-    <p:sldId id="260" r:id="rId7"/>
-    <p:sldId id="261" r:id="rId8"/>
-    <p:sldId id="262" r:id="rId9"/>
-    <p:sldId id="263" r:id="rId10"/>
-    <p:sldId id="264" r:id="rId11"/>
-    <p:sldId id="265" r:id="rId12"/>
-    <p:sldId id="266" r:id="rId13"/>
-    <p:sldId id="267" r:id="rId14"/>
-    <p:sldId id="268" r:id="rId15"/>
-    <p:sldId id="269" r:id="rId16"/>
-    <p:sldId id="270" r:id="rId17"/>
-    <p:sldId id="271" r:id="rId18"/>
-    <p:sldId id="272" r:id="rId19"/>
-    <p:sldId id="273" r:id="rId20"/>
-    <p:sldId id="274" r:id="rId21"/>
-    <p:sldId id="276" r:id="rId22"/>
-    <p:sldId id="277" r:id="rId23"/>
+    <p:sldId id="278" r:id="rId4"/>
+    <p:sldId id="275" r:id="rId5"/>
+    <p:sldId id="258" r:id="rId6"/>
+    <p:sldId id="259" r:id="rId7"/>
+    <p:sldId id="260" r:id="rId8"/>
+    <p:sldId id="261" r:id="rId9"/>
+    <p:sldId id="262" r:id="rId10"/>
+    <p:sldId id="263" r:id="rId11"/>
+    <p:sldId id="264" r:id="rId12"/>
+    <p:sldId id="265" r:id="rId13"/>
+    <p:sldId id="266" r:id="rId14"/>
+    <p:sldId id="267" r:id="rId15"/>
+    <p:sldId id="268" r:id="rId16"/>
+    <p:sldId id="269" r:id="rId17"/>
+    <p:sldId id="270" r:id="rId18"/>
+    <p:sldId id="271" r:id="rId19"/>
+    <p:sldId id="272" r:id="rId20"/>
+    <p:sldId id="273" r:id="rId21"/>
+    <p:sldId id="274" r:id="rId22"/>
+    <p:sldId id="276" r:id="rId23"/>
+    <p:sldId id="277" r:id="rId24"/>
   </p:sldIdLst>
   <p:sldSz cx="12192000" cy="6858000"/>
   <p:notesSz cx="6858000" cy="9144000"/>
@@ -3522,7 +3523,7 @@
           <p:cNvPr id="2" name="Título 1">
             <a:extLst>
               <a:ext uri="{FF2B5EF4-FFF2-40B4-BE49-F238E27FC236}">
-                <a16:creationId xmlns:a16="http://schemas.microsoft.com/office/drawing/2014/main" id="{E7335094-994F-2526-CDEF-CA51EB9E09C5}"/>
+                <a16:creationId xmlns:a16="http://schemas.microsoft.com/office/drawing/2014/main" id="{7C1CFFB8-0DE7-2A95-A552-3EA39E3B0953}"/>
               </a:ext>
             </a:extLst>
           </p:cNvPr>
@@ -3540,7 +3541,7 @@
           <a:p>
             <a:r>
               <a:rPr lang="pt-BR" dirty="0" err="1"/>
-              <a:t>DataOps</a:t>
+              <a:t>Datasets</a:t>
             </a:r>
             <a:endParaRPr lang="pt-BR" dirty="0"/>
           </a:p>
@@ -3551,7 +3552,7 @@
           <p:cNvPr id="3" name="Espaço Reservado para Conteúdo 2">
             <a:extLst>
               <a:ext uri="{FF2B5EF4-FFF2-40B4-BE49-F238E27FC236}">
-                <a16:creationId xmlns:a16="http://schemas.microsoft.com/office/drawing/2014/main" id="{DE75473A-E8FF-1AE8-1C35-4C797D20AB5E}"/>
+                <a16:creationId xmlns:a16="http://schemas.microsoft.com/office/drawing/2014/main" id="{2110FB62-F311-5BFF-86EA-EA4C347AA604}"/>
               </a:ext>
             </a:extLst>
           </p:cNvPr>
@@ -3573,7 +3574,58 @@
             </a:pPr>
             <a:r>
               <a:rPr lang="pt-BR" b="1" dirty="0"/>
-              <a:t>Docker</a:t>
+              <a:t>Definição</a:t>
+            </a:r>
+            <a:r>
+              <a:rPr lang="pt-BR" dirty="0"/>
+              <a:t>: O </a:t>
+            </a:r>
+            <a:r>
+              <a:rPr lang="pt-BR" b="1" dirty="0" err="1"/>
+              <a:t>Airflow</a:t>
+            </a:r>
+            <a:r>
+              <a:rPr lang="pt-BR" dirty="0"/>
+              <a:t> introduziu o conceito de </a:t>
+            </a:r>
+            <a:r>
+              <a:rPr lang="pt-BR" b="1" dirty="0" err="1"/>
+              <a:t>Datasets</a:t>
+            </a:r>
+            <a:r>
+              <a:rPr lang="pt-BR" dirty="0"/>
+              <a:t> na versão 2.4, permitindo uma abordagem mais orientada a eventos para a execução de tarefas. Usando </a:t>
+            </a:r>
+            <a:r>
+              <a:rPr lang="pt-BR" dirty="0" err="1"/>
+              <a:t>Datasets</a:t>
+            </a:r>
+            <a:r>
+              <a:rPr lang="pt-BR" dirty="0"/>
+              <a:t>, é possível criar dependências entre </a:t>
+            </a:r>
+            <a:r>
+              <a:rPr lang="pt-BR" dirty="0" err="1"/>
+              <a:t>DAGs</a:t>
+            </a:r>
+            <a:r>
+              <a:rPr lang="pt-BR" dirty="0"/>
+              <a:t> sem usar explicitamente </a:t>
+            </a:r>
+            <a:r>
+              <a:rPr lang="pt-BR" dirty="0" err="1"/>
+              <a:t>ExternalTaskSensor</a:t>
+            </a:r>
+            <a:endParaRPr lang="pt-BR" dirty="0"/>
+          </a:p>
+          <a:p>
+            <a:pPr>
+              <a:buFont typeface="Arial" panose="020B0604020202020204" pitchFamily="34" charset="0"/>
+              <a:buChar char="•"/>
+            </a:pPr>
+            <a:r>
+              <a:rPr lang="pt-BR" b="1" dirty="0"/>
+              <a:t>Vantagens</a:t>
             </a:r>
             <a:r>
               <a:rPr lang="pt-BR" dirty="0"/>
@@ -3587,7 +3639,7 @@
             </a:pPr>
             <a:r>
               <a:rPr lang="pt-BR" dirty="0"/>
-              <a:t>Ferramenta para criar, gerenciar e executar contêineres.</a:t>
+              <a:t>Melhor rastreamento e gerenciamento de workflows interdependentes.</a:t>
             </a:r>
           </a:p>
           <a:p>
@@ -3597,21 +3649,29 @@
             </a:pPr>
             <a:r>
               <a:rPr lang="pt-BR" dirty="0"/>
-              <a:t>Imagens contêm todo o ambiente necessário para execução de aplicações.</a:t>
-            </a:r>
-          </a:p>
-          <a:p>
-            <a:pPr>
-              <a:buFont typeface="Arial" panose="020B0604020202020204" pitchFamily="34" charset="0"/>
-              <a:buChar char="•"/>
-            </a:pPr>
+              <a:t>Gatilho automático de </a:t>
+            </a:r>
+            <a:r>
+              <a:rPr lang="pt-BR" dirty="0" err="1"/>
+              <a:t>DAGs</a:t>
+            </a:r>
+            <a:r>
+              <a:rPr lang="pt-BR" dirty="0"/>
+              <a:t> quando um </a:t>
+            </a:r>
+            <a:r>
+              <a:rPr lang="pt-BR" dirty="0" err="1"/>
+              <a:t>dataset</a:t>
+            </a:r>
+            <a:r>
+              <a:rPr lang="pt-BR" dirty="0"/>
+              <a:t> é atualizado.</a:t>
+            </a:r>
+          </a:p>
+          <a:p>
             <a:r>
               <a:rPr lang="pt-BR" b="1" dirty="0"/>
-              <a:t>Docker </a:t>
-            </a:r>
-            <a:r>
-              <a:rPr lang="pt-BR" b="1" dirty="0" err="1"/>
-              <a:t>Compose</a:t>
+              <a:t>Exemplo</a:t>
             </a:r>
             <a:r>
               <a:rPr lang="pt-BR" dirty="0"/>
@@ -3619,130 +3679,184 @@
             </a:r>
           </a:p>
           <a:p>
-            <a:pPr lvl="1">
-              <a:buFont typeface="Arial" panose="020B0604020202020204" pitchFamily="34" charset="0"/>
-              <a:buChar char="•"/>
-            </a:pPr>
-            <a:r>
-              <a:rPr lang="pt-BR" dirty="0"/>
-              <a:t>Orquestra múltiplos contêineres com arquivos </a:t>
-            </a:r>
-            <a:r>
-              <a:rPr lang="pt-BR" dirty="0" err="1"/>
-              <a:t>docker-compose.yml</a:t>
-            </a:r>
-            <a:r>
-              <a:rPr lang="pt-BR" dirty="0"/>
-              <a:t>.</a:t>
-            </a:r>
-          </a:p>
-          <a:p>
-            <a:pPr lvl="1">
-              <a:buFont typeface="Arial" panose="020B0604020202020204" pitchFamily="34" charset="0"/>
-              <a:buChar char="•"/>
-            </a:pPr>
-            <a:r>
-              <a:rPr lang="pt-BR" dirty="0"/>
-              <a:t>Útil para ambientes complexos, como o setup do </a:t>
-            </a:r>
-            <a:r>
-              <a:rPr lang="pt-BR" dirty="0" err="1"/>
-              <a:t>Airflow</a:t>
-            </a:r>
-            <a:r>
-              <a:rPr lang="pt-BR" dirty="0"/>
-              <a:t>.</a:t>
-            </a:r>
-          </a:p>
-          <a:p>
-            <a:pPr>
-              <a:buFont typeface="Arial" panose="020B0604020202020204" pitchFamily="34" charset="0"/>
-              <a:buChar char="•"/>
-            </a:pPr>
-            <a:r>
-              <a:rPr lang="pt-BR" b="1" dirty="0"/>
-              <a:t>Comandos úteis</a:t>
-            </a:r>
-            <a:r>
-              <a:rPr lang="pt-BR" dirty="0"/>
-              <a:t>:</a:t>
-            </a:r>
-          </a:p>
-          <a:p>
-            <a:pPr lvl="1">
-              <a:buFont typeface="Arial" panose="020B0604020202020204" pitchFamily="34" charset="0"/>
-              <a:buChar char="•"/>
-            </a:pPr>
-            <a:r>
-              <a:rPr lang="pt-BR" dirty="0" err="1"/>
-              <a:t>docker</a:t>
-            </a:r>
-            <a:r>
-              <a:rPr lang="pt-BR" dirty="0"/>
-              <a:t> build</a:t>
-            </a:r>
-          </a:p>
-          <a:p>
-            <a:pPr lvl="1">
-              <a:buFont typeface="Arial" panose="020B0604020202020204" pitchFamily="34" charset="0"/>
-              <a:buChar char="•"/>
-            </a:pPr>
-            <a:r>
-              <a:rPr lang="pt-BR" dirty="0" err="1"/>
-              <a:t>docker</a:t>
-            </a:r>
-            <a:r>
-              <a:rPr lang="pt-BR" dirty="0"/>
-              <a:t> </a:t>
-            </a:r>
-            <a:r>
-              <a:rPr lang="pt-BR" dirty="0" err="1"/>
-              <a:t>run</a:t>
-            </a:r>
-            <a:r>
-              <a:rPr lang="pt-BR" dirty="0"/>
-              <a:t> </a:t>
-            </a:r>
-          </a:p>
-          <a:p>
-            <a:pPr lvl="1">
-              <a:buFont typeface="Arial" panose="020B0604020202020204" pitchFamily="34" charset="0"/>
-              <a:buChar char="•"/>
-            </a:pPr>
-            <a:r>
-              <a:rPr lang="pt-BR" dirty="0" err="1"/>
-              <a:t>docker-compose</a:t>
-            </a:r>
-            <a:r>
-              <a:rPr lang="pt-BR" dirty="0"/>
-              <a:t> </a:t>
-            </a:r>
-            <a:r>
-              <a:rPr lang="pt-BR" dirty="0" err="1"/>
-              <a:t>up</a:t>
-            </a:r>
-            <a:endParaRPr lang="pt-BR" dirty="0"/>
-          </a:p>
-          <a:p>
-            <a:pPr lvl="1">
-              <a:buFont typeface="Arial" panose="020B0604020202020204" pitchFamily="34" charset="0"/>
-              <a:buChar char="•"/>
-            </a:pPr>
-            <a:r>
-              <a:rPr lang="pt-BR" dirty="0" err="1"/>
-              <a:t>docker</a:t>
-            </a:r>
-            <a:r>
-              <a:rPr lang="pt-BR" dirty="0"/>
-              <a:t> system </a:t>
-            </a:r>
-            <a:r>
-              <a:rPr lang="pt-BR" dirty="0" err="1"/>
-              <a:t>prune</a:t>
-            </a:r>
-            <a:r>
-              <a:rPr lang="pt-BR" dirty="0"/>
-              <a:t> -a</a:t>
+            <a:pPr marL="0" indent="0">
+              <a:buNone/>
+            </a:pPr>
+            <a:r>
+              <a:rPr lang="pt-BR" sz="1400" dirty="0"/>
+              <a:t>	</a:t>
+            </a:r>
+            <a:r>
+              <a:rPr lang="pt-BR" sz="1400" dirty="0" err="1"/>
+              <a:t>dataset</a:t>
+            </a:r>
+            <a:r>
+              <a:rPr lang="pt-BR" sz="1400" dirty="0"/>
+              <a:t> = </a:t>
+            </a:r>
+            <a:r>
+              <a:rPr lang="pt-BR" sz="1400" dirty="0" err="1"/>
+              <a:t>Dataset</a:t>
+            </a:r>
+            <a:r>
+              <a:rPr lang="pt-BR" sz="1400" dirty="0"/>
+              <a:t>('s3://</a:t>
+            </a:r>
+            <a:r>
+              <a:rPr lang="pt-BR" sz="1400" dirty="0" err="1"/>
+              <a:t>bucket</a:t>
+            </a:r>
+            <a:r>
+              <a:rPr lang="pt-BR" sz="1400" dirty="0"/>
+              <a:t>/</a:t>
+            </a:r>
+            <a:r>
+              <a:rPr lang="pt-BR" sz="1400" dirty="0" err="1"/>
+              <a:t>dataset.csv</a:t>
+            </a:r>
+            <a:r>
+              <a:rPr lang="pt-BR" sz="1400" dirty="0"/>
+              <a:t>’) </a:t>
+            </a:r>
+          </a:p>
+          <a:p>
+            <a:pPr marL="0" indent="0">
+              <a:buNone/>
+            </a:pPr>
+            <a:r>
+              <a:rPr lang="pt-BR" sz="1400" dirty="0"/>
+              <a:t>	</a:t>
+            </a:r>
+            <a:r>
+              <a:rPr lang="pt-BR" sz="1400" dirty="0" err="1"/>
+              <a:t>with</a:t>
+            </a:r>
+            <a:r>
+              <a:rPr lang="pt-BR" sz="1400" dirty="0"/>
+              <a:t> DAG('</a:t>
+            </a:r>
+            <a:r>
+              <a:rPr lang="pt-BR" sz="1400" dirty="0" err="1"/>
+              <a:t>producer</a:t>
+            </a:r>
+            <a:r>
+              <a:rPr lang="pt-BR" sz="1400" dirty="0"/>
+              <a:t>') as </a:t>
+            </a:r>
+            <a:r>
+              <a:rPr lang="pt-BR" sz="1400" dirty="0" err="1"/>
+              <a:t>producer_dag</a:t>
+            </a:r>
+            <a:r>
+              <a:rPr lang="pt-BR" sz="1400" dirty="0"/>
+              <a:t>: </a:t>
+            </a:r>
+          </a:p>
+          <a:p>
+            <a:pPr marL="0" indent="0">
+              <a:buNone/>
+            </a:pPr>
+            <a:r>
+              <a:rPr lang="pt-BR" sz="1400" dirty="0"/>
+              <a:t>		</a:t>
+            </a:r>
+            <a:r>
+              <a:rPr lang="pt-BR" sz="1400" dirty="0" err="1"/>
+              <a:t>update_dataset</a:t>
+            </a:r>
+            <a:r>
+              <a:rPr lang="pt-BR" sz="1400" dirty="0"/>
+              <a:t> = </a:t>
+            </a:r>
+            <a:r>
+              <a:rPr lang="pt-BR" sz="1400" dirty="0" err="1"/>
+              <a:t>EmptyOperator</a:t>
+            </a:r>
+            <a:r>
+              <a:rPr lang="pt-BR" sz="1400" dirty="0"/>
+              <a:t>(outlets=[</a:t>
+            </a:r>
+            <a:r>
+              <a:rPr lang="pt-BR" sz="1400" dirty="0" err="1"/>
+              <a:t>dataset</a:t>
+            </a:r>
+            <a:r>
+              <a:rPr lang="pt-BR" sz="1400" dirty="0"/>
+              <a:t>]) </a:t>
+            </a:r>
+          </a:p>
+          <a:p>
+            <a:pPr marL="0" indent="0">
+              <a:buNone/>
+            </a:pPr>
+            <a:r>
+              <a:rPr lang="pt-BR" sz="1400" dirty="0"/>
+              <a:t>	</a:t>
+            </a:r>
+            <a:r>
+              <a:rPr lang="pt-BR" sz="1400" dirty="0" err="1"/>
+              <a:t>with</a:t>
+            </a:r>
+            <a:r>
+              <a:rPr lang="pt-BR" sz="1400" dirty="0"/>
+              <a:t> DAG('</a:t>
+            </a:r>
+            <a:r>
+              <a:rPr lang="pt-BR" sz="1400" dirty="0" err="1"/>
+              <a:t>consumer</a:t>
+            </a:r>
+            <a:r>
+              <a:rPr lang="pt-BR" sz="1400" dirty="0"/>
+              <a:t>') as </a:t>
+            </a:r>
+            <a:r>
+              <a:rPr lang="pt-BR" sz="1400" dirty="0" err="1"/>
+              <a:t>consumer_dag</a:t>
+            </a:r>
+            <a:r>
+              <a:rPr lang="pt-BR" sz="1400" dirty="0"/>
+              <a:t>: </a:t>
+            </a:r>
+          </a:p>
+          <a:p>
+            <a:pPr marL="0" indent="0">
+              <a:buNone/>
+            </a:pPr>
+            <a:r>
+              <a:rPr lang="pt-BR" sz="1400" dirty="0"/>
+              <a:t>		</a:t>
+            </a:r>
+            <a:r>
+              <a:rPr lang="pt-BR" sz="1400" dirty="0" err="1"/>
+              <a:t>process_data</a:t>
+            </a:r>
+            <a:r>
+              <a:rPr lang="pt-BR" sz="1400" dirty="0"/>
+              <a:t> = </a:t>
+            </a:r>
+            <a:r>
+              <a:rPr lang="pt-BR" sz="1400" dirty="0" err="1"/>
+              <a:t>EmptyOperator</a:t>
+            </a:r>
+            <a:r>
+              <a:rPr lang="pt-BR" sz="1400" dirty="0"/>
+              <a:t>(</a:t>
+            </a:r>
+            <a:r>
+              <a:rPr lang="pt-BR" sz="1400" dirty="0" err="1"/>
+              <a:t>inlets</a:t>
+            </a:r>
+            <a:r>
+              <a:rPr lang="pt-BR" sz="1400" dirty="0"/>
+              <a:t>=[</a:t>
+            </a:r>
+            <a:r>
+              <a:rPr lang="pt-BR" sz="1400" dirty="0" err="1"/>
+              <a:t>dataset</a:t>
+            </a:r>
+            <a:r>
+              <a:rPr lang="pt-BR" sz="1400" dirty="0"/>
+              <a:t>])</a:t>
             </a:r>
           </a:p>
           <a:p>
@@ -3753,7 +3867,7 @@
     </p:spTree>
     <p:extLst>
       <p:ext uri="{BB962C8B-B14F-4D97-AF65-F5344CB8AC3E}">
-        <p14:creationId xmlns:p14="http://schemas.microsoft.com/office/powerpoint/2010/main" val="675499665"/>
+        <p14:creationId xmlns:p14="http://schemas.microsoft.com/office/powerpoint/2010/main" val="3934416655"/>
       </p:ext>
     </p:extLst>
   </p:cSld>
@@ -3785,7 +3899,7 @@
           <p:cNvPr id="2" name="Título 1">
             <a:extLst>
               <a:ext uri="{FF2B5EF4-FFF2-40B4-BE49-F238E27FC236}">
-                <a16:creationId xmlns:a16="http://schemas.microsoft.com/office/drawing/2014/main" id="{DA13D247-F952-0EA6-A1C6-02A4AD486E7D}"/>
+                <a16:creationId xmlns:a16="http://schemas.microsoft.com/office/drawing/2014/main" id="{E7335094-994F-2526-CDEF-CA51EB9E09C5}"/>
               </a:ext>
             </a:extLst>
           </p:cNvPr>
@@ -3803,7 +3917,7 @@
           <a:p>
             <a:r>
               <a:rPr lang="pt-BR" dirty="0" err="1"/>
-              <a:t>Flower</a:t>
+              <a:t>DataOps</a:t>
             </a:r>
             <a:endParaRPr lang="pt-BR" dirty="0"/>
           </a:p>
@@ -3814,7 +3928,7 @@
           <p:cNvPr id="3" name="Espaço Reservado para Conteúdo 2">
             <a:extLst>
               <a:ext uri="{FF2B5EF4-FFF2-40B4-BE49-F238E27FC236}">
-                <a16:creationId xmlns:a16="http://schemas.microsoft.com/office/drawing/2014/main" id="{4775AC5B-285A-D6A3-9DB5-297CB58D7F8C}"/>
+                <a16:creationId xmlns:a16="http://schemas.microsoft.com/office/drawing/2014/main" id="{DE75473A-E8FF-1AE8-1C35-4C797D20AB5E}"/>
               </a:ext>
             </a:extLst>
           </p:cNvPr>
@@ -3836,15 +3950,123 @@
             </a:pPr>
             <a:r>
               <a:rPr lang="pt-BR" b="1" dirty="0"/>
-              <a:t>Definição</a:t>
-            </a:r>
-            <a:r>
-              <a:rPr lang="pt-BR" dirty="0"/>
-              <a:t>: Ferramenta para monitoramento e gerenciamento de </a:t>
-            </a:r>
-            <a:r>
-              <a:rPr lang="pt-BR" dirty="0" err="1"/>
-              <a:t>workers</a:t>
+              <a:t>Docker</a:t>
+            </a:r>
+            <a:r>
+              <a:rPr lang="pt-BR" dirty="0"/>
+              <a:t>:</a:t>
+            </a:r>
+          </a:p>
+          <a:p>
+            <a:pPr lvl="1">
+              <a:buFont typeface="Arial" panose="020B0604020202020204" pitchFamily="34" charset="0"/>
+              <a:buChar char="•"/>
+            </a:pPr>
+            <a:r>
+              <a:rPr lang="pt-BR" dirty="0"/>
+              <a:t>Ferramenta para criar, gerenciar e executar contêineres.</a:t>
+            </a:r>
+          </a:p>
+          <a:p>
+            <a:pPr lvl="1">
+              <a:buFont typeface="Arial" panose="020B0604020202020204" pitchFamily="34" charset="0"/>
+              <a:buChar char="•"/>
+            </a:pPr>
+            <a:r>
+              <a:rPr lang="pt-BR" dirty="0"/>
+              <a:t>Imagens contêm todo o ambiente necessário para execução de aplicações.</a:t>
+            </a:r>
+          </a:p>
+          <a:p>
+            <a:pPr>
+              <a:buFont typeface="Arial" panose="020B0604020202020204" pitchFamily="34" charset="0"/>
+              <a:buChar char="•"/>
+            </a:pPr>
+            <a:r>
+              <a:rPr lang="pt-BR" b="1" dirty="0"/>
+              <a:t>Docker </a:t>
+            </a:r>
+            <a:r>
+              <a:rPr lang="pt-BR" b="1" dirty="0" err="1"/>
+              <a:t>Compose</a:t>
+            </a:r>
+            <a:r>
+              <a:rPr lang="pt-BR" dirty="0"/>
+              <a:t>:</a:t>
+            </a:r>
+          </a:p>
+          <a:p>
+            <a:pPr lvl="1">
+              <a:buFont typeface="Arial" panose="020B0604020202020204" pitchFamily="34" charset="0"/>
+              <a:buChar char="•"/>
+            </a:pPr>
+            <a:r>
+              <a:rPr lang="pt-BR" dirty="0"/>
+              <a:t>Orquestra múltiplos contêineres com arquivos </a:t>
+            </a:r>
+            <a:r>
+              <a:rPr lang="pt-BR" dirty="0" err="1"/>
+              <a:t>docker-compose.yml</a:t>
+            </a:r>
+            <a:r>
+              <a:rPr lang="pt-BR" dirty="0"/>
+              <a:t>.</a:t>
+            </a:r>
+          </a:p>
+          <a:p>
+            <a:pPr lvl="1">
+              <a:buFont typeface="Arial" panose="020B0604020202020204" pitchFamily="34" charset="0"/>
+              <a:buChar char="•"/>
+            </a:pPr>
+            <a:r>
+              <a:rPr lang="pt-BR" dirty="0"/>
+              <a:t>Útil para ambientes complexos, como o setup do </a:t>
+            </a:r>
+            <a:r>
+              <a:rPr lang="pt-BR" dirty="0" err="1"/>
+              <a:t>Airflow</a:t>
+            </a:r>
+            <a:r>
+              <a:rPr lang="pt-BR" dirty="0"/>
+              <a:t>.</a:t>
+            </a:r>
+          </a:p>
+          <a:p>
+            <a:pPr>
+              <a:buFont typeface="Arial" panose="020B0604020202020204" pitchFamily="34" charset="0"/>
+              <a:buChar char="•"/>
+            </a:pPr>
+            <a:r>
+              <a:rPr lang="pt-BR" b="1" dirty="0"/>
+              <a:t>Comandos úteis</a:t>
+            </a:r>
+            <a:r>
+              <a:rPr lang="pt-BR" dirty="0"/>
+              <a:t>:</a:t>
+            </a:r>
+          </a:p>
+          <a:p>
+            <a:pPr lvl="1">
+              <a:buFont typeface="Arial" panose="020B0604020202020204" pitchFamily="34" charset="0"/>
+              <a:buChar char="•"/>
+            </a:pPr>
+            <a:r>
+              <a:rPr lang="pt-BR" dirty="0" err="1"/>
+              <a:t>docker</a:t>
+            </a:r>
+            <a:r>
+              <a:rPr lang="pt-BR" dirty="0"/>
+              <a:t> build</a:t>
+            </a:r>
+          </a:p>
+          <a:p>
+            <a:pPr lvl="1">
+              <a:buFont typeface="Arial" panose="020B0604020202020204" pitchFamily="34" charset="0"/>
+              <a:buChar char="•"/>
+            </a:pPr>
+            <a:r>
+              <a:rPr lang="pt-BR" dirty="0" err="1"/>
+              <a:t>docker</a:t>
             </a:r>
             <a:r>
               <a:rPr lang="pt-BR" dirty="0"/>
@@ -3852,105 +4074,55 @@
             </a:r>
             <a:r>
               <a:rPr lang="pt-BR" dirty="0" err="1"/>
-              <a:t>Celery</a:t>
-            </a:r>
-            <a:r>
-              <a:rPr lang="pt-BR" dirty="0"/>
-              <a:t>.</a:t>
-            </a:r>
-          </a:p>
-          <a:p>
-            <a:pPr>
-              <a:buFont typeface="Arial" panose="020B0604020202020204" pitchFamily="34" charset="0"/>
-              <a:buChar char="•"/>
-            </a:pPr>
-            <a:r>
-              <a:rPr lang="pt-BR" b="1" dirty="0"/>
-              <a:t>Recursos</a:t>
-            </a:r>
-            <a:r>
-              <a:rPr lang="pt-BR" dirty="0"/>
-              <a:t>:</a:t>
-            </a:r>
-          </a:p>
-          <a:p>
-            <a:pPr marL="742950" lvl="1" indent="-285750">
-              <a:buFont typeface="Arial" panose="020B0604020202020204" pitchFamily="34" charset="0"/>
-              <a:buChar char="•"/>
-            </a:pPr>
-            <a:r>
-              <a:rPr lang="pt-BR" dirty="0"/>
-              <a:t>Visualização do estado das tarefas e filas.</a:t>
-            </a:r>
-          </a:p>
-          <a:p>
-            <a:pPr marL="742950" lvl="1" indent="-285750">
-              <a:buFont typeface="Arial" panose="020B0604020202020204" pitchFamily="34" charset="0"/>
-              <a:buChar char="•"/>
-            </a:pPr>
-            <a:r>
-              <a:rPr lang="pt-BR" dirty="0"/>
-              <a:t>Cancelamento de tarefas em execução.</a:t>
-            </a:r>
-          </a:p>
-          <a:p>
-            <a:pPr marL="742950" lvl="1" indent="-285750">
-              <a:buFont typeface="Arial" panose="020B0604020202020204" pitchFamily="34" charset="0"/>
-              <a:buChar char="•"/>
-            </a:pPr>
-            <a:r>
-              <a:rPr lang="pt-BR" dirty="0"/>
-              <a:t>Estatísticas de </a:t>
-            </a:r>
-            <a:r>
-              <a:rPr lang="pt-BR" dirty="0" err="1"/>
-              <a:t>workers</a:t>
-            </a:r>
-            <a:r>
-              <a:rPr lang="pt-BR" dirty="0"/>
-              <a:t>.</a:t>
-            </a:r>
-          </a:p>
-          <a:p>
-            <a:pPr>
-              <a:buFont typeface="Arial" panose="020B0604020202020204" pitchFamily="34" charset="0"/>
-              <a:buChar char="•"/>
-            </a:pPr>
-            <a:r>
-              <a:rPr lang="pt-BR" b="1" dirty="0"/>
-              <a:t>Configuração com </a:t>
-            </a:r>
-            <a:r>
-              <a:rPr lang="pt-BR" b="1" dirty="0" err="1"/>
-              <a:t>Airflow</a:t>
-            </a:r>
-            <a:r>
-              <a:rPr lang="pt-BR" dirty="0"/>
-              <a:t>:</a:t>
-            </a:r>
-          </a:p>
-          <a:p>
-            <a:pPr marL="742950" lvl="1" indent="-285750">
-              <a:buFont typeface="Arial" panose="020B0604020202020204" pitchFamily="34" charset="0"/>
-              <a:buChar char="•"/>
-            </a:pPr>
-            <a:r>
-              <a:rPr lang="pt-BR" dirty="0"/>
-              <a:t>Executado como serviço paralelo, geralmente no </a:t>
-            </a:r>
-            <a:r>
-              <a:rPr lang="pt-BR" dirty="0" err="1"/>
-              <a:t>docker-compose.yml</a:t>
-            </a:r>
-            <a:r>
-              <a:rPr lang="pt-BR" dirty="0"/>
-              <a:t>.</a:t>
-            </a:r>
-          </a:p>
-          <a:p>
-            <a:pPr marL="0" indent="0">
-              <a:buNone/>
-            </a:pPr>
+              <a:t>run</a:t>
+            </a:r>
+            <a:r>
+              <a:rPr lang="pt-BR" dirty="0"/>
+              <a:t> </a:t>
+            </a:r>
+          </a:p>
+          <a:p>
+            <a:pPr lvl="1">
+              <a:buFont typeface="Arial" panose="020B0604020202020204" pitchFamily="34" charset="0"/>
+              <a:buChar char="•"/>
+            </a:pPr>
+            <a:r>
+              <a:rPr lang="pt-BR" dirty="0" err="1"/>
+              <a:t>docker-compose</a:t>
+            </a:r>
+            <a:r>
+              <a:rPr lang="pt-BR" dirty="0"/>
+              <a:t> </a:t>
+            </a:r>
+            <a:r>
+              <a:rPr lang="pt-BR" dirty="0" err="1"/>
+              <a:t>up</a:t>
+            </a:r>
+            <a:endParaRPr lang="pt-BR" dirty="0"/>
+          </a:p>
+          <a:p>
+            <a:pPr lvl="1">
+              <a:buFont typeface="Arial" panose="020B0604020202020204" pitchFamily="34" charset="0"/>
+              <a:buChar char="•"/>
+            </a:pPr>
+            <a:r>
+              <a:rPr lang="pt-BR" dirty="0" err="1"/>
+              <a:t>docker</a:t>
+            </a:r>
+            <a:r>
+              <a:rPr lang="pt-BR" dirty="0"/>
+              <a:t> system </a:t>
+            </a:r>
+            <a:r>
+              <a:rPr lang="pt-BR" dirty="0" err="1"/>
+              <a:t>prune</a:t>
+            </a:r>
+            <a:r>
+              <a:rPr lang="pt-BR" dirty="0"/>
+              <a:t> -a</a:t>
+            </a:r>
+          </a:p>
+          <a:p>
             <a:endParaRPr lang="pt-BR" dirty="0"/>
           </a:p>
         </p:txBody>
@@ -3958,7 +4130,7 @@
     </p:spTree>
     <p:extLst>
       <p:ext uri="{BB962C8B-B14F-4D97-AF65-F5344CB8AC3E}">
-        <p14:creationId xmlns:p14="http://schemas.microsoft.com/office/powerpoint/2010/main" val="3846977191"/>
+        <p14:creationId xmlns:p14="http://schemas.microsoft.com/office/powerpoint/2010/main" val="675499665"/>
       </p:ext>
     </p:extLst>
   </p:cSld>
@@ -3990,7 +4162,7 @@
           <p:cNvPr id="2" name="Título 1">
             <a:extLst>
               <a:ext uri="{FF2B5EF4-FFF2-40B4-BE49-F238E27FC236}">
-                <a16:creationId xmlns:a16="http://schemas.microsoft.com/office/drawing/2014/main" id="{C251B4D3-5748-A5E6-E72E-07A287B6B3F7}"/>
+                <a16:creationId xmlns:a16="http://schemas.microsoft.com/office/drawing/2014/main" id="{DA13D247-F952-0EA6-A1C6-02A4AD486E7D}"/>
               </a:ext>
             </a:extLst>
           </p:cNvPr>
@@ -4007,9 +4179,10 @@
           <a:lstStyle/>
           <a:p>
             <a:r>
-              <a:rPr lang="pt-BR" dirty="0"/>
-              <a:t>Redis</a:t>
-            </a:r>
+              <a:rPr lang="pt-BR" dirty="0" err="1"/>
+              <a:t>Flower</a:t>
+            </a:r>
+            <a:endParaRPr lang="pt-BR" dirty="0"/>
           </a:p>
         </p:txBody>
       </p:sp>
@@ -4018,7 +4191,7 @@
           <p:cNvPr id="3" name="Espaço Reservado para Conteúdo 2">
             <a:extLst>
               <a:ext uri="{FF2B5EF4-FFF2-40B4-BE49-F238E27FC236}">
-                <a16:creationId xmlns:a16="http://schemas.microsoft.com/office/drawing/2014/main" id="{9AAE8368-24A3-2D54-648B-89B5D69AAC61}"/>
+                <a16:creationId xmlns:a16="http://schemas.microsoft.com/office/drawing/2014/main" id="{4775AC5B-285A-D6A3-9DB5-297CB58D7F8C}"/>
               </a:ext>
             </a:extLst>
           </p:cNvPr>
@@ -4044,19 +4217,19 @@
             </a:r>
             <a:r>
               <a:rPr lang="pt-BR" dirty="0"/>
-              <a:t>: Banco de dados em memória usado como </a:t>
-            </a:r>
-            <a:r>
-              <a:rPr lang="pt-BR" dirty="0" err="1"/>
-              <a:t>backend</a:t>
-            </a:r>
-            <a:r>
-              <a:rPr lang="pt-BR" dirty="0"/>
-              <a:t> para filas no </a:t>
-            </a:r>
-            <a:r>
-              <a:rPr lang="pt-BR" dirty="0" err="1"/>
-              <a:t>CeleryExecutor</a:t>
+              <a:t>: Ferramenta para monitoramento e gerenciamento de </a:t>
+            </a:r>
+            <a:r>
+              <a:rPr lang="pt-BR" dirty="0" err="1"/>
+              <a:t>workers</a:t>
+            </a:r>
+            <a:r>
+              <a:rPr lang="pt-BR" dirty="0"/>
+              <a:t> </a:t>
+            </a:r>
+            <a:r>
+              <a:rPr lang="pt-BR" dirty="0" err="1"/>
+              <a:t>Celery</a:t>
             </a:r>
             <a:r>
               <a:rPr lang="pt-BR" dirty="0"/>
@@ -4078,27 +4251,37 @@
             </a:r>
           </a:p>
           <a:p>
-            <a:pPr lvl="1">
-              <a:buFont typeface="Arial" panose="020B0604020202020204" pitchFamily="34" charset="0"/>
-              <a:buChar char="•"/>
-            </a:pPr>
-            <a:r>
-              <a:rPr lang="pt-BR" dirty="0"/>
-              <a:t>Alta performance e baixa latência.</a:t>
-            </a:r>
-          </a:p>
-          <a:p>
-            <a:pPr lvl="1">
-              <a:buFont typeface="Arial" panose="020B0604020202020204" pitchFamily="34" charset="0"/>
-              <a:buChar char="•"/>
-            </a:pPr>
-            <a:r>
-              <a:rPr lang="pt-BR" dirty="0"/>
-              <a:t>Suporte a estruturas como listas e </a:t>
-            </a:r>
-            <a:r>
-              <a:rPr lang="pt-BR" dirty="0" err="1"/>
-              <a:t>hashes</a:t>
+            <a:pPr marL="742950" lvl="1" indent="-285750">
+              <a:buFont typeface="Arial" panose="020B0604020202020204" pitchFamily="34" charset="0"/>
+              <a:buChar char="•"/>
+            </a:pPr>
+            <a:r>
+              <a:rPr lang="pt-BR" dirty="0"/>
+              <a:t>Visualização do estado das tarefas e filas.</a:t>
+            </a:r>
+          </a:p>
+          <a:p>
+            <a:pPr marL="742950" lvl="1" indent="-285750">
+              <a:buFont typeface="Arial" panose="020B0604020202020204" pitchFamily="34" charset="0"/>
+              <a:buChar char="•"/>
+            </a:pPr>
+            <a:r>
+              <a:rPr lang="pt-BR" dirty="0"/>
+              <a:t>Cancelamento de tarefas em execução.</a:t>
+            </a:r>
+          </a:p>
+          <a:p>
+            <a:pPr marL="742950" lvl="1" indent="-285750">
+              <a:buFont typeface="Arial" panose="020B0604020202020204" pitchFamily="34" charset="0"/>
+              <a:buChar char="•"/>
+            </a:pPr>
+            <a:r>
+              <a:rPr lang="pt-BR" dirty="0"/>
+              <a:t>Estatísticas de </a:t>
+            </a:r>
+            <a:r>
+              <a:rPr lang="pt-BR" dirty="0" err="1"/>
+              <a:t>workers</a:t>
             </a:r>
             <a:r>
               <a:rPr lang="pt-BR" dirty="0"/>
@@ -4112,101 +4295,33 @@
             </a:pPr>
             <a:r>
               <a:rPr lang="pt-BR" b="1" dirty="0"/>
-              <a:t>Configuração no </a:t>
+              <a:t>Configuração com </a:t>
             </a:r>
             <a:r>
               <a:rPr lang="pt-BR" b="1" dirty="0" err="1"/>
               <a:t>Airflow</a:t>
             </a:r>
             <a:r>
-              <a:rPr lang="pt-BR" dirty="0" err="1"/>
-              <a:t>:Definido</a:t>
-            </a:r>
-            <a:r>
-              <a:rPr lang="pt-BR" dirty="0"/>
-              <a:t> no </a:t>
-            </a:r>
-            <a:r>
-              <a:rPr lang="pt-BR" dirty="0" err="1"/>
-              <a:t>celery_result_backend</a:t>
-            </a:r>
-            <a:r>
-              <a:rPr lang="pt-BR" dirty="0"/>
-              <a:t> e </a:t>
-            </a:r>
-            <a:r>
-              <a:rPr lang="pt-BR" dirty="0" err="1"/>
-              <a:t>broker_url</a:t>
-            </a:r>
-            <a:r>
-              <a:rPr lang="pt-BR" dirty="0"/>
-              <a:t> no arquivo </a:t>
-            </a:r>
-            <a:r>
-              <a:rPr lang="pt-BR" dirty="0" err="1"/>
-              <a:t>airflow.cfg</a:t>
+              <a:rPr lang="pt-BR" dirty="0"/>
+              <a:t>:</a:t>
+            </a:r>
+          </a:p>
+          <a:p>
+            <a:pPr marL="742950" lvl="1" indent="-285750">
+              <a:buFont typeface="Arial" panose="020B0604020202020204" pitchFamily="34" charset="0"/>
+              <a:buChar char="•"/>
+            </a:pPr>
+            <a:r>
+              <a:rPr lang="pt-BR" dirty="0"/>
+              <a:t>Executado como serviço paralelo, geralmente no </a:t>
+            </a:r>
+            <a:r>
+              <a:rPr lang="pt-BR" dirty="0" err="1"/>
+              <a:t>docker-compose.yml</a:t>
             </a:r>
             <a:r>
               <a:rPr lang="pt-BR" dirty="0"/>
               <a:t>.</a:t>
-            </a:r>
-          </a:p>
-          <a:p>
-            <a:pPr>
-              <a:buFont typeface="Arial" panose="020B0604020202020204" pitchFamily="34" charset="0"/>
-              <a:buChar char="•"/>
-            </a:pPr>
-            <a:r>
-              <a:rPr lang="pt-BR" b="1" dirty="0"/>
-              <a:t>Comandos úteis</a:t>
-            </a:r>
-            <a:r>
-              <a:rPr lang="pt-BR" dirty="0"/>
-              <a:t>:</a:t>
-            </a:r>
-          </a:p>
-          <a:p>
-            <a:pPr lvl="1">
-              <a:buFont typeface="Arial" panose="020B0604020202020204" pitchFamily="34" charset="0"/>
-              <a:buChar char="•"/>
-            </a:pPr>
-            <a:r>
-              <a:rPr lang="pt-BR" dirty="0"/>
-              <a:t>redis-</a:t>
-            </a:r>
-            <a:r>
-              <a:rPr lang="pt-BR" dirty="0" err="1"/>
-              <a:t>cli</a:t>
-            </a:r>
-            <a:r>
-              <a:rPr lang="pt-BR" dirty="0"/>
-              <a:t> </a:t>
-            </a:r>
-            <a:r>
-              <a:rPr lang="pt-BR" dirty="0" err="1"/>
-              <a:t>ping</a:t>
-            </a:r>
-            <a:r>
-              <a:rPr lang="pt-BR" dirty="0"/>
-              <a:t> </a:t>
-            </a:r>
-          </a:p>
-          <a:p>
-            <a:pPr lvl="1">
-              <a:buFont typeface="Arial" panose="020B0604020202020204" pitchFamily="34" charset="0"/>
-              <a:buChar char="•"/>
-            </a:pPr>
-            <a:r>
-              <a:rPr lang="pt-BR" dirty="0"/>
-              <a:t>redis-</a:t>
-            </a:r>
-            <a:r>
-              <a:rPr lang="pt-BR" dirty="0" err="1"/>
-              <a:t>cli</a:t>
-            </a:r>
-            <a:r>
-              <a:rPr lang="pt-BR" dirty="0"/>
-              <a:t> monitor</a:t>
             </a:r>
           </a:p>
           <a:p>
@@ -4220,7 +4335,7 @@
     </p:spTree>
     <p:extLst>
       <p:ext uri="{BB962C8B-B14F-4D97-AF65-F5344CB8AC3E}">
-        <p14:creationId xmlns:p14="http://schemas.microsoft.com/office/powerpoint/2010/main" val="3831812961"/>
+        <p14:creationId xmlns:p14="http://schemas.microsoft.com/office/powerpoint/2010/main" val="3846977191"/>
       </p:ext>
     </p:extLst>
   </p:cSld>
@@ -4252,7 +4367,7 @@
           <p:cNvPr id="2" name="Título 1">
             <a:extLst>
               <a:ext uri="{FF2B5EF4-FFF2-40B4-BE49-F238E27FC236}">
-                <a16:creationId xmlns:a16="http://schemas.microsoft.com/office/drawing/2014/main" id="{D21A6F95-30B7-7926-1895-6CAF834FE9DB}"/>
+                <a16:creationId xmlns:a16="http://schemas.microsoft.com/office/drawing/2014/main" id="{C251B4D3-5748-A5E6-E72E-07A287B6B3F7}"/>
               </a:ext>
             </a:extLst>
           </p:cNvPr>
@@ -4269,10 +4384,9 @@
           <a:lstStyle/>
           <a:p>
             <a:r>
-              <a:rPr lang="pt-BR" dirty="0" err="1"/>
-              <a:t>DAGs</a:t>
-            </a:r>
-            <a:endParaRPr lang="pt-BR" dirty="0"/>
+              <a:rPr lang="pt-BR" dirty="0"/>
+              <a:t>Redis</a:t>
+            </a:r>
           </a:p>
         </p:txBody>
       </p:sp>
@@ -4281,7 +4395,7 @@
           <p:cNvPr id="3" name="Espaço Reservado para Conteúdo 2">
             <a:extLst>
               <a:ext uri="{FF2B5EF4-FFF2-40B4-BE49-F238E27FC236}">
-                <a16:creationId xmlns:a16="http://schemas.microsoft.com/office/drawing/2014/main" id="{198FE0C8-46A5-54BF-B3C0-164B429E2059}"/>
+                <a16:creationId xmlns:a16="http://schemas.microsoft.com/office/drawing/2014/main" id="{9AAE8368-24A3-2D54-648B-89B5D69AAC61}"/>
               </a:ext>
             </a:extLst>
           </p:cNvPr>
@@ -4297,19 +4411,136 @@
           <a:bodyPr/>
           <a:lstStyle/>
           <a:p>
+            <a:pPr>
+              <a:buFont typeface="Arial" panose="020B0604020202020204" pitchFamily="34" charset="0"/>
+              <a:buChar char="•"/>
+            </a:pPr>
             <a:r>
               <a:rPr lang="pt-BR" b="1" dirty="0"/>
-              <a:t>O que é uma DAG no </a:t>
+              <a:t>Definição</a:t>
+            </a:r>
+            <a:r>
+              <a:rPr lang="pt-BR" dirty="0"/>
+              <a:t>: Banco de dados em memória usado como </a:t>
+            </a:r>
+            <a:r>
+              <a:rPr lang="pt-BR" dirty="0" err="1"/>
+              <a:t>backend</a:t>
+            </a:r>
+            <a:r>
+              <a:rPr lang="pt-BR" dirty="0"/>
+              <a:t> para filas no </a:t>
+            </a:r>
+            <a:r>
+              <a:rPr lang="pt-BR" dirty="0" err="1"/>
+              <a:t>CeleryExecutor</a:t>
+            </a:r>
+            <a:r>
+              <a:rPr lang="pt-BR" dirty="0"/>
+              <a:t>.</a:t>
+            </a:r>
+          </a:p>
+          <a:p>
+            <a:pPr>
+              <a:buFont typeface="Arial" panose="020B0604020202020204" pitchFamily="34" charset="0"/>
+              <a:buChar char="•"/>
+            </a:pPr>
+            <a:r>
+              <a:rPr lang="pt-BR" b="1" dirty="0"/>
+              <a:t>Recursos</a:t>
+            </a:r>
+            <a:r>
+              <a:rPr lang="pt-BR" dirty="0"/>
+              <a:t>:</a:t>
+            </a:r>
+          </a:p>
+          <a:p>
+            <a:pPr lvl="1">
+              <a:buFont typeface="Arial" panose="020B0604020202020204" pitchFamily="34" charset="0"/>
+              <a:buChar char="•"/>
+            </a:pPr>
+            <a:r>
+              <a:rPr lang="pt-BR" dirty="0"/>
+              <a:t>Alta performance e baixa latência.</a:t>
+            </a:r>
+          </a:p>
+          <a:p>
+            <a:pPr lvl="1">
+              <a:buFont typeface="Arial" panose="020B0604020202020204" pitchFamily="34" charset="0"/>
+              <a:buChar char="•"/>
+            </a:pPr>
+            <a:r>
+              <a:rPr lang="pt-BR" dirty="0"/>
+              <a:t>Suporte a estruturas como listas e </a:t>
+            </a:r>
+            <a:r>
+              <a:rPr lang="pt-BR" dirty="0" err="1"/>
+              <a:t>hashes</a:t>
+            </a:r>
+            <a:r>
+              <a:rPr lang="pt-BR" dirty="0"/>
+              <a:t>.</a:t>
+            </a:r>
+          </a:p>
+          <a:p>
+            <a:pPr>
+              <a:buFont typeface="Arial" panose="020B0604020202020204" pitchFamily="34" charset="0"/>
+              <a:buChar char="•"/>
+            </a:pPr>
+            <a:r>
+              <a:rPr lang="pt-BR" b="1" dirty="0"/>
+              <a:t>Configuração no </a:t>
             </a:r>
             <a:r>
               <a:rPr lang="pt-BR" b="1" dirty="0" err="1"/>
               <a:t>Airflow</a:t>
             </a:r>
             <a:r>
+              <a:rPr lang="pt-BR" dirty="0" err="1"/>
+              <a:t>:Definido</a:t>
+            </a:r>
+            <a:r>
+              <a:rPr lang="pt-BR" dirty="0"/>
+              <a:t> no </a:t>
+            </a:r>
+            <a:r>
+              <a:rPr lang="pt-BR" dirty="0" err="1"/>
+              <a:t>celery_result_backend</a:t>
+            </a:r>
+            <a:r>
+              <a:rPr lang="pt-BR" dirty="0"/>
+              <a:t> e </a:t>
+            </a:r>
+            <a:r>
+              <a:rPr lang="pt-BR" dirty="0" err="1"/>
+              <a:t>broker_url</a:t>
+            </a:r>
+            <a:r>
+              <a:rPr lang="pt-BR" dirty="0"/>
+              <a:t> no arquivo </a:t>
+            </a:r>
+            <a:r>
+              <a:rPr lang="pt-BR" dirty="0" err="1"/>
+              <a:t>airflow.cfg</a:t>
+            </a:r>
+            <a:r>
+              <a:rPr lang="pt-BR" dirty="0"/>
+              <a:t>.</a:t>
+            </a:r>
+          </a:p>
+          <a:p>
+            <a:pPr>
+              <a:buFont typeface="Arial" panose="020B0604020202020204" pitchFamily="34" charset="0"/>
+              <a:buChar char="•"/>
+            </a:pPr>
+            <a:r>
               <a:rPr lang="pt-BR" b="1" dirty="0"/>
-              <a:t>?</a:t>
-            </a:r>
-            <a:endParaRPr lang="pt-BR" dirty="0"/>
+              <a:t>Comandos úteis</a:t>
+            </a:r>
+            <a:r>
+              <a:rPr lang="pt-BR" dirty="0"/>
+              <a:t>:</a:t>
+            </a:r>
           </a:p>
           <a:p>
             <a:pPr lvl="1">
@@ -4318,11 +4549,11 @@
             </a:pPr>
             <a:r>
               <a:rPr lang="pt-BR" dirty="0"/>
-              <a:t>DAG (</a:t>
-            </a:r>
-            <a:r>
-              <a:rPr lang="pt-BR" dirty="0" err="1"/>
-              <a:t>Directed</a:t>
+              <a:t>redis-</a:t>
+            </a:r>
+            <a:r>
+              <a:rPr lang="pt-BR" dirty="0" err="1"/>
+              <a:t>cli</a:t>
             </a:r>
             <a:r>
               <a:rPr lang="pt-BR" dirty="0"/>
@@ -4330,28 +4561,12 @@
             </a:r>
             <a:r>
               <a:rPr lang="pt-BR" dirty="0" err="1"/>
-              <a:t>Acyclic</a:t>
+              <a:t>ping</a:t>
             </a:r>
             <a:r>
               <a:rPr lang="pt-BR" dirty="0"/>
               <a:t> </a:t>
             </a:r>
-            <a:r>
-              <a:rPr lang="pt-BR" dirty="0" err="1"/>
-              <a:t>Graph</a:t>
-            </a:r>
-            <a:r>
-              <a:rPr lang="pt-BR" dirty="0"/>
-              <a:t>) é a estrutura central do Apache </a:t>
-            </a:r>
-            <a:r>
-              <a:rPr lang="pt-BR" dirty="0" err="1"/>
-              <a:t>Airflow</a:t>
-            </a:r>
-            <a:r>
-              <a:rPr lang="pt-BR" dirty="0"/>
-              <a:t>.</a:t>
-            </a:r>
           </a:p>
           <a:p>
             <a:pPr lvl="1">
@@ -4360,77 +4575,21 @@
             </a:pPr>
             <a:r>
               <a:rPr lang="pt-BR" dirty="0"/>
-              <a:t>Representa um fluxo de trabalho: conjunto de tarefas interdependentes.</a:t>
-            </a:r>
-          </a:p>
-          <a:p>
-            <a:pPr lvl="1">
-              <a:buFont typeface="Arial" panose="020B0604020202020204" pitchFamily="34" charset="0"/>
-              <a:buChar char="•"/>
-            </a:pPr>
-            <a:r>
-              <a:rPr lang="pt-BR" dirty="0"/>
-              <a:t>As tarefas são executadas seguindo a ordem definida pelo DAG.</a:t>
-            </a:r>
-          </a:p>
-          <a:p>
-            <a:r>
-              <a:rPr lang="pt-BR" b="1" dirty="0"/>
-              <a:t>Características:</a:t>
-            </a:r>
-            <a:endParaRPr lang="pt-BR" dirty="0"/>
-          </a:p>
-          <a:p>
-            <a:pPr lvl="1">
-              <a:buFont typeface="Arial" panose="020B0604020202020204" pitchFamily="34" charset="0"/>
-              <a:buChar char="•"/>
-            </a:pPr>
-            <a:r>
-              <a:rPr lang="pt-BR" b="1" dirty="0" err="1"/>
-              <a:t>Acyclic</a:t>
-            </a:r>
-            <a:r>
-              <a:rPr lang="pt-BR" b="1" dirty="0"/>
-              <a:t>:</a:t>
-            </a:r>
-            <a:r>
-              <a:rPr lang="pt-BR" dirty="0"/>
-              <a:t> Não permite loops.</a:t>
-            </a:r>
-          </a:p>
-          <a:p>
-            <a:pPr lvl="1">
-              <a:buFont typeface="Arial" panose="020B0604020202020204" pitchFamily="34" charset="0"/>
-              <a:buChar char="•"/>
-            </a:pPr>
-            <a:r>
-              <a:rPr lang="pt-BR" b="1" dirty="0"/>
-              <a:t>Direcionado:</a:t>
-            </a:r>
-            <a:r>
-              <a:rPr lang="pt-BR" dirty="0"/>
-              <a:t> Define uma ordem entre as tarefas.</a:t>
-            </a:r>
-          </a:p>
-          <a:p>
-            <a:pPr lvl="1">
-              <a:buFont typeface="Arial" panose="020B0604020202020204" pitchFamily="34" charset="0"/>
-              <a:buChar char="•"/>
-            </a:pPr>
-            <a:r>
-              <a:rPr lang="pt-BR" dirty="0"/>
-              <a:t>Programável com </a:t>
-            </a:r>
-            <a:r>
-              <a:rPr lang="pt-BR" b="1" dirty="0"/>
-              <a:t>Python</a:t>
-            </a:r>
-            <a:r>
-              <a:rPr lang="pt-BR" dirty="0"/>
-              <a:t>, o que oferece flexibilidade.</a:t>
-            </a:r>
-          </a:p>
-          <a:p>
+              <a:t>redis-</a:t>
+            </a:r>
+            <a:r>
+              <a:rPr lang="pt-BR" dirty="0" err="1"/>
+              <a:t>cli</a:t>
+            </a:r>
+            <a:r>
+              <a:rPr lang="pt-BR" dirty="0"/>
+              <a:t> monitor</a:t>
+            </a:r>
+          </a:p>
+          <a:p>
+            <a:pPr marL="0" indent="0">
+              <a:buNone/>
+            </a:pPr>
             <a:endParaRPr lang="pt-BR" dirty="0"/>
           </a:p>
         </p:txBody>
@@ -4438,7 +4597,7 @@
     </p:spTree>
     <p:extLst>
       <p:ext uri="{BB962C8B-B14F-4D97-AF65-F5344CB8AC3E}">
-        <p14:creationId xmlns:p14="http://schemas.microsoft.com/office/powerpoint/2010/main" val="4137648593"/>
+        <p14:creationId xmlns:p14="http://schemas.microsoft.com/office/powerpoint/2010/main" val="3831812961"/>
       </p:ext>
     </p:extLst>
   </p:cSld>
@@ -4470,7 +4629,7 @@
           <p:cNvPr id="2" name="Título 1">
             <a:extLst>
               <a:ext uri="{FF2B5EF4-FFF2-40B4-BE49-F238E27FC236}">
-                <a16:creationId xmlns:a16="http://schemas.microsoft.com/office/drawing/2014/main" id="{DBF2AA32-1EC3-2000-DCF6-4E133115DEDA}"/>
+                <a16:creationId xmlns:a16="http://schemas.microsoft.com/office/drawing/2014/main" id="{D21A6F95-30B7-7926-1895-6CAF834FE9DB}"/>
               </a:ext>
             </a:extLst>
           </p:cNvPr>
@@ -4487,10 +4646,6 @@
           <a:lstStyle/>
           <a:p>
             <a:r>
-              <a:rPr lang="pt-BR" dirty="0"/>
-              <a:t>Tipos de </a:t>
-            </a:r>
-            <a:r>
               <a:rPr lang="pt-BR" dirty="0" err="1"/>
               <a:t>DAGs</a:t>
             </a:r>
@@ -4503,7 +4658,7 @@
           <p:cNvPr id="3" name="Espaço Reservado para Conteúdo 2">
             <a:extLst>
               <a:ext uri="{FF2B5EF4-FFF2-40B4-BE49-F238E27FC236}">
-                <a16:creationId xmlns:a16="http://schemas.microsoft.com/office/drawing/2014/main" id="{B1A9F742-56E1-E7B1-A72D-BD56EA927C1B}"/>
+                <a16:creationId xmlns:a16="http://schemas.microsoft.com/office/drawing/2014/main" id="{198FE0C8-46A5-54BF-B3C0-164B429E2059}"/>
               </a:ext>
             </a:extLst>
           </p:cNvPr>
@@ -4520,22 +4675,105 @@
           <a:lstStyle/>
           <a:p>
             <a:r>
+              <a:rPr lang="pt-BR" b="1" dirty="0"/>
+              <a:t>O que é uma DAG no </a:t>
+            </a:r>
+            <a:r>
               <a:rPr lang="pt-BR" b="1" dirty="0" err="1"/>
-              <a:t>Static</a:t>
+              <a:t>Airflow</a:t>
             </a:r>
             <a:r>
               <a:rPr lang="pt-BR" b="1" dirty="0"/>
+              <a:t>?</a:t>
+            </a:r>
+            <a:endParaRPr lang="pt-BR" dirty="0"/>
+          </a:p>
+          <a:p>
+            <a:pPr lvl="1">
+              <a:buFont typeface="Arial" panose="020B0604020202020204" pitchFamily="34" charset="0"/>
+              <a:buChar char="•"/>
+            </a:pPr>
+            <a:r>
+              <a:rPr lang="pt-BR" dirty="0"/>
+              <a:t>DAG (</a:t>
+            </a:r>
+            <a:r>
+              <a:rPr lang="pt-BR" dirty="0" err="1"/>
+              <a:t>Directed</a:t>
+            </a:r>
+            <a:r>
+              <a:rPr lang="pt-BR" dirty="0"/>
               <a:t> </a:t>
             </a:r>
             <a:r>
+              <a:rPr lang="pt-BR" dirty="0" err="1"/>
+              <a:t>Acyclic</a:t>
+            </a:r>
+            <a:r>
+              <a:rPr lang="pt-BR" dirty="0"/>
+              <a:t> </a:t>
+            </a:r>
+            <a:r>
+              <a:rPr lang="pt-BR" dirty="0" err="1"/>
+              <a:t>Graph</a:t>
+            </a:r>
+            <a:r>
+              <a:rPr lang="pt-BR" dirty="0"/>
+              <a:t>) é a estrutura central do Apache </a:t>
+            </a:r>
+            <a:r>
+              <a:rPr lang="pt-BR" dirty="0" err="1"/>
+              <a:t>Airflow</a:t>
+            </a:r>
+            <a:r>
+              <a:rPr lang="pt-BR" dirty="0"/>
+              <a:t>.</a:t>
+            </a:r>
+          </a:p>
+          <a:p>
+            <a:pPr lvl="1">
+              <a:buFont typeface="Arial" panose="020B0604020202020204" pitchFamily="34" charset="0"/>
+              <a:buChar char="•"/>
+            </a:pPr>
+            <a:r>
+              <a:rPr lang="pt-BR" dirty="0"/>
+              <a:t>Representa um fluxo de trabalho: conjunto de tarefas interdependentes.</a:t>
+            </a:r>
+          </a:p>
+          <a:p>
+            <a:pPr lvl="1">
+              <a:buFont typeface="Arial" panose="020B0604020202020204" pitchFamily="34" charset="0"/>
+              <a:buChar char="•"/>
+            </a:pPr>
+            <a:r>
+              <a:rPr lang="pt-BR" dirty="0"/>
+              <a:t>As tarefas são executadas seguindo a ordem definida pelo DAG.</a:t>
+            </a:r>
+          </a:p>
+          <a:p>
+            <a:r>
+              <a:rPr lang="pt-BR" b="1" dirty="0"/>
+              <a:t>Características:</a:t>
+            </a:r>
+            <a:endParaRPr lang="pt-BR" dirty="0"/>
+          </a:p>
+          <a:p>
+            <a:pPr lvl="1">
+              <a:buFont typeface="Arial" panose="020B0604020202020204" pitchFamily="34" charset="0"/>
+              <a:buChar char="•"/>
+            </a:pPr>
+            <a:r>
               <a:rPr lang="pt-BR" b="1" dirty="0" err="1"/>
-              <a:t>DAGs</a:t>
+              <a:t>Acyclic</a:t>
             </a:r>
             <a:r>
               <a:rPr lang="pt-BR" b="1" dirty="0"/>
               <a:t>:</a:t>
             </a:r>
-            <a:endParaRPr lang="pt-BR" dirty="0"/>
+            <a:r>
+              <a:rPr lang="pt-BR" dirty="0"/>
+              <a:t> Não permite loops.</a:t>
+            </a:r>
           </a:p>
           <a:p>
             <a:pPr lvl="1">
@@ -4543,8 +4781,12 @@
               <a:buChar char="•"/>
             </a:pPr>
             <a:r>
-              <a:rPr lang="pt-BR" dirty="0"/>
-              <a:t>Estrutura predefinida e imutável após a criação.</a:t>
+              <a:rPr lang="pt-BR" b="1" dirty="0"/>
+              <a:t>Direcionado:</a:t>
+            </a:r>
+            <a:r>
+              <a:rPr lang="pt-BR" dirty="0"/>
+              <a:t> Define uma ordem entre as tarefas.</a:t>
             </a:r>
           </a:p>
           <a:p>
@@ -4554,97 +4796,15 @@
             </a:pPr>
             <a:r>
               <a:rPr lang="pt-BR" dirty="0"/>
-              <a:t>Usado para workflows simples e previsíveis.</a:t>
-            </a:r>
-          </a:p>
-          <a:p>
+              <a:t>Programável com </a:t>
+            </a:r>
             <a:r>
               <a:rPr lang="pt-BR" b="1" dirty="0"/>
-              <a:t>Dynamic </a:t>
-            </a:r>
-            <a:r>
-              <a:rPr lang="pt-BR" b="1" dirty="0" err="1"/>
-              <a:t>DAGs</a:t>
-            </a:r>
-            <a:r>
-              <a:rPr lang="pt-BR" b="1" dirty="0"/>
-              <a:t>:</a:t>
-            </a:r>
-            <a:endParaRPr lang="pt-BR" dirty="0"/>
-          </a:p>
-          <a:p>
-            <a:pPr lvl="1">
-              <a:buFont typeface="Arial" panose="020B0604020202020204" pitchFamily="34" charset="0"/>
-              <a:buChar char="•"/>
-            </a:pPr>
-            <a:r>
-              <a:rPr lang="pt-BR" dirty="0"/>
-              <a:t>Gerado programaticamente com lógica Python.</a:t>
-            </a:r>
-          </a:p>
-          <a:p>
-            <a:pPr lvl="1">
-              <a:buFont typeface="Arial" panose="020B0604020202020204" pitchFamily="34" charset="0"/>
-              <a:buChar char="•"/>
-            </a:pPr>
-            <a:r>
-              <a:rPr lang="pt-BR" dirty="0"/>
-              <a:t>Permite lidar com workflows complexos ou escaláveis.</a:t>
-            </a:r>
-          </a:p>
-          <a:p>
-            <a:r>
-              <a:rPr lang="pt-BR" b="1" dirty="0" err="1"/>
-              <a:t>Parameterized</a:t>
-            </a:r>
-            <a:r>
-              <a:rPr lang="pt-BR" b="1" dirty="0"/>
-              <a:t> </a:t>
-            </a:r>
-            <a:r>
-              <a:rPr lang="pt-BR" b="1" dirty="0" err="1"/>
-              <a:t>DAGs</a:t>
-            </a:r>
-            <a:r>
-              <a:rPr lang="pt-BR" b="1" dirty="0"/>
-              <a:t>:</a:t>
-            </a:r>
-            <a:endParaRPr lang="pt-BR" dirty="0"/>
-          </a:p>
-          <a:p>
-            <a:pPr lvl="1">
-              <a:buFont typeface="Arial" panose="020B0604020202020204" pitchFamily="34" charset="0"/>
-              <a:buChar char="•"/>
-            </a:pPr>
-            <a:r>
-              <a:rPr lang="pt-BR" dirty="0"/>
-              <a:t>Permitem parametrização para reutilização em diferentes cenários.</a:t>
-            </a:r>
-          </a:p>
-          <a:p>
-            <a:pPr lvl="1">
-              <a:buFont typeface="Arial" panose="020B0604020202020204" pitchFamily="34" charset="0"/>
-              <a:buChar char="•"/>
-            </a:pPr>
-            <a:r>
-              <a:rPr lang="pt-BR" dirty="0"/>
-              <a:t>Exemplo: Variáveis como </a:t>
-            </a:r>
-            <a:r>
-              <a:rPr lang="pt-BR" dirty="0" err="1"/>
-              <a:t>start_date</a:t>
-            </a:r>
-            <a:r>
-              <a:rPr lang="pt-BR" dirty="0"/>
-              <a:t>, </a:t>
-            </a:r>
-            <a:r>
-              <a:rPr lang="pt-BR" dirty="0" err="1"/>
-              <a:t>interval</a:t>
-            </a:r>
-            <a:r>
-              <a:rPr lang="pt-BR" dirty="0"/>
-              <a:t>.</a:t>
+              <a:t>Python</a:t>
+            </a:r>
+            <a:r>
+              <a:rPr lang="pt-BR" dirty="0"/>
+              <a:t>, o que oferece flexibilidade.</a:t>
             </a:r>
           </a:p>
           <a:p>
@@ -4655,7 +4815,7 @@
     </p:spTree>
     <p:extLst>
       <p:ext uri="{BB962C8B-B14F-4D97-AF65-F5344CB8AC3E}">
-        <p14:creationId xmlns:p14="http://schemas.microsoft.com/office/powerpoint/2010/main" val="2354217522"/>
+        <p14:creationId xmlns:p14="http://schemas.microsoft.com/office/powerpoint/2010/main" val="4137648593"/>
       </p:ext>
     </p:extLst>
   </p:cSld>
@@ -4687,7 +4847,7 @@
           <p:cNvPr id="2" name="Título 1">
             <a:extLst>
               <a:ext uri="{FF2B5EF4-FFF2-40B4-BE49-F238E27FC236}">
-                <a16:creationId xmlns:a16="http://schemas.microsoft.com/office/drawing/2014/main" id="{315E4CCF-8BB9-F2E8-B3D9-468732FF9595}"/>
+                <a16:creationId xmlns:a16="http://schemas.microsoft.com/office/drawing/2014/main" id="{DBF2AA32-1EC3-2000-DCF6-4E133115DEDA}"/>
               </a:ext>
             </a:extLst>
           </p:cNvPr>
@@ -4705,8 +4865,13 @@
           <a:p>
             <a:r>
               <a:rPr lang="pt-BR" dirty="0"/>
-              <a:t>Operadores</a:t>
-            </a:r>
+              <a:t>Tipos de </a:t>
+            </a:r>
+            <a:r>
+              <a:rPr lang="pt-BR" dirty="0" err="1"/>
+              <a:t>DAGs</a:t>
+            </a:r>
+            <a:endParaRPr lang="pt-BR" dirty="0"/>
           </a:p>
         </p:txBody>
       </p:sp>
@@ -4715,7 +4880,7 @@
           <p:cNvPr id="3" name="Espaço Reservado para Conteúdo 2">
             <a:extLst>
               <a:ext uri="{FF2B5EF4-FFF2-40B4-BE49-F238E27FC236}">
-                <a16:creationId xmlns:a16="http://schemas.microsoft.com/office/drawing/2014/main" id="{07304C2B-75DE-2578-66DB-F901BC6CBE3C}"/>
+                <a16:creationId xmlns:a16="http://schemas.microsoft.com/office/drawing/2014/main" id="{B1A9F742-56E1-E7B1-A72D-BD56EA927C1B}"/>
               </a:ext>
             </a:extLst>
           </p:cNvPr>
@@ -4732,49 +4897,22 @@
           <a:lstStyle/>
           <a:p>
             <a:r>
+              <a:rPr lang="pt-BR" b="1" dirty="0" err="1"/>
+              <a:t>Static</a:t>
+            </a:r>
+            <a:r>
               <a:rPr lang="pt-BR" b="1" dirty="0"/>
-              <a:t>Definição:</a:t>
-            </a:r>
-            <a:endParaRPr lang="pt-BR" dirty="0"/>
-          </a:p>
-          <a:p>
-            <a:pPr lvl="1">
-              <a:buFont typeface="Arial" panose="020B0604020202020204" pitchFamily="34" charset="0"/>
-              <a:buChar char="•"/>
-            </a:pPr>
-            <a:r>
-              <a:rPr lang="pt-BR" dirty="0" err="1"/>
-              <a:t>Operators</a:t>
-            </a:r>
-            <a:r>
-              <a:rPr lang="pt-BR" dirty="0"/>
-              <a:t> são blocos de construção para as tarefas.</a:t>
-            </a:r>
-          </a:p>
-          <a:p>
-            <a:r>
-              <a:rPr lang="pt-BR" b="1" dirty="0"/>
-              <a:t>Principais tipos:</a:t>
-            </a:r>
-            <a:endParaRPr lang="pt-BR" dirty="0"/>
-          </a:p>
-          <a:p>
-            <a:pPr lvl="1">
-              <a:buFont typeface="Arial" panose="020B0604020202020204" pitchFamily="34" charset="0"/>
-              <a:buChar char="•"/>
-            </a:pPr>
+              <a:t> </a:t>
+            </a:r>
             <a:r>
               <a:rPr lang="pt-BR" b="1" dirty="0" err="1"/>
-              <a:t>PythonOperator</a:t>
+              <a:t>DAGs</a:t>
             </a:r>
             <a:r>
               <a:rPr lang="pt-BR" b="1" dirty="0"/>
               <a:t>:</a:t>
             </a:r>
-            <a:r>
-              <a:rPr lang="pt-BR" dirty="0"/>
-              <a:t> Executa funções Python.</a:t>
-            </a:r>
+            <a:endParaRPr lang="pt-BR" dirty="0"/>
           </a:p>
           <a:p>
             <a:pPr lvl="1">
@@ -4782,25 +4920,34 @@
               <a:buChar char="•"/>
             </a:pPr>
             <a:r>
+              <a:rPr lang="pt-BR" dirty="0"/>
+              <a:t>Estrutura predefinida e imutável após a criação.</a:t>
+            </a:r>
+          </a:p>
+          <a:p>
+            <a:pPr lvl="1">
+              <a:buFont typeface="Arial" panose="020B0604020202020204" pitchFamily="34" charset="0"/>
+              <a:buChar char="•"/>
+            </a:pPr>
+            <a:r>
+              <a:rPr lang="pt-BR" dirty="0"/>
+              <a:t>Usado para workflows simples e previsíveis.</a:t>
+            </a:r>
+          </a:p>
+          <a:p>
+            <a:r>
+              <a:rPr lang="pt-BR" b="1" dirty="0"/>
+              <a:t>Dynamic </a:t>
+            </a:r>
+            <a:r>
               <a:rPr lang="pt-BR" b="1" dirty="0" err="1"/>
-              <a:t>BashOperator</a:t>
+              <a:t>DAGs</a:t>
             </a:r>
             <a:r>
               <a:rPr lang="pt-BR" b="1" dirty="0"/>
               <a:t>:</a:t>
             </a:r>
-            <a:r>
-              <a:rPr lang="pt-BR" dirty="0"/>
-              <a:t> Executa comandos </a:t>
-            </a:r>
-            <a:r>
-              <a:rPr lang="pt-BR" dirty="0" err="1"/>
-              <a:t>Bash</a:t>
-            </a:r>
-            <a:r>
-              <a:rPr lang="pt-BR" dirty="0"/>
-              <a:t>/Shell.</a:t>
-            </a:r>
+            <a:endParaRPr lang="pt-BR" dirty="0"/>
           </a:p>
           <a:p>
             <a:pPr lvl="1">
@@ -4808,17 +4955,38 @@
               <a:buChar char="•"/>
             </a:pPr>
             <a:r>
+              <a:rPr lang="pt-BR" dirty="0"/>
+              <a:t>Gerado programaticamente com lógica Python.</a:t>
+            </a:r>
+          </a:p>
+          <a:p>
+            <a:pPr lvl="1">
+              <a:buFont typeface="Arial" panose="020B0604020202020204" pitchFamily="34" charset="0"/>
+              <a:buChar char="•"/>
+            </a:pPr>
+            <a:r>
+              <a:rPr lang="pt-BR" dirty="0"/>
+              <a:t>Permite lidar com workflows complexos ou escaláveis.</a:t>
+            </a:r>
+          </a:p>
+          <a:p>
+            <a:r>
               <a:rPr lang="pt-BR" b="1" dirty="0" err="1"/>
-              <a:t>PostgresOperator</a:t>
+              <a:t>Parameterized</a:t>
+            </a:r>
+            <a:r>
+              <a:rPr lang="pt-BR" b="1" dirty="0"/>
+              <a:t> </a:t>
+            </a:r>
+            <a:r>
+              <a:rPr lang="pt-BR" b="1" dirty="0" err="1"/>
+              <a:t>DAGs</a:t>
             </a:r>
             <a:r>
               <a:rPr lang="pt-BR" b="1" dirty="0"/>
               <a:t>:</a:t>
             </a:r>
-            <a:r>
-              <a:rPr lang="pt-BR" dirty="0"/>
-              <a:t> Executa SQL em bases PostgreSQL.</a:t>
-            </a:r>
+            <a:endParaRPr lang="pt-BR" dirty="0"/>
           </a:p>
           <a:p>
             <a:pPr lvl="1">
@@ -4826,16 +4994,8 @@
               <a:buChar char="•"/>
             </a:pPr>
             <a:r>
-              <a:rPr lang="pt-BR" b="1" dirty="0" err="1"/>
-              <a:t>EmailOperator</a:t>
-            </a:r>
-            <a:r>
-              <a:rPr lang="pt-BR" b="1" dirty="0"/>
-              <a:t>:</a:t>
-            </a:r>
-            <a:r>
-              <a:rPr lang="pt-BR" dirty="0"/>
-              <a:t> Envia e-mails.</a:t>
+              <a:rPr lang="pt-BR" dirty="0"/>
+              <a:t>Permitem parametrização para reutilização em diferentes cenários.</a:t>
             </a:r>
           </a:p>
           <a:p>
@@ -4844,24 +5004,24 @@
               <a:buChar char="•"/>
             </a:pPr>
             <a:r>
-              <a:rPr lang="pt-BR" b="1" dirty="0" err="1"/>
-              <a:t>DummyOperator</a:t>
-            </a:r>
-            <a:r>
-              <a:rPr lang="pt-BR" b="1" dirty="0"/>
-              <a:t>:</a:t>
-            </a:r>
-            <a:r>
-              <a:rPr lang="pt-BR" dirty="0"/>
-              <a:t> </a:t>
-            </a:r>
-            <a:r>
-              <a:rPr lang="pt-BR" dirty="0" err="1"/>
-              <a:t>Placeholder</a:t>
-            </a:r>
-            <a:r>
-              <a:rPr lang="pt-BR" dirty="0"/>
-              <a:t> ou ponto de junção.</a:t>
+              <a:rPr lang="pt-BR" dirty="0"/>
+              <a:t>Exemplo: Variáveis como </a:t>
+            </a:r>
+            <a:r>
+              <a:rPr lang="pt-BR" dirty="0" err="1"/>
+              <a:t>start_date</a:t>
+            </a:r>
+            <a:r>
+              <a:rPr lang="pt-BR" dirty="0"/>
+              <a:t>, </a:t>
+            </a:r>
+            <a:r>
+              <a:rPr lang="pt-BR" dirty="0" err="1"/>
+              <a:t>interval</a:t>
+            </a:r>
+            <a:r>
+              <a:rPr lang="pt-BR" dirty="0"/>
+              <a:t>.</a:t>
             </a:r>
           </a:p>
           <a:p>
@@ -4872,7 +5032,7 @@
     </p:spTree>
     <p:extLst>
       <p:ext uri="{BB962C8B-B14F-4D97-AF65-F5344CB8AC3E}">
-        <p14:creationId xmlns:p14="http://schemas.microsoft.com/office/powerpoint/2010/main" val="791758524"/>
+        <p14:creationId xmlns:p14="http://schemas.microsoft.com/office/powerpoint/2010/main" val="2354217522"/>
       </p:ext>
     </p:extLst>
   </p:cSld>
@@ -4904,7 +5064,7 @@
           <p:cNvPr id="2" name="Título 1">
             <a:extLst>
               <a:ext uri="{FF2B5EF4-FFF2-40B4-BE49-F238E27FC236}">
-                <a16:creationId xmlns:a16="http://schemas.microsoft.com/office/drawing/2014/main" id="{5D36D7BD-1B66-0038-C738-4CF9E30BB019}"/>
+                <a16:creationId xmlns:a16="http://schemas.microsoft.com/office/drawing/2014/main" id="{315E4CCF-8BB9-F2E8-B3D9-468732FF9595}"/>
               </a:ext>
             </a:extLst>
           </p:cNvPr>
@@ -4922,7 +5082,7 @@
           <a:p>
             <a:r>
               <a:rPr lang="pt-BR" dirty="0"/>
-              <a:t>Sensores</a:t>
+              <a:t>Operadores</a:t>
             </a:r>
           </a:p>
         </p:txBody>
@@ -4932,7 +5092,7 @@
           <p:cNvPr id="3" name="Espaço Reservado para Conteúdo 2">
             <a:extLst>
               <a:ext uri="{FF2B5EF4-FFF2-40B4-BE49-F238E27FC236}">
-                <a16:creationId xmlns:a16="http://schemas.microsoft.com/office/drawing/2014/main" id="{4628BB90-557A-B25B-CEE9-7FDDEC677CC5}"/>
+                <a16:creationId xmlns:a16="http://schemas.microsoft.com/office/drawing/2014/main" id="{07304C2B-75DE-2578-66DB-F901BC6CBE3C}"/>
               </a:ext>
             </a:extLst>
           </p:cNvPr>
@@ -4960,14 +5120,18 @@
               <a:buChar char="•"/>
             </a:pPr>
             <a:r>
-              <a:rPr lang="pt-BR" dirty="0"/>
-              <a:t>Sensores são um tipo especial de operador que aguardam até que uma condição seja atendida.</a:t>
+              <a:rPr lang="pt-BR" dirty="0" err="1"/>
+              <a:t>Operators</a:t>
+            </a:r>
+            <a:r>
+              <a:rPr lang="pt-BR" dirty="0"/>
+              <a:t> são blocos de construção para as tarefas.</a:t>
             </a:r>
           </a:p>
           <a:p>
             <a:r>
               <a:rPr lang="pt-BR" b="1" dirty="0"/>
-              <a:t>Exemplos comuns:</a:t>
+              <a:t>Principais tipos:</a:t>
             </a:r>
             <a:endParaRPr lang="pt-BR" dirty="0"/>
           </a:p>
@@ -4978,7 +5142,7 @@
             </a:pPr>
             <a:r>
               <a:rPr lang="pt-BR" b="1" dirty="0" err="1"/>
-              <a:t>FileSensor</a:t>
+              <a:t>PythonOperator</a:t>
             </a:r>
             <a:r>
               <a:rPr lang="pt-BR" b="1" dirty="0"/>
@@ -4986,7 +5150,7 @@
             </a:r>
             <a:r>
               <a:rPr lang="pt-BR" dirty="0"/>
-              <a:t> Aguarda um arquivo específico.</a:t>
+              <a:t> Executa funções Python.</a:t>
             </a:r>
           </a:p>
           <a:p>
@@ -4995,22 +5159,8 @@
               <a:buChar char="•"/>
             </a:pPr>
             <a:r>
-              <a:rPr lang="pt-BR" b="1" dirty="0"/>
-              <a:t>S3KeySensor:</a:t>
-            </a:r>
-            <a:r>
-              <a:rPr lang="pt-BR" dirty="0"/>
-              <a:t> Aguarda a existência de um objeto no S3.</a:t>
-            </a:r>
-          </a:p>
-          <a:p>
-            <a:pPr lvl="1">
-              <a:buFont typeface="Arial" panose="020B0604020202020204" pitchFamily="34" charset="0"/>
-              <a:buChar char="•"/>
-            </a:pPr>
-            <a:r>
               <a:rPr lang="pt-BR" b="1" dirty="0" err="1"/>
-              <a:t>TimeSensor</a:t>
+              <a:t>BashOperator</a:t>
             </a:r>
             <a:r>
               <a:rPr lang="pt-BR" b="1" dirty="0"/>
@@ -5018,7 +5168,15 @@
             </a:r>
             <a:r>
               <a:rPr lang="pt-BR" dirty="0"/>
-              <a:t> Aguarda até um horário especificado.</a:t>
+              <a:t> Executa comandos </a:t>
+            </a:r>
+            <a:r>
+              <a:rPr lang="pt-BR" dirty="0" err="1"/>
+              <a:t>Bash</a:t>
+            </a:r>
+            <a:r>
+              <a:rPr lang="pt-BR" dirty="0"/>
+              <a:t>/Shell.</a:t>
             </a:r>
           </a:p>
           <a:p>
@@ -5028,7 +5186,7 @@
             </a:pPr>
             <a:r>
               <a:rPr lang="pt-BR" b="1" dirty="0" err="1"/>
-              <a:t>ExternalTaskSensor</a:t>
+              <a:t>PostgresOperator</a:t>
             </a:r>
             <a:r>
               <a:rPr lang="pt-BR" b="1" dirty="0"/>
@@ -5036,7 +5194,51 @@
             </a:r>
             <a:r>
               <a:rPr lang="pt-BR" dirty="0"/>
-              <a:t> Aguarda a execução de outra tarefa/DAG.</a:t>
+              <a:t> Executa SQL em bases PostgreSQL.</a:t>
+            </a:r>
+          </a:p>
+          <a:p>
+            <a:pPr lvl="1">
+              <a:buFont typeface="Arial" panose="020B0604020202020204" pitchFamily="34" charset="0"/>
+              <a:buChar char="•"/>
+            </a:pPr>
+            <a:r>
+              <a:rPr lang="pt-BR" b="1" dirty="0" err="1"/>
+              <a:t>EmailOperator</a:t>
+            </a:r>
+            <a:r>
+              <a:rPr lang="pt-BR" b="1" dirty="0"/>
+              <a:t>:</a:t>
+            </a:r>
+            <a:r>
+              <a:rPr lang="pt-BR" dirty="0"/>
+              <a:t> Envia e-mails.</a:t>
+            </a:r>
+          </a:p>
+          <a:p>
+            <a:pPr lvl="1">
+              <a:buFont typeface="Arial" panose="020B0604020202020204" pitchFamily="34" charset="0"/>
+              <a:buChar char="•"/>
+            </a:pPr>
+            <a:r>
+              <a:rPr lang="pt-BR" b="1" dirty="0" err="1"/>
+              <a:t>DummyOperator</a:t>
+            </a:r>
+            <a:r>
+              <a:rPr lang="pt-BR" b="1" dirty="0"/>
+              <a:t>:</a:t>
+            </a:r>
+            <a:r>
+              <a:rPr lang="pt-BR" dirty="0"/>
+              <a:t> </a:t>
+            </a:r>
+            <a:r>
+              <a:rPr lang="pt-BR" dirty="0" err="1"/>
+              <a:t>Placeholder</a:t>
+            </a:r>
+            <a:r>
+              <a:rPr lang="pt-BR" dirty="0"/>
+              <a:t> ou ponto de junção.</a:t>
             </a:r>
           </a:p>
           <a:p>
@@ -5047,7 +5249,7 @@
     </p:spTree>
     <p:extLst>
       <p:ext uri="{BB962C8B-B14F-4D97-AF65-F5344CB8AC3E}">
-        <p14:creationId xmlns:p14="http://schemas.microsoft.com/office/powerpoint/2010/main" val="1072513986"/>
+        <p14:creationId xmlns:p14="http://schemas.microsoft.com/office/powerpoint/2010/main" val="791758524"/>
       </p:ext>
     </p:extLst>
   </p:cSld>
@@ -5079,7 +5281,7 @@
           <p:cNvPr id="2" name="Título 1">
             <a:extLst>
               <a:ext uri="{FF2B5EF4-FFF2-40B4-BE49-F238E27FC236}">
-                <a16:creationId xmlns:a16="http://schemas.microsoft.com/office/drawing/2014/main" id="{4E44A2C8-3091-D150-18DE-746A92EA600F}"/>
+                <a16:creationId xmlns:a16="http://schemas.microsoft.com/office/drawing/2014/main" id="{5D36D7BD-1B66-0038-C738-4CF9E30BB019}"/>
               </a:ext>
             </a:extLst>
           </p:cNvPr>
@@ -5096,12 +5298,8 @@
           <a:lstStyle/>
           <a:p>
             <a:r>
-              <a:rPr lang="pt-BR" dirty="0" err="1"/>
-              <a:t>External</a:t>
-            </a:r>
-            <a:r>
-              <a:rPr lang="pt-BR" dirty="0"/>
-              <a:t> Task Sensor</a:t>
+              <a:rPr lang="pt-BR" dirty="0"/>
+              <a:t>Sensores</a:t>
             </a:r>
           </a:p>
         </p:txBody>
@@ -5111,7 +5309,7 @@
           <p:cNvPr id="3" name="Espaço Reservado para Conteúdo 2">
             <a:extLst>
               <a:ext uri="{FF2B5EF4-FFF2-40B4-BE49-F238E27FC236}">
-                <a16:creationId xmlns:a16="http://schemas.microsoft.com/office/drawing/2014/main" id="{F9F6C51E-A828-E210-B035-5468B019F44B}"/>
+                <a16:creationId xmlns:a16="http://schemas.microsoft.com/office/drawing/2014/main" id="{4628BB90-557A-B25B-CEE9-7FDDEC677CC5}"/>
               </a:ext>
             </a:extLst>
           </p:cNvPr>
@@ -5124,14 +5322,12 @@
         </p:nvSpPr>
         <p:spPr/>
         <p:txBody>
-          <a:bodyPr>
-            <a:normAutofit/>
-          </a:bodyPr>
+          <a:bodyPr/>
           <a:lstStyle/>
           <a:p>
             <a:r>
               <a:rPr lang="pt-BR" b="1" dirty="0"/>
-              <a:t>O que é?</a:t>
+              <a:t>Definição:</a:t>
             </a:r>
             <a:endParaRPr lang="pt-BR" dirty="0"/>
           </a:p>
@@ -5142,16 +5338,15 @@
             </a:pPr>
             <a:r>
               <a:rPr lang="pt-BR" dirty="0"/>
-              <a:t>Sensor utilizado para sincronizar </a:t>
-            </a:r>
-            <a:r>
-              <a:rPr lang="pt-BR" dirty="0" err="1"/>
-              <a:t>DAGs</a:t>
-            </a:r>
-            <a:r>
-              <a:rPr lang="pt-BR" dirty="0"/>
-              <a:t> diferentes.</a:t>
-            </a:r>
+              <a:t>Sensores são um tipo especial de operador que aguardam até que uma condição seja atendida.</a:t>
+            </a:r>
+          </a:p>
+          <a:p>
+            <a:r>
+              <a:rPr lang="pt-BR" b="1" dirty="0"/>
+              <a:t>Exemplos comuns:</a:t>
+            </a:r>
+            <a:endParaRPr lang="pt-BR" dirty="0"/>
           </a:p>
           <a:p>
             <a:pPr lvl="1">
@@ -5159,232 +5354,77 @@
               <a:buChar char="•"/>
             </a:pPr>
             <a:r>
-              <a:rPr lang="pt-BR" dirty="0"/>
-              <a:t>A tarefa espera até que outra tarefa, em outro DAG, seja concluída.</a:t>
-            </a:r>
-          </a:p>
-          <a:p>
+              <a:rPr lang="pt-BR" b="1" dirty="0" err="1"/>
+              <a:t>FileSensor</a:t>
+            </a:r>
             <a:r>
               <a:rPr lang="pt-BR" b="1" dirty="0"/>
-              <a:t>Parâmetros importantes:</a:t>
-            </a:r>
+              <a:t>:</a:t>
+            </a:r>
+            <a:r>
+              <a:rPr lang="pt-BR" dirty="0"/>
+              <a:t> Aguarda um arquivo específico.</a:t>
+            </a:r>
+          </a:p>
+          <a:p>
+            <a:pPr lvl="1">
+              <a:buFont typeface="Arial" panose="020B0604020202020204" pitchFamily="34" charset="0"/>
+              <a:buChar char="•"/>
+            </a:pPr>
+            <a:r>
+              <a:rPr lang="pt-BR" b="1" dirty="0"/>
+              <a:t>S3KeySensor:</a:t>
+            </a:r>
+            <a:r>
+              <a:rPr lang="pt-BR" dirty="0"/>
+              <a:t> Aguarda a existência de um objeto no S3.</a:t>
+            </a:r>
+          </a:p>
+          <a:p>
+            <a:pPr lvl="1">
+              <a:buFont typeface="Arial" panose="020B0604020202020204" pitchFamily="34" charset="0"/>
+              <a:buChar char="•"/>
+            </a:pPr>
+            <a:r>
+              <a:rPr lang="pt-BR" b="1" dirty="0" err="1"/>
+              <a:t>TimeSensor</a:t>
+            </a:r>
+            <a:r>
+              <a:rPr lang="pt-BR" b="1" dirty="0"/>
+              <a:t>:</a:t>
+            </a:r>
+            <a:r>
+              <a:rPr lang="pt-BR" dirty="0"/>
+              <a:t> Aguarda até um horário especificado.</a:t>
+            </a:r>
+          </a:p>
+          <a:p>
+            <a:pPr lvl="1">
+              <a:buFont typeface="Arial" panose="020B0604020202020204" pitchFamily="34" charset="0"/>
+              <a:buChar char="•"/>
+            </a:pPr>
+            <a:r>
+              <a:rPr lang="pt-BR" b="1" dirty="0" err="1"/>
+              <a:t>ExternalTaskSensor</a:t>
+            </a:r>
+            <a:r>
+              <a:rPr lang="pt-BR" b="1" dirty="0"/>
+              <a:t>:</a:t>
+            </a:r>
+            <a:r>
+              <a:rPr lang="pt-BR" dirty="0"/>
+              <a:t> Aguarda a execução de outra tarefa/DAG.</a:t>
+            </a:r>
+          </a:p>
+          <a:p>
             <a:endParaRPr lang="pt-BR" dirty="0"/>
-          </a:p>
-          <a:p>
-            <a:pPr lvl="1">
-              <a:buFont typeface="Arial" panose="020B0604020202020204" pitchFamily="34" charset="0"/>
-              <a:buChar char="•"/>
-            </a:pPr>
-            <a:r>
-              <a:rPr lang="pt-BR" dirty="0" err="1"/>
-              <a:t>external_dag_id</a:t>
-            </a:r>
-            <a:r>
-              <a:rPr lang="pt-BR" dirty="0"/>
-              <a:t>: DAG externa que será monitorada.</a:t>
-            </a:r>
-          </a:p>
-          <a:p>
-            <a:pPr lvl="1">
-              <a:buFont typeface="Arial" panose="020B0604020202020204" pitchFamily="34" charset="0"/>
-              <a:buChar char="•"/>
-            </a:pPr>
-            <a:r>
-              <a:rPr lang="pt-BR" dirty="0" err="1"/>
-              <a:t>external_task_id</a:t>
-            </a:r>
-            <a:r>
-              <a:rPr lang="pt-BR" dirty="0"/>
-              <a:t>: Tarefa específica da DAG externa.</a:t>
-            </a:r>
-          </a:p>
-          <a:p>
-            <a:pPr lvl="1">
-              <a:buFont typeface="Arial" panose="020B0604020202020204" pitchFamily="34" charset="0"/>
-              <a:buChar char="•"/>
-            </a:pPr>
-            <a:r>
-              <a:rPr lang="pt-BR" dirty="0" err="1"/>
-              <a:t>execution_date</a:t>
-            </a:r>
-            <a:r>
-              <a:rPr lang="pt-BR" dirty="0"/>
-              <a:t>: Data de execução sincronizada.</a:t>
-            </a:r>
-          </a:p>
-          <a:p>
-            <a:endParaRPr lang="pt-BR" dirty="0"/>
-          </a:p>
-          <a:p>
-            <a:pPr marL="502920" lvl="1" indent="0">
-              <a:buNone/>
-            </a:pPr>
-            <a:r>
-              <a:rPr lang="pt-BR" sz="1300" dirty="0" err="1"/>
-              <a:t>ExternalTaskSensor</a:t>
-            </a:r>
-            <a:r>
-              <a:rPr lang="pt-BR" sz="1300" dirty="0"/>
-              <a:t>( </a:t>
-            </a:r>
-          </a:p>
-          <a:p>
-            <a:pPr marL="502920" lvl="1" indent="0">
-              <a:buNone/>
-            </a:pPr>
-            <a:r>
-              <a:rPr lang="pt-BR" sz="1300" dirty="0"/>
-              <a:t>	</a:t>
-            </a:r>
-            <a:r>
-              <a:rPr lang="pt-BR" sz="1300" dirty="0" err="1"/>
-              <a:t>task_id</a:t>
-            </a:r>
-            <a:r>
-              <a:rPr lang="pt-BR" sz="1300" dirty="0"/>
-              <a:t>='</a:t>
-            </a:r>
-            <a:r>
-              <a:rPr lang="pt-BR" sz="1300" dirty="0" err="1"/>
-              <a:t>espera_tarefa_externa</a:t>
-            </a:r>
-            <a:r>
-              <a:rPr lang="pt-BR" sz="1300" dirty="0"/>
-              <a:t>’, 	</a:t>
-            </a:r>
-          </a:p>
-          <a:p>
-            <a:pPr marL="502920" lvl="1" indent="0">
-              <a:buNone/>
-            </a:pPr>
-            <a:r>
-              <a:rPr lang="pt-BR" sz="1300" dirty="0"/>
-              <a:t>	</a:t>
-            </a:r>
-            <a:r>
-              <a:rPr lang="pt-BR" sz="1300" dirty="0" err="1"/>
-              <a:t>external_dag_id</a:t>
-            </a:r>
-            <a:r>
-              <a:rPr lang="pt-BR" sz="1300" dirty="0"/>
-              <a:t>='</a:t>
-            </a:r>
-            <a:r>
-              <a:rPr lang="pt-BR" sz="1300" dirty="0" err="1"/>
-              <a:t>meu_dag_externo</a:t>
-            </a:r>
-            <a:r>
-              <a:rPr lang="pt-BR" sz="1300" dirty="0"/>
-              <a:t>’, 	</a:t>
-            </a:r>
-          </a:p>
-          <a:p>
-            <a:pPr marL="502920" lvl="1" indent="0">
-              <a:buNone/>
-            </a:pPr>
-            <a:r>
-              <a:rPr lang="pt-BR" sz="1300" dirty="0"/>
-              <a:t>	</a:t>
-            </a:r>
-            <a:r>
-              <a:rPr lang="pt-BR" sz="1300" dirty="0" err="1"/>
-              <a:t>external_task_id</a:t>
-            </a:r>
-            <a:r>
-              <a:rPr lang="pt-BR" sz="1300" dirty="0"/>
-              <a:t>='</a:t>
-            </a:r>
-            <a:r>
-              <a:rPr lang="pt-BR" sz="1300" dirty="0" err="1"/>
-              <a:t>tarefa_externa</a:t>
-            </a:r>
-            <a:r>
-              <a:rPr lang="pt-BR" sz="1300" dirty="0"/>
-              <a:t>’, 	</a:t>
-            </a:r>
-          </a:p>
-          <a:p>
-            <a:pPr marL="502920" lvl="1" indent="0">
-              <a:buNone/>
-            </a:pPr>
-            <a:r>
-              <a:rPr lang="pt-BR" sz="1300" dirty="0"/>
-              <a:t>	</a:t>
-            </a:r>
-            <a:r>
-              <a:rPr lang="pt-BR" sz="1300" dirty="0" err="1"/>
-              <a:t>execution_date_fn</a:t>
-            </a:r>
-            <a:r>
-              <a:rPr lang="pt-BR" sz="1300" dirty="0"/>
-              <a:t>=lambda </a:t>
-            </a:r>
-            <a:r>
-              <a:rPr lang="pt-BR" sz="1300" dirty="0" err="1"/>
-              <a:t>dt</a:t>
-            </a:r>
-            <a:r>
-              <a:rPr lang="pt-BR" sz="1300" dirty="0"/>
-              <a:t>: </a:t>
-            </a:r>
-            <a:r>
-              <a:rPr lang="pt-BR" sz="1300" dirty="0" err="1"/>
-              <a:t>dt</a:t>
-            </a:r>
-            <a:r>
-              <a:rPr lang="pt-BR" sz="1300" dirty="0"/>
-              <a:t>, </a:t>
-            </a:r>
-          </a:p>
-          <a:p>
-            <a:pPr marL="502920" lvl="1" indent="0">
-              <a:buNone/>
-            </a:pPr>
-            <a:r>
-              <a:rPr lang="pt-BR" sz="1300" dirty="0"/>
-              <a:t>	timeout=300, </a:t>
-            </a:r>
-          </a:p>
-          <a:p>
-            <a:pPr marL="502920" lvl="1" indent="0">
-              <a:buNone/>
-            </a:pPr>
-            <a:r>
-              <a:rPr lang="pt-BR" sz="1300" dirty="0"/>
-              <a:t>	</a:t>
-            </a:r>
-            <a:r>
-              <a:rPr lang="pt-BR" sz="1300" dirty="0" err="1"/>
-              <a:t>mode</a:t>
-            </a:r>
-            <a:r>
-              <a:rPr lang="pt-BR" sz="1300" dirty="0"/>
-              <a:t>='</a:t>
-            </a:r>
-            <a:r>
-              <a:rPr lang="pt-BR" sz="1300" dirty="0" err="1"/>
-              <a:t>poke</a:t>
-            </a:r>
-            <a:r>
-              <a:rPr lang="pt-BR" sz="1300" dirty="0"/>
-              <a:t>’ </a:t>
-            </a:r>
-          </a:p>
-          <a:p>
-            <a:pPr marL="502920" lvl="1" indent="0">
-              <a:buNone/>
-            </a:pPr>
-            <a:r>
-              <a:rPr lang="pt-BR" sz="1300" dirty="0"/>
-              <a:t>)</a:t>
-            </a:r>
           </a:p>
         </p:txBody>
       </p:sp>
     </p:spTree>
     <p:extLst>
       <p:ext uri="{BB962C8B-B14F-4D97-AF65-F5344CB8AC3E}">
-        <p14:creationId xmlns:p14="http://schemas.microsoft.com/office/powerpoint/2010/main" val="2080088638"/>
+        <p14:creationId xmlns:p14="http://schemas.microsoft.com/office/powerpoint/2010/main" val="1072513986"/>
       </p:ext>
     </p:extLst>
   </p:cSld>
@@ -5416,7 +5456,7 @@
           <p:cNvPr id="2" name="Título 1">
             <a:extLst>
               <a:ext uri="{FF2B5EF4-FFF2-40B4-BE49-F238E27FC236}">
-                <a16:creationId xmlns:a16="http://schemas.microsoft.com/office/drawing/2014/main" id="{73FD18EC-1FA6-F7FD-7652-0452FA826900}"/>
+                <a16:creationId xmlns:a16="http://schemas.microsoft.com/office/drawing/2014/main" id="{4E44A2C8-3091-D150-18DE-746A92EA600F}"/>
               </a:ext>
             </a:extLst>
           </p:cNvPr>
@@ -5434,9 +5474,12 @@
           <a:p>
             <a:r>
               <a:rPr lang="pt-BR" dirty="0" err="1"/>
-              <a:t>SubDags</a:t>
-            </a:r>
-            <a:endParaRPr lang="pt-BR" dirty="0"/>
+              <a:t>External</a:t>
+            </a:r>
+            <a:r>
+              <a:rPr lang="pt-BR" dirty="0"/>
+              <a:t> Task Sensor</a:t>
+            </a:r>
           </a:p>
         </p:txBody>
       </p:sp>
@@ -5445,7 +5488,7 @@
           <p:cNvPr id="3" name="Espaço Reservado para Conteúdo 2">
             <a:extLst>
               <a:ext uri="{FF2B5EF4-FFF2-40B4-BE49-F238E27FC236}">
-                <a16:creationId xmlns:a16="http://schemas.microsoft.com/office/drawing/2014/main" id="{AE38D4EE-E102-DDEF-50D2-F48BC9045266}"/>
+                <a16:creationId xmlns:a16="http://schemas.microsoft.com/office/drawing/2014/main" id="{F9F6C51E-A828-E210-B035-5468B019F44B}"/>
               </a:ext>
             </a:extLst>
           </p:cNvPr>
@@ -5459,13 +5502,13 @@
         <p:spPr/>
         <p:txBody>
           <a:bodyPr>
-            <a:normAutofit fontScale="85000" lnSpcReduction="20000"/>
+            <a:normAutofit/>
           </a:bodyPr>
           <a:lstStyle/>
           <a:p>
             <a:r>
               <a:rPr lang="pt-BR" b="1" dirty="0"/>
-              <a:t>Definição:</a:t>
+              <a:t>O que é?</a:t>
             </a:r>
             <a:endParaRPr lang="pt-BR" dirty="0"/>
           </a:p>
@@ -5475,26 +5518,32 @@
               <a:buChar char="•"/>
             </a:pPr>
             <a:r>
+              <a:rPr lang="pt-BR" dirty="0"/>
+              <a:t>Sensor utilizado para sincronizar </a:t>
+            </a:r>
+            <a:r>
               <a:rPr lang="pt-BR" dirty="0" err="1"/>
               <a:t>DAGs</a:t>
             </a:r>
             <a:r>
               <a:rPr lang="pt-BR" dirty="0"/>
-              <a:t> aninhados dentro de outros </a:t>
-            </a:r>
-            <a:r>
-              <a:rPr lang="pt-BR" dirty="0" err="1"/>
-              <a:t>DAGs</a:t>
-            </a:r>
-            <a:r>
-              <a:rPr lang="pt-BR" dirty="0"/>
-              <a:t>.</a:t>
+              <a:t> diferentes.</a:t>
+            </a:r>
+          </a:p>
+          <a:p>
+            <a:pPr lvl="1">
+              <a:buFont typeface="Arial" panose="020B0604020202020204" pitchFamily="34" charset="0"/>
+              <a:buChar char="•"/>
+            </a:pPr>
+            <a:r>
+              <a:rPr lang="pt-BR" dirty="0"/>
+              <a:t>A tarefa espera até que outra tarefa, em outro DAG, seja concluída.</a:t>
             </a:r>
           </a:p>
           <a:p>
             <a:r>
               <a:rPr lang="pt-BR" b="1" dirty="0"/>
-              <a:t>Características:</a:t>
+              <a:t>Parâmetros importantes:</a:t>
             </a:r>
             <a:endParaRPr lang="pt-BR" dirty="0"/>
           </a:p>
@@ -5504,8 +5553,12 @@
               <a:buChar char="•"/>
             </a:pPr>
             <a:r>
-              <a:rPr lang="pt-BR" dirty="0"/>
-              <a:t>Facilitam a organização de workflows complexos.</a:t>
+              <a:rPr lang="pt-BR" dirty="0" err="1"/>
+              <a:t>external_dag_id</a:t>
+            </a:r>
+            <a:r>
+              <a:rPr lang="pt-BR" dirty="0"/>
+              <a:t>: DAG externa que será monitorada.</a:t>
             </a:r>
           </a:p>
           <a:p>
@@ -5514,24 +5567,13 @@
               <a:buChar char="•"/>
             </a:pPr>
             <a:r>
-              <a:rPr lang="pt-BR" dirty="0"/>
-              <a:t>Cada </a:t>
-            </a:r>
-            <a:r>
-              <a:rPr lang="pt-BR" dirty="0" err="1"/>
-              <a:t>SubDAG</a:t>
-            </a:r>
-            <a:r>
-              <a:rPr lang="pt-BR" dirty="0"/>
-              <a:t> funciona como um DAG completo.</a:t>
-            </a:r>
-          </a:p>
-          <a:p>
-            <a:r>
-              <a:rPr lang="pt-BR" b="1" dirty="0"/>
-              <a:t>Limitações:</a:t>
-            </a:r>
-            <a:endParaRPr lang="pt-BR" dirty="0"/>
+              <a:rPr lang="pt-BR" dirty="0" err="1"/>
+              <a:t>external_task_id</a:t>
+            </a:r>
+            <a:r>
+              <a:rPr lang="pt-BR" dirty="0"/>
+              <a:t>: Tarefa específica da DAG externa.</a:t>
+            </a:r>
           </a:p>
           <a:p>
             <a:pPr lvl="1">
@@ -5539,46 +5581,15 @@
               <a:buChar char="•"/>
             </a:pPr>
             <a:r>
-              <a:rPr lang="pt-BR" dirty="0"/>
-              <a:t>Não recomendado em </a:t>
-            </a:r>
-            <a:r>
-              <a:rPr lang="pt-BR" dirty="0" err="1"/>
-              <a:t>DAGs</a:t>
-            </a:r>
-            <a:r>
-              <a:rPr lang="pt-BR" dirty="0"/>
-              <a:t> escaláveis.</a:t>
-            </a:r>
-          </a:p>
-          <a:p>
-            <a:pPr lvl="1">
-              <a:buFont typeface="Arial" panose="020B0604020202020204" pitchFamily="34" charset="0"/>
-              <a:buChar char="•"/>
-            </a:pPr>
-            <a:r>
-              <a:rPr lang="pt-BR" dirty="0"/>
-              <a:t>Melhor usar </a:t>
-            </a:r>
-            <a:r>
-              <a:rPr lang="pt-BR" b="1" dirty="0" err="1"/>
-              <a:t>TaskGroups</a:t>
-            </a:r>
-            <a:r>
-              <a:rPr lang="pt-BR" dirty="0"/>
-              <a:t> (substituto mais moderno).</a:t>
-            </a:r>
-          </a:p>
-          <a:p>
-            <a:r>
-              <a:rPr lang="pt-BR" b="1" dirty="0"/>
-              <a:t>Exemplo de criação:</a:t>
-            </a:r>
-          </a:p>
-          <a:p>
-            <a:pPr marL="0" indent="0">
-              <a:buNone/>
-            </a:pPr>
+              <a:rPr lang="pt-BR" dirty="0" err="1"/>
+              <a:t>execution_date</a:t>
+            </a:r>
+            <a:r>
+              <a:rPr lang="pt-BR" dirty="0"/>
+              <a:t>: Data de execução sincronizada.</a:t>
+            </a:r>
+          </a:p>
+          <a:p>
             <a:endParaRPr lang="pt-BR" dirty="0"/>
           </a:p>
           <a:p>
@@ -5586,16 +5597,12 @@
               <a:buNone/>
             </a:pPr>
             <a:r>
-              <a:rPr lang="pt-BR" sz="1600" dirty="0"/>
-              <a:t>@</a:t>
-            </a:r>
-            <a:r>
-              <a:rPr lang="pt-BR" sz="1600" dirty="0" err="1"/>
-              <a:t>subdag</a:t>
-            </a:r>
-            <a:r>
-              <a:rPr lang="pt-BR" sz="1600" dirty="0"/>
-              <a:t> </a:t>
+              <a:rPr lang="pt-BR" sz="1300" dirty="0" err="1"/>
+              <a:t>ExternalTaskSensor</a:t>
+            </a:r>
+            <a:r>
+              <a:rPr lang="pt-BR" sz="1300" dirty="0"/>
+              <a:t>( </a:t>
             </a:r>
           </a:p>
           <a:p>
@@ -5603,44 +5610,24 @@
               <a:buNone/>
             </a:pPr>
             <a:r>
-              <a:rPr lang="pt-BR" sz="1600" dirty="0" err="1"/>
-              <a:t>def</a:t>
-            </a:r>
-            <a:r>
-              <a:rPr lang="pt-BR" sz="1600" dirty="0"/>
-              <a:t> </a:t>
-            </a:r>
-            <a:r>
-              <a:rPr lang="pt-BR" sz="1600" dirty="0" err="1"/>
-              <a:t>criar_subdag</a:t>
-            </a:r>
-            <a:r>
-              <a:rPr lang="pt-BR" sz="1600" dirty="0"/>
-              <a:t>(</a:t>
-            </a:r>
-            <a:r>
-              <a:rPr lang="pt-BR" sz="1600" dirty="0" err="1"/>
-              <a:t>parent_dag_name</a:t>
-            </a:r>
-            <a:r>
-              <a:rPr lang="pt-BR" sz="1600" dirty="0"/>
-              <a:t>, </a:t>
-            </a:r>
-            <a:r>
-              <a:rPr lang="pt-BR" sz="1600" dirty="0" err="1"/>
-              <a:t>child_dag_name</a:t>
-            </a:r>
-            <a:r>
-              <a:rPr lang="pt-BR" sz="1600" dirty="0"/>
-              <a:t>, </a:t>
-            </a:r>
-            <a:r>
-              <a:rPr lang="pt-BR" sz="1600" dirty="0" err="1"/>
-              <a:t>args</a:t>
-            </a:r>
-            <a:r>
-              <a:rPr lang="pt-BR" sz="1600" dirty="0"/>
-              <a:t>): </a:t>
+              <a:rPr lang="pt-BR" sz="1300" dirty="0"/>
+              <a:t>	</a:t>
+            </a:r>
+            <a:r>
+              <a:rPr lang="pt-BR" sz="1300" dirty="0" err="1"/>
+              <a:t>task_id</a:t>
+            </a:r>
+            <a:r>
+              <a:rPr lang="pt-BR" sz="1300" dirty="0"/>
+              <a:t>='</a:t>
+            </a:r>
+            <a:r>
+              <a:rPr lang="pt-BR" sz="1300" dirty="0" err="1"/>
+              <a:t>espera_tarefa_externa</a:t>
+            </a:r>
+            <a:r>
+              <a:rPr lang="pt-BR" sz="1300" dirty="0"/>
+              <a:t>’, 	</a:t>
             </a:r>
           </a:p>
           <a:p>
@@ -5648,16 +5635,24 @@
               <a:buNone/>
             </a:pPr>
             <a:r>
-              <a:rPr lang="pt-BR" sz="1600" dirty="0"/>
+              <a:rPr lang="pt-BR" sz="1300" dirty="0"/>
               <a:t>	</a:t>
             </a:r>
             <a:r>
-              <a:rPr lang="pt-BR" sz="1600" dirty="0" err="1"/>
-              <a:t>dag</a:t>
-            </a:r>
-            <a:r>
-              <a:rPr lang="pt-BR" sz="1600" dirty="0"/>
-              <a:t> = DAG( </a:t>
+              <a:rPr lang="pt-BR" sz="1300" dirty="0" err="1"/>
+              <a:t>external_dag_id</a:t>
+            </a:r>
+            <a:r>
+              <a:rPr lang="pt-BR" sz="1300" dirty="0"/>
+              <a:t>='</a:t>
+            </a:r>
+            <a:r>
+              <a:rPr lang="pt-BR" sz="1300" dirty="0" err="1"/>
+              <a:t>meu_dag_externo</a:t>
+            </a:r>
+            <a:r>
+              <a:rPr lang="pt-BR" sz="1300" dirty="0"/>
+              <a:t>’, 	</a:t>
             </a:r>
           </a:p>
           <a:p>
@@ -5665,56 +5660,24 @@
               <a:buNone/>
             </a:pPr>
             <a:r>
-              <a:rPr lang="pt-BR" sz="1600" dirty="0"/>
-              <a:t>		</a:t>
-            </a:r>
-            <a:r>
-              <a:rPr lang="pt-BR" sz="1600" dirty="0" err="1"/>
-              <a:t>dag_id</a:t>
-            </a:r>
-            <a:r>
-              <a:rPr lang="pt-BR" sz="1600" dirty="0"/>
-              <a:t>=</a:t>
-            </a:r>
-            <a:r>
-              <a:rPr lang="pt-BR" sz="1600" dirty="0" err="1"/>
-              <a:t>f</a:t>
-            </a:r>
-            <a:r>
-              <a:rPr lang="pt-BR" sz="1600" dirty="0"/>
-              <a:t>"{</a:t>
-            </a:r>
-            <a:r>
-              <a:rPr lang="pt-BR" sz="1600" dirty="0" err="1"/>
-              <a:t>parent_dag_name</a:t>
-            </a:r>
-            <a:r>
-              <a:rPr lang="pt-BR" sz="1600" dirty="0"/>
-              <a:t>}.{</a:t>
-            </a:r>
-            <a:r>
-              <a:rPr lang="pt-BR" sz="1600" dirty="0" err="1"/>
-              <a:t>child_dag_name</a:t>
-            </a:r>
-            <a:r>
-              <a:rPr lang="pt-BR" sz="1600" dirty="0"/>
-              <a:t>}", 		</a:t>
-            </a:r>
-            <a:r>
-              <a:rPr lang="pt-BR" sz="1600" dirty="0" err="1"/>
-              <a:t>default_args</a:t>
-            </a:r>
-            <a:r>
-              <a:rPr lang="pt-BR" sz="1600" dirty="0"/>
-              <a:t>=</a:t>
-            </a:r>
-            <a:r>
-              <a:rPr lang="pt-BR" sz="1600" dirty="0" err="1"/>
-              <a:t>args</a:t>
-            </a:r>
-            <a:r>
-              <a:rPr lang="pt-BR" sz="1600" dirty="0"/>
-              <a:t>, </a:t>
+              <a:rPr lang="pt-BR" sz="1300" dirty="0"/>
+              <a:t>	</a:t>
+            </a:r>
+            <a:r>
+              <a:rPr lang="pt-BR" sz="1300" dirty="0" err="1"/>
+              <a:t>external_task_id</a:t>
+            </a:r>
+            <a:r>
+              <a:rPr lang="pt-BR" sz="1300" dirty="0"/>
+              <a:t>='</a:t>
+            </a:r>
+            <a:r>
+              <a:rPr lang="pt-BR" sz="1300" dirty="0" err="1"/>
+              <a:t>tarefa_externa</a:t>
+            </a:r>
+            <a:r>
+              <a:rPr lang="pt-BR" sz="1300" dirty="0"/>
+              <a:t>’, 	</a:t>
             </a:r>
           </a:p>
           <a:p>
@@ -5722,24 +5685,32 @@
               <a:buNone/>
             </a:pPr>
             <a:r>
-              <a:rPr lang="pt-BR" sz="1600" dirty="0"/>
-              <a:t>		</a:t>
-            </a:r>
-            <a:r>
-              <a:rPr lang="pt-BR" sz="1600" dirty="0" err="1"/>
-              <a:t>schedule_interval</a:t>
-            </a:r>
-            <a:r>
-              <a:rPr lang="pt-BR" sz="1600" dirty="0"/>
-              <a:t>="@</a:t>
-            </a:r>
-            <a:r>
-              <a:rPr lang="pt-BR" sz="1600" dirty="0" err="1"/>
-              <a:t>daily</a:t>
-            </a:r>
-            <a:r>
-              <a:rPr lang="pt-BR" sz="1600" dirty="0"/>
-              <a:t>" </a:t>
+              <a:rPr lang="pt-BR" sz="1300" dirty="0"/>
+              <a:t>	</a:t>
+            </a:r>
+            <a:r>
+              <a:rPr lang="pt-BR" sz="1300" dirty="0" err="1"/>
+              <a:t>execution_date_fn</a:t>
+            </a:r>
+            <a:r>
+              <a:rPr lang="pt-BR" sz="1300" dirty="0"/>
+              <a:t>=lambda </a:t>
+            </a:r>
+            <a:r>
+              <a:rPr lang="pt-BR" sz="1300" dirty="0" err="1"/>
+              <a:t>dt</a:t>
+            </a:r>
+            <a:r>
+              <a:rPr lang="pt-BR" sz="1300" dirty="0"/>
+              <a:t>: </a:t>
+            </a:r>
+            <a:r>
+              <a:rPr lang="pt-BR" sz="1300" dirty="0" err="1"/>
+              <a:t>dt</a:t>
+            </a:r>
+            <a:r>
+              <a:rPr lang="pt-BR" sz="1300" dirty="0"/>
+              <a:t>, </a:t>
             </a:r>
           </a:p>
           <a:p>
@@ -5747,8 +5718,8 @@
               <a:buNone/>
             </a:pPr>
             <a:r>
-              <a:rPr lang="pt-BR" sz="1600" dirty="0"/>
-              <a:t>	) </a:t>
+              <a:rPr lang="pt-BR" sz="1300" dirty="0"/>
+              <a:t>	timeout=300, </a:t>
             </a:r>
           </a:p>
           <a:p>
@@ -5756,24 +5727,24 @@
               <a:buNone/>
             </a:pPr>
             <a:r>
-              <a:rPr lang="pt-BR" sz="1600" dirty="0"/>
+              <a:rPr lang="pt-BR" sz="1300" dirty="0"/>
               <a:t>	</a:t>
             </a:r>
             <a:r>
-              <a:rPr lang="pt-BR" sz="1600" dirty="0" err="1"/>
-              <a:t>with</a:t>
-            </a:r>
-            <a:r>
-              <a:rPr lang="pt-BR" sz="1600" dirty="0"/>
-              <a:t> </a:t>
-            </a:r>
-            <a:r>
-              <a:rPr lang="pt-BR" sz="1600" dirty="0" err="1"/>
-              <a:t>dag</a:t>
-            </a:r>
-            <a:r>
-              <a:rPr lang="pt-BR" sz="1600" dirty="0"/>
-              <a:t>: </a:t>
+              <a:rPr lang="pt-BR" sz="1300" dirty="0" err="1"/>
+              <a:t>mode</a:t>
+            </a:r>
+            <a:r>
+              <a:rPr lang="pt-BR" sz="1300" dirty="0"/>
+              <a:t>='</a:t>
+            </a:r>
+            <a:r>
+              <a:rPr lang="pt-BR" sz="1300" dirty="0" err="1"/>
+              <a:t>poke</a:t>
+            </a:r>
+            <a:r>
+              <a:rPr lang="pt-BR" sz="1300" dirty="0"/>
+              <a:t>’ </a:t>
             </a:r>
           </a:p>
           <a:p>
@@ -5781,73 +5752,16 @@
               <a:buNone/>
             </a:pPr>
             <a:r>
-              <a:rPr lang="pt-BR" sz="1600" dirty="0"/>
-              <a:t>		</a:t>
-            </a:r>
-            <a:r>
-              <a:rPr lang="pt-BR" sz="1600" dirty="0" err="1"/>
-              <a:t>DummyOperator</a:t>
-            </a:r>
-            <a:r>
-              <a:rPr lang="pt-BR" sz="1600" dirty="0"/>
-              <a:t>(</a:t>
-            </a:r>
-            <a:r>
-              <a:rPr lang="pt-BR" sz="1600" dirty="0" err="1"/>
-              <a:t>task_id</a:t>
-            </a:r>
-            <a:r>
-              <a:rPr lang="pt-BR" sz="1600" dirty="0"/>
-              <a:t>="sub_tarefa_1") 				</a:t>
-            </a:r>
-            <a:r>
-              <a:rPr lang="pt-BR" sz="1600" dirty="0" err="1"/>
-              <a:t>DummyOperator</a:t>
-            </a:r>
-            <a:r>
-              <a:rPr lang="pt-BR" sz="1600" dirty="0"/>
-              <a:t>(</a:t>
-            </a:r>
-            <a:r>
-              <a:rPr lang="pt-BR" sz="1600" dirty="0" err="1"/>
-              <a:t>task_id</a:t>
-            </a:r>
-            <a:r>
-              <a:rPr lang="pt-BR" sz="1600" dirty="0"/>
-              <a:t>="sub_tarefa_2") </a:t>
-            </a:r>
-          </a:p>
-          <a:p>
-            <a:pPr marL="502920" lvl="1" indent="0">
-              <a:buNone/>
-            </a:pPr>
-            <a:r>
-              <a:rPr lang="pt-BR" sz="1600" dirty="0"/>
-              <a:t>	</a:t>
-            </a:r>
-            <a:r>
-              <a:rPr lang="pt-BR" sz="1600" dirty="0" err="1"/>
-              <a:t>return</a:t>
-            </a:r>
-            <a:r>
-              <a:rPr lang="pt-BR" sz="1600" dirty="0"/>
-              <a:t> </a:t>
-            </a:r>
-            <a:r>
-              <a:rPr lang="pt-BR" sz="1600" dirty="0" err="1"/>
-              <a:t>dag</a:t>
-            </a:r>
-            <a:endParaRPr lang="pt-BR" sz="1600" dirty="0"/>
-          </a:p>
-          <a:p>
-            <a:endParaRPr lang="pt-BR" dirty="0"/>
+              <a:rPr lang="pt-BR" sz="1300" dirty="0"/>
+              <a:t>)</a:t>
+            </a:r>
           </a:p>
         </p:txBody>
       </p:sp>
     </p:spTree>
     <p:extLst>
       <p:ext uri="{BB962C8B-B14F-4D97-AF65-F5344CB8AC3E}">
-        <p14:creationId xmlns:p14="http://schemas.microsoft.com/office/powerpoint/2010/main" val="507349127"/>
+        <p14:creationId xmlns:p14="http://schemas.microsoft.com/office/powerpoint/2010/main" val="2080088638"/>
       </p:ext>
     </p:extLst>
   </p:cSld>
@@ -5879,7 +5793,7 @@
           <p:cNvPr id="2" name="Título 1">
             <a:extLst>
               <a:ext uri="{FF2B5EF4-FFF2-40B4-BE49-F238E27FC236}">
-                <a16:creationId xmlns:a16="http://schemas.microsoft.com/office/drawing/2014/main" id="{7811F052-232B-1298-6CFF-6AFD5B1BF1D6}"/>
+                <a16:creationId xmlns:a16="http://schemas.microsoft.com/office/drawing/2014/main" id="{73FD18EC-1FA6-F7FD-7652-0452FA826900}"/>
               </a:ext>
             </a:extLst>
           </p:cNvPr>
@@ -5897,12 +5811,9 @@
           <a:p>
             <a:r>
               <a:rPr lang="pt-BR" dirty="0" err="1"/>
-              <a:t>DAGs</a:t>
-            </a:r>
-            <a:r>
-              <a:rPr lang="pt-BR" dirty="0"/>
-              <a:t> Dinâmicas</a:t>
-            </a:r>
+              <a:t>SubDags</a:t>
+            </a:r>
+            <a:endParaRPr lang="pt-BR" dirty="0"/>
           </a:p>
         </p:txBody>
       </p:sp>
@@ -5911,7 +5822,7 @@
           <p:cNvPr id="3" name="Espaço Reservado para Conteúdo 2">
             <a:extLst>
               <a:ext uri="{FF2B5EF4-FFF2-40B4-BE49-F238E27FC236}">
-                <a16:creationId xmlns:a16="http://schemas.microsoft.com/office/drawing/2014/main" id="{61A1771B-B07C-788C-315E-C9050F29BD07}"/>
+                <a16:creationId xmlns:a16="http://schemas.microsoft.com/office/drawing/2014/main" id="{AE38D4EE-E102-DDEF-50D2-F48BC9045266}"/>
               </a:ext>
             </a:extLst>
           </p:cNvPr>
@@ -5924,12 +5835,14 @@
         </p:nvSpPr>
         <p:spPr/>
         <p:txBody>
-          <a:bodyPr/>
+          <a:bodyPr>
+            <a:normAutofit fontScale="85000" lnSpcReduction="20000"/>
+          </a:bodyPr>
           <a:lstStyle/>
           <a:p>
             <a:r>
               <a:rPr lang="pt-BR" b="1" dirty="0"/>
-              <a:t>O que são?</a:t>
+              <a:t>Definição:</a:t>
             </a:r>
             <a:endParaRPr lang="pt-BR" dirty="0"/>
           </a:p>
@@ -5944,13 +5857,21 @@
             </a:r>
             <a:r>
               <a:rPr lang="pt-BR" dirty="0"/>
-              <a:t> criadas de forma programática para evitar redundância e facilitar a manutenção.</a:t>
+              <a:t> aninhados dentro de outros </a:t>
+            </a:r>
+            <a:r>
+              <a:rPr lang="pt-BR" dirty="0" err="1"/>
+              <a:t>DAGs</a:t>
+            </a:r>
+            <a:r>
+              <a:rPr lang="pt-BR" dirty="0"/>
+              <a:t>.</a:t>
             </a:r>
           </a:p>
           <a:p>
             <a:r>
               <a:rPr lang="pt-BR" b="1" dirty="0"/>
-              <a:t>Vantagens:</a:t>
+              <a:t>Características:</a:t>
             </a:r>
             <a:endParaRPr lang="pt-BR" dirty="0"/>
           </a:p>
@@ -5961,7 +5882,7 @@
             </a:pPr>
             <a:r>
               <a:rPr lang="pt-BR" dirty="0"/>
-              <a:t>Redução de código repetido.</a:t>
+              <a:t>Facilitam a organização de workflows complexos.</a:t>
             </a:r>
           </a:p>
           <a:p>
@@ -5971,13 +5892,331 @@
             </a:pPr>
             <a:r>
               <a:rPr lang="pt-BR" dirty="0"/>
-              <a:t>Possibilidade de escalabilidade conforme o número de inputs.</a:t>
+              <a:t>Cada </a:t>
+            </a:r>
+            <a:r>
+              <a:rPr lang="pt-BR" dirty="0" err="1"/>
+              <a:t>SubDAG</a:t>
+            </a:r>
+            <a:r>
+              <a:rPr lang="pt-BR" dirty="0"/>
+              <a:t> funciona como um DAG completo.</a:t>
+            </a:r>
+          </a:p>
+          <a:p>
+            <a:r>
+              <a:rPr lang="pt-BR" b="1" dirty="0"/>
+              <a:t>Limitações:</a:t>
+            </a:r>
+            <a:endParaRPr lang="pt-BR" dirty="0"/>
+          </a:p>
+          <a:p>
+            <a:pPr lvl="1">
+              <a:buFont typeface="Arial" panose="020B0604020202020204" pitchFamily="34" charset="0"/>
+              <a:buChar char="•"/>
+            </a:pPr>
+            <a:r>
+              <a:rPr lang="pt-BR" dirty="0"/>
+              <a:t>Não recomendado em </a:t>
+            </a:r>
+            <a:r>
+              <a:rPr lang="pt-BR" dirty="0" err="1"/>
+              <a:t>DAGs</a:t>
+            </a:r>
+            <a:r>
+              <a:rPr lang="pt-BR" dirty="0"/>
+              <a:t> escaláveis.</a:t>
+            </a:r>
+          </a:p>
+          <a:p>
+            <a:pPr lvl="1">
+              <a:buFont typeface="Arial" panose="020B0604020202020204" pitchFamily="34" charset="0"/>
+              <a:buChar char="•"/>
+            </a:pPr>
+            <a:r>
+              <a:rPr lang="pt-BR" dirty="0"/>
+              <a:t>Melhor usar </a:t>
+            </a:r>
+            <a:r>
+              <a:rPr lang="pt-BR" b="1" dirty="0" err="1"/>
+              <a:t>TaskGroups</a:t>
+            </a:r>
+            <a:r>
+              <a:rPr lang="pt-BR" dirty="0"/>
+              <a:t> (substituto mais moderno).</a:t>
+            </a:r>
+          </a:p>
+          <a:p>
+            <a:r>
+              <a:rPr lang="pt-BR" b="1" dirty="0"/>
+              <a:t>Exemplo de criação:</a:t>
             </a:r>
           </a:p>
           <a:p>
             <a:pPr marL="0" indent="0">
               <a:buNone/>
             </a:pPr>
+            <a:endParaRPr lang="pt-BR" dirty="0"/>
+          </a:p>
+          <a:p>
+            <a:pPr marL="502920" lvl="1" indent="0">
+              <a:buNone/>
+            </a:pPr>
+            <a:r>
+              <a:rPr lang="pt-BR" sz="1600" dirty="0"/>
+              <a:t>@</a:t>
+            </a:r>
+            <a:r>
+              <a:rPr lang="pt-BR" sz="1600" dirty="0" err="1"/>
+              <a:t>subdag</a:t>
+            </a:r>
+            <a:r>
+              <a:rPr lang="pt-BR" sz="1600" dirty="0"/>
+              <a:t> </a:t>
+            </a:r>
+          </a:p>
+          <a:p>
+            <a:pPr marL="502920" lvl="1" indent="0">
+              <a:buNone/>
+            </a:pPr>
+            <a:r>
+              <a:rPr lang="pt-BR" sz="1600" dirty="0" err="1"/>
+              <a:t>def</a:t>
+            </a:r>
+            <a:r>
+              <a:rPr lang="pt-BR" sz="1600" dirty="0"/>
+              <a:t> </a:t>
+            </a:r>
+            <a:r>
+              <a:rPr lang="pt-BR" sz="1600" dirty="0" err="1"/>
+              <a:t>criar_subdag</a:t>
+            </a:r>
+            <a:r>
+              <a:rPr lang="pt-BR" sz="1600" dirty="0"/>
+              <a:t>(</a:t>
+            </a:r>
+            <a:r>
+              <a:rPr lang="pt-BR" sz="1600" dirty="0" err="1"/>
+              <a:t>parent_dag_name</a:t>
+            </a:r>
+            <a:r>
+              <a:rPr lang="pt-BR" sz="1600" dirty="0"/>
+              <a:t>, </a:t>
+            </a:r>
+            <a:r>
+              <a:rPr lang="pt-BR" sz="1600" dirty="0" err="1"/>
+              <a:t>child_dag_name</a:t>
+            </a:r>
+            <a:r>
+              <a:rPr lang="pt-BR" sz="1600" dirty="0"/>
+              <a:t>, </a:t>
+            </a:r>
+            <a:r>
+              <a:rPr lang="pt-BR" sz="1600" dirty="0" err="1"/>
+              <a:t>args</a:t>
+            </a:r>
+            <a:r>
+              <a:rPr lang="pt-BR" sz="1600" dirty="0"/>
+              <a:t>): </a:t>
+            </a:r>
+          </a:p>
+          <a:p>
+            <a:pPr marL="502920" lvl="1" indent="0">
+              <a:buNone/>
+            </a:pPr>
+            <a:r>
+              <a:rPr lang="pt-BR" sz="1600" dirty="0"/>
+              <a:t>	</a:t>
+            </a:r>
+            <a:r>
+              <a:rPr lang="pt-BR" sz="1600" dirty="0" err="1"/>
+              <a:t>dag</a:t>
+            </a:r>
+            <a:r>
+              <a:rPr lang="pt-BR" sz="1600" dirty="0"/>
+              <a:t> = DAG( </a:t>
+            </a:r>
+          </a:p>
+          <a:p>
+            <a:pPr marL="502920" lvl="1" indent="0">
+              <a:buNone/>
+            </a:pPr>
+            <a:r>
+              <a:rPr lang="pt-BR" sz="1600" dirty="0"/>
+              <a:t>		</a:t>
+            </a:r>
+            <a:r>
+              <a:rPr lang="pt-BR" sz="1600" dirty="0" err="1"/>
+              <a:t>dag_id</a:t>
+            </a:r>
+            <a:r>
+              <a:rPr lang="pt-BR" sz="1600" dirty="0"/>
+              <a:t>=</a:t>
+            </a:r>
+            <a:r>
+              <a:rPr lang="pt-BR" sz="1600" dirty="0" err="1"/>
+              <a:t>f</a:t>
+            </a:r>
+            <a:r>
+              <a:rPr lang="pt-BR" sz="1600" dirty="0"/>
+              <a:t>"{</a:t>
+            </a:r>
+            <a:r>
+              <a:rPr lang="pt-BR" sz="1600" dirty="0" err="1"/>
+              <a:t>parent_dag_name</a:t>
+            </a:r>
+            <a:r>
+              <a:rPr lang="pt-BR" sz="1600" dirty="0"/>
+              <a:t>}.{</a:t>
+            </a:r>
+            <a:r>
+              <a:rPr lang="pt-BR" sz="1600" dirty="0" err="1"/>
+              <a:t>child_dag_name</a:t>
+            </a:r>
+            <a:r>
+              <a:rPr lang="pt-BR" sz="1600" dirty="0"/>
+              <a:t>}", 		</a:t>
+            </a:r>
+            <a:r>
+              <a:rPr lang="pt-BR" sz="1600" dirty="0" err="1"/>
+              <a:t>default_args</a:t>
+            </a:r>
+            <a:r>
+              <a:rPr lang="pt-BR" sz="1600" dirty="0"/>
+              <a:t>=</a:t>
+            </a:r>
+            <a:r>
+              <a:rPr lang="pt-BR" sz="1600" dirty="0" err="1"/>
+              <a:t>args</a:t>
+            </a:r>
+            <a:r>
+              <a:rPr lang="pt-BR" sz="1600" dirty="0"/>
+              <a:t>, </a:t>
+            </a:r>
+          </a:p>
+          <a:p>
+            <a:pPr marL="502920" lvl="1" indent="0">
+              <a:buNone/>
+            </a:pPr>
+            <a:r>
+              <a:rPr lang="pt-BR" sz="1600" dirty="0"/>
+              <a:t>		</a:t>
+            </a:r>
+            <a:r>
+              <a:rPr lang="pt-BR" sz="1600" dirty="0" err="1"/>
+              <a:t>schedule_interval</a:t>
+            </a:r>
+            <a:r>
+              <a:rPr lang="pt-BR" sz="1600" dirty="0"/>
+              <a:t>="@</a:t>
+            </a:r>
+            <a:r>
+              <a:rPr lang="pt-BR" sz="1600" dirty="0" err="1"/>
+              <a:t>daily</a:t>
+            </a:r>
+            <a:r>
+              <a:rPr lang="pt-BR" sz="1600" dirty="0"/>
+              <a:t>" </a:t>
+            </a:r>
+          </a:p>
+          <a:p>
+            <a:pPr marL="502920" lvl="1" indent="0">
+              <a:buNone/>
+            </a:pPr>
+            <a:r>
+              <a:rPr lang="pt-BR" sz="1600" dirty="0"/>
+              <a:t>	) </a:t>
+            </a:r>
+          </a:p>
+          <a:p>
+            <a:pPr marL="502920" lvl="1" indent="0">
+              <a:buNone/>
+            </a:pPr>
+            <a:r>
+              <a:rPr lang="pt-BR" sz="1600" dirty="0"/>
+              <a:t>	</a:t>
+            </a:r>
+            <a:r>
+              <a:rPr lang="pt-BR" sz="1600" dirty="0" err="1"/>
+              <a:t>with</a:t>
+            </a:r>
+            <a:r>
+              <a:rPr lang="pt-BR" sz="1600" dirty="0"/>
+              <a:t> </a:t>
+            </a:r>
+            <a:r>
+              <a:rPr lang="pt-BR" sz="1600" dirty="0" err="1"/>
+              <a:t>dag</a:t>
+            </a:r>
+            <a:r>
+              <a:rPr lang="pt-BR" sz="1600" dirty="0"/>
+              <a:t>: </a:t>
+            </a:r>
+          </a:p>
+          <a:p>
+            <a:pPr marL="502920" lvl="1" indent="0">
+              <a:buNone/>
+            </a:pPr>
+            <a:r>
+              <a:rPr lang="pt-BR" sz="1600" dirty="0"/>
+              <a:t>		</a:t>
+            </a:r>
+            <a:r>
+              <a:rPr lang="pt-BR" sz="1600" dirty="0" err="1"/>
+              <a:t>DummyOperator</a:t>
+            </a:r>
+            <a:r>
+              <a:rPr lang="pt-BR" sz="1600" dirty="0"/>
+              <a:t>(</a:t>
+            </a:r>
+            <a:r>
+              <a:rPr lang="pt-BR" sz="1600" dirty="0" err="1"/>
+              <a:t>task_id</a:t>
+            </a:r>
+            <a:r>
+              <a:rPr lang="pt-BR" sz="1600" dirty="0"/>
+              <a:t>="sub_tarefa_1") 				</a:t>
+            </a:r>
+            <a:r>
+              <a:rPr lang="pt-BR" sz="1600" dirty="0" err="1"/>
+              <a:t>DummyOperator</a:t>
+            </a:r>
+            <a:r>
+              <a:rPr lang="pt-BR" sz="1600" dirty="0"/>
+              <a:t>(</a:t>
+            </a:r>
+            <a:r>
+              <a:rPr lang="pt-BR" sz="1600" dirty="0" err="1"/>
+              <a:t>task_id</a:t>
+            </a:r>
+            <a:r>
+              <a:rPr lang="pt-BR" sz="1600" dirty="0"/>
+              <a:t>="sub_tarefa_2") </a:t>
+            </a:r>
+          </a:p>
+          <a:p>
+            <a:pPr marL="502920" lvl="1" indent="0">
+              <a:buNone/>
+            </a:pPr>
+            <a:r>
+              <a:rPr lang="pt-BR" sz="1600" dirty="0"/>
+              <a:t>	</a:t>
+            </a:r>
+            <a:r>
+              <a:rPr lang="pt-BR" sz="1600" dirty="0" err="1"/>
+              <a:t>return</a:t>
+            </a:r>
+            <a:r>
+              <a:rPr lang="pt-BR" sz="1600" dirty="0"/>
+              <a:t> </a:t>
+            </a:r>
+            <a:r>
+              <a:rPr lang="pt-BR" sz="1600" dirty="0" err="1"/>
+              <a:t>dag</a:t>
+            </a:r>
+            <a:endParaRPr lang="pt-BR" sz="1600" dirty="0"/>
+          </a:p>
+          <a:p>
             <a:endParaRPr lang="pt-BR" dirty="0"/>
           </a:p>
         </p:txBody>
@@ -5985,7 +6224,7 @@
     </p:spTree>
     <p:extLst>
       <p:ext uri="{BB962C8B-B14F-4D97-AF65-F5344CB8AC3E}">
-        <p14:creationId xmlns:p14="http://schemas.microsoft.com/office/powerpoint/2010/main" val="3437611472"/>
+        <p14:creationId xmlns:p14="http://schemas.microsoft.com/office/powerpoint/2010/main" val="507349127"/>
       </p:ext>
     </p:extLst>
   </p:cSld>
@@ -6483,7 +6722,7 @@
           <a:p>
             <a:pPr algn="just"/>
             <a:r>
-              <a:rPr lang="pt-BR"/>
+              <a:rPr lang="pt-BR" dirty="0" err="1"/>
               <a:t>Orchestration</a:t>
             </a:r>
             <a:r>
@@ -6568,7 +6807,7 @@
           <p:cNvPr id="2" name="Título 1">
             <a:extLst>
               <a:ext uri="{FF2B5EF4-FFF2-40B4-BE49-F238E27FC236}">
-                <a16:creationId xmlns:a16="http://schemas.microsoft.com/office/drawing/2014/main" id="{E5424BBA-B234-B1E4-DEE3-A59F0D7E57BB}"/>
+                <a16:creationId xmlns:a16="http://schemas.microsoft.com/office/drawing/2014/main" id="{7811F052-232B-1298-6CFF-6AFD5B1BF1D6}"/>
               </a:ext>
             </a:extLst>
           </p:cNvPr>
@@ -6585,14 +6824,13 @@
           <a:lstStyle/>
           <a:p>
             <a:r>
-              <a:rPr lang="pt-BR" dirty="0"/>
-              <a:t>Task </a:t>
-            </a:r>
-            <a:r>
-              <a:rPr lang="pt-BR" dirty="0" err="1"/>
-              <a:t>Groups</a:t>
-            </a:r>
-            <a:endParaRPr lang="pt-BR" dirty="0"/>
+              <a:rPr lang="pt-BR" dirty="0" err="1"/>
+              <a:t>DAGs</a:t>
+            </a:r>
+            <a:r>
+              <a:rPr lang="pt-BR" dirty="0"/>
+              <a:t> Dinâmicas</a:t>
+            </a:r>
           </a:p>
         </p:txBody>
       </p:sp>
@@ -6601,7 +6839,7 @@
           <p:cNvPr id="3" name="Espaço Reservado para Conteúdo 2">
             <a:extLst>
               <a:ext uri="{FF2B5EF4-FFF2-40B4-BE49-F238E27FC236}">
-                <a16:creationId xmlns:a16="http://schemas.microsoft.com/office/drawing/2014/main" id="{926835A8-B15E-7090-C0A0-6B3DC22E01CC}"/>
+                <a16:creationId xmlns:a16="http://schemas.microsoft.com/office/drawing/2014/main" id="{61A1771B-B07C-788C-315E-C9050F29BD07}"/>
               </a:ext>
             </a:extLst>
           </p:cNvPr>
@@ -6619,16 +6857,30 @@
           <a:p>
             <a:r>
               <a:rPr lang="pt-BR" b="1" dirty="0"/>
-              <a:t>O que é </a:t>
-            </a:r>
-            <a:r>
-              <a:rPr lang="pt-BR" b="1" dirty="0" err="1"/>
-              <a:t>TaskGroup</a:t>
-            </a:r>
+              <a:t>O que são?</a:t>
+            </a:r>
+            <a:endParaRPr lang="pt-BR" dirty="0"/>
+          </a:p>
+          <a:p>
+            <a:pPr lvl="1">
+              <a:buFont typeface="Arial" panose="020B0604020202020204" pitchFamily="34" charset="0"/>
+              <a:buChar char="•"/>
+            </a:pPr>
+            <a:r>
+              <a:rPr lang="pt-BR" dirty="0" err="1"/>
+              <a:t>DAGs</a:t>
+            </a:r>
+            <a:r>
+              <a:rPr lang="pt-BR" dirty="0"/>
+              <a:t> criadas de forma programática para evitar redundância e facilitar a manutenção.</a:t>
+            </a:r>
+          </a:p>
+          <a:p>
             <a:r>
               <a:rPr lang="pt-BR" b="1" dirty="0"/>
-              <a:t>?</a:t>
-            </a:r>
+              <a:t>Vantagens:</a:t>
+            </a:r>
+            <a:endParaRPr lang="pt-BR" dirty="0"/>
           </a:p>
           <a:p>
             <a:pPr lvl="1">
@@ -6637,15 +6889,7 @@
             </a:pPr>
             <a:r>
               <a:rPr lang="pt-BR" dirty="0"/>
-              <a:t>Recurso do </a:t>
-            </a:r>
-            <a:r>
-              <a:rPr lang="pt-BR" dirty="0" err="1"/>
-              <a:t>Airflow</a:t>
-            </a:r>
-            <a:r>
-              <a:rPr lang="pt-BR" dirty="0"/>
-              <a:t> para agrupar tarefas logicamente.</a:t>
+              <a:t>Redução de código repetido.</a:t>
             </a:r>
           </a:p>
           <a:p>
@@ -6655,88 +6899,7 @@
             </a:pPr>
             <a:r>
               <a:rPr lang="pt-BR" dirty="0"/>
-              <a:t>Ajuda a organizar e simplificar </a:t>
-            </a:r>
-            <a:r>
-              <a:rPr lang="pt-BR" dirty="0" err="1"/>
-              <a:t>DAGs</a:t>
-            </a:r>
-            <a:r>
-              <a:rPr lang="pt-BR" dirty="0"/>
-              <a:t> complexas.</a:t>
-            </a:r>
-          </a:p>
-          <a:p>
-            <a:pPr lvl="1">
-              <a:buFont typeface="Arial" panose="020B0604020202020204" pitchFamily="34" charset="0"/>
-              <a:buChar char="•"/>
-            </a:pPr>
-            <a:r>
-              <a:rPr lang="pt-BR" dirty="0"/>
-              <a:t>Representado como um grupo </a:t>
-            </a:r>
-            <a:r>
-              <a:rPr lang="pt-BR" dirty="0" err="1"/>
-              <a:t>colapsável</a:t>
-            </a:r>
-            <a:r>
-              <a:rPr lang="pt-BR" dirty="0"/>
-              <a:t> na interface web do </a:t>
-            </a:r>
-            <a:r>
-              <a:rPr lang="pt-BR" dirty="0" err="1"/>
-              <a:t>Airflow</a:t>
-            </a:r>
-            <a:r>
-              <a:rPr lang="pt-BR" dirty="0"/>
-              <a:t>.</a:t>
-            </a:r>
-          </a:p>
-          <a:p>
-            <a:r>
-              <a:rPr lang="pt-BR" b="1" dirty="0"/>
-              <a:t>Principais Benefícios:</a:t>
-            </a:r>
-          </a:p>
-          <a:p>
-            <a:pPr lvl="1"/>
-            <a:r>
-              <a:rPr lang="pt-BR" b="1" dirty="0"/>
-              <a:t>Melhora a legibilidade:</a:t>
-            </a:r>
-            <a:r>
-              <a:rPr lang="pt-BR" dirty="0"/>
-              <a:t> </a:t>
-            </a:r>
-            <a:r>
-              <a:rPr lang="pt-BR" dirty="0" err="1"/>
-              <a:t>DAGs</a:t>
-            </a:r>
-            <a:r>
-              <a:rPr lang="pt-BR" dirty="0"/>
-              <a:t> mais limpas e organizadas.</a:t>
-            </a:r>
-          </a:p>
-          <a:p>
-            <a:pPr lvl="1"/>
-            <a:r>
-              <a:rPr lang="pt-BR" b="1" dirty="0"/>
-              <a:t>Visualização aprimorada:</a:t>
-            </a:r>
-            <a:r>
-              <a:rPr lang="pt-BR" dirty="0"/>
-              <a:t> Grupos de tarefas podem ser expandidos ou colapsados.</a:t>
-            </a:r>
-          </a:p>
-          <a:p>
-            <a:pPr lvl="1"/>
-            <a:r>
-              <a:rPr lang="pt-BR" b="1" dirty="0"/>
-              <a:t>Facilidade de manutenção:</a:t>
-            </a:r>
-            <a:r>
-              <a:rPr lang="pt-BR" dirty="0"/>
-              <a:t> Identificação lógica de tarefas relacionadas.</a:t>
+              <a:t>Possibilidade de escalabilidade conforme o número de inputs.</a:t>
             </a:r>
           </a:p>
           <a:p>
@@ -6750,7 +6913,7 @@
     </p:spTree>
     <p:extLst>
       <p:ext uri="{BB962C8B-B14F-4D97-AF65-F5344CB8AC3E}">
-        <p14:creationId xmlns:p14="http://schemas.microsoft.com/office/powerpoint/2010/main" val="898017223"/>
+        <p14:creationId xmlns:p14="http://schemas.microsoft.com/office/powerpoint/2010/main" val="3437611472"/>
       </p:ext>
     </p:extLst>
   </p:cSld>
@@ -6782,6 +6945,220 @@
           <p:cNvPr id="2" name="Título 1">
             <a:extLst>
               <a:ext uri="{FF2B5EF4-FFF2-40B4-BE49-F238E27FC236}">
+                <a16:creationId xmlns:a16="http://schemas.microsoft.com/office/drawing/2014/main" id="{E5424BBA-B234-B1E4-DEE3-A59F0D7E57BB}"/>
+              </a:ext>
+            </a:extLst>
+          </p:cNvPr>
+          <p:cNvSpPr>
+            <a:spLocks noGrp="1"/>
+          </p:cNvSpPr>
+          <p:nvPr>
+            <p:ph type="title"/>
+          </p:nvPr>
+        </p:nvSpPr>
+        <p:spPr/>
+        <p:txBody>
+          <a:bodyPr/>
+          <a:lstStyle/>
+          <a:p>
+            <a:r>
+              <a:rPr lang="pt-BR" dirty="0"/>
+              <a:t>Task </a:t>
+            </a:r>
+            <a:r>
+              <a:rPr lang="pt-BR" dirty="0" err="1"/>
+              <a:t>Groups</a:t>
+            </a:r>
+            <a:endParaRPr lang="pt-BR" dirty="0"/>
+          </a:p>
+        </p:txBody>
+      </p:sp>
+      <p:sp>
+        <p:nvSpPr>
+          <p:cNvPr id="3" name="Espaço Reservado para Conteúdo 2">
+            <a:extLst>
+              <a:ext uri="{FF2B5EF4-FFF2-40B4-BE49-F238E27FC236}">
+                <a16:creationId xmlns:a16="http://schemas.microsoft.com/office/drawing/2014/main" id="{926835A8-B15E-7090-C0A0-6B3DC22E01CC}"/>
+              </a:ext>
+            </a:extLst>
+          </p:cNvPr>
+          <p:cNvSpPr>
+            <a:spLocks noGrp="1"/>
+          </p:cNvSpPr>
+          <p:nvPr>
+            <p:ph idx="1"/>
+          </p:nvPr>
+        </p:nvSpPr>
+        <p:spPr/>
+        <p:txBody>
+          <a:bodyPr/>
+          <a:lstStyle/>
+          <a:p>
+            <a:r>
+              <a:rPr lang="pt-BR" b="1" dirty="0"/>
+              <a:t>O que é </a:t>
+            </a:r>
+            <a:r>
+              <a:rPr lang="pt-BR" b="1" dirty="0" err="1"/>
+              <a:t>TaskGroup</a:t>
+            </a:r>
+            <a:r>
+              <a:rPr lang="pt-BR" b="1" dirty="0"/>
+              <a:t>?</a:t>
+            </a:r>
+          </a:p>
+          <a:p>
+            <a:pPr lvl="1">
+              <a:buFont typeface="Arial" panose="020B0604020202020204" pitchFamily="34" charset="0"/>
+              <a:buChar char="•"/>
+            </a:pPr>
+            <a:r>
+              <a:rPr lang="pt-BR" dirty="0"/>
+              <a:t>Recurso do </a:t>
+            </a:r>
+            <a:r>
+              <a:rPr lang="pt-BR" dirty="0" err="1"/>
+              <a:t>Airflow</a:t>
+            </a:r>
+            <a:r>
+              <a:rPr lang="pt-BR" dirty="0"/>
+              <a:t> para agrupar tarefas logicamente.</a:t>
+            </a:r>
+          </a:p>
+          <a:p>
+            <a:pPr lvl="1">
+              <a:buFont typeface="Arial" panose="020B0604020202020204" pitchFamily="34" charset="0"/>
+              <a:buChar char="•"/>
+            </a:pPr>
+            <a:r>
+              <a:rPr lang="pt-BR" dirty="0"/>
+              <a:t>Ajuda a organizar e simplificar </a:t>
+            </a:r>
+            <a:r>
+              <a:rPr lang="pt-BR" dirty="0" err="1"/>
+              <a:t>DAGs</a:t>
+            </a:r>
+            <a:r>
+              <a:rPr lang="pt-BR" dirty="0"/>
+              <a:t> complexas.</a:t>
+            </a:r>
+          </a:p>
+          <a:p>
+            <a:pPr lvl="1">
+              <a:buFont typeface="Arial" panose="020B0604020202020204" pitchFamily="34" charset="0"/>
+              <a:buChar char="•"/>
+            </a:pPr>
+            <a:r>
+              <a:rPr lang="pt-BR" dirty="0"/>
+              <a:t>Representado como um grupo </a:t>
+            </a:r>
+            <a:r>
+              <a:rPr lang="pt-BR" dirty="0" err="1"/>
+              <a:t>colapsável</a:t>
+            </a:r>
+            <a:r>
+              <a:rPr lang="pt-BR" dirty="0"/>
+              <a:t> na interface web do </a:t>
+            </a:r>
+            <a:r>
+              <a:rPr lang="pt-BR" dirty="0" err="1"/>
+              <a:t>Airflow</a:t>
+            </a:r>
+            <a:r>
+              <a:rPr lang="pt-BR" dirty="0"/>
+              <a:t>.</a:t>
+            </a:r>
+          </a:p>
+          <a:p>
+            <a:r>
+              <a:rPr lang="pt-BR" b="1" dirty="0"/>
+              <a:t>Principais Benefícios:</a:t>
+            </a:r>
+          </a:p>
+          <a:p>
+            <a:pPr lvl="1"/>
+            <a:r>
+              <a:rPr lang="pt-BR" b="1" dirty="0"/>
+              <a:t>Melhora a legibilidade:</a:t>
+            </a:r>
+            <a:r>
+              <a:rPr lang="pt-BR" dirty="0"/>
+              <a:t> </a:t>
+            </a:r>
+            <a:r>
+              <a:rPr lang="pt-BR" dirty="0" err="1"/>
+              <a:t>DAGs</a:t>
+            </a:r>
+            <a:r>
+              <a:rPr lang="pt-BR" dirty="0"/>
+              <a:t> mais limpas e organizadas.</a:t>
+            </a:r>
+          </a:p>
+          <a:p>
+            <a:pPr lvl="1"/>
+            <a:r>
+              <a:rPr lang="pt-BR" b="1" dirty="0"/>
+              <a:t>Visualização aprimorada:</a:t>
+            </a:r>
+            <a:r>
+              <a:rPr lang="pt-BR" dirty="0"/>
+              <a:t> Grupos de tarefas podem ser expandidos ou colapsados.</a:t>
+            </a:r>
+          </a:p>
+          <a:p>
+            <a:pPr lvl="1"/>
+            <a:r>
+              <a:rPr lang="pt-BR" b="1" dirty="0"/>
+              <a:t>Facilidade de manutenção:</a:t>
+            </a:r>
+            <a:r>
+              <a:rPr lang="pt-BR" dirty="0"/>
+              <a:t> Identificação lógica de tarefas relacionadas.</a:t>
+            </a:r>
+          </a:p>
+          <a:p>
+            <a:pPr marL="0" indent="0">
+              <a:buNone/>
+            </a:pPr>
+            <a:endParaRPr lang="pt-BR" dirty="0"/>
+          </a:p>
+        </p:txBody>
+      </p:sp>
+    </p:spTree>
+    <p:extLst>
+      <p:ext uri="{BB962C8B-B14F-4D97-AF65-F5344CB8AC3E}">
+        <p14:creationId xmlns:p14="http://schemas.microsoft.com/office/powerpoint/2010/main" val="898017223"/>
+      </p:ext>
+    </p:extLst>
+  </p:cSld>
+  <p:clrMapOvr>
+    <a:masterClrMapping/>
+  </p:clrMapOvr>
+</p:sld>
+</file>
+
+<file path=ppt/slides/slide22.xml><?xml version="1.0" encoding="utf-8"?>
+<p:sld xmlns:a="http://schemas.openxmlformats.org/drawingml/2006/main" xmlns:r="http://schemas.openxmlformats.org/officeDocument/2006/relationships" xmlns:p="http://schemas.openxmlformats.org/presentationml/2006/main">
+  <p:cSld>
+    <p:spTree>
+      <p:nvGrpSpPr>
+        <p:cNvPr id="1" name=""/>
+        <p:cNvGrpSpPr/>
+        <p:nvPr/>
+      </p:nvGrpSpPr>
+      <p:grpSpPr>
+        <a:xfrm>
+          <a:off x="0" y="0"/>
+          <a:ext cx="0" cy="0"/>
+          <a:chOff x="0" y="0"/>
+          <a:chExt cx="0" cy="0"/>
+        </a:xfrm>
+      </p:grpSpPr>
+      <p:sp>
+        <p:nvSpPr>
+          <p:cNvPr id="2" name="Título 1">
+            <a:extLst>
+              <a:ext uri="{FF2B5EF4-FFF2-40B4-BE49-F238E27FC236}">
                 <a16:creationId xmlns:a16="http://schemas.microsoft.com/office/drawing/2014/main" id="{183BE9B1-C122-D1A8-03AD-6F7937E99EBE}"/>
               </a:ext>
             </a:extLst>
@@ -6975,7 +7352,7 @@
 </p:sld>
 </file>
 
-<file path=ppt/slides/slide22.xml><?xml version="1.0" encoding="utf-8"?>
+<file path=ppt/slides/slide23.xml><?xml version="1.0" encoding="utf-8"?>
 <p:sld xmlns:a="http://schemas.openxmlformats.org/drawingml/2006/main" xmlns:r="http://schemas.openxmlformats.org/officeDocument/2006/relationships" xmlns:p="http://schemas.openxmlformats.org/presentationml/2006/main">
   <p:cSld>
     <p:spTree>
@@ -7634,7 +8011,7 @@
           <p:cNvPr id="2" name="Título 1">
             <a:extLst>
               <a:ext uri="{FF2B5EF4-FFF2-40B4-BE49-F238E27FC236}">
-                <a16:creationId xmlns:a16="http://schemas.microsoft.com/office/drawing/2014/main" id="{DF9F5BB0-E238-72C9-7372-5E054E3F77D6}"/>
+                <a16:creationId xmlns:a16="http://schemas.microsoft.com/office/drawing/2014/main" id="{767EF2DA-38EB-A014-AFF6-686917A8E1EE}"/>
               </a:ext>
             </a:extLst>
           </p:cNvPr>
@@ -7652,55 +8029,44 @@
           <a:p>
             <a:r>
               <a:rPr lang="pt-BR" dirty="0"/>
-              <a:t>Recursos necessários</a:t>
-            </a:r>
-          </a:p>
-        </p:txBody>
-      </p:sp>
-      <p:sp>
-        <p:nvSpPr>
-          <p:cNvPr id="3" name="Espaço Reservado para Conteúdo 2">
+              <a:t>Diagrama de Execução</a:t>
+            </a:r>
+          </a:p>
+        </p:txBody>
+      </p:sp>
+      <p:pic>
+        <p:nvPicPr>
+          <p:cNvPr id="5" name="Espaço Reservado para Conteúdo 4" descr="Diagrama&#10;&#10;Descrição gerada automaticamente">
             <a:extLst>
               <a:ext uri="{FF2B5EF4-FFF2-40B4-BE49-F238E27FC236}">
-                <a16:creationId xmlns:a16="http://schemas.microsoft.com/office/drawing/2014/main" id="{3871792E-0ACC-ADD7-58DF-20841364A2FA}"/>
+                <a16:creationId xmlns:a16="http://schemas.microsoft.com/office/drawing/2014/main" id="{A93600F9-9966-E66F-A77F-90E5BC0F1D5B}"/>
               </a:ext>
             </a:extLst>
           </p:cNvPr>
-          <p:cNvSpPr>
-            <a:spLocks noGrp="1"/>
-          </p:cNvSpPr>
+          <p:cNvPicPr>
+            <a:picLocks noGrp="1" noChangeAspect="1"/>
+          </p:cNvPicPr>
           <p:nvPr>
             <p:ph idx="1"/>
           </p:nvPr>
-        </p:nvSpPr>
-        <p:spPr/>
-        <p:txBody>
-          <a:bodyPr/>
-          <a:lstStyle/>
-          <a:p>
-            <a:r>
-              <a:rPr lang="pt-BR" dirty="0"/>
-              <a:t>Docker</a:t>
-            </a:r>
-          </a:p>
-          <a:p>
-            <a:r>
-              <a:rPr lang="pt-BR" dirty="0"/>
-              <a:t>Docker composse</a:t>
-            </a:r>
-          </a:p>
-          <a:p>
-            <a:r>
-              <a:rPr lang="pt-BR" dirty="0"/>
-              <a:t>GIT</a:t>
-            </a:r>
-          </a:p>
-        </p:txBody>
-      </p:sp>
+        </p:nvPicPr>
+        <p:blipFill>
+          <a:blip r:embed="rId2"/>
+          <a:stretch>
+            <a:fillRect/>
+          </a:stretch>
+        </p:blipFill>
+        <p:spPr>
+          <a:xfrm>
+            <a:off x="3970338" y="1131887"/>
+            <a:ext cx="7112000" cy="4584700"/>
+          </a:xfrm>
+        </p:spPr>
+      </p:pic>
     </p:spTree>
     <p:extLst>
       <p:ext uri="{BB962C8B-B14F-4D97-AF65-F5344CB8AC3E}">
-        <p14:creationId xmlns:p14="http://schemas.microsoft.com/office/powerpoint/2010/main" val="1387120179"/>
+        <p14:creationId xmlns:p14="http://schemas.microsoft.com/office/powerpoint/2010/main" val="4240517165"/>
       </p:ext>
     </p:extLst>
   </p:cSld>
@@ -7732,7 +8098,7 @@
           <p:cNvPr id="2" name="Título 1">
             <a:extLst>
               <a:ext uri="{FF2B5EF4-FFF2-40B4-BE49-F238E27FC236}">
-                <a16:creationId xmlns:a16="http://schemas.microsoft.com/office/drawing/2014/main" id="{1439EAC9-55E4-4317-0B2E-46C05B065F93}"/>
+                <a16:creationId xmlns:a16="http://schemas.microsoft.com/office/drawing/2014/main" id="{DF9F5BB0-E238-72C9-7372-5E054E3F77D6}"/>
               </a:ext>
             </a:extLst>
           </p:cNvPr>
@@ -7750,7 +8116,7 @@
           <a:p>
             <a:r>
               <a:rPr lang="pt-BR" dirty="0"/>
-              <a:t>Componentes</a:t>
+              <a:t>Recursos necessários</a:t>
             </a:r>
           </a:p>
         </p:txBody>
@@ -7760,7 +8126,7 @@
           <p:cNvPr id="3" name="Espaço Reservado para Conteúdo 2">
             <a:extLst>
               <a:ext uri="{FF2B5EF4-FFF2-40B4-BE49-F238E27FC236}">
-                <a16:creationId xmlns:a16="http://schemas.microsoft.com/office/drawing/2014/main" id="{A207A14A-0FC9-3A87-1241-70DA9A706332}"/>
+                <a16:creationId xmlns:a16="http://schemas.microsoft.com/office/drawing/2014/main" id="{3871792E-0ACC-ADD7-58DF-20841364A2FA}"/>
               </a:ext>
             </a:extLst>
           </p:cNvPr>
@@ -7777,94 +8143,20 @@
           <a:lstStyle/>
           <a:p>
             <a:r>
-              <a:rPr lang="pt-BR" b="1" dirty="0" err="1"/>
-              <a:t>Scheduler</a:t>
-            </a:r>
-            <a:r>
-              <a:rPr lang="pt-BR" dirty="0"/>
-              <a:t>: Planeja e inicia as tarefas com base na DAG configurada.</a:t>
-            </a:r>
-          </a:p>
-          <a:p>
-            <a:r>
-              <a:rPr lang="pt-BR" b="1" dirty="0"/>
-              <a:t>Executor</a:t>
-            </a:r>
-            <a:r>
-              <a:rPr lang="pt-BR" dirty="0"/>
-              <a:t>: Gerencia a execução das tarefas.</a:t>
-            </a:r>
-          </a:p>
-          <a:p>
-            <a:r>
-              <a:rPr lang="pt-BR" b="1" dirty="0" err="1"/>
-              <a:t>Webserver</a:t>
-            </a:r>
-            <a:r>
-              <a:rPr lang="pt-BR" dirty="0"/>
-              <a:t>: Interface web para monitoramento e gerenciamento de </a:t>
-            </a:r>
-            <a:r>
-              <a:rPr lang="pt-BR" dirty="0" err="1"/>
-              <a:t>DAGs</a:t>
-            </a:r>
-            <a:r>
-              <a:rPr lang="pt-BR" dirty="0"/>
-              <a:t>.</a:t>
-            </a:r>
-          </a:p>
-          <a:p>
-            <a:r>
-              <a:rPr lang="pt-BR" b="1" dirty="0" err="1"/>
-              <a:t>Metadata</a:t>
-            </a:r>
-            <a:r>
-              <a:rPr lang="pt-BR" b="1" dirty="0"/>
-              <a:t> </a:t>
-            </a:r>
-            <a:r>
-              <a:rPr lang="pt-BR" b="1" dirty="0" err="1"/>
-              <a:t>Database</a:t>
-            </a:r>
-            <a:r>
-              <a:rPr lang="pt-BR" dirty="0"/>
-              <a:t>: Armazena estados de </a:t>
-            </a:r>
-            <a:r>
-              <a:rPr lang="pt-BR" dirty="0" err="1"/>
-              <a:t>DAGs</a:t>
-            </a:r>
-            <a:r>
-              <a:rPr lang="pt-BR" dirty="0"/>
-              <a:t>, tarefas e logs de execução.</a:t>
-            </a:r>
-          </a:p>
-          <a:p>
-            <a:r>
-              <a:rPr lang="pt-BR" b="1" dirty="0"/>
-              <a:t>Workers</a:t>
-            </a:r>
-            <a:r>
-              <a:rPr lang="pt-BR" dirty="0"/>
-              <a:t>: Executam as tarefas atribuídas pelo executor.</a:t>
-            </a:r>
-          </a:p>
-          <a:p>
-            <a:r>
-              <a:rPr lang="pt-BR" b="1" dirty="0"/>
-              <a:t>CLI</a:t>
-            </a:r>
-            <a:r>
-              <a:rPr lang="pt-BR" dirty="0"/>
-              <a:t>: Interface de linha de comando para gerenciamento do </a:t>
-            </a:r>
-            <a:r>
-              <a:rPr lang="pt-BR" dirty="0" err="1"/>
-              <a:t>Airflow</a:t>
-            </a:r>
-            <a:r>
-              <a:rPr lang="pt-BR" dirty="0"/>
-              <a:t>.</a:t>
+              <a:rPr lang="pt-BR" dirty="0"/>
+              <a:t>Docker</a:t>
+            </a:r>
+          </a:p>
+          <a:p>
+            <a:r>
+              <a:rPr lang="pt-BR" dirty="0"/>
+              <a:t>Docker composse</a:t>
+            </a:r>
+          </a:p>
+          <a:p>
+            <a:r>
+              <a:rPr lang="pt-BR" dirty="0"/>
+              <a:t>GIT</a:t>
             </a:r>
           </a:p>
         </p:txBody>
@@ -7872,7 +8164,7 @@
     </p:spTree>
     <p:extLst>
       <p:ext uri="{BB962C8B-B14F-4D97-AF65-F5344CB8AC3E}">
-        <p14:creationId xmlns:p14="http://schemas.microsoft.com/office/powerpoint/2010/main" val="3572665906"/>
+        <p14:creationId xmlns:p14="http://schemas.microsoft.com/office/powerpoint/2010/main" val="1387120179"/>
       </p:ext>
     </p:extLst>
   </p:cSld>
@@ -7904,7 +8196,7 @@
           <p:cNvPr id="2" name="Título 1">
             <a:extLst>
               <a:ext uri="{FF2B5EF4-FFF2-40B4-BE49-F238E27FC236}">
-                <a16:creationId xmlns:a16="http://schemas.microsoft.com/office/drawing/2014/main" id="{CBC57255-4F05-1A4B-838A-F00AFBB4B434}"/>
+                <a16:creationId xmlns:a16="http://schemas.microsoft.com/office/drawing/2014/main" id="{1439EAC9-55E4-4317-0B2E-46C05B065F93}"/>
               </a:ext>
             </a:extLst>
           </p:cNvPr>
@@ -7922,7 +8214,7 @@
           <a:p>
             <a:r>
               <a:rPr lang="pt-BR" dirty="0"/>
-              <a:t>Executores</a:t>
+              <a:t>Componentes</a:t>
             </a:r>
           </a:p>
         </p:txBody>
@@ -7932,7 +8224,7 @@
           <p:cNvPr id="3" name="Espaço Reservado para Conteúdo 2">
             <a:extLst>
               <a:ext uri="{FF2B5EF4-FFF2-40B4-BE49-F238E27FC236}">
-                <a16:creationId xmlns:a16="http://schemas.microsoft.com/office/drawing/2014/main" id="{00B425CB-ADB1-7A9E-C129-E34A9E5DF98F}"/>
+                <a16:creationId xmlns:a16="http://schemas.microsoft.com/office/drawing/2014/main" id="{A207A14A-0FC9-3A87-1241-70DA9A706332}"/>
               </a:ext>
             </a:extLst>
           </p:cNvPr>
@@ -7950,91 +8242,93 @@
           <a:p>
             <a:r>
               <a:rPr lang="pt-BR" b="1" dirty="0" err="1"/>
-              <a:t>SequentialExecutor</a:t>
-            </a:r>
-            <a:r>
-              <a:rPr lang="pt-BR" dirty="0"/>
-              <a:t>: </a:t>
-            </a:r>
-            <a:r>
-              <a:rPr lang="pt-BR" dirty="0" err="1"/>
-              <a:t>Monothread</a:t>
-            </a:r>
-            <a:r>
-              <a:rPr lang="pt-BR" dirty="0"/>
-              <a:t>, usado para testes.</a:t>
+              <a:t>Scheduler</a:t>
+            </a:r>
+            <a:r>
+              <a:rPr lang="pt-BR" dirty="0"/>
+              <a:t>: Planeja e inicia as tarefas com base na DAG configurada.</a:t>
+            </a:r>
+          </a:p>
+          <a:p>
+            <a:r>
+              <a:rPr lang="pt-BR" b="1" dirty="0"/>
+              <a:t>Executor</a:t>
+            </a:r>
+            <a:r>
+              <a:rPr lang="pt-BR" dirty="0"/>
+              <a:t>: Gerencia a execução das tarefas.</a:t>
             </a:r>
           </a:p>
           <a:p>
             <a:r>
               <a:rPr lang="pt-BR" b="1" dirty="0" err="1"/>
-              <a:t>LocalExecutor</a:t>
-            </a:r>
-            <a:r>
-              <a:rPr lang="pt-BR" dirty="0"/>
-              <a:t>: Executa múltiplas tarefas paralelamente na mesma máquina.</a:t>
+              <a:t>Webserver</a:t>
+            </a:r>
+            <a:r>
+              <a:rPr lang="pt-BR" dirty="0"/>
+              <a:t>: Interface web para monitoramento e gerenciamento de </a:t>
+            </a:r>
+            <a:r>
+              <a:rPr lang="pt-BR" dirty="0" err="1"/>
+              <a:t>DAGs</a:t>
+            </a:r>
+            <a:r>
+              <a:rPr lang="pt-BR" dirty="0"/>
+              <a:t>.</a:t>
             </a:r>
           </a:p>
           <a:p>
             <a:r>
               <a:rPr lang="pt-BR" b="1" dirty="0" err="1"/>
-              <a:t>CeleryExecutor</a:t>
-            </a:r>
-            <a:r>
-              <a:rPr lang="pt-BR" dirty="0"/>
-              <a:t>: Usa </a:t>
-            </a:r>
-            <a:r>
-              <a:rPr lang="pt-BR" dirty="0" err="1"/>
-              <a:t>workers</a:t>
-            </a:r>
-            <a:r>
-              <a:rPr lang="pt-BR" dirty="0"/>
-              <a:t> distribuídos, ideal para grandes volumes de tarefas.</a:t>
-            </a:r>
-          </a:p>
-          <a:p>
+              <a:t>Metadata</a:t>
+            </a:r>
+            <a:r>
+              <a:rPr lang="pt-BR" b="1" dirty="0"/>
+              <a:t> </a:t>
+            </a:r>
             <a:r>
               <a:rPr lang="pt-BR" b="1" dirty="0" err="1"/>
-              <a:t>KubernetesExecutor</a:t>
-            </a:r>
-            <a:r>
-              <a:rPr lang="pt-BR" dirty="0"/>
-              <a:t>: Cria </a:t>
-            </a:r>
-            <a:r>
-              <a:rPr lang="pt-BR" dirty="0" err="1"/>
-              <a:t>pods</a:t>
-            </a:r>
-            <a:r>
-              <a:rPr lang="pt-BR" dirty="0"/>
-              <a:t> dinâmicos no </a:t>
-            </a:r>
-            <a:r>
-              <a:rPr lang="pt-BR" dirty="0" err="1"/>
-              <a:t>Kubernetes</a:t>
-            </a:r>
-            <a:r>
-              <a:rPr lang="pt-BR" dirty="0"/>
-              <a:t> para cada tarefa.</a:t>
-            </a:r>
-          </a:p>
-          <a:p>
-            <a:r>
-              <a:rPr lang="pt-BR" b="1" dirty="0" err="1"/>
-              <a:t>DaskExecutor</a:t>
-            </a:r>
-            <a:r>
-              <a:rPr lang="pt-BR" dirty="0"/>
-              <a:t>: Usa o cluster </a:t>
-            </a:r>
-            <a:r>
-              <a:rPr lang="pt-BR" dirty="0" err="1"/>
-              <a:t>Dask</a:t>
-            </a:r>
-            <a:r>
-              <a:rPr lang="pt-BR" dirty="0"/>
-              <a:t> para execução paralela.</a:t>
+              <a:t>Database</a:t>
+            </a:r>
+            <a:r>
+              <a:rPr lang="pt-BR" dirty="0"/>
+              <a:t>: Armazena estados de </a:t>
+            </a:r>
+            <a:r>
+              <a:rPr lang="pt-BR" dirty="0" err="1"/>
+              <a:t>DAGs</a:t>
+            </a:r>
+            <a:r>
+              <a:rPr lang="pt-BR" dirty="0"/>
+              <a:t>, tarefas e logs de execução.</a:t>
+            </a:r>
+          </a:p>
+          <a:p>
+            <a:r>
+              <a:rPr lang="pt-BR" b="1" dirty="0"/>
+              <a:t>Workers</a:t>
+            </a:r>
+            <a:r>
+              <a:rPr lang="pt-BR" dirty="0"/>
+              <a:t>: Executam as tarefas atribuídas pelo executor.</a:t>
+            </a:r>
+          </a:p>
+          <a:p>
+            <a:r>
+              <a:rPr lang="pt-BR" b="1" dirty="0"/>
+              <a:t>CLI</a:t>
+            </a:r>
+            <a:r>
+              <a:rPr lang="pt-BR" dirty="0"/>
+              <a:t>: Interface de linha de comando para gerenciamento do </a:t>
+            </a:r>
+            <a:r>
+              <a:rPr lang="pt-BR" dirty="0" err="1"/>
+              <a:t>Airflow</a:t>
+            </a:r>
+            <a:r>
+              <a:rPr lang="pt-BR" dirty="0"/>
+              <a:t>.</a:t>
             </a:r>
           </a:p>
         </p:txBody>
@@ -8042,7 +8336,7 @@
     </p:spTree>
     <p:extLst>
       <p:ext uri="{BB962C8B-B14F-4D97-AF65-F5344CB8AC3E}">
-        <p14:creationId xmlns:p14="http://schemas.microsoft.com/office/powerpoint/2010/main" val="4172991274"/>
+        <p14:creationId xmlns:p14="http://schemas.microsoft.com/office/powerpoint/2010/main" val="3572665906"/>
       </p:ext>
     </p:extLst>
   </p:cSld>
@@ -8074,7 +8368,7 @@
           <p:cNvPr id="2" name="Título 1">
             <a:extLst>
               <a:ext uri="{FF2B5EF4-FFF2-40B4-BE49-F238E27FC236}">
-                <a16:creationId xmlns:a16="http://schemas.microsoft.com/office/drawing/2014/main" id="{21DCD2BA-7E07-4CE3-1D2B-65275F8F131C}"/>
+                <a16:creationId xmlns:a16="http://schemas.microsoft.com/office/drawing/2014/main" id="{CBC57255-4F05-1A4B-838A-F00AFBB4B434}"/>
               </a:ext>
             </a:extLst>
           </p:cNvPr>
@@ -8092,7 +8386,7 @@
           <a:p>
             <a:r>
               <a:rPr lang="pt-BR" dirty="0"/>
-              <a:t>Conexões</a:t>
+              <a:t>Executores</a:t>
             </a:r>
           </a:p>
         </p:txBody>
@@ -8102,7 +8396,7 @@
           <p:cNvPr id="3" name="Espaço Reservado para Conteúdo 2">
             <a:extLst>
               <a:ext uri="{FF2B5EF4-FFF2-40B4-BE49-F238E27FC236}">
-                <a16:creationId xmlns:a16="http://schemas.microsoft.com/office/drawing/2014/main" id="{1ACFD2E9-C610-5E95-C2B6-FB7E204CB389}"/>
+                <a16:creationId xmlns:a16="http://schemas.microsoft.com/office/drawing/2014/main" id="{00B425CB-ADB1-7A9E-C129-E34A9E5DF98F}"/>
               </a:ext>
             </a:extLst>
           </p:cNvPr>
@@ -8118,77 +8412,93 @@
           <a:bodyPr/>
           <a:lstStyle/>
           <a:p>
-            <a:pPr>
-              <a:buFont typeface="Arial" panose="020B0604020202020204" pitchFamily="34" charset="0"/>
-              <a:buChar char="•"/>
-            </a:pPr>
-            <a:r>
-              <a:rPr lang="pt-BR" b="1" dirty="0"/>
-              <a:t>Definição</a:t>
-            </a:r>
-            <a:r>
-              <a:rPr lang="pt-BR" dirty="0"/>
-              <a:t>: Conexões são configurações que permitem ao </a:t>
-            </a:r>
-            <a:r>
-              <a:rPr lang="pt-BR" dirty="0" err="1"/>
-              <a:t>Airflow</a:t>
-            </a:r>
-            <a:r>
-              <a:rPr lang="pt-BR" dirty="0"/>
-              <a:t> interagir com serviços externos, como bancos de dados, APIs ou sistemas de armazenamento.</a:t>
-            </a:r>
-          </a:p>
-          <a:p>
-            <a:pPr>
-              <a:buFont typeface="Arial" panose="020B0604020202020204" pitchFamily="34" charset="0"/>
-              <a:buChar char="•"/>
-            </a:pPr>
-            <a:r>
-              <a:rPr lang="pt-BR" b="1" dirty="0"/>
-              <a:t>Configuração</a:t>
-            </a:r>
-            <a:r>
-              <a:rPr lang="pt-BR" dirty="0"/>
-              <a:t>:</a:t>
-            </a:r>
-          </a:p>
-          <a:p>
-            <a:pPr lvl="1">
-              <a:buFont typeface="Arial" panose="020B0604020202020204" pitchFamily="34" charset="0"/>
-              <a:buChar char="•"/>
-            </a:pPr>
-            <a:r>
-              <a:rPr lang="pt-BR" dirty="0"/>
-              <a:t>Via interface web (Admin &gt; Connections).</a:t>
-            </a:r>
-          </a:p>
-          <a:p>
-            <a:pPr lvl="1">
-              <a:buFont typeface="Arial" panose="020B0604020202020204" pitchFamily="34" charset="0"/>
-              <a:buChar char="•"/>
-            </a:pPr>
-            <a:r>
-              <a:rPr lang="pt-BR" dirty="0"/>
-              <a:t>Arquivo </a:t>
-            </a:r>
-            <a:r>
-              <a:rPr lang="pt-BR" dirty="0" err="1"/>
-              <a:t>airflow.cfg</a:t>
-            </a:r>
-            <a:r>
-              <a:rPr lang="pt-BR" dirty="0"/>
-              <a:t> ou variáveis de ambiente.</a:t>
-            </a:r>
-          </a:p>
-          <a:p>
-            <a:r>
-              <a:rPr lang="pt-BR" b="1" dirty="0"/>
-              <a:t>Parâmetros</a:t>
-            </a:r>
-            <a:r>
-              <a:rPr lang="pt-BR" dirty="0"/>
-              <a:t>: Nome, tipo de conexão, credenciais e extras (como configurações adicionais).</a:t>
+            <a:r>
+              <a:rPr lang="pt-BR" b="1" dirty="0" err="1"/>
+              <a:t>SequentialExecutor</a:t>
+            </a:r>
+            <a:r>
+              <a:rPr lang="pt-BR" dirty="0"/>
+              <a:t>: </a:t>
+            </a:r>
+            <a:r>
+              <a:rPr lang="pt-BR" dirty="0" err="1"/>
+              <a:t>Monothread</a:t>
+            </a:r>
+            <a:r>
+              <a:rPr lang="pt-BR" dirty="0"/>
+              <a:t>, usado para testes.</a:t>
+            </a:r>
+          </a:p>
+          <a:p>
+            <a:r>
+              <a:rPr lang="pt-BR" b="1" dirty="0" err="1"/>
+              <a:t>LocalExecutor</a:t>
+            </a:r>
+            <a:r>
+              <a:rPr lang="pt-BR" dirty="0"/>
+              <a:t>: Executa múltiplas tarefas paralelamente na mesma máquina.</a:t>
+            </a:r>
+          </a:p>
+          <a:p>
+            <a:r>
+              <a:rPr lang="pt-BR" b="1" dirty="0" err="1"/>
+              <a:t>CeleryExecutor</a:t>
+            </a:r>
+            <a:r>
+              <a:rPr lang="pt-BR" dirty="0"/>
+              <a:t>: Usa </a:t>
+            </a:r>
+            <a:r>
+              <a:rPr lang="pt-BR" dirty="0" err="1"/>
+              <a:t>workers</a:t>
+            </a:r>
+            <a:r>
+              <a:rPr lang="pt-BR" dirty="0"/>
+              <a:t> distribuídos, ideal para grandes volumes de tarefas.</a:t>
+            </a:r>
+          </a:p>
+          <a:p>
+            <a:r>
+              <a:rPr lang="pt-BR" b="1" dirty="0" err="1"/>
+              <a:t>KubernetesExecutor</a:t>
+            </a:r>
+            <a:r>
+              <a:rPr lang="pt-BR" dirty="0"/>
+              <a:t>: Cria </a:t>
+            </a:r>
+            <a:r>
+              <a:rPr lang="pt-BR" dirty="0" err="1"/>
+              <a:t>pods</a:t>
+            </a:r>
+            <a:r>
+              <a:rPr lang="pt-BR" dirty="0"/>
+              <a:t> dinâmicos no </a:t>
+            </a:r>
+            <a:r>
+              <a:rPr lang="pt-BR" dirty="0" err="1"/>
+              <a:t>Kubernetes</a:t>
+            </a:r>
+            <a:r>
+              <a:rPr lang="pt-BR" dirty="0"/>
+              <a:t> para cada tarefa.</a:t>
+            </a:r>
+          </a:p>
+          <a:p>
+            <a:r>
+              <a:rPr lang="pt-BR" b="1" dirty="0" err="1"/>
+              <a:t>DaskExecutor</a:t>
+            </a:r>
+            <a:r>
+              <a:rPr lang="pt-BR" dirty="0"/>
+              <a:t>: Usa o cluster </a:t>
+            </a:r>
+            <a:r>
+              <a:rPr lang="pt-BR" dirty="0" err="1"/>
+              <a:t>Dask</a:t>
+            </a:r>
+            <a:r>
+              <a:rPr lang="pt-BR" dirty="0"/>
+              <a:t> para execução paralela.</a:t>
             </a:r>
           </a:p>
         </p:txBody>
@@ -8196,7 +8506,7 @@
     </p:spTree>
     <p:extLst>
       <p:ext uri="{BB962C8B-B14F-4D97-AF65-F5344CB8AC3E}">
-        <p14:creationId xmlns:p14="http://schemas.microsoft.com/office/powerpoint/2010/main" val="3780554157"/>
+        <p14:creationId xmlns:p14="http://schemas.microsoft.com/office/powerpoint/2010/main" val="4172991274"/>
       </p:ext>
     </p:extLst>
   </p:cSld>
@@ -8228,7 +8538,7 @@
           <p:cNvPr id="2" name="Título 1">
             <a:extLst>
               <a:ext uri="{FF2B5EF4-FFF2-40B4-BE49-F238E27FC236}">
-                <a16:creationId xmlns:a16="http://schemas.microsoft.com/office/drawing/2014/main" id="{06728344-147B-AECA-7D8F-AFC91437B48D}"/>
+                <a16:creationId xmlns:a16="http://schemas.microsoft.com/office/drawing/2014/main" id="{21DCD2BA-7E07-4CE3-1D2B-65275F8F131C}"/>
               </a:ext>
             </a:extLst>
           </p:cNvPr>
@@ -8245,10 +8555,9 @@
           <a:lstStyle/>
           <a:p>
             <a:r>
-              <a:rPr lang="pt-BR" dirty="0" err="1"/>
-              <a:t>XCom</a:t>
-            </a:r>
-            <a:endParaRPr lang="pt-BR" dirty="0"/>
+              <a:rPr lang="pt-BR" dirty="0"/>
+              <a:t>Conexões</a:t>
+            </a:r>
           </a:p>
         </p:txBody>
       </p:sp>
@@ -8257,7 +8566,7 @@
           <p:cNvPr id="3" name="Espaço Reservado para Conteúdo 2">
             <a:extLst>
               <a:ext uri="{FF2B5EF4-FFF2-40B4-BE49-F238E27FC236}">
-                <a16:creationId xmlns:a16="http://schemas.microsoft.com/office/drawing/2014/main" id="{B1DD38E8-566B-8A96-0CA6-09A60DE696A2}"/>
+                <a16:creationId xmlns:a16="http://schemas.microsoft.com/office/drawing/2014/main" id="{1ACFD2E9-C610-5E95-C2B6-FB7E204CB389}"/>
               </a:ext>
             </a:extLst>
           </p:cNvPr>
@@ -8283,7 +8592,15 @@
             </a:r>
             <a:r>
               <a:rPr lang="pt-BR" dirty="0"/>
-              <a:t>: Mecanismo para troca de dados entre tarefas dentro de uma DAG.</a:t>
+              <a:t>: Conexões são configurações que permitem ao </a:t>
+            </a:r>
+            <a:r>
+              <a:rPr lang="pt-BR" dirty="0" err="1"/>
+              <a:t>Airflow</a:t>
+            </a:r>
+            <a:r>
+              <a:rPr lang="pt-BR" dirty="0"/>
+              <a:t> interagir com serviços externos, como bancos de dados, APIs ou sistemas de armazenamento.</a:t>
             </a:r>
           </a:p>
           <a:p>
@@ -8293,7 +8610,7 @@
             </a:pPr>
             <a:r>
               <a:rPr lang="pt-BR" b="1" dirty="0"/>
-              <a:t>Funcionamento</a:t>
+              <a:t>Configuração</a:t>
             </a:r>
             <a:r>
               <a:rPr lang="pt-BR" dirty="0"/>
@@ -8307,23 +8624,7 @@
             </a:pPr>
             <a:r>
               <a:rPr lang="pt-BR" dirty="0"/>
-              <a:t>As tarefas podem "</a:t>
-            </a:r>
-            <a:r>
-              <a:rPr lang="pt-BR" dirty="0" err="1"/>
-              <a:t>push</a:t>
-            </a:r>
-            <a:r>
-              <a:rPr lang="pt-BR" dirty="0"/>
-              <a:t>" dados para o </a:t>
-            </a:r>
-            <a:r>
-              <a:rPr lang="pt-BR" dirty="0" err="1"/>
-              <a:t>XCom</a:t>
-            </a:r>
-            <a:r>
-              <a:rPr lang="pt-BR" dirty="0"/>
-              <a:t>.</a:t>
+              <a:t>Via interface web (Admin &gt; Connections).</a:t>
             </a:r>
           </a:p>
           <a:p>
@@ -8333,99 +8634,25 @@
             </a:pPr>
             <a:r>
               <a:rPr lang="pt-BR" dirty="0"/>
-              <a:t>Outras tarefas podem "</a:t>
-            </a:r>
-            <a:r>
-              <a:rPr lang="pt-BR" dirty="0" err="1"/>
-              <a:t>pull</a:t>
-            </a:r>
-            <a:r>
-              <a:rPr lang="pt-BR" dirty="0"/>
-              <a:t>" esses dados posteriormente.</a:t>
-            </a:r>
-          </a:p>
-          <a:p>
-            <a:pPr>
-              <a:buFont typeface="Arial" panose="020B0604020202020204" pitchFamily="34" charset="0"/>
-              <a:buChar char="•"/>
-            </a:pPr>
+              <a:t>Arquivo </a:t>
+            </a:r>
+            <a:r>
+              <a:rPr lang="pt-BR" dirty="0" err="1"/>
+              <a:t>airflow.cfg</a:t>
+            </a:r>
+            <a:r>
+              <a:rPr lang="pt-BR" dirty="0"/>
+              <a:t> ou variáveis de ambiente.</a:t>
+            </a:r>
+          </a:p>
+          <a:p>
             <a:r>
               <a:rPr lang="pt-BR" b="1" dirty="0"/>
-              <a:t>Uso</a:t>
-            </a:r>
-            <a:r>
-              <a:rPr lang="pt-BR" dirty="0"/>
-              <a:t>:</a:t>
-            </a:r>
-          </a:p>
-          <a:p>
-            <a:pPr lvl="1">
-              <a:buFont typeface="Arial" panose="020B0604020202020204" pitchFamily="34" charset="0"/>
-              <a:buChar char="•"/>
-            </a:pPr>
-            <a:r>
-              <a:rPr lang="pt-BR" dirty="0" err="1"/>
-              <a:t>task_instance.xcom_push</a:t>
-            </a:r>
-            <a:r>
-              <a:rPr lang="pt-BR" dirty="0"/>
-              <a:t>(</a:t>
-            </a:r>
-            <a:r>
-              <a:rPr lang="pt-BR" dirty="0" err="1"/>
-              <a:t>key</a:t>
-            </a:r>
-            <a:r>
-              <a:rPr lang="pt-BR" dirty="0"/>
-              <a:t>, </a:t>
-            </a:r>
-            <a:r>
-              <a:rPr lang="pt-BR" dirty="0" err="1"/>
-              <a:t>value</a:t>
-            </a:r>
-            <a:r>
-              <a:rPr lang="pt-BR" dirty="0"/>
-              <a:t>)</a:t>
-            </a:r>
-          </a:p>
-          <a:p>
-            <a:pPr lvl="1">
-              <a:buFont typeface="Arial" panose="020B0604020202020204" pitchFamily="34" charset="0"/>
-              <a:buChar char="•"/>
-            </a:pPr>
-            <a:r>
-              <a:rPr lang="pt-BR" dirty="0" err="1"/>
-              <a:t>task_instance.xcom_pull</a:t>
-            </a:r>
-            <a:r>
-              <a:rPr lang="pt-BR" dirty="0"/>
-              <a:t>(</a:t>
-            </a:r>
-            <a:r>
-              <a:rPr lang="pt-BR" dirty="0" err="1"/>
-              <a:t>task_ids</a:t>
-            </a:r>
-            <a:r>
-              <a:rPr lang="pt-BR" dirty="0"/>
-              <a:t>, </a:t>
-            </a:r>
-            <a:r>
-              <a:rPr lang="pt-BR" dirty="0" err="1"/>
-              <a:t>key</a:t>
-            </a:r>
-            <a:r>
-              <a:rPr lang="pt-BR" dirty="0"/>
-              <a:t>)</a:t>
-            </a:r>
-          </a:p>
-          <a:p>
-            <a:r>
-              <a:rPr lang="pt-BR" b="1" dirty="0"/>
-              <a:t>Cuidados</a:t>
-            </a:r>
-            <a:r>
-              <a:rPr lang="pt-BR" dirty="0"/>
-              <a:t>: Dados armazenados no banco de metadados. Evite volumes grandes.</a:t>
+              <a:t>Parâmetros</a:t>
+            </a:r>
+            <a:r>
+              <a:rPr lang="pt-BR" dirty="0"/>
+              <a:t>: Nome, tipo de conexão, credenciais e extras (como configurações adicionais).</a:t>
             </a:r>
           </a:p>
         </p:txBody>
@@ -8433,7 +8660,7 @@
     </p:spTree>
     <p:extLst>
       <p:ext uri="{BB962C8B-B14F-4D97-AF65-F5344CB8AC3E}">
-        <p14:creationId xmlns:p14="http://schemas.microsoft.com/office/powerpoint/2010/main" val="548790984"/>
+        <p14:creationId xmlns:p14="http://schemas.microsoft.com/office/powerpoint/2010/main" val="3780554157"/>
       </p:ext>
     </p:extLst>
   </p:cSld>
@@ -8465,7 +8692,7 @@
           <p:cNvPr id="2" name="Título 1">
             <a:extLst>
               <a:ext uri="{FF2B5EF4-FFF2-40B4-BE49-F238E27FC236}">
-                <a16:creationId xmlns:a16="http://schemas.microsoft.com/office/drawing/2014/main" id="{419683C7-1C41-89E6-A448-60E8824C8D8A}"/>
+                <a16:creationId xmlns:a16="http://schemas.microsoft.com/office/drawing/2014/main" id="{06728344-147B-AECA-7D8F-AFC91437B48D}"/>
               </a:ext>
             </a:extLst>
           </p:cNvPr>
@@ -8482,9 +8709,10 @@
           <a:lstStyle/>
           <a:p>
             <a:r>
-              <a:rPr lang="pt-BR" dirty="0"/>
-              <a:t>Parâmetros</a:t>
-            </a:r>
+              <a:rPr lang="pt-BR" dirty="0" err="1"/>
+              <a:t>XCom</a:t>
+            </a:r>
+            <a:endParaRPr lang="pt-BR" dirty="0"/>
           </a:p>
         </p:txBody>
       </p:sp>
@@ -8493,7 +8721,7 @@
           <p:cNvPr id="3" name="Espaço Reservado para Conteúdo 2">
             <a:extLst>
               <a:ext uri="{FF2B5EF4-FFF2-40B4-BE49-F238E27FC236}">
-                <a16:creationId xmlns:a16="http://schemas.microsoft.com/office/drawing/2014/main" id="{449B6B79-EC9D-99A7-2897-0FB92DB0F9C8}"/>
+                <a16:creationId xmlns:a16="http://schemas.microsoft.com/office/drawing/2014/main" id="{B1DD38E8-566B-8A96-0CA6-09A60DE696A2}"/>
               </a:ext>
             </a:extLst>
           </p:cNvPr>
@@ -8519,15 +8747,65 @@
             </a:r>
             <a:r>
               <a:rPr lang="pt-BR" dirty="0"/>
-              <a:t>: Variáveis configuráveis que tornam as </a:t>
-            </a:r>
-            <a:r>
-              <a:rPr lang="pt-BR" dirty="0" err="1"/>
-              <a:t>DAGs</a:t>
-            </a:r>
-            <a:r>
-              <a:rPr lang="pt-BR" dirty="0"/>
-              <a:t> dinâmicas.</a:t>
+              <a:t>: Mecanismo para troca de dados entre tarefas dentro de uma DAG.</a:t>
+            </a:r>
+          </a:p>
+          <a:p>
+            <a:pPr>
+              <a:buFont typeface="Arial" panose="020B0604020202020204" pitchFamily="34" charset="0"/>
+              <a:buChar char="•"/>
+            </a:pPr>
+            <a:r>
+              <a:rPr lang="pt-BR" b="1" dirty="0"/>
+              <a:t>Funcionamento</a:t>
+            </a:r>
+            <a:r>
+              <a:rPr lang="pt-BR" dirty="0"/>
+              <a:t>:</a:t>
+            </a:r>
+          </a:p>
+          <a:p>
+            <a:pPr lvl="1">
+              <a:buFont typeface="Arial" panose="020B0604020202020204" pitchFamily="34" charset="0"/>
+              <a:buChar char="•"/>
+            </a:pPr>
+            <a:r>
+              <a:rPr lang="pt-BR" dirty="0"/>
+              <a:t>As tarefas podem "</a:t>
+            </a:r>
+            <a:r>
+              <a:rPr lang="pt-BR" dirty="0" err="1"/>
+              <a:t>push</a:t>
+            </a:r>
+            <a:r>
+              <a:rPr lang="pt-BR" dirty="0"/>
+              <a:t>" dados para o </a:t>
+            </a:r>
+            <a:r>
+              <a:rPr lang="pt-BR" dirty="0" err="1"/>
+              <a:t>XCom</a:t>
+            </a:r>
+            <a:r>
+              <a:rPr lang="pt-BR" dirty="0"/>
+              <a:t>.</a:t>
+            </a:r>
+          </a:p>
+          <a:p>
+            <a:pPr lvl="1">
+              <a:buFont typeface="Arial" panose="020B0604020202020204" pitchFamily="34" charset="0"/>
+              <a:buChar char="•"/>
+            </a:pPr>
+            <a:r>
+              <a:rPr lang="pt-BR" dirty="0"/>
+              <a:t>Outras tarefas podem "</a:t>
+            </a:r>
+            <a:r>
+              <a:rPr lang="pt-BR" dirty="0" err="1"/>
+              <a:t>pull</a:t>
+            </a:r>
+            <a:r>
+              <a:rPr lang="pt-BR" dirty="0"/>
+              <a:t>" esses dados posteriormente.</a:t>
             </a:r>
           </a:p>
           <a:p>
@@ -8550,154 +8828,68 @@
               <a:buChar char="•"/>
             </a:pPr>
             <a:r>
+              <a:rPr lang="pt-BR" dirty="0" err="1"/>
+              <a:t>task_instance.xcom_push</a:t>
+            </a:r>
+            <a:r>
+              <a:rPr lang="pt-BR" dirty="0"/>
+              <a:t>(</a:t>
+            </a:r>
+            <a:r>
+              <a:rPr lang="pt-BR" dirty="0" err="1"/>
+              <a:t>key</a:t>
+            </a:r>
+            <a:r>
+              <a:rPr lang="pt-BR" dirty="0"/>
+              <a:t>, </a:t>
+            </a:r>
+            <a:r>
+              <a:rPr lang="pt-BR" dirty="0" err="1"/>
+              <a:t>value</a:t>
+            </a:r>
+            <a:r>
+              <a:rPr lang="pt-BR" dirty="0"/>
+              <a:t>)</a:t>
+            </a:r>
+          </a:p>
+          <a:p>
+            <a:pPr lvl="1">
+              <a:buFont typeface="Arial" panose="020B0604020202020204" pitchFamily="34" charset="0"/>
+              <a:buChar char="•"/>
+            </a:pPr>
+            <a:r>
+              <a:rPr lang="pt-BR" dirty="0" err="1"/>
+              <a:t>task_instance.xcom_pull</a:t>
+            </a:r>
+            <a:r>
+              <a:rPr lang="pt-BR" dirty="0"/>
+              <a:t>(</a:t>
+            </a:r>
+            <a:r>
+              <a:rPr lang="pt-BR" dirty="0" err="1"/>
+              <a:t>task_ids</a:t>
+            </a:r>
+            <a:r>
+              <a:rPr lang="pt-BR" dirty="0"/>
+              <a:t>, </a:t>
+            </a:r>
+            <a:r>
+              <a:rPr lang="pt-BR" dirty="0" err="1"/>
+              <a:t>key</a:t>
+            </a:r>
+            <a:r>
+              <a:rPr lang="pt-BR" dirty="0"/>
+              <a:t>)</a:t>
+            </a:r>
+          </a:p>
+          <a:p>
+            <a:r>
               <a:rPr lang="pt-BR" b="1" dirty="0"/>
-              <a:t>DAG-</a:t>
-            </a:r>
-            <a:r>
-              <a:rPr lang="pt-BR" b="1" dirty="0" err="1"/>
-              <a:t>level</a:t>
-            </a:r>
-            <a:r>
-              <a:rPr lang="pt-BR" b="1" dirty="0"/>
-              <a:t> </a:t>
-            </a:r>
-            <a:r>
-              <a:rPr lang="pt-BR" b="1" dirty="0" err="1"/>
-              <a:t>Parameters</a:t>
-            </a:r>
-            <a:r>
-              <a:rPr lang="pt-BR" dirty="0"/>
-              <a:t>: Passados na criação da DAG.</a:t>
-            </a:r>
-          </a:p>
-          <a:p>
-            <a:pPr lvl="1">
-              <a:buFont typeface="Arial" panose="020B0604020202020204" pitchFamily="34" charset="0"/>
-              <a:buChar char="•"/>
-            </a:pPr>
-            <a:r>
-              <a:rPr lang="pt-BR" b="1" dirty="0"/>
-              <a:t>Task-</a:t>
-            </a:r>
-            <a:r>
-              <a:rPr lang="pt-BR" b="1" dirty="0" err="1"/>
-              <a:t>level</a:t>
-            </a:r>
-            <a:r>
-              <a:rPr lang="pt-BR" b="1" dirty="0"/>
-              <a:t> </a:t>
-            </a:r>
-            <a:r>
-              <a:rPr lang="pt-BR" b="1" dirty="0" err="1"/>
-              <a:t>Parameters</a:t>
-            </a:r>
-            <a:r>
-              <a:rPr lang="pt-BR" dirty="0"/>
-              <a:t>: Passados para operadores.</a:t>
-            </a:r>
-          </a:p>
-          <a:p>
-            <a:r>
-              <a:rPr lang="pt-BR" b="1" dirty="0"/>
-              <a:t>Exemplo</a:t>
-            </a:r>
-            <a:r>
-              <a:rPr lang="pt-BR" dirty="0"/>
-              <a:t>:</a:t>
-            </a:r>
-          </a:p>
-          <a:p>
-            <a:pPr marL="502920" lvl="1" indent="0">
-              <a:buNone/>
-            </a:pPr>
-            <a:r>
-              <a:rPr lang="pt-BR" sz="1200" dirty="0" err="1"/>
-              <a:t>from</a:t>
-            </a:r>
-            <a:r>
-              <a:rPr lang="pt-BR" sz="1200" dirty="0"/>
-              <a:t> </a:t>
-            </a:r>
-            <a:r>
-              <a:rPr lang="pt-BR" sz="1200" dirty="0" err="1"/>
-              <a:t>airflow.models.param</a:t>
-            </a:r>
-            <a:r>
-              <a:rPr lang="pt-BR" sz="1200" dirty="0"/>
-              <a:t> </a:t>
-            </a:r>
-            <a:r>
-              <a:rPr lang="pt-BR" sz="1200" dirty="0" err="1"/>
-              <a:t>import</a:t>
-            </a:r>
-            <a:r>
-              <a:rPr lang="pt-BR" sz="1200" dirty="0"/>
-              <a:t> Param </a:t>
-            </a:r>
-          </a:p>
-          <a:p>
-            <a:pPr marL="502920" lvl="1" indent="0">
-              <a:buNone/>
-            </a:pPr>
-            <a:r>
-              <a:rPr lang="pt-BR" sz="1200" dirty="0" err="1"/>
-              <a:t>with</a:t>
-            </a:r>
-            <a:r>
-              <a:rPr lang="pt-BR" sz="1200" dirty="0"/>
-              <a:t> DAG('</a:t>
-            </a:r>
-            <a:r>
-              <a:rPr lang="pt-BR" sz="1200" dirty="0" err="1"/>
-              <a:t>example_dag</a:t>
-            </a:r>
-            <a:r>
-              <a:rPr lang="pt-BR" sz="1200" dirty="0"/>
-              <a:t>', </a:t>
-            </a:r>
-            <a:r>
-              <a:rPr lang="pt-BR" sz="1200" dirty="0" err="1"/>
-              <a:t>params</a:t>
-            </a:r>
-            <a:r>
-              <a:rPr lang="pt-BR" sz="1200" dirty="0"/>
-              <a:t>={'</a:t>
-            </a:r>
-            <a:r>
-              <a:rPr lang="pt-BR" sz="1200" dirty="0" err="1"/>
-              <a:t>start_date</a:t>
-            </a:r>
-            <a:r>
-              <a:rPr lang="pt-BR" sz="1200" dirty="0"/>
-              <a:t>': Param('2024-01-01')}) as </a:t>
-            </a:r>
-            <a:r>
-              <a:rPr lang="pt-BR" sz="1200" dirty="0" err="1"/>
-              <a:t>dag</a:t>
-            </a:r>
-            <a:r>
-              <a:rPr lang="pt-BR" sz="1200" dirty="0"/>
-              <a:t>: </a:t>
-            </a:r>
-          </a:p>
-          <a:p>
-            <a:pPr marL="502920" lvl="1" indent="0">
-              <a:buNone/>
-            </a:pPr>
-            <a:r>
-              <a:rPr lang="pt-BR" sz="1200" dirty="0"/>
-              <a:t>	</a:t>
-            </a:r>
-            <a:r>
-              <a:rPr lang="pt-BR" sz="1200" dirty="0" err="1"/>
-              <a:t>pass</a:t>
-            </a:r>
-            <a:endParaRPr lang="pt-BR" sz="1200" dirty="0"/>
-          </a:p>
-          <a:p>
-            <a:r>
-              <a:rPr lang="pt-BR" dirty="0"/>
-              <a:t>Parâmetros podem ser armazenados como metadados</a:t>
+              <a:t>Cuidados</a:t>
+            </a:r>
+            <a:r>
+              <a:rPr lang="pt-BR" dirty="0"/>
+              <a:t>: Dados armazenados no banco de metadados. Evite volumes grandes.</a:t>
             </a:r>
           </a:p>
         </p:txBody>
@@ -8705,7 +8897,7 @@
     </p:spTree>
     <p:extLst>
       <p:ext uri="{BB962C8B-B14F-4D97-AF65-F5344CB8AC3E}">
-        <p14:creationId xmlns:p14="http://schemas.microsoft.com/office/powerpoint/2010/main" val="4233008037"/>
+        <p14:creationId xmlns:p14="http://schemas.microsoft.com/office/powerpoint/2010/main" val="548790984"/>
       </p:ext>
     </p:extLst>
   </p:cSld>
@@ -8737,7 +8929,7 @@
           <p:cNvPr id="2" name="Título 1">
             <a:extLst>
               <a:ext uri="{FF2B5EF4-FFF2-40B4-BE49-F238E27FC236}">
-                <a16:creationId xmlns:a16="http://schemas.microsoft.com/office/drawing/2014/main" id="{7C1CFFB8-0DE7-2A95-A552-3EA39E3B0953}"/>
+                <a16:creationId xmlns:a16="http://schemas.microsoft.com/office/drawing/2014/main" id="{419683C7-1C41-89E6-A448-60E8824C8D8A}"/>
               </a:ext>
             </a:extLst>
           </p:cNvPr>
@@ -8754,10 +8946,9 @@
           <a:lstStyle/>
           <a:p>
             <a:r>
-              <a:rPr lang="pt-BR" dirty="0" err="1"/>
-              <a:t>Datasets</a:t>
-            </a:r>
-            <a:endParaRPr lang="pt-BR" dirty="0"/>
+              <a:rPr lang="pt-BR" dirty="0"/>
+              <a:t>Parâmetros</a:t>
+            </a:r>
           </a:p>
         </p:txBody>
       </p:sp>
@@ -8766,7 +8957,7 @@
           <p:cNvPr id="3" name="Espaço Reservado para Conteúdo 2">
             <a:extLst>
               <a:ext uri="{FF2B5EF4-FFF2-40B4-BE49-F238E27FC236}">
-                <a16:creationId xmlns:a16="http://schemas.microsoft.com/office/drawing/2014/main" id="{2110FB62-F311-5BFF-86EA-EA4C347AA604}"/>
+                <a16:creationId xmlns:a16="http://schemas.microsoft.com/office/drawing/2014/main" id="{449B6B79-EC9D-99A7-2897-0FB92DB0F9C8}"/>
               </a:ext>
             </a:extLst>
           </p:cNvPr>
@@ -8792,94 +8983,81 @@
             </a:r>
             <a:r>
               <a:rPr lang="pt-BR" dirty="0"/>
-              <a:t>: O </a:t>
+              <a:t>: Variáveis configuráveis que tornam as </a:t>
+            </a:r>
+            <a:r>
+              <a:rPr lang="pt-BR" dirty="0" err="1"/>
+              <a:t>DAGs</a:t>
+            </a:r>
+            <a:r>
+              <a:rPr lang="pt-BR" dirty="0"/>
+              <a:t> dinâmicas.</a:t>
+            </a:r>
+          </a:p>
+          <a:p>
+            <a:pPr>
+              <a:buFont typeface="Arial" panose="020B0604020202020204" pitchFamily="34" charset="0"/>
+              <a:buChar char="•"/>
+            </a:pPr>
+            <a:r>
+              <a:rPr lang="pt-BR" b="1" dirty="0"/>
+              <a:t>Uso</a:t>
+            </a:r>
+            <a:r>
+              <a:rPr lang="pt-BR" dirty="0"/>
+              <a:t>:</a:t>
+            </a:r>
+          </a:p>
+          <a:p>
+            <a:pPr lvl="1">
+              <a:buFont typeface="Arial" panose="020B0604020202020204" pitchFamily="34" charset="0"/>
+              <a:buChar char="•"/>
+            </a:pPr>
+            <a:r>
+              <a:rPr lang="pt-BR" b="1" dirty="0"/>
+              <a:t>DAG-</a:t>
             </a:r>
             <a:r>
               <a:rPr lang="pt-BR" b="1" dirty="0" err="1"/>
-              <a:t>Airflow</a:t>
-            </a:r>
-            <a:r>
-              <a:rPr lang="pt-BR" dirty="0"/>
-              <a:t> introduziu o conceito de </a:t>
+              <a:t>level</a:t>
+            </a:r>
+            <a:r>
+              <a:rPr lang="pt-BR" b="1" dirty="0"/>
+              <a:t> </a:t>
             </a:r>
             <a:r>
               <a:rPr lang="pt-BR" b="1" dirty="0" err="1"/>
-              <a:t>Datasets</a:t>
-            </a:r>
-            <a:r>
-              <a:rPr lang="pt-BR" dirty="0"/>
-              <a:t> na versão 2.4, permitindo uma abordagem mais orientada a eventos para a execução de tarefas. Usando </a:t>
-            </a:r>
-            <a:r>
-              <a:rPr lang="pt-BR" dirty="0" err="1"/>
-              <a:t>Datasets</a:t>
-            </a:r>
-            <a:r>
-              <a:rPr lang="pt-BR" dirty="0"/>
-              <a:t>, é possível criar dependências entre </a:t>
-            </a:r>
-            <a:r>
-              <a:rPr lang="pt-BR" dirty="0" err="1"/>
-              <a:t>DAGs</a:t>
-            </a:r>
-            <a:r>
-              <a:rPr lang="pt-BR" dirty="0"/>
-              <a:t> sem usar explicitamente </a:t>
-            </a:r>
-            <a:r>
-              <a:rPr lang="pt-BR" dirty="0" err="1"/>
-              <a:t>ExternalTaskSensor</a:t>
-            </a:r>
-            <a:endParaRPr lang="pt-BR" dirty="0"/>
-          </a:p>
-          <a:p>
-            <a:pPr>
+              <a:t>Parameters</a:t>
+            </a:r>
+            <a:r>
+              <a:rPr lang="pt-BR" dirty="0"/>
+              <a:t>: Passados na criação da DAG.</a:t>
+            </a:r>
+          </a:p>
+          <a:p>
+            <a:pPr lvl="1">
               <a:buFont typeface="Arial" panose="020B0604020202020204" pitchFamily="34" charset="0"/>
               <a:buChar char="•"/>
             </a:pPr>
             <a:r>
               <a:rPr lang="pt-BR" b="1" dirty="0"/>
-              <a:t>Vantagens</a:t>
-            </a:r>
-            <a:r>
-              <a:rPr lang="pt-BR" dirty="0"/>
-              <a:t>:</a:t>
-            </a:r>
-          </a:p>
-          <a:p>
-            <a:pPr lvl="1">
-              <a:buFont typeface="Arial" panose="020B0604020202020204" pitchFamily="34" charset="0"/>
-              <a:buChar char="•"/>
-            </a:pPr>
-            <a:r>
-              <a:rPr lang="pt-BR" dirty="0"/>
-              <a:t>Melhor rastreamento e gerenciamento de workflows interdependentes.</a:t>
-            </a:r>
-          </a:p>
-          <a:p>
-            <a:pPr lvl="1">
-              <a:buFont typeface="Arial" panose="020B0604020202020204" pitchFamily="34" charset="0"/>
-              <a:buChar char="•"/>
-            </a:pPr>
-            <a:r>
-              <a:rPr lang="pt-BR" dirty="0"/>
-              <a:t>Gatilho automático de </a:t>
-            </a:r>
-            <a:r>
-              <a:rPr lang="pt-BR" dirty="0" err="1"/>
-              <a:t>DAGs</a:t>
-            </a:r>
-            <a:r>
-              <a:rPr lang="pt-BR" dirty="0"/>
-              <a:t> quando um </a:t>
-            </a:r>
-            <a:r>
-              <a:rPr lang="pt-BR" dirty="0" err="1"/>
-              <a:t>dataset</a:t>
-            </a:r>
-            <a:r>
-              <a:rPr lang="pt-BR" dirty="0"/>
-              <a:t> é atualizado.</a:t>
+              <a:t>Task-</a:t>
+            </a:r>
+            <a:r>
+              <a:rPr lang="pt-BR" b="1" dirty="0" err="1"/>
+              <a:t>level</a:t>
+            </a:r>
+            <a:r>
+              <a:rPr lang="pt-BR" b="1" dirty="0"/>
+              <a:t> </a:t>
+            </a:r>
+            <a:r>
+              <a:rPr lang="pt-BR" b="1" dirty="0" err="1"/>
+              <a:t>Parameters</a:t>
+            </a:r>
+            <a:r>
+              <a:rPr lang="pt-BR" dirty="0"/>
+              <a:t>: Passados para operadores.</a:t>
             </a:r>
           </a:p>
           <a:p>
@@ -8893,195 +9071,105 @@
             </a:r>
           </a:p>
           <a:p>
-            <a:pPr marL="0" indent="0">
+            <a:pPr marL="502920" lvl="1" indent="0">
               <a:buNone/>
             </a:pPr>
             <a:r>
-              <a:rPr lang="pt-BR" sz="1400" dirty="0"/>
+              <a:rPr lang="pt-BR" sz="1200" dirty="0" err="1"/>
+              <a:t>from</a:t>
+            </a:r>
+            <a:r>
+              <a:rPr lang="pt-BR" sz="1200" dirty="0"/>
+              <a:t> </a:t>
+            </a:r>
+            <a:r>
+              <a:rPr lang="pt-BR" sz="1200" dirty="0" err="1"/>
+              <a:t>airflow.models.param</a:t>
+            </a:r>
+            <a:r>
+              <a:rPr lang="pt-BR" sz="1200" dirty="0"/>
+              <a:t> </a:t>
+            </a:r>
+            <a:r>
+              <a:rPr lang="pt-BR" sz="1200" dirty="0" err="1"/>
+              <a:t>import</a:t>
+            </a:r>
+            <a:r>
+              <a:rPr lang="pt-BR" sz="1200" dirty="0"/>
+              <a:t> Param </a:t>
+            </a:r>
+          </a:p>
+          <a:p>
+            <a:pPr marL="502920" lvl="1" indent="0">
+              <a:buNone/>
+            </a:pPr>
+            <a:r>
+              <a:rPr lang="pt-BR" sz="1200" dirty="0" err="1"/>
+              <a:t>with</a:t>
+            </a:r>
+            <a:r>
+              <a:rPr lang="pt-BR" sz="1200" dirty="0"/>
+              <a:t> DAG('</a:t>
+            </a:r>
+            <a:r>
+              <a:rPr lang="pt-BR" sz="1200" dirty="0" err="1"/>
+              <a:t>example_dag</a:t>
+            </a:r>
+            <a:r>
+              <a:rPr lang="pt-BR" sz="1200" dirty="0"/>
+              <a:t>', </a:t>
+            </a:r>
+            <a:r>
+              <a:rPr lang="pt-BR" sz="1200" dirty="0" err="1"/>
+              <a:t>params</a:t>
+            </a:r>
+            <a:r>
+              <a:rPr lang="pt-BR" sz="1200" dirty="0"/>
+              <a:t>={'</a:t>
+            </a:r>
+            <a:r>
+              <a:rPr lang="pt-BR" sz="1200" dirty="0" err="1"/>
+              <a:t>start_date</a:t>
+            </a:r>
+            <a:r>
+              <a:rPr lang="pt-BR" sz="1200" dirty="0"/>
+              <a:t>': Param('2024-01-01')}) as </a:t>
+            </a:r>
+            <a:r>
+              <a:rPr lang="pt-BR" sz="1200" dirty="0" err="1"/>
+              <a:t>dag</a:t>
+            </a:r>
+            <a:r>
+              <a:rPr lang="pt-BR" sz="1200" dirty="0"/>
+              <a:t>: </a:t>
+            </a:r>
+          </a:p>
+          <a:p>
+            <a:pPr marL="502920" lvl="1" indent="0">
+              <a:buNone/>
+            </a:pPr>
+            <a:r>
+              <a:rPr lang="pt-BR" sz="1200" dirty="0"/>
               <a:t>	</a:t>
             </a:r>
             <a:r>
-              <a:rPr lang="pt-BR" sz="1400" dirty="0" err="1"/>
-              <a:t>dataset</a:t>
-            </a:r>
-            <a:r>
-              <a:rPr lang="pt-BR" sz="1400" dirty="0"/>
-              <a:t> = </a:t>
-            </a:r>
-            <a:r>
-              <a:rPr lang="pt-BR" sz="1400" dirty="0" err="1"/>
-              <a:t>Dataset</a:t>
-            </a:r>
-            <a:r>
-              <a:rPr lang="pt-BR" sz="1400" dirty="0"/>
-              <a:t>('s3://</a:t>
-            </a:r>
-            <a:r>
-              <a:rPr lang="pt-BR" sz="1400" dirty="0" err="1"/>
-              <a:t>bucket</a:t>
-            </a:r>
-            <a:r>
-              <a:rPr lang="pt-BR" sz="1400" dirty="0"/>
-              <a:t>/</a:t>
-            </a:r>
-            <a:r>
-              <a:rPr lang="pt-BR" sz="1400" dirty="0" err="1"/>
-              <a:t>dataset.csv</a:t>
-            </a:r>
-            <a:r>
-              <a:rPr lang="pt-BR" sz="1400" dirty="0"/>
-              <a:t>’) </a:t>
-            </a:r>
-          </a:p>
-          <a:p>
-            <a:pPr marL="0" indent="0">
-              <a:buNone/>
-            </a:pPr>
-            <a:r>
-              <a:rPr lang="pt-BR" sz="1400" dirty="0"/>
-              <a:t>	</a:t>
-            </a:r>
-            <a:r>
-              <a:rPr lang="pt-BR" sz="1400" dirty="0" err="1"/>
-              <a:t>with</a:t>
-            </a:r>
-            <a:r>
-              <a:rPr lang="pt-BR" sz="1400" dirty="0"/>
-              <a:t> DAG('</a:t>
-            </a:r>
-            <a:r>
-              <a:rPr lang="pt-BR" sz="1400" dirty="0" err="1"/>
-              <a:t>producer</a:t>
-            </a:r>
-            <a:r>
-              <a:rPr lang="pt-BR" sz="1400" dirty="0"/>
-              <a:t>') as </a:t>
-            </a:r>
-            <a:r>
-              <a:rPr lang="pt-BR" sz="1400" dirty="0" err="1"/>
-              <a:t>producer_dag</a:t>
-            </a:r>
-            <a:r>
-              <a:rPr lang="pt-BR" sz="1400" dirty="0"/>
-              <a:t>: </a:t>
-            </a:r>
-          </a:p>
-          <a:p>
-            <a:pPr marL="0" indent="0">
-              <a:buNone/>
-            </a:pPr>
-            <a:r>
-              <a:rPr lang="pt-BR" sz="1400" dirty="0"/>
-              <a:t>		</a:t>
-            </a:r>
-            <a:r>
-              <a:rPr lang="pt-BR" sz="1400" dirty="0" err="1"/>
-              <a:t>update_dataset</a:t>
-            </a:r>
-            <a:r>
-              <a:rPr lang="pt-BR" sz="1400" dirty="0"/>
-              <a:t> = </a:t>
-            </a:r>
-            <a:r>
-              <a:rPr lang="pt-BR" sz="1400" dirty="0" err="1"/>
-              <a:t>EmptyOperator</a:t>
-            </a:r>
-            <a:r>
-              <a:rPr lang="pt-BR" sz="1400" dirty="0"/>
-              <a:t>(outlets=[</a:t>
-            </a:r>
-            <a:r>
-              <a:rPr lang="pt-BR" sz="1400" dirty="0" err="1"/>
-              <a:t>dataset</a:t>
-            </a:r>
-            <a:r>
-              <a:rPr lang="pt-BR" sz="1400" dirty="0"/>
-              <a:t>]) </a:t>
-            </a:r>
-          </a:p>
-          <a:p>
-            <a:pPr marL="0" indent="0">
-              <a:buNone/>
-            </a:pPr>
-            <a:r>
-              <a:rPr lang="pt-BR" sz="1400" dirty="0"/>
-              <a:t>	</a:t>
-            </a:r>
-            <a:r>
-              <a:rPr lang="pt-BR" sz="1400" dirty="0" err="1"/>
-              <a:t>with</a:t>
-            </a:r>
-            <a:r>
-              <a:rPr lang="pt-BR" sz="1400" dirty="0"/>
-              <a:t> DAG('</a:t>
-            </a:r>
-            <a:r>
-              <a:rPr lang="pt-BR" sz="1400" dirty="0" err="1"/>
-              <a:t>consumer</a:t>
-            </a:r>
-            <a:r>
-              <a:rPr lang="pt-BR" sz="1400" dirty="0"/>
-              <a:t>') as </a:t>
-            </a:r>
-            <a:r>
-              <a:rPr lang="pt-BR" sz="1400" dirty="0" err="1"/>
-              <a:t>consumer_dag</a:t>
-            </a:r>
-            <a:r>
-              <a:rPr lang="pt-BR" sz="1400" dirty="0"/>
-              <a:t>: </a:t>
-            </a:r>
-          </a:p>
-          <a:p>
-            <a:pPr marL="0" indent="0">
-              <a:buNone/>
-            </a:pPr>
-            <a:r>
-              <a:rPr lang="pt-BR" sz="1400" dirty="0"/>
-              <a:t>		</a:t>
-            </a:r>
-            <a:r>
-              <a:rPr lang="pt-BR" sz="1400" dirty="0" err="1"/>
-              <a:t>process_data</a:t>
-            </a:r>
-            <a:r>
-              <a:rPr lang="pt-BR" sz="1400" dirty="0"/>
-              <a:t> = </a:t>
-            </a:r>
-            <a:r>
-              <a:rPr lang="pt-BR" sz="1400" dirty="0" err="1"/>
-              <a:t>EmptyOperator</a:t>
-            </a:r>
-            <a:r>
-              <a:rPr lang="pt-BR" sz="1400" dirty="0"/>
-              <a:t>(</a:t>
-            </a:r>
-            <a:r>
-              <a:rPr lang="pt-BR" sz="1400" dirty="0" err="1"/>
-              <a:t>inlets</a:t>
-            </a:r>
-            <a:r>
-              <a:rPr lang="pt-BR" sz="1400" dirty="0"/>
-              <a:t>=[</a:t>
-            </a:r>
-            <a:r>
-              <a:rPr lang="pt-BR" sz="1400" dirty="0" err="1"/>
-              <a:t>dataset</a:t>
-            </a:r>
-            <a:r>
-              <a:rPr lang="pt-BR" sz="1400" dirty="0"/>
-              <a:t>])</a:t>
-            </a:r>
-          </a:p>
-          <a:p>
-            <a:endParaRPr lang="pt-BR" dirty="0"/>
+              <a:rPr lang="pt-BR" sz="1200" dirty="0" err="1"/>
+              <a:t>pass</a:t>
+            </a:r>
+            <a:endParaRPr lang="pt-BR" sz="1200" dirty="0"/>
+          </a:p>
+          <a:p>
+            <a:r>
+              <a:rPr lang="pt-BR" dirty="0"/>
+              <a:t>Parâmetros podem ser armazenados como metadados</a:t>
+            </a:r>
           </a:p>
         </p:txBody>
       </p:sp>
     </p:spTree>
     <p:extLst>
       <p:ext uri="{BB962C8B-B14F-4D97-AF65-F5344CB8AC3E}">
-        <p14:creationId xmlns:p14="http://schemas.microsoft.com/office/powerpoint/2010/main" val="3934416655"/>
+        <p14:creationId xmlns:p14="http://schemas.microsoft.com/office/powerpoint/2010/main" val="4233008037"/>
       </p:ext>
     </p:extLst>
   </p:cSld>
